--- a/trunk/doc/Présentations/Projet Courchevel - Soutenance finale.pptx
+++ b/trunk/doc/Présentations/Projet Courchevel - Soutenance finale.pptx
@@ -5,7 +5,7 @@
     <p:sldMasterId id="2147483648" r:id="rId1"/>
   </p:sldMasterIdLst>
   <p:notesMasterIdLst>
-    <p:notesMasterId r:id="rId21"/>
+    <p:notesMasterId r:id="rId22"/>
   </p:notesMasterIdLst>
   <p:sldIdLst>
     <p:sldId id="257" r:id="rId2"/>
@@ -16,17 +16,18 @@
     <p:sldId id="318" r:id="rId7"/>
     <p:sldId id="329" r:id="rId8"/>
     <p:sldId id="330" r:id="rId9"/>
-    <p:sldId id="319" r:id="rId10"/>
-    <p:sldId id="323" r:id="rId11"/>
-    <p:sldId id="324" r:id="rId12"/>
-    <p:sldId id="325" r:id="rId13"/>
-    <p:sldId id="326" r:id="rId14"/>
-    <p:sldId id="320" r:id="rId15"/>
-    <p:sldId id="322" r:id="rId16"/>
-    <p:sldId id="321" r:id="rId17"/>
-    <p:sldId id="316" r:id="rId18"/>
-    <p:sldId id="315" r:id="rId19"/>
-    <p:sldId id="313" r:id="rId20"/>
+    <p:sldId id="331" r:id="rId10"/>
+    <p:sldId id="319" r:id="rId11"/>
+    <p:sldId id="323" r:id="rId12"/>
+    <p:sldId id="324" r:id="rId13"/>
+    <p:sldId id="325" r:id="rId14"/>
+    <p:sldId id="326" r:id="rId15"/>
+    <p:sldId id="320" r:id="rId16"/>
+    <p:sldId id="322" r:id="rId17"/>
+    <p:sldId id="321" r:id="rId18"/>
+    <p:sldId id="316" r:id="rId19"/>
+    <p:sldId id="315" r:id="rId20"/>
+    <p:sldId id="313" r:id="rId21"/>
   </p:sldIdLst>
   <p:sldSz cx="9144000" cy="6858000" type="screen4x3"/>
   <p:notesSz cx="6858000" cy="9144000"/>
@@ -1506,6 +1507,107 @@
                 <a:defRPr/>
               </a:pPr>
               <a:t>18</a:t>
+            </a:fld>
+            <a:endParaRPr lang="fr-FR"/>
+          </a:p>
+        </p:txBody>
+      </p:sp>
+    </p:spTree>
+  </p:cSld>
+  <p:clrMapOvr>
+    <a:masterClrMapping/>
+  </p:clrMapOvr>
+</p:notes>
+</file>
+
+<file path=ppt/notesSlides/notesSlide19.xml><?xml version="1.0" encoding="utf-8"?>
+<p:notes xmlns:a="http://schemas.openxmlformats.org/drawingml/2006/main" xmlns:r="http://schemas.openxmlformats.org/officeDocument/2006/relationships" xmlns:p="http://schemas.openxmlformats.org/presentationml/2006/main">
+  <p:cSld>
+    <p:spTree>
+      <p:nvGrpSpPr>
+        <p:cNvPr id="1" name=""/>
+        <p:cNvGrpSpPr/>
+        <p:nvPr/>
+      </p:nvGrpSpPr>
+      <p:grpSpPr>
+        <a:xfrm>
+          <a:off x="0" y="0"/>
+          <a:ext cx="0" cy="0"/>
+          <a:chOff x="0" y="0"/>
+          <a:chExt cx="0" cy="0"/>
+        </a:xfrm>
+      </p:grpSpPr>
+      <p:sp>
+        <p:nvSpPr>
+          <p:cNvPr id="21506" name="Espace réservé de l'image des diapositives 1"/>
+          <p:cNvSpPr>
+            <a:spLocks noGrp="1" noRot="1" noChangeAspect="1" noTextEdit="1"/>
+          </p:cNvSpPr>
+          <p:nvPr>
+            <p:ph type="sldImg"/>
+          </p:nvPr>
+        </p:nvSpPr>
+        <p:spPr bwMode="auto">
+          <a:noFill/>
+          <a:ln>
+            <a:solidFill>
+              <a:srgbClr val="000000"/>
+            </a:solidFill>
+            <a:miter lim="800000"/>
+            <a:headEnd/>
+            <a:tailEnd/>
+          </a:ln>
+        </p:spPr>
+      </p:sp>
+      <p:sp>
+        <p:nvSpPr>
+          <p:cNvPr id="21507" name="Espace réservé des commentaires 2"/>
+          <p:cNvSpPr>
+            <a:spLocks noGrp="1"/>
+          </p:cNvSpPr>
+          <p:nvPr>
+            <p:ph type="body" idx="1"/>
+          </p:nvPr>
+        </p:nvSpPr>
+        <p:spPr bwMode="auto">
+          <a:noFill/>
+        </p:spPr>
+        <p:txBody>
+          <a:bodyPr wrap="square" numCol="1" anchor="t" anchorCtr="0" compatLnSpc="1">
+            <a:prstTxWarp prst="textNoShape">
+              <a:avLst/>
+            </a:prstTxWarp>
+          </a:bodyPr>
+          <a:lstStyle/>
+          <a:p>
+            <a:endParaRPr lang="fr-FR" smtClean="0"/>
+          </a:p>
+        </p:txBody>
+      </p:sp>
+      <p:sp>
+        <p:nvSpPr>
+          <p:cNvPr id="4" name="Espace réservé du numéro de diapositive 3"/>
+          <p:cNvSpPr>
+            <a:spLocks noGrp="1"/>
+          </p:cNvSpPr>
+          <p:nvPr>
+            <p:ph type="sldNum" sz="quarter" idx="5"/>
+          </p:nvPr>
+        </p:nvSpPr>
+        <p:spPr/>
+        <p:txBody>
+          <a:bodyPr/>
+          <a:lstStyle/>
+          <a:p>
+            <a:pPr>
+              <a:defRPr/>
+            </a:pPr>
+            <a:fld id="{445C0ADE-5444-4AF0-8585-266DB2CCD55E}" type="slidenum">
+              <a:rPr lang="fr-FR" smtClean="0"/>
+              <a:pPr>
+                <a:defRPr/>
+              </a:pPr>
+              <a:t>19</a:t>
             </a:fld>
             <a:endParaRPr lang="fr-FR"/>
           </a:p>
@@ -5390,11 +5492,7 @@
             </a:pPr>
             <a:r>
               <a:rPr lang="fr-FR" sz="2400" dirty="0" smtClean="0"/>
-              <a:t>Equipe </a:t>
-            </a:r>
-            <a:r>
-              <a:rPr lang="fr-FR" sz="2400" dirty="0" smtClean="0"/>
-              <a:t>Gamma</a:t>
+              <a:t>Equipe Gamma</a:t>
             </a:r>
             <a:endParaRPr lang="fr-FR" sz="2400" dirty="0"/>
           </a:p>
@@ -5407,11 +5505,7 @@
             </a:pPr>
             <a:r>
               <a:rPr lang="fr-FR" sz="1600" dirty="0" smtClean="0"/>
-              <a:t>Aymeric </a:t>
-            </a:r>
-            <a:r>
-              <a:rPr lang="fr-FR" sz="1600" dirty="0" smtClean="0"/>
-              <a:t>ASSIER – Mickaël ARNOULD – Adrien LOMBARD – Sébastien FRANCHON</a:t>
+              <a:t>Aymeric ASSIER – Mickaël ARNOULD – Adrien LOMBARD – Sébastien FRANCHON</a:t>
             </a:r>
             <a:r>
               <a:rPr lang="fr-FR" sz="1600" dirty="0"/>
@@ -5537,9 +5631,139 @@
           <a:chExt cx="0" cy="0"/>
         </a:xfrm>
       </p:grpSpPr>
+      <p:sp>
+        <p:nvSpPr>
+          <p:cNvPr id="3074" name="Titre 1"/>
+          <p:cNvSpPr>
+            <a:spLocks noGrp="1"/>
+          </p:cNvSpPr>
+          <p:nvPr>
+            <p:ph type="title"/>
+          </p:nvPr>
+        </p:nvSpPr>
+        <p:spPr>
+          <a:xfrm>
+            <a:off x="457200" y="773832"/>
+            <a:ext cx="8229600" cy="1143000"/>
+          </a:xfrm>
+        </p:spPr>
+        <p:txBody>
+          <a:bodyPr/>
+          <a:lstStyle/>
+          <a:p>
+            <a:r>
+              <a:rPr lang="fr-FR" dirty="0" smtClean="0"/>
+              <a:t>Plan</a:t>
+            </a:r>
+          </a:p>
+        </p:txBody>
+      </p:sp>
+      <p:sp>
+        <p:nvSpPr>
+          <p:cNvPr id="3075" name="Espace réservé du contenu 2"/>
+          <p:cNvSpPr>
+            <a:spLocks noGrp="1"/>
+          </p:cNvSpPr>
+          <p:nvPr>
+            <p:ph idx="1"/>
+          </p:nvPr>
+        </p:nvSpPr>
+        <p:spPr>
+          <a:xfrm>
+            <a:off x="457200" y="1600200"/>
+            <a:ext cx="8229600" cy="5141168"/>
+          </a:xfrm>
+        </p:spPr>
+        <p:txBody>
+          <a:bodyPr>
+            <a:normAutofit/>
+          </a:bodyPr>
+          <a:lstStyle/>
+          <a:p>
+            <a:pPr>
+              <a:lnSpc>
+                <a:spcPct val="170000"/>
+              </a:lnSpc>
+            </a:pPr>
+            <a:r>
+              <a:rPr lang="fr-FR" dirty="0" smtClean="0">
+                <a:solidFill>
+                  <a:schemeClr val="bg1">
+                    <a:lumMod val="50000"/>
+                  </a:schemeClr>
+                </a:solidFill>
+              </a:rPr>
+              <a:t>Le contexte</a:t>
+            </a:r>
+          </a:p>
+          <a:p>
+            <a:pPr>
+              <a:lnSpc>
+                <a:spcPct val="170000"/>
+              </a:lnSpc>
+            </a:pPr>
+            <a:r>
+              <a:rPr lang="fr-FR" dirty="0" smtClean="0">
+                <a:solidFill>
+                  <a:schemeClr val="bg1">
+                    <a:lumMod val="50000"/>
+                  </a:schemeClr>
+                </a:solidFill>
+              </a:rPr>
+              <a:t>Le projet</a:t>
+            </a:r>
+          </a:p>
+          <a:p>
+            <a:pPr>
+              <a:lnSpc>
+                <a:spcPct val="170000"/>
+              </a:lnSpc>
+            </a:pPr>
+            <a:r>
+              <a:rPr lang="fr-FR" dirty="0" smtClean="0"/>
+              <a:t>Conception</a:t>
+            </a:r>
+          </a:p>
+          <a:p>
+            <a:pPr>
+              <a:lnSpc>
+                <a:spcPct val="170000"/>
+              </a:lnSpc>
+            </a:pPr>
+            <a:r>
+              <a:rPr lang="fr-FR" dirty="0" smtClean="0">
+                <a:solidFill>
+                  <a:schemeClr val="bg1">
+                    <a:lumMod val="50000"/>
+                  </a:schemeClr>
+                </a:solidFill>
+              </a:rPr>
+              <a:t>Démonstration</a:t>
+            </a:r>
+          </a:p>
+          <a:p>
+            <a:pPr>
+              <a:lnSpc>
+                <a:spcPct val="170000"/>
+              </a:lnSpc>
+            </a:pPr>
+            <a:r>
+              <a:rPr lang="fr-FR" dirty="0" smtClean="0">
+                <a:solidFill>
+                  <a:schemeClr val="bg1">
+                    <a:lumMod val="50000"/>
+                  </a:schemeClr>
+                </a:solidFill>
+              </a:rPr>
+              <a:t>Gestion de projet</a:t>
+            </a:r>
+            <a:endParaRPr lang="fr-FR" dirty="0" smtClean="0"/>
+          </a:p>
+        </p:txBody>
+      </p:sp>
       <p:pic>
         <p:nvPicPr>
-          <p:cNvPr id="5" name="Image 4"/>
+          <p:cNvPr id="3076" name="Image 4"/>
           <p:cNvPicPr>
             <a:picLocks noChangeAspect="1"/>
           </p:cNvPicPr>
@@ -5571,7 +5795,7 @@
       </p:pic>
       <p:sp>
         <p:nvSpPr>
-          <p:cNvPr id="6" name="Espace réservé du numéro de diapositive 1"/>
+          <p:cNvPr id="2" name="Espace réservé du numéro de diapositive 1"/>
           <p:cNvSpPr>
             <a:spLocks noGrp="1"/>
           </p:cNvSpPr>
@@ -5579,12 +5803,7 @@
             <p:ph type="sldNum" sz="quarter" idx="12"/>
           </p:nvPr>
         </p:nvSpPr>
-        <p:spPr>
-          <a:xfrm>
-            <a:off x="6553200" y="6356350"/>
-            <a:ext cx="2133600" cy="365125"/>
-          </a:xfrm>
-        </p:spPr>
+        <p:spPr/>
         <p:txBody>
           <a:bodyPr/>
           <a:lstStyle/>
@@ -5603,77 +5822,10 @@
           </a:p>
         </p:txBody>
       </p:sp>
-      <p:sp>
-        <p:nvSpPr>
-          <p:cNvPr id="7" name="Titre 1"/>
-          <p:cNvSpPr>
-            <a:spLocks noGrp="1"/>
-          </p:cNvSpPr>
-          <p:nvPr>
-            <p:ph type="title"/>
-          </p:nvPr>
-        </p:nvSpPr>
-        <p:spPr>
-          <a:xfrm>
-            <a:off x="662880" y="341784"/>
-            <a:ext cx="8229600" cy="1143000"/>
-          </a:xfrm>
-        </p:spPr>
-        <p:txBody>
-          <a:bodyPr>
-            <a:normAutofit/>
-          </a:bodyPr>
-          <a:lstStyle/>
-          <a:p>
-            <a:pPr algn="r"/>
-            <a:r>
-              <a:rPr lang="fr-FR" sz="2800" dirty="0" smtClean="0"/>
-              <a:t>MCD</a:t>
-            </a:r>
-          </a:p>
-        </p:txBody>
-      </p:sp>
-      <p:pic>
-        <p:nvPicPr>
-          <p:cNvPr id="5122" name="Picture 2" descr="D:\School\2011 - Master ISC\S8\Courchevel\doc\Conception\V2\MCD.PNG"/>
-          <p:cNvPicPr>
-            <a:picLocks noChangeAspect="1" noChangeArrowheads="1"/>
-          </p:cNvPicPr>
-          <p:nvPr/>
-        </p:nvPicPr>
-        <p:blipFill>
-          <a:blip r:embed="rId4" cstate="print">
-            <a:clrChange>
-              <a:clrFrom>
-                <a:srgbClr val="FFFFFF"/>
-              </a:clrFrom>
-              <a:clrTo>
-                <a:srgbClr val="FFFFFF">
-                  <a:alpha val="0"/>
-                </a:srgbClr>
-              </a:clrTo>
-            </a:clrChange>
-          </a:blip>
-          <a:srcRect/>
-          <a:stretch>
-            <a:fillRect/>
-          </a:stretch>
-        </p:blipFill>
-        <p:spPr bwMode="auto">
-          <a:xfrm>
-            <a:off x="395536" y="980728"/>
-            <a:ext cx="8388423" cy="5479947"/>
-          </a:xfrm>
-          <a:prstGeom prst="rect">
-            <a:avLst/>
-          </a:prstGeom>
-          <a:noFill/>
-        </p:spPr>
-      </p:pic>
     </p:spTree>
     <p:extLst>
       <p:ext uri="{BB962C8B-B14F-4D97-AF65-F5344CB8AC3E}">
-        <p14:creationId xmlns:p14="http://schemas.microsoft.com/office/powerpoint/2010/main" val="3405881691"/>
+        <p14:creationId xmlns:p14="http://schemas.microsoft.com/office/powerpoint/2010/main" val="2623020860"/>
       </p:ext>
     </p:extLst>
   </p:cSld>
@@ -5721,7 +5873,7 @@
       </p:grpSpPr>
       <p:pic>
         <p:nvPicPr>
-          <p:cNvPr id="3076" name="Image 4"/>
+          <p:cNvPr id="5" name="Image 4"/>
           <p:cNvPicPr>
             <a:picLocks noChangeAspect="1"/>
           </p:cNvPicPr>
@@ -5753,7 +5905,7 @@
       </p:pic>
       <p:sp>
         <p:nvSpPr>
-          <p:cNvPr id="2" name="Espace réservé du numéro de diapositive 1"/>
+          <p:cNvPr id="6" name="Espace réservé du numéro de diapositive 1"/>
           <p:cNvSpPr>
             <a:spLocks noGrp="1"/>
           </p:cNvSpPr>
@@ -5761,7 +5913,12 @@
             <p:ph type="sldNum" sz="quarter" idx="12"/>
           </p:nvPr>
         </p:nvSpPr>
-        <p:spPr/>
+        <p:spPr>
+          <a:xfrm>
+            <a:off x="6553200" y="6356350"/>
+            <a:ext cx="2133600" cy="365125"/>
+          </a:xfrm>
+        </p:spPr>
         <p:txBody>
           <a:bodyPr/>
           <a:lstStyle/>
@@ -5782,7 +5939,7 @@
       </p:sp>
       <p:sp>
         <p:nvSpPr>
-          <p:cNvPr id="6" name="Titre 1"/>
+          <p:cNvPr id="7" name="Titre 1"/>
           <p:cNvSpPr>
             <a:spLocks noGrp="1"/>
           </p:cNvSpPr>
@@ -5792,7 +5949,7 @@
         </p:nvSpPr>
         <p:spPr>
           <a:xfrm>
-            <a:off x="662880" y="413792"/>
+            <a:off x="662880" y="341784"/>
             <a:ext cx="8229600" cy="1143000"/>
           </a:xfrm>
         </p:spPr>
@@ -5805,14 +5962,14 @@
             <a:pPr algn="r"/>
             <a:r>
               <a:rPr lang="fr-FR" sz="2800" dirty="0" smtClean="0"/>
-              <a:t>Cas d’utilisation : Organisateur</a:t>
+              <a:t>MCD</a:t>
             </a:r>
           </a:p>
         </p:txBody>
       </p:sp>
       <p:pic>
         <p:nvPicPr>
-          <p:cNvPr id="1027" name="Picture 3" descr="D:\School\2011 - Master ISC\S8\Courchevel\doc\Conception\V2\UseCase-Organisateur.PNG"/>
+          <p:cNvPr id="5122" name="Picture 2" descr="D:\School\2011 - Master ISC\S8\Courchevel\doc\Conception\V2\MCD.PNG"/>
           <p:cNvPicPr>
             <a:picLocks noChangeAspect="1" noChangeArrowheads="1"/>
           </p:cNvPicPr>
@@ -5838,8 +5995,8 @@
         </p:blipFill>
         <p:spPr bwMode="auto">
           <a:xfrm>
-            <a:off x="307726" y="1628800"/>
-            <a:ext cx="8440738" cy="4676775"/>
+            <a:off x="395536" y="980728"/>
+            <a:ext cx="8388423" cy="5479947"/>
           </a:xfrm>
           <a:prstGeom prst="rect">
             <a:avLst/>
@@ -5850,7 +6007,7 @@
     </p:spTree>
     <p:extLst>
       <p:ext uri="{BB962C8B-B14F-4D97-AF65-F5344CB8AC3E}">
-        <p14:creationId xmlns:p14="http://schemas.microsoft.com/office/powerpoint/2010/main" val="2467418535"/>
+        <p14:creationId xmlns:p14="http://schemas.microsoft.com/office/powerpoint/2010/main" val="3405881691"/>
       </p:ext>
     </p:extLst>
   </p:cSld>
@@ -5898,7 +6055,7 @@
       </p:grpSpPr>
       <p:pic>
         <p:nvPicPr>
-          <p:cNvPr id="5" name="Image 4"/>
+          <p:cNvPr id="3076" name="Image 4"/>
           <p:cNvPicPr>
             <a:picLocks noChangeAspect="1"/>
           </p:cNvPicPr>
@@ -5930,7 +6087,7 @@
       </p:pic>
       <p:sp>
         <p:nvSpPr>
-          <p:cNvPr id="6" name="Espace réservé du numéro de diapositive 1"/>
+          <p:cNvPr id="2" name="Espace réservé du numéro de diapositive 1"/>
           <p:cNvSpPr>
             <a:spLocks noGrp="1"/>
           </p:cNvSpPr>
@@ -5938,12 +6095,7 @@
             <p:ph type="sldNum" sz="quarter" idx="12"/>
           </p:nvPr>
         </p:nvSpPr>
-        <p:spPr>
-          <a:xfrm>
-            <a:off x="6553200" y="6356350"/>
-            <a:ext cx="2133600" cy="365125"/>
-          </a:xfrm>
-        </p:spPr>
+        <p:spPr/>
         <p:txBody>
           <a:bodyPr/>
           <a:lstStyle/>
@@ -5964,7 +6116,7 @@
       </p:sp>
       <p:sp>
         <p:nvSpPr>
-          <p:cNvPr id="7" name="Titre 1"/>
+          <p:cNvPr id="6" name="Titre 1"/>
           <p:cNvSpPr>
             <a:spLocks noGrp="1"/>
           </p:cNvSpPr>
@@ -5987,21 +6139,21 @@
             <a:pPr algn="r"/>
             <a:r>
               <a:rPr lang="fr-FR" sz="2800" dirty="0" smtClean="0"/>
-              <a:t>Cas d’utilisation : Accréditeur</a:t>
+              <a:t>Cas d’utilisation : Organisateur</a:t>
             </a:r>
           </a:p>
         </p:txBody>
       </p:sp>
       <p:pic>
         <p:nvPicPr>
-          <p:cNvPr id="1026" name="Picture 2" descr="D:\Univ\INFO 891 - Projet Professionnalisant\doc\Conception\V2\Copie de UseCase-Accréditateur.PNG"/>
+          <p:cNvPr id="1027" name="Picture 3" descr="D:\School\2011 - Master ISC\S8\Courchevel\doc\Conception\V2\UseCase-Organisateur.PNG"/>
           <p:cNvPicPr>
             <a:picLocks noChangeAspect="1" noChangeArrowheads="1"/>
           </p:cNvPicPr>
           <p:nvPr/>
         </p:nvPicPr>
         <p:blipFill>
-          <a:blip r:embed="rId4">
+          <a:blip r:embed="rId4" cstate="print">
             <a:clrChange>
               <a:clrFrom>
                 <a:srgbClr val="FFFFFF"/>
@@ -6012,11 +6164,6 @@
                 </a:srgbClr>
               </a:clrTo>
             </a:clrChange>
-            <a:extLst>
-              <a:ext uri="{28A0092B-C50C-407E-A947-70E740481C1C}">
-                <a14:useLocalDpi xmlns:a14="http://schemas.microsoft.com/office/drawing/2010/main" val="0"/>
-              </a:ext>
-            </a:extLst>
           </a:blip>
           <a:srcRect/>
           <a:stretch>
@@ -6025,28 +6172,19 @@
         </p:blipFill>
         <p:spPr bwMode="auto">
           <a:xfrm>
-            <a:off x="395536" y="1179742"/>
-            <a:ext cx="8407797" cy="5561625"/>
+            <a:off x="307726" y="1628800"/>
+            <a:ext cx="8440738" cy="4676775"/>
           </a:xfrm>
           <a:prstGeom prst="rect">
             <a:avLst/>
           </a:prstGeom>
           <a:noFill/>
-          <a:extLst>
-            <a:ext uri="{909E8E84-426E-40DD-AFC4-6F175D3DCCD1}">
-              <a14:hiddenFill xmlns:a14="http://schemas.microsoft.com/office/drawing/2010/main">
-                <a:solidFill>
-                  <a:srgbClr val="FFFFFF"/>
-                </a:solidFill>
-              </a14:hiddenFill>
-            </a:ext>
-          </a:extLst>
         </p:spPr>
       </p:pic>
     </p:spTree>
     <p:extLst>
       <p:ext uri="{BB962C8B-B14F-4D97-AF65-F5344CB8AC3E}">
-        <p14:creationId xmlns:p14="http://schemas.microsoft.com/office/powerpoint/2010/main" val="1434209132"/>
+        <p14:creationId xmlns:p14="http://schemas.microsoft.com/office/powerpoint/2010/main" val="2467418535"/>
       </p:ext>
     </p:extLst>
   </p:cSld>
@@ -6160,6 +6298,202 @@
       </p:sp>
       <p:sp>
         <p:nvSpPr>
+          <p:cNvPr id="7" name="Titre 1"/>
+          <p:cNvSpPr>
+            <a:spLocks noGrp="1"/>
+          </p:cNvSpPr>
+          <p:nvPr>
+            <p:ph type="title"/>
+          </p:nvPr>
+        </p:nvSpPr>
+        <p:spPr>
+          <a:xfrm>
+            <a:off x="662880" y="413792"/>
+            <a:ext cx="8229600" cy="1143000"/>
+          </a:xfrm>
+        </p:spPr>
+        <p:txBody>
+          <a:bodyPr>
+            <a:normAutofit/>
+          </a:bodyPr>
+          <a:lstStyle/>
+          <a:p>
+            <a:pPr algn="r"/>
+            <a:r>
+              <a:rPr lang="fr-FR" sz="2800" dirty="0" smtClean="0"/>
+              <a:t>Cas d’utilisation : Accréditeur</a:t>
+            </a:r>
+          </a:p>
+        </p:txBody>
+      </p:sp>
+      <p:pic>
+        <p:nvPicPr>
+          <p:cNvPr id="1026" name="Picture 2" descr="D:\Univ\INFO 891 - Projet Professionnalisant\doc\Conception\V2\Copie de UseCase-Accréditateur.PNG"/>
+          <p:cNvPicPr>
+            <a:picLocks noChangeAspect="1" noChangeArrowheads="1"/>
+          </p:cNvPicPr>
+          <p:nvPr/>
+        </p:nvPicPr>
+        <p:blipFill>
+          <a:blip r:embed="rId4">
+            <a:clrChange>
+              <a:clrFrom>
+                <a:srgbClr val="FFFFFF"/>
+              </a:clrFrom>
+              <a:clrTo>
+                <a:srgbClr val="FFFFFF">
+                  <a:alpha val="0"/>
+                </a:srgbClr>
+              </a:clrTo>
+            </a:clrChange>
+            <a:extLst>
+              <a:ext uri="{28A0092B-C50C-407E-A947-70E740481C1C}">
+                <a14:useLocalDpi xmlns:a14="http://schemas.microsoft.com/office/drawing/2010/main" val="0"/>
+              </a:ext>
+            </a:extLst>
+          </a:blip>
+          <a:srcRect/>
+          <a:stretch>
+            <a:fillRect/>
+          </a:stretch>
+        </p:blipFill>
+        <p:spPr bwMode="auto">
+          <a:xfrm>
+            <a:off x="395536" y="1179742"/>
+            <a:ext cx="8407797" cy="5561625"/>
+          </a:xfrm>
+          <a:prstGeom prst="rect">
+            <a:avLst/>
+          </a:prstGeom>
+          <a:noFill/>
+          <a:extLst>
+            <a:ext uri="{909E8E84-426E-40DD-AFC4-6F175D3DCCD1}">
+              <a14:hiddenFill xmlns:a14="http://schemas.microsoft.com/office/drawing/2010/main">
+                <a:solidFill>
+                  <a:srgbClr val="FFFFFF"/>
+                </a:solidFill>
+              </a14:hiddenFill>
+            </a:ext>
+          </a:extLst>
+        </p:spPr>
+      </p:pic>
+    </p:spTree>
+    <p:extLst>
+      <p:ext uri="{BB962C8B-B14F-4D97-AF65-F5344CB8AC3E}">
+        <p14:creationId xmlns:p14="http://schemas.microsoft.com/office/powerpoint/2010/main" val="1434209132"/>
+      </p:ext>
+    </p:extLst>
+  </p:cSld>
+  <p:clrMapOvr>
+    <a:masterClrMapping/>
+  </p:clrMapOvr>
+  <mc:AlternateContent xmlns:mc="http://schemas.openxmlformats.org/markup-compatibility/2006" xmlns:p14="http://schemas.microsoft.com/office/powerpoint/2010/main">
+    <mc:Choice Requires="p14">
+      <p:transition spd="med">
+        <p14:gallery dir="l"/>
+      </p:transition>
+    </mc:Choice>
+    <mc:Fallback xmlns="">
+      <p:transition spd="med">
+        <p:fade/>
+      </p:transition>
+    </mc:Fallback>
+  </mc:AlternateContent>
+  <p:timing>
+    <p:tnLst>
+      <p:par>
+        <p:cTn id="1" dur="indefinite" restart="never" nodeType="tmRoot"/>
+      </p:par>
+    </p:tnLst>
+  </p:timing>
+</p:sld>
+</file>
+
+<file path=ppt/slides/slide14.xml><?xml version="1.0" encoding="utf-8"?>
+<p:sld xmlns:a="http://schemas.openxmlformats.org/drawingml/2006/main" xmlns:r="http://schemas.openxmlformats.org/officeDocument/2006/relationships" xmlns:p="http://schemas.openxmlformats.org/presentationml/2006/main">
+  <p:cSld>
+    <p:spTree>
+      <p:nvGrpSpPr>
+        <p:cNvPr id="1" name=""/>
+        <p:cNvGrpSpPr/>
+        <p:nvPr/>
+      </p:nvGrpSpPr>
+      <p:grpSpPr>
+        <a:xfrm>
+          <a:off x="0" y="0"/>
+          <a:ext cx="0" cy="0"/>
+          <a:chOff x="0" y="0"/>
+          <a:chExt cx="0" cy="0"/>
+        </a:xfrm>
+      </p:grpSpPr>
+      <p:pic>
+        <p:nvPicPr>
+          <p:cNvPr id="5" name="Image 4"/>
+          <p:cNvPicPr>
+            <a:picLocks noChangeAspect="1"/>
+          </p:cNvPicPr>
+          <p:nvPr/>
+        </p:nvPicPr>
+        <p:blipFill>
+          <a:blip r:embed="rId3" cstate="print"/>
+          <a:srcRect/>
+          <a:stretch>
+            <a:fillRect/>
+          </a:stretch>
+        </p:blipFill>
+        <p:spPr bwMode="auto">
+          <a:xfrm>
+            <a:off x="0" y="0"/>
+            <a:ext cx="9144000" cy="646113"/>
+          </a:xfrm>
+          <a:prstGeom prst="rect">
+            <a:avLst/>
+          </a:prstGeom>
+          <a:noFill/>
+          <a:ln w="9525">
+            <a:noFill/>
+            <a:miter lim="800000"/>
+            <a:headEnd/>
+            <a:tailEnd/>
+          </a:ln>
+        </p:spPr>
+      </p:pic>
+      <p:sp>
+        <p:nvSpPr>
+          <p:cNvPr id="6" name="Espace réservé du numéro de diapositive 1"/>
+          <p:cNvSpPr>
+            <a:spLocks noGrp="1"/>
+          </p:cNvSpPr>
+          <p:nvPr>
+            <p:ph type="sldNum" sz="quarter" idx="12"/>
+          </p:nvPr>
+        </p:nvSpPr>
+        <p:spPr>
+          <a:xfrm>
+            <a:off x="6553200" y="6356350"/>
+            <a:ext cx="2133600" cy="365125"/>
+          </a:xfrm>
+        </p:spPr>
+        <p:txBody>
+          <a:bodyPr/>
+          <a:lstStyle/>
+          <a:p>
+            <a:pPr>
+              <a:defRPr/>
+            </a:pPr>
+            <a:fld id="{CEE9F434-548C-4338-8DF1-58B3EAFD3701}" type="slidenum">
+              <a:rPr lang="fr-FR" smtClean="0"/>
+              <a:pPr>
+                <a:defRPr/>
+              </a:pPr>
+              <a:t>14</a:t>
+            </a:fld>
+            <a:endParaRPr lang="fr-FR"/>
+          </a:p>
+        </p:txBody>
+      </p:sp>
+      <p:sp>
+        <p:nvSpPr>
           <p:cNvPr id="8" name="Titre 1"/>
           <p:cNvSpPr>
             <a:spLocks noGrp="1"/>
@@ -6271,7 +6605,7 @@
 </p:sld>
 </file>
 
-<file path=ppt/slides/slide14.xml><?xml version="1.0" encoding="utf-8"?>
+<file path=ppt/slides/slide15.xml><?xml version="1.0" encoding="utf-8"?>
 <p:sld xmlns:a="http://schemas.openxmlformats.org/drawingml/2006/main" xmlns:r="http://schemas.openxmlformats.org/officeDocument/2006/relationships" xmlns:p="http://schemas.openxmlformats.org/presentationml/2006/main">
   <p:cSld>
     <p:spTree>
@@ -6473,7 +6807,7 @@
               <a:pPr>
                 <a:defRPr/>
               </a:pPr>
-              <a:t>14</a:t>
+              <a:t>15</a:t>
             </a:fld>
             <a:endParaRPr lang="fr-FR"/>
           </a:p>
@@ -6483,184 +6817,6 @@
     <p:extLst>
       <p:ext uri="{BB962C8B-B14F-4D97-AF65-F5344CB8AC3E}">
         <p14:creationId xmlns:p14="http://schemas.microsoft.com/office/powerpoint/2010/main" val="2150257744"/>
-      </p:ext>
-    </p:extLst>
-  </p:cSld>
-  <p:clrMapOvr>
-    <a:masterClrMapping/>
-  </p:clrMapOvr>
-  <mc:AlternateContent xmlns:mc="http://schemas.openxmlformats.org/markup-compatibility/2006" xmlns:p14="http://schemas.microsoft.com/office/powerpoint/2010/main">
-    <mc:Choice Requires="p14">
-      <p:transition spd="med">
-        <p14:gallery dir="l"/>
-      </p:transition>
-    </mc:Choice>
-    <mc:Fallback xmlns="">
-      <p:transition spd="med">
-        <p:fade/>
-      </p:transition>
-    </mc:Fallback>
-  </mc:AlternateContent>
-  <p:timing>
-    <p:tnLst>
-      <p:par>
-        <p:cTn id="1" dur="indefinite" restart="never" nodeType="tmRoot"/>
-      </p:par>
-    </p:tnLst>
-  </p:timing>
-</p:sld>
-</file>
-
-<file path=ppt/slides/slide15.xml><?xml version="1.0" encoding="utf-8"?>
-<p:sld xmlns:a="http://schemas.openxmlformats.org/drawingml/2006/main" xmlns:r="http://schemas.openxmlformats.org/officeDocument/2006/relationships" xmlns:p="http://schemas.openxmlformats.org/presentationml/2006/main">
-  <p:cSld>
-    <p:spTree>
-      <p:nvGrpSpPr>
-        <p:cNvPr id="1" name=""/>
-        <p:cNvGrpSpPr/>
-        <p:nvPr/>
-      </p:nvGrpSpPr>
-      <p:grpSpPr>
-        <a:xfrm>
-          <a:off x="0" y="0"/>
-          <a:ext cx="0" cy="0"/>
-          <a:chOff x="0" y="0"/>
-          <a:chExt cx="0" cy="0"/>
-        </a:xfrm>
-      </p:grpSpPr>
-      <p:sp>
-        <p:nvSpPr>
-          <p:cNvPr id="3074" name="Titre 1"/>
-          <p:cNvSpPr>
-            <a:spLocks noGrp="1"/>
-          </p:cNvSpPr>
-          <p:nvPr>
-            <p:ph type="title"/>
-          </p:nvPr>
-        </p:nvSpPr>
-        <p:spPr>
-          <a:xfrm>
-            <a:off x="457200" y="773832"/>
-            <a:ext cx="8229600" cy="1143000"/>
-          </a:xfrm>
-        </p:spPr>
-        <p:txBody>
-          <a:bodyPr/>
-          <a:lstStyle/>
-          <a:p>
-            <a:endParaRPr lang="fr-FR" dirty="0" smtClean="0"/>
-          </a:p>
-        </p:txBody>
-      </p:sp>
-      <p:sp>
-        <p:nvSpPr>
-          <p:cNvPr id="3075" name="Espace réservé du contenu 2"/>
-          <p:cNvSpPr>
-            <a:spLocks noGrp="1"/>
-          </p:cNvSpPr>
-          <p:nvPr>
-            <p:ph idx="1"/>
-          </p:nvPr>
-        </p:nvSpPr>
-        <p:spPr>
-          <a:xfrm>
-            <a:off x="457200" y="1600200"/>
-            <a:ext cx="8229600" cy="5141168"/>
-          </a:xfrm>
-        </p:spPr>
-        <p:txBody>
-          <a:bodyPr>
-            <a:normAutofit/>
-          </a:bodyPr>
-          <a:lstStyle/>
-          <a:p>
-            <a:pPr marL="0" indent="0">
-              <a:lnSpc>
-                <a:spcPct val="170000"/>
-              </a:lnSpc>
-              <a:buNone/>
-            </a:pPr>
-            <a:endParaRPr lang="fr-FR" dirty="0"/>
-          </a:p>
-          <a:p>
-            <a:pPr marL="0" indent="0" algn="ctr">
-              <a:lnSpc>
-                <a:spcPct val="170000"/>
-              </a:lnSpc>
-              <a:buNone/>
-            </a:pPr>
-            <a:r>
-              <a:rPr lang="fr-FR" sz="7200" dirty="0" smtClean="0"/>
-              <a:t>Démonstration</a:t>
-            </a:r>
-          </a:p>
-        </p:txBody>
-      </p:sp>
-      <p:pic>
-        <p:nvPicPr>
-          <p:cNvPr id="3076" name="Image 4"/>
-          <p:cNvPicPr>
-            <a:picLocks noChangeAspect="1"/>
-          </p:cNvPicPr>
-          <p:nvPr/>
-        </p:nvPicPr>
-        <p:blipFill>
-          <a:blip r:embed="rId3" cstate="print"/>
-          <a:srcRect/>
-          <a:stretch>
-            <a:fillRect/>
-          </a:stretch>
-        </p:blipFill>
-        <p:spPr bwMode="auto">
-          <a:xfrm>
-            <a:off x="0" y="0"/>
-            <a:ext cx="9144000" cy="646113"/>
-          </a:xfrm>
-          <a:prstGeom prst="rect">
-            <a:avLst/>
-          </a:prstGeom>
-          <a:noFill/>
-          <a:ln w="9525">
-            <a:noFill/>
-            <a:miter lim="800000"/>
-            <a:headEnd/>
-            <a:tailEnd/>
-          </a:ln>
-        </p:spPr>
-      </p:pic>
-      <p:sp>
-        <p:nvSpPr>
-          <p:cNvPr id="2" name="Espace réservé du numéro de diapositive 1"/>
-          <p:cNvSpPr>
-            <a:spLocks noGrp="1"/>
-          </p:cNvSpPr>
-          <p:nvPr>
-            <p:ph type="sldNum" sz="quarter" idx="12"/>
-          </p:nvPr>
-        </p:nvSpPr>
-        <p:spPr/>
-        <p:txBody>
-          <a:bodyPr/>
-          <a:lstStyle/>
-          <a:p>
-            <a:pPr>
-              <a:defRPr/>
-            </a:pPr>
-            <a:fld id="{CEE9F434-548C-4338-8DF1-58B3EAFD3701}" type="slidenum">
-              <a:rPr lang="fr-FR" smtClean="0"/>
-              <a:pPr>
-                <a:defRPr/>
-              </a:pPr>
-              <a:t>15</a:t>
-            </a:fld>
-            <a:endParaRPr lang="fr-FR"/>
-          </a:p>
-        </p:txBody>
-      </p:sp>
-    </p:spTree>
-    <p:extLst>
-      <p:ext uri="{BB962C8B-B14F-4D97-AF65-F5344CB8AC3E}">
-        <p14:creationId xmlns:p14="http://schemas.microsoft.com/office/powerpoint/2010/main" val="705338575"/>
       </p:ext>
     </p:extLst>
   </p:cSld>
@@ -6726,10 +6882,7 @@
           <a:bodyPr/>
           <a:lstStyle/>
           <a:p>
-            <a:r>
-              <a:rPr lang="fr-FR" dirty="0" smtClean="0"/>
-              <a:t>Plan</a:t>
-            </a:r>
+            <a:endParaRPr lang="fr-FR" dirty="0" smtClean="0"/>
           </a:p>
         </p:txBody>
       </p:sp>
@@ -6755,82 +6908,24 @@
           </a:bodyPr>
           <a:lstStyle/>
           <a:p>
-            <a:pPr>
+            <a:pPr marL="0" indent="0">
               <a:lnSpc>
                 <a:spcPct val="170000"/>
               </a:lnSpc>
+              <a:buNone/>
             </a:pPr>
-            <a:r>
-              <a:rPr lang="fr-FR" dirty="0" smtClean="0">
-                <a:solidFill>
-                  <a:schemeClr val="bg1">
-                    <a:lumMod val="50000"/>
-                  </a:schemeClr>
-                </a:solidFill>
-              </a:rPr>
-              <a:t>Le contexte</a:t>
-            </a:r>
-          </a:p>
-          <a:p>
-            <a:pPr>
+            <a:endParaRPr lang="fr-FR" dirty="0"/>
+          </a:p>
+          <a:p>
+            <a:pPr marL="0" indent="0" algn="ctr">
               <a:lnSpc>
                 <a:spcPct val="170000"/>
               </a:lnSpc>
+              <a:buNone/>
             </a:pPr>
             <a:r>
-              <a:rPr lang="fr-FR" dirty="0" smtClean="0">
-                <a:solidFill>
-                  <a:schemeClr val="bg1">
-                    <a:lumMod val="50000"/>
-                  </a:schemeClr>
-                </a:solidFill>
-              </a:rPr>
-              <a:t>Le projet</a:t>
-            </a:r>
-          </a:p>
-          <a:p>
-            <a:pPr>
-              <a:lnSpc>
-                <a:spcPct val="170000"/>
-              </a:lnSpc>
-            </a:pPr>
-            <a:r>
-              <a:rPr lang="fr-FR" dirty="0" smtClean="0">
-                <a:solidFill>
-                  <a:schemeClr val="bg1">
-                    <a:lumMod val="50000"/>
-                  </a:schemeClr>
-                </a:solidFill>
-              </a:rPr>
-              <a:t>Conception</a:t>
-            </a:r>
-          </a:p>
-          <a:p>
-            <a:pPr>
-              <a:lnSpc>
-                <a:spcPct val="170000"/>
-              </a:lnSpc>
-            </a:pPr>
-            <a:r>
-              <a:rPr lang="fr-FR" dirty="0" smtClean="0">
-                <a:solidFill>
-                  <a:schemeClr val="bg1">
-                    <a:lumMod val="50000"/>
-                  </a:schemeClr>
-                </a:solidFill>
-              </a:rPr>
+              <a:rPr lang="fr-FR" sz="7200" dirty="0" smtClean="0"/>
               <a:t>Démonstration</a:t>
-            </a:r>
-          </a:p>
-          <a:p>
-            <a:pPr>
-              <a:lnSpc>
-                <a:spcPct val="170000"/>
-              </a:lnSpc>
-            </a:pPr>
-            <a:r>
-              <a:rPr lang="fr-FR" dirty="0" smtClean="0"/>
-              <a:t>Gestion de projet</a:t>
             </a:r>
           </a:p>
         </p:txBody>
@@ -6899,7 +6994,7 @@
     </p:spTree>
     <p:extLst>
       <p:ext uri="{BB962C8B-B14F-4D97-AF65-F5344CB8AC3E}">
-        <p14:creationId xmlns:p14="http://schemas.microsoft.com/office/powerpoint/2010/main" val="1040411829"/>
+        <p14:creationId xmlns:p14="http://schemas.microsoft.com/office/powerpoint/2010/main" val="705338575"/>
       </p:ext>
     </p:extLst>
   </p:cSld>
@@ -6967,7 +7062,109 @@
           <a:p>
             <a:r>
               <a:rPr lang="fr-FR" dirty="0" smtClean="0"/>
-              <a:t>Gestion projet</a:t>
+              <a:t>Plan</a:t>
+            </a:r>
+          </a:p>
+        </p:txBody>
+      </p:sp>
+      <p:sp>
+        <p:nvSpPr>
+          <p:cNvPr id="3075" name="Espace réservé du contenu 2"/>
+          <p:cNvSpPr>
+            <a:spLocks noGrp="1"/>
+          </p:cNvSpPr>
+          <p:nvPr>
+            <p:ph idx="1"/>
+          </p:nvPr>
+        </p:nvSpPr>
+        <p:spPr>
+          <a:xfrm>
+            <a:off x="457200" y="1600200"/>
+            <a:ext cx="8229600" cy="5141168"/>
+          </a:xfrm>
+        </p:spPr>
+        <p:txBody>
+          <a:bodyPr>
+            <a:normAutofit/>
+          </a:bodyPr>
+          <a:lstStyle/>
+          <a:p>
+            <a:pPr>
+              <a:lnSpc>
+                <a:spcPct val="170000"/>
+              </a:lnSpc>
+            </a:pPr>
+            <a:r>
+              <a:rPr lang="fr-FR" dirty="0" smtClean="0">
+                <a:solidFill>
+                  <a:schemeClr val="bg1">
+                    <a:lumMod val="50000"/>
+                  </a:schemeClr>
+                </a:solidFill>
+              </a:rPr>
+              <a:t>Le contexte</a:t>
+            </a:r>
+          </a:p>
+          <a:p>
+            <a:pPr>
+              <a:lnSpc>
+                <a:spcPct val="170000"/>
+              </a:lnSpc>
+            </a:pPr>
+            <a:r>
+              <a:rPr lang="fr-FR" dirty="0" smtClean="0">
+                <a:solidFill>
+                  <a:schemeClr val="bg1">
+                    <a:lumMod val="50000"/>
+                  </a:schemeClr>
+                </a:solidFill>
+              </a:rPr>
+              <a:t>Le projet</a:t>
+            </a:r>
+          </a:p>
+          <a:p>
+            <a:pPr>
+              <a:lnSpc>
+                <a:spcPct val="170000"/>
+              </a:lnSpc>
+            </a:pPr>
+            <a:r>
+              <a:rPr lang="fr-FR" dirty="0" smtClean="0">
+                <a:solidFill>
+                  <a:schemeClr val="bg1">
+                    <a:lumMod val="50000"/>
+                  </a:schemeClr>
+                </a:solidFill>
+              </a:rPr>
+              <a:t>Conception</a:t>
+            </a:r>
+          </a:p>
+          <a:p>
+            <a:pPr>
+              <a:lnSpc>
+                <a:spcPct val="170000"/>
+              </a:lnSpc>
+            </a:pPr>
+            <a:r>
+              <a:rPr lang="fr-FR" dirty="0" smtClean="0">
+                <a:solidFill>
+                  <a:schemeClr val="bg1">
+                    <a:lumMod val="50000"/>
+                  </a:schemeClr>
+                </a:solidFill>
+              </a:rPr>
+              <a:t>Démonstration</a:t>
+            </a:r>
+          </a:p>
+          <a:p>
+            <a:pPr>
+              <a:lnSpc>
+                <a:spcPct val="170000"/>
+              </a:lnSpc>
+            </a:pPr>
+            <a:r>
+              <a:rPr lang="fr-FR" dirty="0" smtClean="0"/>
+              <a:t>Gestion de projet</a:t>
             </a:r>
           </a:p>
         </p:txBody>
@@ -7033,92 +7230,10 @@
           </a:p>
         </p:txBody>
       </p:sp>
-      <p:sp>
-        <p:nvSpPr>
-          <p:cNvPr id="19" name="TextBox 18"/>
-          <p:cNvSpPr txBox="1"/>
-          <p:nvPr/>
-        </p:nvSpPr>
-        <p:spPr>
-          <a:xfrm>
-            <a:off x="467544" y="2420888"/>
-            <a:ext cx="8208912" cy="3046988"/>
-          </a:xfrm>
-          <a:prstGeom prst="rect">
-            <a:avLst/>
-          </a:prstGeom>
-          <a:noFill/>
-        </p:spPr>
-        <p:txBody>
-          <a:bodyPr wrap="square" rtlCol="0">
-            <a:spAutoFit/>
-          </a:bodyPr>
-          <a:lstStyle/>
-          <a:p>
-            <a:pPr marL="0" lvl="2">
-              <a:buFont typeface="Arial" pitchFamily="34" charset="0"/>
-              <a:buChar char="•"/>
-            </a:pPr>
-            <a:r>
-              <a:rPr lang="fr-FR" sz="3200" dirty="0" smtClean="0"/>
-              <a:t>    Application des méthodes Agile </a:t>
-            </a:r>
-          </a:p>
-          <a:p>
-            <a:pPr marL="0" lvl="2"/>
-            <a:r>
-              <a:rPr lang="fr-FR" sz="3200" dirty="0" smtClean="0"/>
-              <a:t>	(</a:t>
-            </a:r>
-            <a:r>
-              <a:rPr lang="fr-FR" sz="3200" dirty="0" err="1" smtClean="0"/>
-              <a:t>Scrum</a:t>
-            </a:r>
-            <a:r>
-              <a:rPr lang="fr-FR" sz="3200" dirty="0" smtClean="0"/>
-              <a:t> et XP)</a:t>
-            </a:r>
-          </a:p>
-          <a:p>
-            <a:pPr>
-              <a:buFont typeface="Arial" pitchFamily="34" charset="0"/>
-              <a:buChar char="•"/>
-            </a:pPr>
-            <a:r>
-              <a:rPr lang="fr-FR" sz="3200" dirty="0" smtClean="0"/>
-              <a:t>    Utilisation d’un SVN</a:t>
-            </a:r>
-          </a:p>
-          <a:p>
-            <a:pPr lvl="1"/>
-            <a:r>
-              <a:rPr lang="fr-FR" sz="3200" dirty="0" smtClean="0"/>
-              <a:t>	 (Google code)</a:t>
-            </a:r>
-          </a:p>
-          <a:p>
-            <a:pPr>
-              <a:buFont typeface="Arial" pitchFamily="34" charset="0"/>
-              <a:buChar char="•"/>
-            </a:pPr>
-            <a:r>
-              <a:rPr lang="fr-FR" sz="3200" dirty="0" smtClean="0"/>
-              <a:t>    Partage des documents</a:t>
-            </a:r>
-          </a:p>
-          <a:p>
-            <a:pPr lvl="1"/>
-            <a:r>
-              <a:rPr lang="fr-FR" sz="3200" dirty="0" smtClean="0"/>
-              <a:t>	 (Google doc)</a:t>
-            </a:r>
-          </a:p>
-        </p:txBody>
-      </p:sp>
     </p:spTree>
     <p:extLst>
       <p:ext uri="{BB962C8B-B14F-4D97-AF65-F5344CB8AC3E}">
-        <p14:creationId xmlns:p14="http://schemas.microsoft.com/office/powerpoint/2010/main" val="3741159515"/>
+        <p14:creationId xmlns:p14="http://schemas.microsoft.com/office/powerpoint/2010/main" val="1040411829"/>
       </p:ext>
     </p:extLst>
   </p:cSld>
@@ -7186,7 +7301,7 @@
           <a:p>
             <a:r>
               <a:rPr lang="fr-FR" dirty="0" smtClean="0"/>
-              <a:t>Avancement du projet</a:t>
+              <a:t>Gestion projet</a:t>
             </a:r>
           </a:p>
         </p:txBody>
@@ -7247,6 +7362,225 @@
                 <a:defRPr/>
               </a:pPr>
               <a:t>18</a:t>
+            </a:fld>
+            <a:endParaRPr lang="fr-FR"/>
+          </a:p>
+        </p:txBody>
+      </p:sp>
+      <p:sp>
+        <p:nvSpPr>
+          <p:cNvPr id="19" name="TextBox 18"/>
+          <p:cNvSpPr txBox="1"/>
+          <p:nvPr/>
+        </p:nvSpPr>
+        <p:spPr>
+          <a:xfrm>
+            <a:off x="467544" y="2420888"/>
+            <a:ext cx="8208912" cy="3046988"/>
+          </a:xfrm>
+          <a:prstGeom prst="rect">
+            <a:avLst/>
+          </a:prstGeom>
+          <a:noFill/>
+        </p:spPr>
+        <p:txBody>
+          <a:bodyPr wrap="square" rtlCol="0">
+            <a:spAutoFit/>
+          </a:bodyPr>
+          <a:lstStyle/>
+          <a:p>
+            <a:pPr marL="0" lvl="2">
+              <a:buFont typeface="Arial" pitchFamily="34" charset="0"/>
+              <a:buChar char="•"/>
+            </a:pPr>
+            <a:r>
+              <a:rPr lang="fr-FR" sz="3200" dirty="0" smtClean="0"/>
+              <a:t>    Application des méthodes Agile </a:t>
+            </a:r>
+          </a:p>
+          <a:p>
+            <a:pPr marL="0" lvl="2"/>
+            <a:r>
+              <a:rPr lang="fr-FR" sz="3200" dirty="0" smtClean="0"/>
+              <a:t>	(</a:t>
+            </a:r>
+            <a:r>
+              <a:rPr lang="fr-FR" sz="3200" dirty="0" err="1" smtClean="0"/>
+              <a:t>Scrum</a:t>
+            </a:r>
+            <a:r>
+              <a:rPr lang="fr-FR" sz="3200" dirty="0" smtClean="0"/>
+              <a:t> et XP)</a:t>
+            </a:r>
+          </a:p>
+          <a:p>
+            <a:pPr>
+              <a:buFont typeface="Arial" pitchFamily="34" charset="0"/>
+              <a:buChar char="•"/>
+            </a:pPr>
+            <a:r>
+              <a:rPr lang="fr-FR" sz="3200" dirty="0" smtClean="0"/>
+              <a:t>    Utilisation d’un SVN</a:t>
+            </a:r>
+          </a:p>
+          <a:p>
+            <a:pPr lvl="1"/>
+            <a:r>
+              <a:rPr lang="fr-FR" sz="3200" dirty="0" smtClean="0"/>
+              <a:t>	 (Google code)</a:t>
+            </a:r>
+          </a:p>
+          <a:p>
+            <a:pPr>
+              <a:buFont typeface="Arial" pitchFamily="34" charset="0"/>
+              <a:buChar char="•"/>
+            </a:pPr>
+            <a:r>
+              <a:rPr lang="fr-FR" sz="3200" dirty="0" smtClean="0"/>
+              <a:t>    Partage des documents</a:t>
+            </a:r>
+          </a:p>
+          <a:p>
+            <a:pPr lvl="1"/>
+            <a:r>
+              <a:rPr lang="fr-FR" sz="3200" dirty="0" smtClean="0"/>
+              <a:t>	 (Google doc)</a:t>
+            </a:r>
+          </a:p>
+        </p:txBody>
+      </p:sp>
+    </p:spTree>
+    <p:extLst>
+      <p:ext uri="{BB962C8B-B14F-4D97-AF65-F5344CB8AC3E}">
+        <p14:creationId xmlns:p14="http://schemas.microsoft.com/office/powerpoint/2010/main" val="3741159515"/>
+      </p:ext>
+    </p:extLst>
+  </p:cSld>
+  <p:clrMapOvr>
+    <a:masterClrMapping/>
+  </p:clrMapOvr>
+  <mc:AlternateContent xmlns:mc="http://schemas.openxmlformats.org/markup-compatibility/2006" xmlns:p14="http://schemas.microsoft.com/office/powerpoint/2010/main">
+    <mc:Choice Requires="p14">
+      <p:transition spd="med">
+        <p14:gallery dir="l"/>
+      </p:transition>
+    </mc:Choice>
+    <mc:Fallback xmlns="">
+      <p:transition spd="med">
+        <p:fade/>
+      </p:transition>
+    </mc:Fallback>
+  </mc:AlternateContent>
+  <p:timing>
+    <p:tnLst>
+      <p:par>
+        <p:cTn id="1" dur="indefinite" restart="never" nodeType="tmRoot"/>
+      </p:par>
+    </p:tnLst>
+  </p:timing>
+</p:sld>
+</file>
+
+<file path=ppt/slides/slide19.xml><?xml version="1.0" encoding="utf-8"?>
+<p:sld xmlns:a="http://schemas.openxmlformats.org/drawingml/2006/main" xmlns:r="http://schemas.openxmlformats.org/officeDocument/2006/relationships" xmlns:p="http://schemas.openxmlformats.org/presentationml/2006/main">
+  <p:cSld>
+    <p:spTree>
+      <p:nvGrpSpPr>
+        <p:cNvPr id="1" name=""/>
+        <p:cNvGrpSpPr/>
+        <p:nvPr/>
+      </p:nvGrpSpPr>
+      <p:grpSpPr>
+        <a:xfrm>
+          <a:off x="0" y="0"/>
+          <a:ext cx="0" cy="0"/>
+          <a:chOff x="0" y="0"/>
+          <a:chExt cx="0" cy="0"/>
+        </a:xfrm>
+      </p:grpSpPr>
+      <p:sp>
+        <p:nvSpPr>
+          <p:cNvPr id="3074" name="Titre 1"/>
+          <p:cNvSpPr>
+            <a:spLocks noGrp="1"/>
+          </p:cNvSpPr>
+          <p:nvPr>
+            <p:ph type="title"/>
+          </p:nvPr>
+        </p:nvSpPr>
+        <p:spPr>
+          <a:xfrm>
+            <a:off x="457200" y="773832"/>
+            <a:ext cx="8229600" cy="1143000"/>
+          </a:xfrm>
+        </p:spPr>
+        <p:txBody>
+          <a:bodyPr/>
+          <a:lstStyle/>
+          <a:p>
+            <a:r>
+              <a:rPr lang="fr-FR" dirty="0" smtClean="0"/>
+              <a:t>Avancement du projet</a:t>
+            </a:r>
+          </a:p>
+        </p:txBody>
+      </p:sp>
+      <p:pic>
+        <p:nvPicPr>
+          <p:cNvPr id="3076" name="Image 4"/>
+          <p:cNvPicPr>
+            <a:picLocks noChangeAspect="1"/>
+          </p:cNvPicPr>
+          <p:nvPr/>
+        </p:nvPicPr>
+        <p:blipFill>
+          <a:blip r:embed="rId3" cstate="print"/>
+          <a:srcRect/>
+          <a:stretch>
+            <a:fillRect/>
+          </a:stretch>
+        </p:blipFill>
+        <p:spPr bwMode="auto">
+          <a:xfrm>
+            <a:off x="0" y="0"/>
+            <a:ext cx="9144000" cy="646113"/>
+          </a:xfrm>
+          <a:prstGeom prst="rect">
+            <a:avLst/>
+          </a:prstGeom>
+          <a:noFill/>
+          <a:ln w="9525">
+            <a:noFill/>
+            <a:miter lim="800000"/>
+            <a:headEnd/>
+            <a:tailEnd/>
+          </a:ln>
+        </p:spPr>
+      </p:pic>
+      <p:sp>
+        <p:nvSpPr>
+          <p:cNvPr id="2" name="Espace réservé du numéro de diapositive 1"/>
+          <p:cNvSpPr>
+            <a:spLocks noGrp="1"/>
+          </p:cNvSpPr>
+          <p:nvPr>
+            <p:ph type="sldNum" sz="quarter" idx="12"/>
+          </p:nvPr>
+        </p:nvSpPr>
+        <p:spPr/>
+        <p:txBody>
+          <a:bodyPr/>
+          <a:lstStyle/>
+          <a:p>
+            <a:pPr>
+              <a:defRPr/>
+            </a:pPr>
+            <a:fld id="{CEE9F434-548C-4338-8DF1-58B3EAFD3701}" type="slidenum">
+              <a:rPr lang="fr-FR" smtClean="0"/>
+              <a:pPr>
+                <a:defRPr/>
+              </a:pPr>
+              <a:t>19</a:t>
             </a:fld>
             <a:endParaRPr lang="fr-FR"/>
           </a:p>
@@ -7818,7 +8152,217 @@
 </p:sld>
 </file>
 
-<file path=ppt/slides/slide19.xml><?xml version="1.0" encoding="utf-8"?>
+<file path=ppt/slides/slide2.xml><?xml version="1.0" encoding="utf-8"?>
+<p:sld xmlns:a="http://schemas.openxmlformats.org/drawingml/2006/main" xmlns:r="http://schemas.openxmlformats.org/officeDocument/2006/relationships" xmlns:p="http://schemas.openxmlformats.org/presentationml/2006/main">
+  <p:cSld>
+    <p:spTree>
+      <p:nvGrpSpPr>
+        <p:cNvPr id="1" name=""/>
+        <p:cNvGrpSpPr/>
+        <p:nvPr/>
+      </p:nvGrpSpPr>
+      <p:grpSpPr>
+        <a:xfrm>
+          <a:off x="0" y="0"/>
+          <a:ext cx="0" cy="0"/>
+          <a:chOff x="0" y="0"/>
+          <a:chExt cx="0" cy="0"/>
+        </a:xfrm>
+      </p:grpSpPr>
+      <p:sp>
+        <p:nvSpPr>
+          <p:cNvPr id="3074" name="Titre 1"/>
+          <p:cNvSpPr>
+            <a:spLocks noGrp="1"/>
+          </p:cNvSpPr>
+          <p:nvPr>
+            <p:ph type="title"/>
+          </p:nvPr>
+        </p:nvSpPr>
+        <p:spPr>
+          <a:xfrm>
+            <a:off x="457200" y="773832"/>
+            <a:ext cx="8229600" cy="1143000"/>
+          </a:xfrm>
+        </p:spPr>
+        <p:txBody>
+          <a:bodyPr/>
+          <a:lstStyle/>
+          <a:p>
+            <a:r>
+              <a:rPr lang="fr-FR" dirty="0" smtClean="0"/>
+              <a:t>Plan</a:t>
+            </a:r>
+          </a:p>
+        </p:txBody>
+      </p:sp>
+      <p:sp>
+        <p:nvSpPr>
+          <p:cNvPr id="3075" name="Espace réservé du contenu 2"/>
+          <p:cNvSpPr>
+            <a:spLocks noGrp="1"/>
+          </p:cNvSpPr>
+          <p:nvPr>
+            <p:ph idx="1"/>
+          </p:nvPr>
+        </p:nvSpPr>
+        <p:spPr>
+          <a:xfrm>
+            <a:off x="457200" y="1600200"/>
+            <a:ext cx="8229600" cy="5141168"/>
+          </a:xfrm>
+        </p:spPr>
+        <p:txBody>
+          <a:bodyPr>
+            <a:normAutofit/>
+          </a:bodyPr>
+          <a:lstStyle/>
+          <a:p>
+            <a:pPr>
+              <a:lnSpc>
+                <a:spcPct val="170000"/>
+              </a:lnSpc>
+            </a:pPr>
+            <a:r>
+              <a:rPr lang="fr-FR" dirty="0" smtClean="0"/>
+              <a:t>Le contexte</a:t>
+            </a:r>
+          </a:p>
+          <a:p>
+            <a:pPr>
+              <a:lnSpc>
+                <a:spcPct val="170000"/>
+              </a:lnSpc>
+            </a:pPr>
+            <a:r>
+              <a:rPr lang="fr-FR" dirty="0" smtClean="0"/>
+              <a:t>Le projet</a:t>
+            </a:r>
+          </a:p>
+          <a:p>
+            <a:pPr>
+              <a:lnSpc>
+                <a:spcPct val="170000"/>
+              </a:lnSpc>
+            </a:pPr>
+            <a:r>
+              <a:rPr lang="fr-FR" dirty="0" smtClean="0"/>
+              <a:t>Conception</a:t>
+            </a:r>
+          </a:p>
+          <a:p>
+            <a:pPr>
+              <a:lnSpc>
+                <a:spcPct val="170000"/>
+              </a:lnSpc>
+            </a:pPr>
+            <a:r>
+              <a:rPr lang="fr-FR" dirty="0" smtClean="0"/>
+              <a:t>Démonstration</a:t>
+            </a:r>
+          </a:p>
+          <a:p>
+            <a:pPr>
+              <a:lnSpc>
+                <a:spcPct val="170000"/>
+              </a:lnSpc>
+            </a:pPr>
+            <a:r>
+              <a:rPr lang="fr-FR" dirty="0" smtClean="0"/>
+              <a:t>Gestion de projet</a:t>
+            </a:r>
+          </a:p>
+        </p:txBody>
+      </p:sp>
+      <p:pic>
+        <p:nvPicPr>
+          <p:cNvPr id="3076" name="Image 4"/>
+          <p:cNvPicPr>
+            <a:picLocks noChangeAspect="1"/>
+          </p:cNvPicPr>
+          <p:nvPr/>
+        </p:nvPicPr>
+        <p:blipFill>
+          <a:blip r:embed="rId3" cstate="print"/>
+          <a:srcRect/>
+          <a:stretch>
+            <a:fillRect/>
+          </a:stretch>
+        </p:blipFill>
+        <p:spPr bwMode="auto">
+          <a:xfrm>
+            <a:off x="0" y="0"/>
+            <a:ext cx="9144000" cy="646113"/>
+          </a:xfrm>
+          <a:prstGeom prst="rect">
+            <a:avLst/>
+          </a:prstGeom>
+          <a:noFill/>
+          <a:ln w="9525">
+            <a:noFill/>
+            <a:miter lim="800000"/>
+            <a:headEnd/>
+            <a:tailEnd/>
+          </a:ln>
+        </p:spPr>
+      </p:pic>
+      <p:sp>
+        <p:nvSpPr>
+          <p:cNvPr id="2" name="Espace réservé du numéro de diapositive 1"/>
+          <p:cNvSpPr>
+            <a:spLocks noGrp="1"/>
+          </p:cNvSpPr>
+          <p:nvPr>
+            <p:ph type="sldNum" sz="quarter" idx="12"/>
+          </p:nvPr>
+        </p:nvSpPr>
+        <p:spPr/>
+        <p:txBody>
+          <a:bodyPr/>
+          <a:lstStyle/>
+          <a:p>
+            <a:pPr>
+              <a:defRPr/>
+            </a:pPr>
+            <a:fld id="{CEE9F434-548C-4338-8DF1-58B3EAFD3701}" type="slidenum">
+              <a:rPr lang="fr-FR" smtClean="0"/>
+              <a:pPr>
+                <a:defRPr/>
+              </a:pPr>
+              <a:t>2</a:t>
+            </a:fld>
+            <a:endParaRPr lang="fr-FR"/>
+          </a:p>
+        </p:txBody>
+      </p:sp>
+    </p:spTree>
+  </p:cSld>
+  <p:clrMapOvr>
+    <a:masterClrMapping/>
+  </p:clrMapOvr>
+  <mc:AlternateContent xmlns:mc="http://schemas.openxmlformats.org/markup-compatibility/2006" xmlns:p14="http://schemas.microsoft.com/office/powerpoint/2010/main">
+    <mc:Choice Requires="p14">
+      <p:transition spd="med">
+        <p14:gallery dir="l"/>
+      </p:transition>
+    </mc:Choice>
+    <mc:Fallback xmlns="">
+      <p:transition spd="med">
+        <p:fade/>
+      </p:transition>
+    </mc:Fallback>
+  </mc:AlternateContent>
+  <p:timing>
+    <p:tnLst>
+      <p:par>
+        <p:cTn id="1" dur="indefinite" restart="never" nodeType="tmRoot"/>
+      </p:par>
+    </p:tnLst>
+  </p:timing>
+</p:sld>
+</file>
+
+<file path=ppt/slides/slide20.xml><?xml version="1.0" encoding="utf-8"?>
 <p:sld xmlns:a="http://schemas.openxmlformats.org/drawingml/2006/main" xmlns:r="http://schemas.openxmlformats.org/officeDocument/2006/relationships" xmlns:p="http://schemas.openxmlformats.org/presentationml/2006/main">
   <p:cSld>
     <p:spTree>
@@ -7899,216 +8443,6 @@
           </a:ln>
         </p:spPr>
       </p:pic>
-    </p:spTree>
-  </p:cSld>
-  <p:clrMapOvr>
-    <a:masterClrMapping/>
-  </p:clrMapOvr>
-  <mc:AlternateContent xmlns:mc="http://schemas.openxmlformats.org/markup-compatibility/2006" xmlns:p14="http://schemas.microsoft.com/office/powerpoint/2010/main">
-    <mc:Choice Requires="p14">
-      <p:transition spd="med">
-        <p14:gallery dir="l"/>
-      </p:transition>
-    </mc:Choice>
-    <mc:Fallback xmlns="">
-      <p:transition spd="med">
-        <p:fade/>
-      </p:transition>
-    </mc:Fallback>
-  </mc:AlternateContent>
-  <p:timing>
-    <p:tnLst>
-      <p:par>
-        <p:cTn id="1" dur="indefinite" restart="never" nodeType="tmRoot"/>
-      </p:par>
-    </p:tnLst>
-  </p:timing>
-</p:sld>
-</file>
-
-<file path=ppt/slides/slide2.xml><?xml version="1.0" encoding="utf-8"?>
-<p:sld xmlns:a="http://schemas.openxmlformats.org/drawingml/2006/main" xmlns:r="http://schemas.openxmlformats.org/officeDocument/2006/relationships" xmlns:p="http://schemas.openxmlformats.org/presentationml/2006/main">
-  <p:cSld>
-    <p:spTree>
-      <p:nvGrpSpPr>
-        <p:cNvPr id="1" name=""/>
-        <p:cNvGrpSpPr/>
-        <p:nvPr/>
-      </p:nvGrpSpPr>
-      <p:grpSpPr>
-        <a:xfrm>
-          <a:off x="0" y="0"/>
-          <a:ext cx="0" cy="0"/>
-          <a:chOff x="0" y="0"/>
-          <a:chExt cx="0" cy="0"/>
-        </a:xfrm>
-      </p:grpSpPr>
-      <p:sp>
-        <p:nvSpPr>
-          <p:cNvPr id="3074" name="Titre 1"/>
-          <p:cNvSpPr>
-            <a:spLocks noGrp="1"/>
-          </p:cNvSpPr>
-          <p:nvPr>
-            <p:ph type="title"/>
-          </p:nvPr>
-        </p:nvSpPr>
-        <p:spPr>
-          <a:xfrm>
-            <a:off x="457200" y="773832"/>
-            <a:ext cx="8229600" cy="1143000"/>
-          </a:xfrm>
-        </p:spPr>
-        <p:txBody>
-          <a:bodyPr/>
-          <a:lstStyle/>
-          <a:p>
-            <a:r>
-              <a:rPr lang="fr-FR" dirty="0" smtClean="0"/>
-              <a:t>Plan</a:t>
-            </a:r>
-          </a:p>
-        </p:txBody>
-      </p:sp>
-      <p:sp>
-        <p:nvSpPr>
-          <p:cNvPr id="3075" name="Espace réservé du contenu 2"/>
-          <p:cNvSpPr>
-            <a:spLocks noGrp="1"/>
-          </p:cNvSpPr>
-          <p:nvPr>
-            <p:ph idx="1"/>
-          </p:nvPr>
-        </p:nvSpPr>
-        <p:spPr>
-          <a:xfrm>
-            <a:off x="457200" y="1600200"/>
-            <a:ext cx="8229600" cy="5141168"/>
-          </a:xfrm>
-        </p:spPr>
-        <p:txBody>
-          <a:bodyPr>
-            <a:normAutofit/>
-          </a:bodyPr>
-          <a:lstStyle/>
-          <a:p>
-            <a:pPr>
-              <a:lnSpc>
-                <a:spcPct val="170000"/>
-              </a:lnSpc>
-            </a:pPr>
-            <a:r>
-              <a:rPr lang="fr-FR" dirty="0" smtClean="0"/>
-              <a:t>Le contexte</a:t>
-            </a:r>
-          </a:p>
-          <a:p>
-            <a:pPr>
-              <a:lnSpc>
-                <a:spcPct val="170000"/>
-              </a:lnSpc>
-            </a:pPr>
-            <a:r>
-              <a:rPr lang="fr-FR" dirty="0" smtClean="0"/>
-              <a:t>Le projet</a:t>
-            </a:r>
-          </a:p>
-          <a:p>
-            <a:pPr>
-              <a:lnSpc>
-                <a:spcPct val="170000"/>
-              </a:lnSpc>
-            </a:pPr>
-            <a:r>
-              <a:rPr lang="fr-FR" dirty="0" smtClean="0"/>
-              <a:t>Conception</a:t>
-            </a:r>
-          </a:p>
-          <a:p>
-            <a:pPr>
-              <a:lnSpc>
-                <a:spcPct val="170000"/>
-              </a:lnSpc>
-            </a:pPr>
-            <a:r>
-              <a:rPr lang="fr-FR" dirty="0" smtClean="0"/>
-              <a:t>Démonstration</a:t>
-            </a:r>
-          </a:p>
-          <a:p>
-            <a:pPr>
-              <a:lnSpc>
-                <a:spcPct val="170000"/>
-              </a:lnSpc>
-            </a:pPr>
-            <a:r>
-              <a:rPr lang="fr-FR" dirty="0" smtClean="0"/>
-              <a:t>Gestion de projet</a:t>
-            </a:r>
-          </a:p>
-        </p:txBody>
-      </p:sp>
-      <p:pic>
-        <p:nvPicPr>
-          <p:cNvPr id="3076" name="Image 4"/>
-          <p:cNvPicPr>
-            <a:picLocks noChangeAspect="1"/>
-          </p:cNvPicPr>
-          <p:nvPr/>
-        </p:nvPicPr>
-        <p:blipFill>
-          <a:blip r:embed="rId3" cstate="print"/>
-          <a:srcRect/>
-          <a:stretch>
-            <a:fillRect/>
-          </a:stretch>
-        </p:blipFill>
-        <p:spPr bwMode="auto">
-          <a:xfrm>
-            <a:off x="0" y="0"/>
-            <a:ext cx="9144000" cy="646113"/>
-          </a:xfrm>
-          <a:prstGeom prst="rect">
-            <a:avLst/>
-          </a:prstGeom>
-          <a:noFill/>
-          <a:ln w="9525">
-            <a:noFill/>
-            <a:miter lim="800000"/>
-            <a:headEnd/>
-            <a:tailEnd/>
-          </a:ln>
-        </p:spPr>
-      </p:pic>
-      <p:sp>
-        <p:nvSpPr>
-          <p:cNvPr id="2" name="Espace réservé du numéro de diapositive 1"/>
-          <p:cNvSpPr>
-            <a:spLocks noGrp="1"/>
-          </p:cNvSpPr>
-          <p:nvPr>
-            <p:ph type="sldNum" sz="quarter" idx="12"/>
-          </p:nvPr>
-        </p:nvSpPr>
-        <p:spPr/>
-        <p:txBody>
-          <a:bodyPr/>
-          <a:lstStyle/>
-          <a:p>
-            <a:pPr>
-              <a:defRPr/>
-            </a:pPr>
-            <a:fld id="{CEE9F434-548C-4338-8DF1-58B3EAFD3701}" type="slidenum">
-              <a:rPr lang="fr-FR" smtClean="0"/>
-              <a:pPr>
-                <a:defRPr/>
-              </a:pPr>
-              <a:t>2</a:t>
-            </a:fld>
-            <a:endParaRPr lang="fr-FR"/>
-          </a:p>
-        </p:txBody>
-      </p:sp>
     </p:spTree>
   </p:cSld>
   <p:clrMapOvr>
@@ -9096,8 +9430,9 @@
           <a:p>
             <a:r>
               <a:rPr lang="fr-FR" dirty="0" smtClean="0"/>
-              <a:t>Fonctionnalités</a:t>
-            </a:r>
+              <a:t>Besoins fonctionnels</a:t>
+            </a:r>
+            <a:endParaRPr lang="fr-FR" dirty="0" smtClean="0"/>
           </a:p>
         </p:txBody>
       </p:sp>
@@ -9128,7 +9463,59 @@
                 <a:spcPct val="170000"/>
               </a:lnSpc>
             </a:pPr>
-            <a:endParaRPr lang="fr-FR" dirty="0" smtClean="0"/>
+            <a:r>
+              <a:rPr lang="fr-FR" dirty="0" smtClean="0"/>
+              <a:t>Gestion des zones / catégories / évènements</a:t>
+            </a:r>
+          </a:p>
+          <a:p>
+            <a:pPr>
+              <a:lnSpc>
+                <a:spcPct val="170000"/>
+              </a:lnSpc>
+            </a:pPr>
+            <a:r>
+              <a:rPr lang="fr-FR" dirty="0" smtClean="0"/>
+              <a:t>Inscription &amp; modification des accréditations</a:t>
+            </a:r>
+          </a:p>
+          <a:p>
+            <a:pPr>
+              <a:lnSpc>
+                <a:spcPct val="170000"/>
+              </a:lnSpc>
+            </a:pPr>
+            <a:r>
+              <a:rPr lang="fr-FR" dirty="0" smtClean="0"/>
+              <a:t>Import de photos (Fichier ou webcam)</a:t>
+            </a:r>
+          </a:p>
+          <a:p>
+            <a:pPr>
+              <a:lnSpc>
+                <a:spcPct val="170000"/>
+              </a:lnSpc>
+            </a:pPr>
+            <a:r>
+              <a:rPr lang="fr-FR" dirty="0" smtClean="0"/>
+              <a:t>Export des données en Excel</a:t>
+            </a:r>
+          </a:p>
+          <a:p>
+            <a:pPr>
+              <a:lnSpc>
+                <a:spcPct val="170000"/>
+              </a:lnSpc>
+            </a:pPr>
+            <a:r>
+              <a:rPr lang="fr-FR" dirty="0" smtClean="0"/>
+              <a:t>Impression des </a:t>
+            </a:r>
+            <a:r>
+              <a:rPr lang="fr-FR" dirty="0" err="1" smtClean="0"/>
+              <a:t>pass</a:t>
+            </a:r>
+            <a:endParaRPr lang="fr-FR" dirty="0"/>
           </a:p>
         </p:txBody>
       </p:sp>
@@ -9218,7 +9605,335 @@
   <p:timing>
     <p:tnLst>
       <p:par>
-        <p:cTn id="1" dur="indefinite" restart="never" nodeType="tmRoot"/>
+        <p:cTn id="1" dur="indefinite" restart="never" nodeType="tmRoot">
+          <p:childTnLst>
+            <p:seq concurrent="1" nextAc="seek">
+              <p:cTn id="2" dur="indefinite" nodeType="mainSeq">
+                <p:childTnLst>
+                  <p:par>
+                    <p:cTn id="3" fill="hold">
+                      <p:stCondLst>
+                        <p:cond delay="indefinite"/>
+                      </p:stCondLst>
+                      <p:childTnLst>
+                        <p:par>
+                          <p:cTn id="4" fill="hold">
+                            <p:stCondLst>
+                              <p:cond delay="0"/>
+                            </p:stCondLst>
+                            <p:childTnLst>
+                              <p:par>
+                                <p:cTn id="5" presetID="10" presetClass="entr" presetSubtype="0" fill="hold" nodeType="clickEffect">
+                                  <p:stCondLst>
+                                    <p:cond delay="0"/>
+                                  </p:stCondLst>
+                                  <p:childTnLst>
+                                    <p:set>
+                                      <p:cBhvr>
+                                        <p:cTn id="6" dur="1" fill="hold">
+                                          <p:stCondLst>
+                                            <p:cond delay="0"/>
+                                          </p:stCondLst>
+                                        </p:cTn>
+                                        <p:tgtEl>
+                                          <p:spTgt spid="3075">
+                                            <p:txEl>
+                                              <p:pRg st="0" end="0"/>
+                                            </p:txEl>
+                                          </p:spTgt>
+                                        </p:tgtEl>
+                                        <p:attrNameLst>
+                                          <p:attrName>style.visibility</p:attrName>
+                                        </p:attrNameLst>
+                                      </p:cBhvr>
+                                      <p:to>
+                                        <p:strVal val="visible"/>
+                                      </p:to>
+                                    </p:set>
+                                    <p:animEffect transition="in" filter="fade">
+                                      <p:cBhvr>
+                                        <p:cTn id="7" dur="500"/>
+                                        <p:tgtEl>
+                                          <p:spTgt spid="3075">
+                                            <p:txEl>
+                                              <p:pRg st="0" end="0"/>
+                                            </p:txEl>
+                                          </p:spTgt>
+                                        </p:tgtEl>
+                                      </p:cBhvr>
+                                    </p:animEffect>
+                                  </p:childTnLst>
+                                </p:cTn>
+                              </p:par>
+                            </p:childTnLst>
+                          </p:cTn>
+                        </p:par>
+                      </p:childTnLst>
+                    </p:cTn>
+                  </p:par>
+                  <p:par>
+                    <p:cTn id="8" fill="hold">
+                      <p:stCondLst>
+                        <p:cond delay="indefinite"/>
+                      </p:stCondLst>
+                      <p:childTnLst>
+                        <p:par>
+                          <p:cTn id="9" fill="hold">
+                            <p:stCondLst>
+                              <p:cond delay="0"/>
+                            </p:stCondLst>
+                            <p:childTnLst>
+                              <p:par>
+                                <p:cTn id="10" presetID="10" presetClass="entr" presetSubtype="0" fill="hold" nodeType="clickEffect">
+                                  <p:stCondLst>
+                                    <p:cond delay="0"/>
+                                  </p:stCondLst>
+                                  <p:childTnLst>
+                                    <p:set>
+                                      <p:cBhvr>
+                                        <p:cTn id="11" dur="1" fill="hold">
+                                          <p:stCondLst>
+                                            <p:cond delay="0"/>
+                                          </p:stCondLst>
+                                        </p:cTn>
+                                        <p:tgtEl>
+                                          <p:spTgt spid="3075">
+                                            <p:txEl>
+                                              <p:pRg st="1" end="1"/>
+                                            </p:txEl>
+                                          </p:spTgt>
+                                        </p:tgtEl>
+                                        <p:attrNameLst>
+                                          <p:attrName>style.visibility</p:attrName>
+                                        </p:attrNameLst>
+                                      </p:cBhvr>
+                                      <p:to>
+                                        <p:strVal val="visible"/>
+                                      </p:to>
+                                    </p:set>
+                                    <p:animEffect transition="in" filter="fade">
+                                      <p:cBhvr>
+                                        <p:cTn id="12" dur="500"/>
+                                        <p:tgtEl>
+                                          <p:spTgt spid="3075">
+                                            <p:txEl>
+                                              <p:pRg st="1" end="1"/>
+                                            </p:txEl>
+                                          </p:spTgt>
+                                        </p:tgtEl>
+                                      </p:cBhvr>
+                                    </p:animEffect>
+                                  </p:childTnLst>
+                                </p:cTn>
+                              </p:par>
+                            </p:childTnLst>
+                          </p:cTn>
+                        </p:par>
+                      </p:childTnLst>
+                    </p:cTn>
+                  </p:par>
+                  <p:par>
+                    <p:cTn id="13" fill="hold">
+                      <p:stCondLst>
+                        <p:cond delay="indefinite"/>
+                      </p:stCondLst>
+                      <p:childTnLst>
+                        <p:par>
+                          <p:cTn id="14" fill="hold">
+                            <p:stCondLst>
+                              <p:cond delay="0"/>
+                            </p:stCondLst>
+                            <p:childTnLst>
+                              <p:par>
+                                <p:cTn id="15" presetID="10" presetClass="entr" presetSubtype="0" fill="hold" nodeType="clickEffect">
+                                  <p:stCondLst>
+                                    <p:cond delay="0"/>
+                                  </p:stCondLst>
+                                  <p:childTnLst>
+                                    <p:set>
+                                      <p:cBhvr>
+                                        <p:cTn id="16" dur="1" fill="hold">
+                                          <p:stCondLst>
+                                            <p:cond delay="0"/>
+                                          </p:stCondLst>
+                                        </p:cTn>
+                                        <p:tgtEl>
+                                          <p:spTgt spid="3075">
+                                            <p:txEl>
+                                              <p:pRg st="2" end="2"/>
+                                            </p:txEl>
+                                          </p:spTgt>
+                                        </p:tgtEl>
+                                        <p:attrNameLst>
+                                          <p:attrName>style.visibility</p:attrName>
+                                        </p:attrNameLst>
+                                      </p:cBhvr>
+                                      <p:to>
+                                        <p:strVal val="visible"/>
+                                      </p:to>
+                                    </p:set>
+                                    <p:animEffect transition="in" filter="fade">
+                                      <p:cBhvr>
+                                        <p:cTn id="17" dur="500"/>
+                                        <p:tgtEl>
+                                          <p:spTgt spid="3075">
+                                            <p:txEl>
+                                              <p:pRg st="2" end="2"/>
+                                            </p:txEl>
+                                          </p:spTgt>
+                                        </p:tgtEl>
+                                      </p:cBhvr>
+                                    </p:animEffect>
+                                  </p:childTnLst>
+                                </p:cTn>
+                              </p:par>
+                            </p:childTnLst>
+                          </p:cTn>
+                        </p:par>
+                      </p:childTnLst>
+                    </p:cTn>
+                  </p:par>
+                  <p:par>
+                    <p:cTn id="18" fill="hold">
+                      <p:stCondLst>
+                        <p:cond delay="indefinite"/>
+                      </p:stCondLst>
+                      <p:childTnLst>
+                        <p:par>
+                          <p:cTn id="19" fill="hold">
+                            <p:stCondLst>
+                              <p:cond delay="0"/>
+                            </p:stCondLst>
+                            <p:childTnLst>
+                              <p:par>
+                                <p:cTn id="20" presetID="10" presetClass="entr" presetSubtype="0" fill="hold" nodeType="clickEffect">
+                                  <p:stCondLst>
+                                    <p:cond delay="0"/>
+                                  </p:stCondLst>
+                                  <p:childTnLst>
+                                    <p:set>
+                                      <p:cBhvr>
+                                        <p:cTn id="21" dur="1" fill="hold">
+                                          <p:stCondLst>
+                                            <p:cond delay="0"/>
+                                          </p:stCondLst>
+                                        </p:cTn>
+                                        <p:tgtEl>
+                                          <p:spTgt spid="3075">
+                                            <p:txEl>
+                                              <p:pRg st="3" end="3"/>
+                                            </p:txEl>
+                                          </p:spTgt>
+                                        </p:tgtEl>
+                                        <p:attrNameLst>
+                                          <p:attrName>style.visibility</p:attrName>
+                                        </p:attrNameLst>
+                                      </p:cBhvr>
+                                      <p:to>
+                                        <p:strVal val="visible"/>
+                                      </p:to>
+                                    </p:set>
+                                    <p:animEffect transition="in" filter="fade">
+                                      <p:cBhvr>
+                                        <p:cTn id="22" dur="500"/>
+                                        <p:tgtEl>
+                                          <p:spTgt spid="3075">
+                                            <p:txEl>
+                                              <p:pRg st="3" end="3"/>
+                                            </p:txEl>
+                                          </p:spTgt>
+                                        </p:tgtEl>
+                                      </p:cBhvr>
+                                    </p:animEffect>
+                                  </p:childTnLst>
+                                </p:cTn>
+                              </p:par>
+                            </p:childTnLst>
+                          </p:cTn>
+                        </p:par>
+                      </p:childTnLst>
+                    </p:cTn>
+                  </p:par>
+                  <p:par>
+                    <p:cTn id="23" fill="hold">
+                      <p:stCondLst>
+                        <p:cond delay="indefinite"/>
+                      </p:stCondLst>
+                      <p:childTnLst>
+                        <p:par>
+                          <p:cTn id="24" fill="hold">
+                            <p:stCondLst>
+                              <p:cond delay="0"/>
+                            </p:stCondLst>
+                            <p:childTnLst>
+                              <p:par>
+                                <p:cTn id="25" presetID="10" presetClass="entr" presetSubtype="0" fill="hold" nodeType="clickEffect">
+                                  <p:stCondLst>
+                                    <p:cond delay="0"/>
+                                  </p:stCondLst>
+                                  <p:childTnLst>
+                                    <p:set>
+                                      <p:cBhvr>
+                                        <p:cTn id="26" dur="1" fill="hold">
+                                          <p:stCondLst>
+                                            <p:cond delay="0"/>
+                                          </p:stCondLst>
+                                        </p:cTn>
+                                        <p:tgtEl>
+                                          <p:spTgt spid="3075">
+                                            <p:txEl>
+                                              <p:pRg st="4" end="4"/>
+                                            </p:txEl>
+                                          </p:spTgt>
+                                        </p:tgtEl>
+                                        <p:attrNameLst>
+                                          <p:attrName>style.visibility</p:attrName>
+                                        </p:attrNameLst>
+                                      </p:cBhvr>
+                                      <p:to>
+                                        <p:strVal val="visible"/>
+                                      </p:to>
+                                    </p:set>
+                                    <p:animEffect transition="in" filter="fade">
+                                      <p:cBhvr>
+                                        <p:cTn id="27" dur="500"/>
+                                        <p:tgtEl>
+                                          <p:spTgt spid="3075">
+                                            <p:txEl>
+                                              <p:pRg st="4" end="4"/>
+                                            </p:txEl>
+                                          </p:spTgt>
+                                        </p:tgtEl>
+                                      </p:cBhvr>
+                                    </p:animEffect>
+                                  </p:childTnLst>
+                                </p:cTn>
+                              </p:par>
+                            </p:childTnLst>
+                          </p:cTn>
+                        </p:par>
+                      </p:childTnLst>
+                    </p:cTn>
+                  </p:par>
+                </p:childTnLst>
+              </p:cTn>
+              <p:prevCondLst>
+                <p:cond evt="onPrev" delay="0">
+                  <p:tgtEl>
+                    <p:sldTgt/>
+                  </p:tgtEl>
+                </p:cond>
+              </p:prevCondLst>
+              <p:nextCondLst>
+                <p:cond evt="onNext" delay="0">
+                  <p:tgtEl>
+                    <p:sldTgt/>
+                  </p:tgtEl>
+                </p:cond>
+              </p:nextCondLst>
+            </p:seq>
+          </p:childTnLst>
+        </p:cTn>
       </p:par>
     </p:tnLst>
   </p:timing>
@@ -9263,8 +9978,8 @@
           <a:lstStyle/>
           <a:p>
             <a:r>
-              <a:rPr lang="fr-FR" dirty="0" err="1" smtClean="0"/>
-              <a:t>Plop</a:t>
+              <a:rPr lang="fr-FR" dirty="0" smtClean="0"/>
+              <a:t>Besoins organisationnels</a:t>
             </a:r>
             <a:endParaRPr lang="fr-FR" dirty="0" smtClean="0"/>
           </a:p>
@@ -9297,6 +10012,31 @@
                 <a:spcPct val="170000"/>
               </a:lnSpc>
             </a:pPr>
+            <a:r>
+              <a:rPr lang="fr-FR" dirty="0" smtClean="0"/>
+              <a:t>Anticiper la charge de travail</a:t>
+            </a:r>
+          </a:p>
+          <a:p>
+            <a:endParaRPr lang="fr-FR" dirty="0" smtClean="0"/>
+          </a:p>
+          <a:p>
+            <a:pPr lvl="1"/>
+            <a:r>
+              <a:rPr lang="fr-FR" dirty="0" smtClean="0"/>
+              <a:t>Création &amp; gestion des évènements en amont par les organisateurs</a:t>
+            </a:r>
+          </a:p>
+          <a:p>
+            <a:pPr lvl="1"/>
+            <a:endParaRPr lang="fr-FR" dirty="0" smtClean="0"/>
+          </a:p>
+          <a:p>
+            <a:pPr lvl="1"/>
+            <a:r>
+              <a:rPr lang="fr-FR" dirty="0" smtClean="0"/>
+              <a:t>Création d’un accès web pour une pré-inscription des visiteurs</a:t>
+            </a:r>
             <a:endParaRPr lang="fr-FR" dirty="0" smtClean="0"/>
           </a:p>
         </p:txBody>
@@ -9387,7 +10127,134 @@
   <p:timing>
     <p:tnLst>
       <p:par>
-        <p:cTn id="1" dur="indefinite" restart="never" nodeType="tmRoot"/>
+        <p:cTn id="1" dur="indefinite" restart="never" nodeType="tmRoot">
+          <p:childTnLst>
+            <p:seq concurrent="1" nextAc="seek">
+              <p:cTn id="2" dur="indefinite" nodeType="mainSeq">
+                <p:childTnLst>
+                  <p:par>
+                    <p:cTn id="3" fill="hold">
+                      <p:stCondLst>
+                        <p:cond delay="indefinite"/>
+                      </p:stCondLst>
+                      <p:childTnLst>
+                        <p:par>
+                          <p:cTn id="4" fill="hold">
+                            <p:stCondLst>
+                              <p:cond delay="0"/>
+                            </p:stCondLst>
+                            <p:childTnLst>
+                              <p:par>
+                                <p:cTn id="5" presetID="10" presetClass="entr" presetSubtype="0" fill="hold" nodeType="clickEffect">
+                                  <p:stCondLst>
+                                    <p:cond delay="0"/>
+                                  </p:stCondLst>
+                                  <p:childTnLst>
+                                    <p:set>
+                                      <p:cBhvr>
+                                        <p:cTn id="6" dur="1" fill="hold">
+                                          <p:stCondLst>
+                                            <p:cond delay="0"/>
+                                          </p:stCondLst>
+                                        </p:cTn>
+                                        <p:tgtEl>
+                                          <p:spTgt spid="3075">
+                                            <p:txEl>
+                                              <p:pRg st="2" end="2"/>
+                                            </p:txEl>
+                                          </p:spTgt>
+                                        </p:tgtEl>
+                                        <p:attrNameLst>
+                                          <p:attrName>style.visibility</p:attrName>
+                                        </p:attrNameLst>
+                                      </p:cBhvr>
+                                      <p:to>
+                                        <p:strVal val="visible"/>
+                                      </p:to>
+                                    </p:set>
+                                    <p:animEffect transition="in" filter="fade">
+                                      <p:cBhvr>
+                                        <p:cTn id="7" dur="500"/>
+                                        <p:tgtEl>
+                                          <p:spTgt spid="3075">
+                                            <p:txEl>
+                                              <p:pRg st="2" end="2"/>
+                                            </p:txEl>
+                                          </p:spTgt>
+                                        </p:tgtEl>
+                                      </p:cBhvr>
+                                    </p:animEffect>
+                                  </p:childTnLst>
+                                </p:cTn>
+                              </p:par>
+                              <p:par>
+                                <p:cTn id="8" presetID="10" presetClass="entr" presetSubtype="0" fill="hold" nodeType="withEffect">
+                                  <p:stCondLst>
+                                    <p:cond delay="0"/>
+                                  </p:stCondLst>
+                                  <p:childTnLst>
+                                    <p:set>
+                                      <p:cBhvr>
+                                        <p:cTn id="9" dur="1" fill="hold">
+                                          <p:stCondLst>
+                                            <p:cond delay="0"/>
+                                          </p:stCondLst>
+                                        </p:cTn>
+                                        <p:tgtEl>
+                                          <p:spTgt spid="3075">
+                                            <p:txEl>
+                                              <p:pRg st="4" end="4"/>
+                                            </p:txEl>
+                                          </p:spTgt>
+                                        </p:tgtEl>
+                                        <p:attrNameLst>
+                                          <p:attrName>style.visibility</p:attrName>
+                                        </p:attrNameLst>
+                                      </p:cBhvr>
+                                      <p:to>
+                                        <p:strVal val="visible"/>
+                                      </p:to>
+                                    </p:set>
+                                    <p:animEffect transition="in" filter="fade">
+                                      <p:cBhvr>
+                                        <p:cTn id="10" dur="500"/>
+                                        <p:tgtEl>
+                                          <p:spTgt spid="3075">
+                                            <p:txEl>
+                                              <p:pRg st="4" end="4"/>
+                                            </p:txEl>
+                                          </p:spTgt>
+                                        </p:tgtEl>
+                                      </p:cBhvr>
+                                    </p:animEffect>
+                                  </p:childTnLst>
+                                </p:cTn>
+                              </p:par>
+                            </p:childTnLst>
+                          </p:cTn>
+                        </p:par>
+                      </p:childTnLst>
+                    </p:cTn>
+                  </p:par>
+                </p:childTnLst>
+              </p:cTn>
+              <p:prevCondLst>
+                <p:cond evt="onPrev" delay="0">
+                  <p:tgtEl>
+                    <p:sldTgt/>
+                  </p:tgtEl>
+                </p:cond>
+              </p:prevCondLst>
+              <p:nextCondLst>
+                <p:cond evt="onNext" delay="0">
+                  <p:tgtEl>
+                    <p:sldTgt/>
+                  </p:tgtEl>
+                </p:cond>
+              </p:nextCondLst>
+            </p:seq>
+          </p:childTnLst>
+        </p:cTn>
       </p:par>
     </p:tnLst>
   </p:timing>
@@ -9433,8 +10300,9 @@
           <a:p>
             <a:r>
               <a:rPr lang="fr-FR" dirty="0" smtClean="0"/>
-              <a:t>Plan</a:t>
-            </a:r>
+              <a:t>Besoins organisationnels</a:t>
+            </a:r>
+            <a:endParaRPr lang="fr-FR" dirty="0" smtClean="0"/>
           </a:p>
         </p:txBody>
       </p:sp>
@@ -9456,7 +10324,7 @@
         </p:spPr>
         <p:txBody>
           <a:bodyPr>
-            <a:normAutofit/>
+            <a:normAutofit fontScale="92500"/>
           </a:bodyPr>
           <a:lstStyle/>
           <a:p>
@@ -9466,76 +10334,52 @@
               </a:lnSpc>
             </a:pPr>
             <a:r>
-              <a:rPr lang="fr-FR" dirty="0" smtClean="0">
-                <a:solidFill>
-                  <a:schemeClr val="bg1">
-                    <a:lumMod val="50000"/>
-                  </a:schemeClr>
-                </a:solidFill>
-              </a:rPr>
-              <a:t>Le contexte</a:t>
-            </a:r>
-          </a:p>
-          <a:p>
-            <a:pPr>
+              <a:rPr lang="fr-FR" dirty="0" smtClean="0"/>
+              <a:t>Simplifier le processus d’accréditation</a:t>
+            </a:r>
+          </a:p>
+          <a:p>
+            <a:pPr lvl="1">
               <a:lnSpc>
-                <a:spcPct val="170000"/>
+                <a:spcPct val="200000"/>
               </a:lnSpc>
             </a:pPr>
             <a:r>
-              <a:rPr lang="fr-FR" dirty="0" smtClean="0">
-                <a:solidFill>
-                  <a:schemeClr val="bg1">
-                    <a:lumMod val="50000"/>
-                  </a:schemeClr>
-                </a:solidFill>
-              </a:rPr>
-              <a:t>Le projet</a:t>
-            </a:r>
-          </a:p>
-          <a:p>
-            <a:pPr>
+              <a:rPr lang="fr-FR" dirty="0" smtClean="0"/>
+              <a:t>Inscription, validation &amp; impression simplifiés</a:t>
+            </a:r>
+          </a:p>
+          <a:p>
+            <a:pPr lvl="1">
               <a:lnSpc>
-                <a:spcPct val="170000"/>
+                <a:spcPct val="200000"/>
               </a:lnSpc>
             </a:pPr>
             <a:r>
               <a:rPr lang="fr-FR" dirty="0" smtClean="0"/>
-              <a:t>Conception</a:t>
-            </a:r>
-          </a:p>
-          <a:p>
-            <a:pPr>
+              <a:t>Accès rapide &amp; ergonomie soignée</a:t>
+            </a:r>
+          </a:p>
+          <a:p>
+            <a:pPr lvl="1">
               <a:lnSpc>
-                <a:spcPct val="170000"/>
+                <a:spcPct val="200000"/>
               </a:lnSpc>
             </a:pPr>
             <a:r>
-              <a:rPr lang="fr-FR" dirty="0" smtClean="0">
-                <a:solidFill>
-                  <a:schemeClr val="bg1">
-                    <a:lumMod val="50000"/>
-                  </a:schemeClr>
-                </a:solidFill>
-              </a:rPr>
-              <a:t>Démonstration</a:t>
-            </a:r>
-          </a:p>
-          <a:p>
-            <a:pPr>
+              <a:rPr lang="fr-FR" dirty="0" smtClean="0"/>
+              <a:t>Outils génériques d’exportation sous divers formats</a:t>
+            </a:r>
+          </a:p>
+          <a:p>
+            <a:pPr lvl="1">
               <a:lnSpc>
-                <a:spcPct val="170000"/>
+                <a:spcPct val="200000"/>
               </a:lnSpc>
             </a:pPr>
             <a:r>
-              <a:rPr lang="fr-FR" dirty="0" smtClean="0">
-                <a:solidFill>
-                  <a:schemeClr val="bg1">
-                    <a:lumMod val="50000"/>
-                  </a:schemeClr>
-                </a:solidFill>
-              </a:rPr>
-              <a:t>Gestion de projet</a:t>
+              <a:rPr lang="fr-FR" dirty="0" smtClean="0"/>
+              <a:t>Application non restreinte au seul cas de Courchevel</a:t>
             </a:r>
             <a:endParaRPr lang="fr-FR" dirty="0" smtClean="0"/>
           </a:p>
@@ -9605,7 +10449,7 @@
     </p:spTree>
     <p:extLst>
       <p:ext uri="{BB962C8B-B14F-4D97-AF65-F5344CB8AC3E}">
-        <p14:creationId xmlns:p14="http://schemas.microsoft.com/office/powerpoint/2010/main" val="2623020860"/>
+        <p14:creationId xmlns:p14="http://schemas.microsoft.com/office/powerpoint/2010/main" val="2426875742"/>
       </p:ext>
     </p:extLst>
   </p:cSld>
@@ -9627,7 +10471,220 @@
   <p:timing>
     <p:tnLst>
       <p:par>
-        <p:cTn id="1" dur="indefinite" restart="never" nodeType="tmRoot"/>
+        <p:cTn id="1" dur="indefinite" restart="never" nodeType="tmRoot">
+          <p:childTnLst>
+            <p:seq concurrent="1" nextAc="seek">
+              <p:cTn id="2" dur="indefinite" nodeType="mainSeq">
+                <p:childTnLst>
+                  <p:par>
+                    <p:cTn id="3" fill="hold">
+                      <p:stCondLst>
+                        <p:cond delay="indefinite"/>
+                      </p:stCondLst>
+                      <p:childTnLst>
+                        <p:par>
+                          <p:cTn id="4" fill="hold">
+                            <p:stCondLst>
+                              <p:cond delay="0"/>
+                            </p:stCondLst>
+                            <p:childTnLst>
+                              <p:par>
+                                <p:cTn id="5" presetID="10" presetClass="entr" presetSubtype="0" fill="hold" nodeType="clickEffect">
+                                  <p:stCondLst>
+                                    <p:cond delay="0"/>
+                                  </p:stCondLst>
+                                  <p:childTnLst>
+                                    <p:set>
+                                      <p:cBhvr>
+                                        <p:cTn id="6" dur="1" fill="hold">
+                                          <p:stCondLst>
+                                            <p:cond delay="0"/>
+                                          </p:stCondLst>
+                                        </p:cTn>
+                                        <p:tgtEl>
+                                          <p:spTgt spid="3075">
+                                            <p:txEl>
+                                              <p:pRg st="1" end="1"/>
+                                            </p:txEl>
+                                          </p:spTgt>
+                                        </p:tgtEl>
+                                        <p:attrNameLst>
+                                          <p:attrName>style.visibility</p:attrName>
+                                        </p:attrNameLst>
+                                      </p:cBhvr>
+                                      <p:to>
+                                        <p:strVal val="visible"/>
+                                      </p:to>
+                                    </p:set>
+                                    <p:animEffect transition="in" filter="fade">
+                                      <p:cBhvr>
+                                        <p:cTn id="7" dur="500"/>
+                                        <p:tgtEl>
+                                          <p:spTgt spid="3075">
+                                            <p:txEl>
+                                              <p:pRg st="1" end="1"/>
+                                            </p:txEl>
+                                          </p:spTgt>
+                                        </p:tgtEl>
+                                      </p:cBhvr>
+                                    </p:animEffect>
+                                  </p:childTnLst>
+                                </p:cTn>
+                              </p:par>
+                              <p:par>
+                                <p:cTn id="8" presetID="10" presetClass="entr" presetSubtype="0" fill="hold" nodeType="withEffect">
+                                  <p:stCondLst>
+                                    <p:cond delay="0"/>
+                                  </p:stCondLst>
+                                  <p:childTnLst>
+                                    <p:set>
+                                      <p:cBhvr>
+                                        <p:cTn id="9" dur="1" fill="hold">
+                                          <p:stCondLst>
+                                            <p:cond delay="0"/>
+                                          </p:stCondLst>
+                                        </p:cTn>
+                                        <p:tgtEl>
+                                          <p:spTgt spid="3075">
+                                            <p:txEl>
+                                              <p:pRg st="2" end="2"/>
+                                            </p:txEl>
+                                          </p:spTgt>
+                                        </p:tgtEl>
+                                        <p:attrNameLst>
+                                          <p:attrName>style.visibility</p:attrName>
+                                        </p:attrNameLst>
+                                      </p:cBhvr>
+                                      <p:to>
+                                        <p:strVal val="visible"/>
+                                      </p:to>
+                                    </p:set>
+                                    <p:animEffect transition="in" filter="fade">
+                                      <p:cBhvr>
+                                        <p:cTn id="10" dur="500"/>
+                                        <p:tgtEl>
+                                          <p:spTgt spid="3075">
+                                            <p:txEl>
+                                              <p:pRg st="2" end="2"/>
+                                            </p:txEl>
+                                          </p:spTgt>
+                                        </p:tgtEl>
+                                      </p:cBhvr>
+                                    </p:animEffect>
+                                  </p:childTnLst>
+                                </p:cTn>
+                              </p:par>
+                              <p:par>
+                                <p:cTn id="11" presetID="10" presetClass="entr" presetSubtype="0" fill="hold" nodeType="withEffect">
+                                  <p:stCondLst>
+                                    <p:cond delay="0"/>
+                                  </p:stCondLst>
+                                  <p:childTnLst>
+                                    <p:set>
+                                      <p:cBhvr>
+                                        <p:cTn id="12" dur="1" fill="hold">
+                                          <p:stCondLst>
+                                            <p:cond delay="0"/>
+                                          </p:stCondLst>
+                                        </p:cTn>
+                                        <p:tgtEl>
+                                          <p:spTgt spid="3075">
+                                            <p:txEl>
+                                              <p:pRg st="3" end="3"/>
+                                            </p:txEl>
+                                          </p:spTgt>
+                                        </p:tgtEl>
+                                        <p:attrNameLst>
+                                          <p:attrName>style.visibility</p:attrName>
+                                        </p:attrNameLst>
+                                      </p:cBhvr>
+                                      <p:to>
+                                        <p:strVal val="visible"/>
+                                      </p:to>
+                                    </p:set>
+                                    <p:animEffect transition="in" filter="fade">
+                                      <p:cBhvr>
+                                        <p:cTn id="13" dur="500"/>
+                                        <p:tgtEl>
+                                          <p:spTgt spid="3075">
+                                            <p:txEl>
+                                              <p:pRg st="3" end="3"/>
+                                            </p:txEl>
+                                          </p:spTgt>
+                                        </p:tgtEl>
+                                      </p:cBhvr>
+                                    </p:animEffect>
+                                  </p:childTnLst>
+                                </p:cTn>
+                              </p:par>
+                              <p:par>
+                                <p:cTn id="14" presetID="10" presetClass="entr" presetSubtype="0" fill="hold" nodeType="withEffect">
+                                  <p:stCondLst>
+                                    <p:cond delay="0"/>
+                                  </p:stCondLst>
+                                  <p:childTnLst>
+                                    <p:set>
+                                      <p:cBhvr>
+                                        <p:cTn id="15" dur="1" fill="hold">
+                                          <p:stCondLst>
+                                            <p:cond delay="0"/>
+                                          </p:stCondLst>
+                                        </p:cTn>
+                                        <p:tgtEl>
+                                          <p:spTgt spid="3075">
+                                            <p:txEl>
+                                              <p:pRg st="4" end="4"/>
+                                            </p:txEl>
+                                          </p:spTgt>
+                                        </p:tgtEl>
+                                        <p:attrNameLst>
+                                          <p:attrName>style.visibility</p:attrName>
+                                        </p:attrNameLst>
+                                      </p:cBhvr>
+                                      <p:to>
+                                        <p:strVal val="visible"/>
+                                      </p:to>
+                                    </p:set>
+                                    <p:animEffect transition="in" filter="fade">
+                                      <p:cBhvr>
+                                        <p:cTn id="16" dur="500"/>
+                                        <p:tgtEl>
+                                          <p:spTgt spid="3075">
+                                            <p:txEl>
+                                              <p:pRg st="4" end="4"/>
+                                            </p:txEl>
+                                          </p:spTgt>
+                                        </p:tgtEl>
+                                      </p:cBhvr>
+                                    </p:animEffect>
+                                  </p:childTnLst>
+                                </p:cTn>
+                              </p:par>
+                            </p:childTnLst>
+                          </p:cTn>
+                        </p:par>
+                      </p:childTnLst>
+                    </p:cTn>
+                  </p:par>
+                </p:childTnLst>
+              </p:cTn>
+              <p:prevCondLst>
+                <p:cond evt="onPrev" delay="0">
+                  <p:tgtEl>
+                    <p:sldTgt/>
+                  </p:tgtEl>
+                </p:cond>
+              </p:prevCondLst>
+              <p:nextCondLst>
+                <p:cond evt="onNext" delay="0">
+                  <p:tgtEl>
+                    <p:sldTgt/>
+                  </p:tgtEl>
+                </p:cond>
+              </p:nextCondLst>
+            </p:seq>
+          </p:childTnLst>
+        </p:cTn>
       </p:par>
     </p:tnLst>
   </p:timing>

--- a/trunk/doc/Présentations/Projet Courchevel - Soutenance finale.pptx
+++ b/trunk/doc/Présentations/Projet Courchevel - Soutenance finale.pptx
@@ -5,7 +5,7 @@
     <p:sldMasterId id="2147483648" r:id="rId1"/>
   </p:sldMasterIdLst>
   <p:notesMasterIdLst>
-    <p:notesMasterId r:id="rId22"/>
+    <p:notesMasterId r:id="rId26"/>
   </p:notesMasterIdLst>
   <p:sldIdLst>
     <p:sldId id="257" r:id="rId2"/>
@@ -17,17 +17,21 @@
     <p:sldId id="329" r:id="rId8"/>
     <p:sldId id="330" r:id="rId9"/>
     <p:sldId id="331" r:id="rId10"/>
-    <p:sldId id="319" r:id="rId11"/>
-    <p:sldId id="323" r:id="rId12"/>
-    <p:sldId id="324" r:id="rId13"/>
-    <p:sldId id="325" r:id="rId14"/>
-    <p:sldId id="326" r:id="rId15"/>
-    <p:sldId id="320" r:id="rId16"/>
-    <p:sldId id="322" r:id="rId17"/>
-    <p:sldId id="321" r:id="rId18"/>
-    <p:sldId id="316" r:id="rId19"/>
-    <p:sldId id="315" r:id="rId20"/>
-    <p:sldId id="313" r:id="rId21"/>
+    <p:sldId id="333" r:id="rId11"/>
+    <p:sldId id="319" r:id="rId12"/>
+    <p:sldId id="320" r:id="rId13"/>
+    <p:sldId id="334" r:id="rId14"/>
+    <p:sldId id="335" r:id="rId15"/>
+    <p:sldId id="336" r:id="rId16"/>
+    <p:sldId id="337" r:id="rId17"/>
+    <p:sldId id="338" r:id="rId18"/>
+    <p:sldId id="339" r:id="rId19"/>
+    <p:sldId id="322" r:id="rId20"/>
+    <p:sldId id="321" r:id="rId21"/>
+    <p:sldId id="316" r:id="rId22"/>
+    <p:sldId id="315" r:id="rId23"/>
+    <p:sldId id="332" r:id="rId24"/>
+    <p:sldId id="313" r:id="rId25"/>
   </p:sldIdLst>
   <p:sldSz cx="9144000" cy="6858000" type="screen4x3"/>
   <p:notesSz cx="6858000" cy="9144000"/>
@@ -212,7 +216,7 @@
             <a:fld id="{C1CEB537-40FD-4C3B-B623-AECAC48FC2F8}" type="datetimeFigureOut">
               <a:rPr lang="fr-FR" smtClean="0"/>
               <a:pPr/>
-              <a:t>09/05/2012</a:t>
+              <a:t>10/05/2012</a:t>
             </a:fld>
             <a:endParaRPr lang="fr-FR"/>
           </a:p>
@@ -1722,6 +1726,410 @@
 </p:notes>
 </file>
 
+<file path=ppt/notesSlides/notesSlide20.xml><?xml version="1.0" encoding="utf-8"?>
+<p:notes xmlns:a="http://schemas.openxmlformats.org/drawingml/2006/main" xmlns:r="http://schemas.openxmlformats.org/officeDocument/2006/relationships" xmlns:p="http://schemas.openxmlformats.org/presentationml/2006/main">
+  <p:cSld>
+    <p:spTree>
+      <p:nvGrpSpPr>
+        <p:cNvPr id="1" name=""/>
+        <p:cNvGrpSpPr/>
+        <p:nvPr/>
+      </p:nvGrpSpPr>
+      <p:grpSpPr>
+        <a:xfrm>
+          <a:off x="0" y="0"/>
+          <a:ext cx="0" cy="0"/>
+          <a:chOff x="0" y="0"/>
+          <a:chExt cx="0" cy="0"/>
+        </a:xfrm>
+      </p:grpSpPr>
+      <p:sp>
+        <p:nvSpPr>
+          <p:cNvPr id="21506" name="Espace réservé de l'image des diapositives 1"/>
+          <p:cNvSpPr>
+            <a:spLocks noGrp="1" noRot="1" noChangeAspect="1" noTextEdit="1"/>
+          </p:cNvSpPr>
+          <p:nvPr>
+            <p:ph type="sldImg"/>
+          </p:nvPr>
+        </p:nvSpPr>
+        <p:spPr bwMode="auto">
+          <a:noFill/>
+          <a:ln>
+            <a:solidFill>
+              <a:srgbClr val="000000"/>
+            </a:solidFill>
+            <a:miter lim="800000"/>
+            <a:headEnd/>
+            <a:tailEnd/>
+          </a:ln>
+        </p:spPr>
+      </p:sp>
+      <p:sp>
+        <p:nvSpPr>
+          <p:cNvPr id="21507" name="Espace réservé des commentaires 2"/>
+          <p:cNvSpPr>
+            <a:spLocks noGrp="1"/>
+          </p:cNvSpPr>
+          <p:nvPr>
+            <p:ph type="body" idx="1"/>
+          </p:nvPr>
+        </p:nvSpPr>
+        <p:spPr bwMode="auto">
+          <a:noFill/>
+        </p:spPr>
+        <p:txBody>
+          <a:bodyPr wrap="square" numCol="1" anchor="t" anchorCtr="0" compatLnSpc="1">
+            <a:prstTxWarp prst="textNoShape">
+              <a:avLst/>
+            </a:prstTxWarp>
+          </a:bodyPr>
+          <a:lstStyle/>
+          <a:p>
+            <a:endParaRPr lang="fr-FR" smtClean="0"/>
+          </a:p>
+        </p:txBody>
+      </p:sp>
+      <p:sp>
+        <p:nvSpPr>
+          <p:cNvPr id="4" name="Espace réservé du numéro de diapositive 3"/>
+          <p:cNvSpPr>
+            <a:spLocks noGrp="1"/>
+          </p:cNvSpPr>
+          <p:nvPr>
+            <p:ph type="sldNum" sz="quarter" idx="5"/>
+          </p:nvPr>
+        </p:nvSpPr>
+        <p:spPr/>
+        <p:txBody>
+          <a:bodyPr/>
+          <a:lstStyle/>
+          <a:p>
+            <a:pPr>
+              <a:defRPr/>
+            </a:pPr>
+            <a:fld id="{445C0ADE-5444-4AF0-8585-266DB2CCD55E}" type="slidenum">
+              <a:rPr lang="fr-FR" smtClean="0"/>
+              <a:pPr>
+                <a:defRPr/>
+              </a:pPr>
+              <a:t>20</a:t>
+            </a:fld>
+            <a:endParaRPr lang="fr-FR"/>
+          </a:p>
+        </p:txBody>
+      </p:sp>
+    </p:spTree>
+  </p:cSld>
+  <p:clrMapOvr>
+    <a:masterClrMapping/>
+  </p:clrMapOvr>
+</p:notes>
+</file>
+
+<file path=ppt/notesSlides/notesSlide21.xml><?xml version="1.0" encoding="utf-8"?>
+<p:notes xmlns:a="http://schemas.openxmlformats.org/drawingml/2006/main" xmlns:r="http://schemas.openxmlformats.org/officeDocument/2006/relationships" xmlns:p="http://schemas.openxmlformats.org/presentationml/2006/main">
+  <p:cSld>
+    <p:spTree>
+      <p:nvGrpSpPr>
+        <p:cNvPr id="1" name=""/>
+        <p:cNvGrpSpPr/>
+        <p:nvPr/>
+      </p:nvGrpSpPr>
+      <p:grpSpPr>
+        <a:xfrm>
+          <a:off x="0" y="0"/>
+          <a:ext cx="0" cy="0"/>
+          <a:chOff x="0" y="0"/>
+          <a:chExt cx="0" cy="0"/>
+        </a:xfrm>
+      </p:grpSpPr>
+      <p:sp>
+        <p:nvSpPr>
+          <p:cNvPr id="21506" name="Espace réservé de l'image des diapositives 1"/>
+          <p:cNvSpPr>
+            <a:spLocks noGrp="1" noRot="1" noChangeAspect="1" noTextEdit="1"/>
+          </p:cNvSpPr>
+          <p:nvPr>
+            <p:ph type="sldImg"/>
+          </p:nvPr>
+        </p:nvSpPr>
+        <p:spPr bwMode="auto">
+          <a:noFill/>
+          <a:ln>
+            <a:solidFill>
+              <a:srgbClr val="000000"/>
+            </a:solidFill>
+            <a:miter lim="800000"/>
+            <a:headEnd/>
+            <a:tailEnd/>
+          </a:ln>
+        </p:spPr>
+      </p:sp>
+      <p:sp>
+        <p:nvSpPr>
+          <p:cNvPr id="21507" name="Espace réservé des commentaires 2"/>
+          <p:cNvSpPr>
+            <a:spLocks noGrp="1"/>
+          </p:cNvSpPr>
+          <p:nvPr>
+            <p:ph type="body" idx="1"/>
+          </p:nvPr>
+        </p:nvSpPr>
+        <p:spPr bwMode="auto">
+          <a:noFill/>
+        </p:spPr>
+        <p:txBody>
+          <a:bodyPr wrap="square" numCol="1" anchor="t" anchorCtr="0" compatLnSpc="1">
+            <a:prstTxWarp prst="textNoShape">
+              <a:avLst/>
+            </a:prstTxWarp>
+          </a:bodyPr>
+          <a:lstStyle/>
+          <a:p>
+            <a:endParaRPr lang="fr-FR" smtClean="0"/>
+          </a:p>
+        </p:txBody>
+      </p:sp>
+      <p:sp>
+        <p:nvSpPr>
+          <p:cNvPr id="4" name="Espace réservé du numéro de diapositive 3"/>
+          <p:cNvSpPr>
+            <a:spLocks noGrp="1"/>
+          </p:cNvSpPr>
+          <p:nvPr>
+            <p:ph type="sldNum" sz="quarter" idx="5"/>
+          </p:nvPr>
+        </p:nvSpPr>
+        <p:spPr/>
+        <p:txBody>
+          <a:bodyPr/>
+          <a:lstStyle/>
+          <a:p>
+            <a:pPr>
+              <a:defRPr/>
+            </a:pPr>
+            <a:fld id="{445C0ADE-5444-4AF0-8585-266DB2CCD55E}" type="slidenum">
+              <a:rPr lang="fr-FR" smtClean="0"/>
+              <a:pPr>
+                <a:defRPr/>
+              </a:pPr>
+              <a:t>21</a:t>
+            </a:fld>
+            <a:endParaRPr lang="fr-FR"/>
+          </a:p>
+        </p:txBody>
+      </p:sp>
+    </p:spTree>
+  </p:cSld>
+  <p:clrMapOvr>
+    <a:masterClrMapping/>
+  </p:clrMapOvr>
+</p:notes>
+</file>
+
+<file path=ppt/notesSlides/notesSlide22.xml><?xml version="1.0" encoding="utf-8"?>
+<p:notes xmlns:a="http://schemas.openxmlformats.org/drawingml/2006/main" xmlns:r="http://schemas.openxmlformats.org/officeDocument/2006/relationships" xmlns:p="http://schemas.openxmlformats.org/presentationml/2006/main">
+  <p:cSld>
+    <p:spTree>
+      <p:nvGrpSpPr>
+        <p:cNvPr id="1" name=""/>
+        <p:cNvGrpSpPr/>
+        <p:nvPr/>
+      </p:nvGrpSpPr>
+      <p:grpSpPr>
+        <a:xfrm>
+          <a:off x="0" y="0"/>
+          <a:ext cx="0" cy="0"/>
+          <a:chOff x="0" y="0"/>
+          <a:chExt cx="0" cy="0"/>
+        </a:xfrm>
+      </p:grpSpPr>
+      <p:sp>
+        <p:nvSpPr>
+          <p:cNvPr id="21506" name="Espace réservé de l'image des diapositives 1"/>
+          <p:cNvSpPr>
+            <a:spLocks noGrp="1" noRot="1" noChangeAspect="1" noTextEdit="1"/>
+          </p:cNvSpPr>
+          <p:nvPr>
+            <p:ph type="sldImg"/>
+          </p:nvPr>
+        </p:nvSpPr>
+        <p:spPr bwMode="auto">
+          <a:noFill/>
+          <a:ln>
+            <a:solidFill>
+              <a:srgbClr val="000000"/>
+            </a:solidFill>
+            <a:miter lim="800000"/>
+            <a:headEnd/>
+            <a:tailEnd/>
+          </a:ln>
+        </p:spPr>
+      </p:sp>
+      <p:sp>
+        <p:nvSpPr>
+          <p:cNvPr id="21507" name="Espace réservé des commentaires 2"/>
+          <p:cNvSpPr>
+            <a:spLocks noGrp="1"/>
+          </p:cNvSpPr>
+          <p:nvPr>
+            <p:ph type="body" idx="1"/>
+          </p:nvPr>
+        </p:nvSpPr>
+        <p:spPr bwMode="auto">
+          <a:noFill/>
+        </p:spPr>
+        <p:txBody>
+          <a:bodyPr wrap="square" numCol="1" anchor="t" anchorCtr="0" compatLnSpc="1">
+            <a:prstTxWarp prst="textNoShape">
+              <a:avLst/>
+            </a:prstTxWarp>
+          </a:bodyPr>
+          <a:lstStyle/>
+          <a:p>
+            <a:endParaRPr lang="fr-FR" smtClean="0"/>
+          </a:p>
+        </p:txBody>
+      </p:sp>
+      <p:sp>
+        <p:nvSpPr>
+          <p:cNvPr id="4" name="Espace réservé du numéro de diapositive 3"/>
+          <p:cNvSpPr>
+            <a:spLocks noGrp="1"/>
+          </p:cNvSpPr>
+          <p:nvPr>
+            <p:ph type="sldNum" sz="quarter" idx="5"/>
+          </p:nvPr>
+        </p:nvSpPr>
+        <p:spPr/>
+        <p:txBody>
+          <a:bodyPr/>
+          <a:lstStyle/>
+          <a:p>
+            <a:pPr>
+              <a:defRPr/>
+            </a:pPr>
+            <a:fld id="{445C0ADE-5444-4AF0-8585-266DB2CCD55E}" type="slidenum">
+              <a:rPr lang="fr-FR" smtClean="0"/>
+              <a:pPr>
+                <a:defRPr/>
+              </a:pPr>
+              <a:t>22</a:t>
+            </a:fld>
+            <a:endParaRPr lang="fr-FR"/>
+          </a:p>
+        </p:txBody>
+      </p:sp>
+    </p:spTree>
+  </p:cSld>
+  <p:clrMapOvr>
+    <a:masterClrMapping/>
+  </p:clrMapOvr>
+</p:notes>
+</file>
+
+<file path=ppt/notesSlides/notesSlide23.xml><?xml version="1.0" encoding="utf-8"?>
+<p:notes xmlns:a="http://schemas.openxmlformats.org/drawingml/2006/main" xmlns:r="http://schemas.openxmlformats.org/officeDocument/2006/relationships" xmlns:p="http://schemas.openxmlformats.org/presentationml/2006/main">
+  <p:cSld>
+    <p:spTree>
+      <p:nvGrpSpPr>
+        <p:cNvPr id="1" name=""/>
+        <p:cNvGrpSpPr/>
+        <p:nvPr/>
+      </p:nvGrpSpPr>
+      <p:grpSpPr>
+        <a:xfrm>
+          <a:off x="0" y="0"/>
+          <a:ext cx="0" cy="0"/>
+          <a:chOff x="0" y="0"/>
+          <a:chExt cx="0" cy="0"/>
+        </a:xfrm>
+      </p:grpSpPr>
+      <p:sp>
+        <p:nvSpPr>
+          <p:cNvPr id="21506" name="Espace réservé de l'image des diapositives 1"/>
+          <p:cNvSpPr>
+            <a:spLocks noGrp="1" noRot="1" noChangeAspect="1" noTextEdit="1"/>
+          </p:cNvSpPr>
+          <p:nvPr>
+            <p:ph type="sldImg"/>
+          </p:nvPr>
+        </p:nvSpPr>
+        <p:spPr bwMode="auto">
+          <a:noFill/>
+          <a:ln>
+            <a:solidFill>
+              <a:srgbClr val="000000"/>
+            </a:solidFill>
+            <a:miter lim="800000"/>
+            <a:headEnd/>
+            <a:tailEnd/>
+          </a:ln>
+        </p:spPr>
+      </p:sp>
+      <p:sp>
+        <p:nvSpPr>
+          <p:cNvPr id="21507" name="Espace réservé des commentaires 2"/>
+          <p:cNvSpPr>
+            <a:spLocks noGrp="1"/>
+          </p:cNvSpPr>
+          <p:nvPr>
+            <p:ph type="body" idx="1"/>
+          </p:nvPr>
+        </p:nvSpPr>
+        <p:spPr bwMode="auto">
+          <a:noFill/>
+        </p:spPr>
+        <p:txBody>
+          <a:bodyPr wrap="square" numCol="1" anchor="t" anchorCtr="0" compatLnSpc="1">
+            <a:prstTxWarp prst="textNoShape">
+              <a:avLst/>
+            </a:prstTxWarp>
+          </a:bodyPr>
+          <a:lstStyle/>
+          <a:p>
+            <a:endParaRPr lang="fr-FR" smtClean="0"/>
+          </a:p>
+        </p:txBody>
+      </p:sp>
+      <p:sp>
+        <p:nvSpPr>
+          <p:cNvPr id="4" name="Espace réservé du numéro de diapositive 3"/>
+          <p:cNvSpPr>
+            <a:spLocks noGrp="1"/>
+          </p:cNvSpPr>
+          <p:nvPr>
+            <p:ph type="sldNum" sz="quarter" idx="5"/>
+          </p:nvPr>
+        </p:nvSpPr>
+        <p:spPr/>
+        <p:txBody>
+          <a:bodyPr/>
+          <a:lstStyle/>
+          <a:p>
+            <a:pPr>
+              <a:defRPr/>
+            </a:pPr>
+            <a:fld id="{445C0ADE-5444-4AF0-8585-266DB2CCD55E}" type="slidenum">
+              <a:rPr lang="fr-FR" smtClean="0"/>
+              <a:pPr>
+                <a:defRPr/>
+              </a:pPr>
+              <a:t>23</a:t>
+            </a:fld>
+            <a:endParaRPr lang="fr-FR"/>
+          </a:p>
+        </p:txBody>
+      </p:sp>
+    </p:spTree>
+  </p:cSld>
+  <p:clrMapOvr>
+    <a:masterClrMapping/>
+  </p:clrMapOvr>
+</p:notes>
+</file>
+
 <file path=ppt/notesSlides/notesSlide3.xml><?xml version="1.0" encoding="utf-8"?>
 <p:notes xmlns:a="http://schemas.openxmlformats.org/drawingml/2006/main" xmlns:r="http://schemas.openxmlformats.org/officeDocument/2006/relationships" xmlns:p="http://schemas.openxmlformats.org/presentationml/2006/main">
   <p:cSld>
@@ -2611,7 +3019,7 @@
             <a:fld id="{AC7A4BCE-9077-4C54-9508-1B20BF73281A}" type="datetimeFigureOut">
               <a:rPr lang="fr-FR" smtClean="0"/>
               <a:pPr/>
-              <a:t>09/05/2012</a:t>
+              <a:t>10/05/2012</a:t>
             </a:fld>
             <a:endParaRPr lang="fr-FR"/>
           </a:p>
@@ -2778,7 +3186,7 @@
             <a:fld id="{AC7A4BCE-9077-4C54-9508-1B20BF73281A}" type="datetimeFigureOut">
               <a:rPr lang="fr-FR" smtClean="0"/>
               <a:pPr/>
-              <a:t>09/05/2012</a:t>
+              <a:t>10/05/2012</a:t>
             </a:fld>
             <a:endParaRPr lang="fr-FR"/>
           </a:p>
@@ -2955,7 +3363,7 @@
             <a:fld id="{AC7A4BCE-9077-4C54-9508-1B20BF73281A}" type="datetimeFigureOut">
               <a:rPr lang="fr-FR" smtClean="0"/>
               <a:pPr/>
-              <a:t>09/05/2012</a:t>
+              <a:t>10/05/2012</a:t>
             </a:fld>
             <a:endParaRPr lang="fr-FR"/>
           </a:p>
@@ -3122,7 +3530,7 @@
             <a:fld id="{AC7A4BCE-9077-4C54-9508-1B20BF73281A}" type="datetimeFigureOut">
               <a:rPr lang="fr-FR" smtClean="0"/>
               <a:pPr/>
-              <a:t>09/05/2012</a:t>
+              <a:t>10/05/2012</a:t>
             </a:fld>
             <a:endParaRPr lang="fr-FR"/>
           </a:p>
@@ -3365,7 +3773,7 @@
             <a:fld id="{AC7A4BCE-9077-4C54-9508-1B20BF73281A}" type="datetimeFigureOut">
               <a:rPr lang="fr-FR" smtClean="0"/>
               <a:pPr/>
-              <a:t>09/05/2012</a:t>
+              <a:t>10/05/2012</a:t>
             </a:fld>
             <a:endParaRPr lang="fr-FR"/>
           </a:p>
@@ -3650,7 +4058,7 @@
             <a:fld id="{AC7A4BCE-9077-4C54-9508-1B20BF73281A}" type="datetimeFigureOut">
               <a:rPr lang="fr-FR" smtClean="0"/>
               <a:pPr/>
-              <a:t>09/05/2012</a:t>
+              <a:t>10/05/2012</a:t>
             </a:fld>
             <a:endParaRPr lang="fr-FR"/>
           </a:p>
@@ -4069,7 +4477,7 @@
             <a:fld id="{AC7A4BCE-9077-4C54-9508-1B20BF73281A}" type="datetimeFigureOut">
               <a:rPr lang="fr-FR" smtClean="0"/>
               <a:pPr/>
-              <a:t>09/05/2012</a:t>
+              <a:t>10/05/2012</a:t>
             </a:fld>
             <a:endParaRPr lang="fr-FR"/>
           </a:p>
@@ -4184,7 +4592,7 @@
             <a:fld id="{AC7A4BCE-9077-4C54-9508-1B20BF73281A}" type="datetimeFigureOut">
               <a:rPr lang="fr-FR" smtClean="0"/>
               <a:pPr/>
-              <a:t>09/05/2012</a:t>
+              <a:t>10/05/2012</a:t>
             </a:fld>
             <a:endParaRPr lang="fr-FR"/>
           </a:p>
@@ -4276,7 +4684,7 @@
             <a:fld id="{AC7A4BCE-9077-4C54-9508-1B20BF73281A}" type="datetimeFigureOut">
               <a:rPr lang="fr-FR" smtClean="0"/>
               <a:pPr/>
-              <a:t>09/05/2012</a:t>
+              <a:t>10/05/2012</a:t>
             </a:fld>
             <a:endParaRPr lang="fr-FR"/>
           </a:p>
@@ -4550,7 +4958,7 @@
             <a:fld id="{AC7A4BCE-9077-4C54-9508-1B20BF73281A}" type="datetimeFigureOut">
               <a:rPr lang="fr-FR" smtClean="0"/>
               <a:pPr/>
-              <a:t>09/05/2012</a:t>
+              <a:t>10/05/2012</a:t>
             </a:fld>
             <a:endParaRPr lang="fr-FR"/>
           </a:p>
@@ -4800,7 +5208,7 @@
             <a:fld id="{AC7A4BCE-9077-4C54-9508-1B20BF73281A}" type="datetimeFigureOut">
               <a:rPr lang="fr-FR" smtClean="0"/>
               <a:pPr/>
-              <a:t>09/05/2012</a:t>
+              <a:t>10/05/2012</a:t>
             </a:fld>
             <a:endParaRPr lang="fr-FR"/>
           </a:p>
@@ -5013,7 +5421,7 @@
             <a:fld id="{AC7A4BCE-9077-4C54-9508-1B20BF73281A}" type="datetimeFigureOut">
               <a:rPr lang="fr-FR" smtClean="0"/>
               <a:pPr/>
-              <a:t>09/05/2012</a:t>
+              <a:t>10/05/2012</a:t>
             </a:fld>
             <a:endParaRPr lang="fr-FR"/>
           </a:p>
@@ -5592,13 +6000,13 @@
   <p:clrMapOvr>
     <a:masterClrMapping/>
   </p:clrMapOvr>
-  <mc:AlternateContent xmlns:mc="http://schemas.openxmlformats.org/markup-compatibility/2006" xmlns:p14="http://schemas.microsoft.com/office/powerpoint/2010/main">
-    <mc:Choice Requires="p14">
+  <mc:AlternateContent xmlns:mc="http://schemas.openxmlformats.org/markup-compatibility/2006">
+    <mc:Choice xmlns:p14="http://schemas.microsoft.com/office/powerpoint/2010/main" Requires="p14">
       <p:transition spd="med">
         <p14:gallery dir="l"/>
       </p:transition>
     </mc:Choice>
-    <mc:Fallback xmlns="">
+    <mc:Fallback>
       <p:transition spd="med">
         <p:fade/>
       </p:transition>
@@ -5653,7 +6061,7 @@
           <a:p>
             <a:r>
               <a:rPr lang="fr-FR" dirty="0" smtClean="0"/>
-              <a:t>Plan</a:t>
+              <a:t>Choix technologiques</a:t>
             </a:r>
           </a:p>
         </p:txBody>
@@ -5679,6 +6087,9 @@
             <a:normAutofit/>
           </a:bodyPr>
           <a:lstStyle/>
+          <a:p>
+            <a:endParaRPr lang="fr-FR" dirty="0" smtClean="0"/>
+          </a:p>
           <a:p>
             <a:pPr>
               <a:lnSpc>
@@ -5686,15 +6097,14 @@
               </a:lnSpc>
             </a:pPr>
             <a:r>
-              <a:rPr lang="fr-FR" dirty="0" smtClean="0">
-                <a:solidFill>
-                  <a:schemeClr val="bg1">
-                    <a:lumMod val="50000"/>
-                  </a:schemeClr>
-                </a:solidFill>
-              </a:rPr>
-              <a:t>Le contexte</a:t>
-            </a:r>
+              <a:rPr lang="fr-FR" dirty="0" smtClean="0"/>
+              <a:t>PHP &amp; </a:t>
+            </a:r>
+            <a:r>
+              <a:rPr lang="fr-FR" dirty="0" err="1" smtClean="0"/>
+              <a:t>CodeIgniter</a:t>
+            </a:r>
+            <a:endParaRPr lang="fr-FR" dirty="0" smtClean="0"/>
           </a:p>
           <a:p>
             <a:pPr>
@@ -5703,14 +6113,8 @@
               </a:lnSpc>
             </a:pPr>
             <a:r>
-              <a:rPr lang="fr-FR" dirty="0" smtClean="0">
-                <a:solidFill>
-                  <a:schemeClr val="bg1">
-                    <a:lumMod val="50000"/>
-                  </a:schemeClr>
-                </a:solidFill>
-              </a:rPr>
-              <a:t>Le projet</a:t>
+              <a:rPr lang="fr-FR" dirty="0" smtClean="0"/>
+              <a:t>Base de données MySQL</a:t>
             </a:r>
           </a:p>
           <a:p>
@@ -5720,9 +6124,10 @@
               </a:lnSpc>
             </a:pPr>
             <a:r>
-              <a:rPr lang="fr-FR" dirty="0" smtClean="0"/>
-              <a:t>Conception</a:t>
-            </a:r>
+              <a:rPr lang="fr-FR" dirty="0" err="1" smtClean="0"/>
+              <a:t>JQuery</a:t>
+            </a:r>
+            <a:endParaRPr lang="fr-FR" dirty="0" smtClean="0"/>
           </a:p>
           <a:p>
             <a:pPr>
@@ -5731,14 +6136,8 @@
               </a:lnSpc>
             </a:pPr>
             <a:r>
-              <a:rPr lang="fr-FR" dirty="0" smtClean="0">
-                <a:solidFill>
-                  <a:schemeClr val="bg1">
-                    <a:lumMod val="50000"/>
-                  </a:schemeClr>
-                </a:solidFill>
-              </a:rPr>
-              <a:t>Démonstration</a:t>
+              <a:rPr lang="fr-FR" dirty="0" smtClean="0"/>
+              <a:t>Adobe Flash</a:t>
             </a:r>
           </a:p>
           <a:p>
@@ -5747,16 +6146,6 @@
                 <a:spcPct val="170000"/>
               </a:lnSpc>
             </a:pPr>
-            <a:r>
-              <a:rPr lang="fr-FR" dirty="0" smtClean="0">
-                <a:solidFill>
-                  <a:schemeClr val="bg1">
-                    <a:lumMod val="50000"/>
-                  </a:schemeClr>
-                </a:solidFill>
-              </a:rPr>
-              <a:t>Gestion de projet</a:t>
-            </a:r>
             <a:endParaRPr lang="fr-FR" dirty="0" smtClean="0"/>
           </a:p>
         </p:txBody>
@@ -5822,23 +6211,53 @@
           </a:p>
         </p:txBody>
       </p:sp>
+      <p:pic>
+        <p:nvPicPr>
+          <p:cNvPr id="3" name="Image 2"/>
+          <p:cNvPicPr>
+            <a:picLocks noChangeAspect="1"/>
+          </p:cNvPicPr>
+          <p:nvPr/>
+        </p:nvPicPr>
+        <p:blipFill>
+          <a:blip r:embed="rId4">
+            <a:extLst>
+              <a:ext uri="{28A0092B-C50C-407E-A947-70E740481C1C}">
+                <a14:useLocalDpi xmlns:a14="http://schemas.microsoft.com/office/drawing/2010/main" val="0"/>
+              </a:ext>
+            </a:extLst>
+          </a:blip>
+          <a:stretch>
+            <a:fillRect/>
+          </a:stretch>
+        </p:blipFill>
+        <p:spPr>
+          <a:xfrm>
+            <a:off x="5868144" y="2299692"/>
+            <a:ext cx="2476500" cy="2857500"/>
+          </a:xfrm>
+          <a:prstGeom prst="rect">
+            <a:avLst/>
+          </a:prstGeom>
+        </p:spPr>
+      </p:pic>
     </p:spTree>
     <p:extLst>
       <p:ext uri="{BB962C8B-B14F-4D97-AF65-F5344CB8AC3E}">
-        <p14:creationId xmlns:p14="http://schemas.microsoft.com/office/powerpoint/2010/main" val="2623020860"/>
+        <p14:creationId xmlns:p14="http://schemas.microsoft.com/office/powerpoint/2010/main" val="391846110"/>
       </p:ext>
     </p:extLst>
   </p:cSld>
   <p:clrMapOvr>
     <a:masterClrMapping/>
   </p:clrMapOvr>
-  <mc:AlternateContent xmlns:mc="http://schemas.openxmlformats.org/markup-compatibility/2006" xmlns:p14="http://schemas.microsoft.com/office/powerpoint/2010/main">
-    <mc:Choice Requires="p14">
+  <mc:AlternateContent xmlns:mc="http://schemas.openxmlformats.org/markup-compatibility/2006">
+    <mc:Choice xmlns:p14="http://schemas.microsoft.com/office/powerpoint/2010/main" Requires="p14">
       <p:transition spd="med">
         <p14:gallery dir="l"/>
       </p:transition>
     </mc:Choice>
-    <mc:Fallback xmlns="">
+    <mc:Fallback>
       <p:transition spd="med">
         <p:fade/>
       </p:transition>
@@ -5871,9 +6290,139 @@
           <a:chExt cx="0" cy="0"/>
         </a:xfrm>
       </p:grpSpPr>
+      <p:sp>
+        <p:nvSpPr>
+          <p:cNvPr id="3074" name="Titre 1"/>
+          <p:cNvSpPr>
+            <a:spLocks noGrp="1"/>
+          </p:cNvSpPr>
+          <p:nvPr>
+            <p:ph type="title"/>
+          </p:nvPr>
+        </p:nvSpPr>
+        <p:spPr>
+          <a:xfrm>
+            <a:off x="457200" y="773832"/>
+            <a:ext cx="8229600" cy="1143000"/>
+          </a:xfrm>
+        </p:spPr>
+        <p:txBody>
+          <a:bodyPr/>
+          <a:lstStyle/>
+          <a:p>
+            <a:r>
+              <a:rPr lang="fr-FR" dirty="0" smtClean="0"/>
+              <a:t>Plan</a:t>
+            </a:r>
+          </a:p>
+        </p:txBody>
+      </p:sp>
+      <p:sp>
+        <p:nvSpPr>
+          <p:cNvPr id="3075" name="Espace réservé du contenu 2"/>
+          <p:cNvSpPr>
+            <a:spLocks noGrp="1"/>
+          </p:cNvSpPr>
+          <p:nvPr>
+            <p:ph idx="1"/>
+          </p:nvPr>
+        </p:nvSpPr>
+        <p:spPr>
+          <a:xfrm>
+            <a:off x="457200" y="1600200"/>
+            <a:ext cx="8229600" cy="5141168"/>
+          </a:xfrm>
+        </p:spPr>
+        <p:txBody>
+          <a:bodyPr>
+            <a:normAutofit/>
+          </a:bodyPr>
+          <a:lstStyle/>
+          <a:p>
+            <a:pPr>
+              <a:lnSpc>
+                <a:spcPct val="170000"/>
+              </a:lnSpc>
+            </a:pPr>
+            <a:r>
+              <a:rPr lang="fr-FR" dirty="0" smtClean="0">
+                <a:solidFill>
+                  <a:schemeClr val="bg1">
+                    <a:lumMod val="50000"/>
+                  </a:schemeClr>
+                </a:solidFill>
+              </a:rPr>
+              <a:t>Le contexte</a:t>
+            </a:r>
+          </a:p>
+          <a:p>
+            <a:pPr>
+              <a:lnSpc>
+                <a:spcPct val="170000"/>
+              </a:lnSpc>
+            </a:pPr>
+            <a:r>
+              <a:rPr lang="fr-FR" dirty="0" smtClean="0">
+                <a:solidFill>
+                  <a:schemeClr val="bg1">
+                    <a:lumMod val="50000"/>
+                  </a:schemeClr>
+                </a:solidFill>
+              </a:rPr>
+              <a:t>Le projet</a:t>
+            </a:r>
+          </a:p>
+          <a:p>
+            <a:pPr>
+              <a:lnSpc>
+                <a:spcPct val="170000"/>
+              </a:lnSpc>
+            </a:pPr>
+            <a:r>
+              <a:rPr lang="fr-FR" dirty="0" smtClean="0"/>
+              <a:t>Conception</a:t>
+            </a:r>
+          </a:p>
+          <a:p>
+            <a:pPr>
+              <a:lnSpc>
+                <a:spcPct val="170000"/>
+              </a:lnSpc>
+            </a:pPr>
+            <a:r>
+              <a:rPr lang="fr-FR" dirty="0" smtClean="0">
+                <a:solidFill>
+                  <a:schemeClr val="bg1">
+                    <a:lumMod val="50000"/>
+                  </a:schemeClr>
+                </a:solidFill>
+              </a:rPr>
+              <a:t>Démonstration</a:t>
+            </a:r>
+          </a:p>
+          <a:p>
+            <a:pPr>
+              <a:lnSpc>
+                <a:spcPct val="170000"/>
+              </a:lnSpc>
+            </a:pPr>
+            <a:r>
+              <a:rPr lang="fr-FR" dirty="0" smtClean="0">
+                <a:solidFill>
+                  <a:schemeClr val="bg1">
+                    <a:lumMod val="50000"/>
+                  </a:schemeClr>
+                </a:solidFill>
+              </a:rPr>
+              <a:t>Gestion de projet</a:t>
+            </a:r>
+            <a:endParaRPr lang="fr-FR" dirty="0" smtClean="0"/>
+          </a:p>
+        </p:txBody>
+      </p:sp>
       <p:pic>
         <p:nvPicPr>
-          <p:cNvPr id="5" name="Image 4"/>
+          <p:cNvPr id="3076" name="Image 4"/>
           <p:cNvPicPr>
             <a:picLocks noChangeAspect="1"/>
           </p:cNvPicPr>
@@ -5905,7 +6454,7 @@
       </p:pic>
       <p:sp>
         <p:nvSpPr>
-          <p:cNvPr id="6" name="Espace réservé du numéro de diapositive 1"/>
+          <p:cNvPr id="2" name="Espace réservé du numéro de diapositive 1"/>
           <p:cNvSpPr>
             <a:spLocks noGrp="1"/>
           </p:cNvSpPr>
@@ -5913,12 +6462,7 @@
             <p:ph type="sldNum" sz="quarter" idx="12"/>
           </p:nvPr>
         </p:nvSpPr>
-        <p:spPr>
-          <a:xfrm>
-            <a:off x="6553200" y="6356350"/>
-            <a:ext cx="2133600" cy="365125"/>
-          </a:xfrm>
-        </p:spPr>
+        <p:spPr/>
         <p:txBody>
           <a:bodyPr/>
           <a:lstStyle/>
@@ -5937,90 +6481,23 @@
           </a:p>
         </p:txBody>
       </p:sp>
-      <p:sp>
-        <p:nvSpPr>
-          <p:cNvPr id="7" name="Titre 1"/>
-          <p:cNvSpPr>
-            <a:spLocks noGrp="1"/>
-          </p:cNvSpPr>
-          <p:nvPr>
-            <p:ph type="title"/>
-          </p:nvPr>
-        </p:nvSpPr>
-        <p:spPr>
-          <a:xfrm>
-            <a:off x="662880" y="341784"/>
-            <a:ext cx="8229600" cy="1143000"/>
-          </a:xfrm>
-        </p:spPr>
-        <p:txBody>
-          <a:bodyPr>
-            <a:normAutofit/>
-          </a:bodyPr>
-          <a:lstStyle/>
-          <a:p>
-            <a:pPr algn="r"/>
-            <a:r>
-              <a:rPr lang="fr-FR" sz="2800" dirty="0" smtClean="0"/>
-              <a:t>MCD</a:t>
-            </a:r>
-          </a:p>
-        </p:txBody>
-      </p:sp>
-      <p:pic>
-        <p:nvPicPr>
-          <p:cNvPr id="5122" name="Picture 2" descr="D:\School\2011 - Master ISC\S8\Courchevel\doc\Conception\V2\MCD.PNG"/>
-          <p:cNvPicPr>
-            <a:picLocks noChangeAspect="1" noChangeArrowheads="1"/>
-          </p:cNvPicPr>
-          <p:nvPr/>
-        </p:nvPicPr>
-        <p:blipFill>
-          <a:blip r:embed="rId4" cstate="print">
-            <a:clrChange>
-              <a:clrFrom>
-                <a:srgbClr val="FFFFFF"/>
-              </a:clrFrom>
-              <a:clrTo>
-                <a:srgbClr val="FFFFFF">
-                  <a:alpha val="0"/>
-                </a:srgbClr>
-              </a:clrTo>
-            </a:clrChange>
-          </a:blip>
-          <a:srcRect/>
-          <a:stretch>
-            <a:fillRect/>
-          </a:stretch>
-        </p:blipFill>
-        <p:spPr bwMode="auto">
-          <a:xfrm>
-            <a:off x="395536" y="980728"/>
-            <a:ext cx="8388423" cy="5479947"/>
-          </a:xfrm>
-          <a:prstGeom prst="rect">
-            <a:avLst/>
-          </a:prstGeom>
-          <a:noFill/>
-        </p:spPr>
-      </p:pic>
     </p:spTree>
     <p:extLst>
       <p:ext uri="{BB962C8B-B14F-4D97-AF65-F5344CB8AC3E}">
-        <p14:creationId xmlns:p14="http://schemas.microsoft.com/office/powerpoint/2010/main" val="3405881691"/>
+        <p14:creationId xmlns:p14="http://schemas.microsoft.com/office/powerpoint/2010/main" val="2623020860"/>
       </p:ext>
     </p:extLst>
   </p:cSld>
   <p:clrMapOvr>
     <a:masterClrMapping/>
   </p:clrMapOvr>
-  <mc:AlternateContent xmlns:mc="http://schemas.openxmlformats.org/markup-compatibility/2006" xmlns:p14="http://schemas.microsoft.com/office/powerpoint/2010/main">
-    <mc:Choice Requires="p14">
+  <mc:AlternateContent xmlns:mc="http://schemas.openxmlformats.org/markup-compatibility/2006">
+    <mc:Choice xmlns:p14="http://schemas.microsoft.com/office/powerpoint/2010/main" Requires="p14">
       <p:transition spd="med">
         <p14:gallery dir="l"/>
       </p:transition>
     </mc:Choice>
-    <mc:Fallback xmlns="">
+    <mc:Fallback>
       <p:transition spd="med">
         <p:fade/>
       </p:transition>
@@ -6053,6 +6530,136 @@
           <a:chExt cx="0" cy="0"/>
         </a:xfrm>
       </p:grpSpPr>
+      <p:sp>
+        <p:nvSpPr>
+          <p:cNvPr id="3074" name="Titre 1"/>
+          <p:cNvSpPr>
+            <a:spLocks noGrp="1"/>
+          </p:cNvSpPr>
+          <p:nvPr>
+            <p:ph type="title"/>
+          </p:nvPr>
+        </p:nvSpPr>
+        <p:spPr>
+          <a:xfrm>
+            <a:off x="457200" y="773832"/>
+            <a:ext cx="8229600" cy="1143000"/>
+          </a:xfrm>
+        </p:spPr>
+        <p:txBody>
+          <a:bodyPr/>
+          <a:lstStyle/>
+          <a:p>
+            <a:r>
+              <a:rPr lang="fr-FR" dirty="0" smtClean="0"/>
+              <a:t>Plan</a:t>
+            </a:r>
+          </a:p>
+        </p:txBody>
+      </p:sp>
+      <p:sp>
+        <p:nvSpPr>
+          <p:cNvPr id="3075" name="Espace réservé du contenu 2"/>
+          <p:cNvSpPr>
+            <a:spLocks noGrp="1"/>
+          </p:cNvSpPr>
+          <p:nvPr>
+            <p:ph idx="1"/>
+          </p:nvPr>
+        </p:nvSpPr>
+        <p:spPr>
+          <a:xfrm>
+            <a:off x="457200" y="1600200"/>
+            <a:ext cx="8229600" cy="5141168"/>
+          </a:xfrm>
+        </p:spPr>
+        <p:txBody>
+          <a:bodyPr>
+            <a:normAutofit/>
+          </a:bodyPr>
+          <a:lstStyle/>
+          <a:p>
+            <a:pPr>
+              <a:lnSpc>
+                <a:spcPct val="170000"/>
+              </a:lnSpc>
+            </a:pPr>
+            <a:r>
+              <a:rPr lang="fr-FR" dirty="0" smtClean="0">
+                <a:solidFill>
+                  <a:schemeClr val="bg1">
+                    <a:lumMod val="50000"/>
+                  </a:schemeClr>
+                </a:solidFill>
+              </a:rPr>
+              <a:t>Le contexte</a:t>
+            </a:r>
+          </a:p>
+          <a:p>
+            <a:pPr>
+              <a:lnSpc>
+                <a:spcPct val="170000"/>
+              </a:lnSpc>
+            </a:pPr>
+            <a:r>
+              <a:rPr lang="fr-FR" dirty="0" smtClean="0">
+                <a:solidFill>
+                  <a:schemeClr val="bg1">
+                    <a:lumMod val="50000"/>
+                  </a:schemeClr>
+                </a:solidFill>
+              </a:rPr>
+              <a:t>Le projet</a:t>
+            </a:r>
+          </a:p>
+          <a:p>
+            <a:pPr>
+              <a:lnSpc>
+                <a:spcPct val="170000"/>
+              </a:lnSpc>
+            </a:pPr>
+            <a:r>
+              <a:rPr lang="fr-FR" dirty="0" smtClean="0">
+                <a:solidFill>
+                  <a:schemeClr val="bg1">
+                    <a:lumMod val="50000"/>
+                  </a:schemeClr>
+                </a:solidFill>
+              </a:rPr>
+              <a:t>Conception</a:t>
+            </a:r>
+          </a:p>
+          <a:p>
+            <a:pPr>
+              <a:lnSpc>
+                <a:spcPct val="170000"/>
+              </a:lnSpc>
+            </a:pPr>
+            <a:r>
+              <a:rPr lang="fr-FR" dirty="0" smtClean="0"/>
+              <a:t>Démonstration</a:t>
+            </a:r>
+          </a:p>
+          <a:p>
+            <a:pPr>
+              <a:lnSpc>
+                <a:spcPct val="170000"/>
+              </a:lnSpc>
+            </a:pPr>
+            <a:r>
+              <a:rPr lang="fr-FR" dirty="0" smtClean="0">
+                <a:solidFill>
+                  <a:schemeClr val="bg1">
+                    <a:lumMod val="50000"/>
+                  </a:schemeClr>
+                </a:solidFill>
+              </a:rPr>
+              <a:t>Gestion de projet</a:t>
+            </a:r>
+            <a:endParaRPr lang="fr-FR" dirty="0" smtClean="0"/>
+          </a:p>
+        </p:txBody>
+      </p:sp>
       <p:pic>
         <p:nvPicPr>
           <p:cNvPr id="3076" name="Image 4"/>
@@ -6114,90 +6721,23 @@
           </a:p>
         </p:txBody>
       </p:sp>
-      <p:sp>
-        <p:nvSpPr>
-          <p:cNvPr id="6" name="Titre 1"/>
-          <p:cNvSpPr>
-            <a:spLocks noGrp="1"/>
-          </p:cNvSpPr>
-          <p:nvPr>
-            <p:ph type="title"/>
-          </p:nvPr>
-        </p:nvSpPr>
-        <p:spPr>
-          <a:xfrm>
-            <a:off x="662880" y="413792"/>
-            <a:ext cx="8229600" cy="1143000"/>
-          </a:xfrm>
-        </p:spPr>
-        <p:txBody>
-          <a:bodyPr>
-            <a:normAutofit/>
-          </a:bodyPr>
-          <a:lstStyle/>
-          <a:p>
-            <a:pPr algn="r"/>
-            <a:r>
-              <a:rPr lang="fr-FR" sz="2800" dirty="0" smtClean="0"/>
-              <a:t>Cas d’utilisation : Organisateur</a:t>
-            </a:r>
-          </a:p>
-        </p:txBody>
-      </p:sp>
-      <p:pic>
-        <p:nvPicPr>
-          <p:cNvPr id="1027" name="Picture 3" descr="D:\School\2011 - Master ISC\S8\Courchevel\doc\Conception\V2\UseCase-Organisateur.PNG"/>
-          <p:cNvPicPr>
-            <a:picLocks noChangeAspect="1" noChangeArrowheads="1"/>
-          </p:cNvPicPr>
-          <p:nvPr/>
-        </p:nvPicPr>
-        <p:blipFill>
-          <a:blip r:embed="rId4" cstate="print">
-            <a:clrChange>
-              <a:clrFrom>
-                <a:srgbClr val="FFFFFF"/>
-              </a:clrFrom>
-              <a:clrTo>
-                <a:srgbClr val="FFFFFF">
-                  <a:alpha val="0"/>
-                </a:srgbClr>
-              </a:clrTo>
-            </a:clrChange>
-          </a:blip>
-          <a:srcRect/>
-          <a:stretch>
-            <a:fillRect/>
-          </a:stretch>
-        </p:blipFill>
-        <p:spPr bwMode="auto">
-          <a:xfrm>
-            <a:off x="307726" y="1628800"/>
-            <a:ext cx="8440738" cy="4676775"/>
-          </a:xfrm>
-          <a:prstGeom prst="rect">
-            <a:avLst/>
-          </a:prstGeom>
-          <a:noFill/>
-        </p:spPr>
-      </p:pic>
     </p:spTree>
     <p:extLst>
       <p:ext uri="{BB962C8B-B14F-4D97-AF65-F5344CB8AC3E}">
-        <p14:creationId xmlns:p14="http://schemas.microsoft.com/office/powerpoint/2010/main" val="2467418535"/>
+        <p14:creationId xmlns:p14="http://schemas.microsoft.com/office/powerpoint/2010/main" val="2150257744"/>
       </p:ext>
     </p:extLst>
   </p:cSld>
   <p:clrMapOvr>
     <a:masterClrMapping/>
   </p:clrMapOvr>
-  <mc:AlternateContent xmlns:mc="http://schemas.openxmlformats.org/markup-compatibility/2006" xmlns:p14="http://schemas.microsoft.com/office/powerpoint/2010/main">
-    <mc:Choice Requires="p14">
+  <mc:AlternateContent xmlns:mc="http://schemas.openxmlformats.org/markup-compatibility/2006">
+    <mc:Choice xmlns:p14="http://schemas.microsoft.com/office/powerpoint/2010/main" Requires="p14">
       <p:transition spd="med">
         <p14:gallery dir="l"/>
       </p:transition>
     </mc:Choice>
-    <mc:Fallback xmlns="">
+    <mc:Fallback>
       <p:transition spd="med">
         <p:fade/>
       </p:transition>
@@ -6308,7 +6848,7 @@
         </p:nvSpPr>
         <p:spPr>
           <a:xfrm>
-            <a:off x="662880" y="413792"/>
+            <a:off x="662880" y="116632"/>
             <a:ext cx="8229600" cy="1143000"/>
           </a:xfrm>
         </p:spPr>
@@ -6320,15 +6860,16 @@
           <a:p>
             <a:pPr algn="r"/>
             <a:r>
-              <a:rPr lang="fr-FR" sz="2800" dirty="0" smtClean="0"/>
-              <a:t>Cas d’utilisation : Accréditeur</a:t>
-            </a:r>
+              <a:rPr lang="fr-FR" sz="2800" dirty="0"/>
+              <a:t>Cas d’utilisation : Organisateur</a:t>
+            </a:r>
+            <a:endParaRPr lang="fr-FR" sz="2800" dirty="0" smtClean="0"/>
           </a:p>
         </p:txBody>
       </p:sp>
       <p:pic>
         <p:nvPicPr>
-          <p:cNvPr id="1026" name="Picture 2" descr="D:\Univ\INFO 891 - Projet Professionnalisant\doc\Conception\V2\Copie de UseCase-Accréditateur.PNG"/>
+          <p:cNvPr id="1026" name="Picture 2" descr="D:\Univ\INFO 891 - Projet Professionnalisant\image\Sans titre.png"/>
           <p:cNvPicPr>
             <a:picLocks noChangeAspect="1" noChangeArrowheads="1"/>
           </p:cNvPicPr>
@@ -6359,8 +6900,8 @@
         </p:blipFill>
         <p:spPr bwMode="auto">
           <a:xfrm>
-            <a:off x="395536" y="1179742"/>
-            <a:ext cx="8407797" cy="5561625"/>
+            <a:off x="1403648" y="3402471"/>
+            <a:ext cx="561975" cy="638175"/>
           </a:xfrm>
           <a:prstGeom prst="rect">
             <a:avLst/>
@@ -6377,23 +6918,284 @@
           </a:extLst>
         </p:spPr>
       </p:pic>
+      <p:sp>
+        <p:nvSpPr>
+          <p:cNvPr id="2" name="ZoneTexte 1"/>
+          <p:cNvSpPr txBox="1"/>
+          <p:nvPr/>
+        </p:nvSpPr>
+        <p:spPr>
+          <a:xfrm>
+            <a:off x="971600" y="3978535"/>
+            <a:ext cx="1512168" cy="369332"/>
+          </a:xfrm>
+          <a:prstGeom prst="rect">
+            <a:avLst/>
+          </a:prstGeom>
+          <a:noFill/>
+        </p:spPr>
+        <p:txBody>
+          <a:bodyPr wrap="square" rtlCol="0">
+            <a:spAutoFit/>
+          </a:bodyPr>
+          <a:lstStyle/>
+          <a:p>
+            <a:r>
+              <a:rPr lang="fr-FR" dirty="0" smtClean="0"/>
+              <a:t>Organisateur</a:t>
+            </a:r>
+            <a:endParaRPr lang="fr-FR" dirty="0"/>
+          </a:p>
+        </p:txBody>
+      </p:sp>
+      <p:sp>
+        <p:nvSpPr>
+          <p:cNvPr id="3" name="Ellipse 2"/>
+          <p:cNvSpPr/>
+          <p:nvPr/>
+        </p:nvSpPr>
+        <p:spPr>
+          <a:xfrm>
+            <a:off x="3419872" y="3176262"/>
+            <a:ext cx="2736304" cy="1080120"/>
+          </a:xfrm>
+          <a:prstGeom prst="ellipse">
+            <a:avLst/>
+          </a:prstGeom>
+        </p:spPr>
+        <p:style>
+          <a:lnRef idx="2">
+            <a:schemeClr val="accent1">
+              <a:shade val="50000"/>
+            </a:schemeClr>
+          </a:lnRef>
+          <a:fillRef idx="1">
+            <a:schemeClr val="accent1"/>
+          </a:fillRef>
+          <a:effectRef idx="0">
+            <a:schemeClr val="accent1"/>
+          </a:effectRef>
+          <a:fontRef idx="minor">
+            <a:schemeClr val="lt1"/>
+          </a:fontRef>
+        </p:style>
+        <p:txBody>
+          <a:bodyPr rtlCol="0" anchor="ctr"/>
+          <a:lstStyle/>
+          <a:p>
+            <a:pPr algn="ctr"/>
+            <a:r>
+              <a:rPr lang="fr-FR" dirty="0" smtClean="0"/>
+              <a:t>Gérer des zones</a:t>
+            </a:r>
+            <a:endParaRPr lang="fr-FR" dirty="0"/>
+          </a:p>
+        </p:txBody>
+      </p:sp>
+      <p:sp>
+        <p:nvSpPr>
+          <p:cNvPr id="9" name="Ellipse 8"/>
+          <p:cNvSpPr/>
+          <p:nvPr/>
+        </p:nvSpPr>
+        <p:spPr>
+          <a:xfrm>
+            <a:off x="3419872" y="4437112"/>
+            <a:ext cx="2736304" cy="1080120"/>
+          </a:xfrm>
+          <a:prstGeom prst="ellipse">
+            <a:avLst/>
+          </a:prstGeom>
+        </p:spPr>
+        <p:style>
+          <a:lnRef idx="2">
+            <a:schemeClr val="accent1">
+              <a:shade val="50000"/>
+            </a:schemeClr>
+          </a:lnRef>
+          <a:fillRef idx="1">
+            <a:schemeClr val="accent1"/>
+          </a:fillRef>
+          <a:effectRef idx="0">
+            <a:schemeClr val="accent1"/>
+          </a:effectRef>
+          <a:fontRef idx="minor">
+            <a:schemeClr val="lt1"/>
+          </a:fontRef>
+        </p:style>
+        <p:txBody>
+          <a:bodyPr rtlCol="0" anchor="ctr"/>
+          <a:lstStyle/>
+          <a:p>
+            <a:pPr algn="ctr"/>
+            <a:r>
+              <a:rPr lang="fr-FR" dirty="0" smtClean="0"/>
+              <a:t>Gérer des catégories</a:t>
+            </a:r>
+            <a:endParaRPr lang="fr-FR" dirty="0"/>
+          </a:p>
+        </p:txBody>
+      </p:sp>
+      <p:sp>
+        <p:nvSpPr>
+          <p:cNvPr id="10" name="Ellipse 9"/>
+          <p:cNvSpPr/>
+          <p:nvPr/>
+        </p:nvSpPr>
+        <p:spPr>
+          <a:xfrm>
+            <a:off x="3203848" y="1545523"/>
+            <a:ext cx="3168352" cy="1250665"/>
+          </a:xfrm>
+          <a:prstGeom prst="ellipse">
+            <a:avLst/>
+          </a:prstGeom>
+        </p:spPr>
+        <p:style>
+          <a:lnRef idx="2">
+            <a:schemeClr val="accent1">
+              <a:shade val="50000"/>
+            </a:schemeClr>
+          </a:lnRef>
+          <a:fillRef idx="1">
+            <a:schemeClr val="accent1"/>
+          </a:fillRef>
+          <a:effectRef idx="0">
+            <a:schemeClr val="accent1"/>
+          </a:effectRef>
+          <a:fontRef idx="minor">
+            <a:schemeClr val="lt1"/>
+          </a:fontRef>
+        </p:style>
+        <p:txBody>
+          <a:bodyPr rtlCol="0" anchor="ctr"/>
+          <a:lstStyle/>
+          <a:p>
+            <a:pPr algn="ctr"/>
+            <a:r>
+              <a:rPr lang="fr-FR" dirty="0" smtClean="0"/>
+              <a:t>Gérer les évènements </a:t>
+            </a:r>
+            <a:endParaRPr lang="fr-FR" dirty="0"/>
+          </a:p>
+        </p:txBody>
+      </p:sp>
+      <p:cxnSp>
+        <p:nvCxnSpPr>
+          <p:cNvPr id="8" name="Connecteur droit 7"/>
+          <p:cNvCxnSpPr>
+            <a:stCxn id="1026" idx="3"/>
+            <a:endCxn id="3" idx="2"/>
+          </p:cNvCxnSpPr>
+          <p:nvPr/>
+        </p:nvCxnSpPr>
+        <p:spPr>
+          <a:xfrm flipV="1">
+            <a:off x="1965623" y="3716322"/>
+            <a:ext cx="1454249" cy="5237"/>
+          </a:xfrm>
+          <a:prstGeom prst="line">
+            <a:avLst/>
+          </a:prstGeom>
+        </p:spPr>
+        <p:style>
+          <a:lnRef idx="1">
+            <a:schemeClr val="accent1"/>
+          </a:lnRef>
+          <a:fillRef idx="0">
+            <a:schemeClr val="accent1"/>
+          </a:fillRef>
+          <a:effectRef idx="0">
+            <a:schemeClr val="accent1"/>
+          </a:effectRef>
+          <a:fontRef idx="minor">
+            <a:schemeClr val="tx1"/>
+          </a:fontRef>
+        </p:style>
+      </p:cxnSp>
+      <p:cxnSp>
+        <p:nvCxnSpPr>
+          <p:cNvPr id="12" name="Connecteur droit 11"/>
+          <p:cNvCxnSpPr>
+            <a:stCxn id="1026" idx="3"/>
+            <a:endCxn id="9" idx="2"/>
+          </p:cNvCxnSpPr>
+          <p:nvPr/>
+        </p:nvCxnSpPr>
+        <p:spPr>
+          <a:xfrm>
+            <a:off x="1965623" y="3721559"/>
+            <a:ext cx="1454249" cy="1255613"/>
+          </a:xfrm>
+          <a:prstGeom prst="line">
+            <a:avLst/>
+          </a:prstGeom>
+        </p:spPr>
+        <p:style>
+          <a:lnRef idx="1">
+            <a:schemeClr val="accent1"/>
+          </a:lnRef>
+          <a:fillRef idx="0">
+            <a:schemeClr val="accent1"/>
+          </a:fillRef>
+          <a:effectRef idx="0">
+            <a:schemeClr val="accent1"/>
+          </a:effectRef>
+          <a:fontRef idx="minor">
+            <a:schemeClr val="tx1"/>
+          </a:fontRef>
+        </p:style>
+      </p:cxnSp>
+      <p:cxnSp>
+        <p:nvCxnSpPr>
+          <p:cNvPr id="14" name="Connecteur droit 13"/>
+          <p:cNvCxnSpPr>
+            <a:stCxn id="1026" idx="3"/>
+            <a:endCxn id="10" idx="2"/>
+          </p:cNvCxnSpPr>
+          <p:nvPr/>
+        </p:nvCxnSpPr>
+        <p:spPr>
+          <a:xfrm flipV="1">
+            <a:off x="1965623" y="2170856"/>
+            <a:ext cx="1238225" cy="1550703"/>
+          </a:xfrm>
+          <a:prstGeom prst="line">
+            <a:avLst/>
+          </a:prstGeom>
+        </p:spPr>
+        <p:style>
+          <a:lnRef idx="1">
+            <a:schemeClr val="accent1"/>
+          </a:lnRef>
+          <a:fillRef idx="0">
+            <a:schemeClr val="accent1"/>
+          </a:fillRef>
+          <a:effectRef idx="0">
+            <a:schemeClr val="accent1"/>
+          </a:effectRef>
+          <a:fontRef idx="minor">
+            <a:schemeClr val="tx1"/>
+          </a:fontRef>
+        </p:style>
+      </p:cxnSp>
     </p:spTree>
     <p:extLst>
       <p:ext uri="{BB962C8B-B14F-4D97-AF65-F5344CB8AC3E}">
-        <p14:creationId xmlns:p14="http://schemas.microsoft.com/office/powerpoint/2010/main" val="1434209132"/>
+        <p14:creationId xmlns:p14="http://schemas.microsoft.com/office/powerpoint/2010/main" val="3928373978"/>
       </p:ext>
     </p:extLst>
   </p:cSld>
   <p:clrMapOvr>
     <a:masterClrMapping/>
   </p:clrMapOvr>
-  <mc:AlternateContent xmlns:mc="http://schemas.openxmlformats.org/markup-compatibility/2006" xmlns:p14="http://schemas.microsoft.com/office/powerpoint/2010/main">
-    <mc:Choice Requires="p14">
+  <mc:AlternateContent xmlns:mc="http://schemas.openxmlformats.org/markup-compatibility/2006">
+    <mc:Choice xmlns:p14="http://schemas.microsoft.com/office/powerpoint/2010/main" Requires="p14">
       <p:transition spd="med">
         <p14:gallery dir="l"/>
       </p:transition>
     </mc:Choice>
-    <mc:Fallback xmlns="">
+    <mc:Fallback>
       <p:transition spd="med">
         <p:fade/>
       </p:transition>
@@ -6494,7 +7296,7 @@
       </p:sp>
       <p:sp>
         <p:nvSpPr>
-          <p:cNvPr id="8" name="Titre 1"/>
+          <p:cNvPr id="7" name="Titre 1"/>
           <p:cNvSpPr>
             <a:spLocks noGrp="1"/>
           </p:cNvSpPr>
@@ -6504,7 +7306,7 @@
         </p:nvSpPr>
         <p:spPr>
           <a:xfrm>
-            <a:off x="662880" y="692696"/>
+            <a:off x="662880" y="116632"/>
             <a:ext cx="8229600" cy="1143000"/>
           </a:xfrm>
         </p:spPr>
@@ -6516,15 +7318,16 @@
           <a:p>
             <a:pPr algn="r"/>
             <a:r>
-              <a:rPr lang="fr-FR" sz="2800" dirty="0" smtClean="0"/>
+              <a:rPr lang="fr-FR" sz="2800" dirty="0"/>
               <a:t>Cas d’utilisation : Visiteur</a:t>
             </a:r>
+            <a:endParaRPr lang="fr-FR" sz="2800" dirty="0" smtClean="0"/>
           </a:p>
         </p:txBody>
       </p:sp>
       <p:pic>
         <p:nvPicPr>
-          <p:cNvPr id="2050" name="Picture 2" descr="D:\Univ\INFO 891 - Projet Professionnalisant\doc\Conception\V2\Copie de UseCase-Visiteur.PNG"/>
+          <p:cNvPr id="8" name="Picture 2" descr="D:\Univ\INFO 891 - Projet Professionnalisant\image\Sans titre.png"/>
           <p:cNvPicPr>
             <a:picLocks noChangeAspect="1" noChangeArrowheads="1"/>
           </p:cNvPicPr>
@@ -6555,8 +7358,8 @@
         </p:blipFill>
         <p:spPr bwMode="auto">
           <a:xfrm>
-            <a:off x="216148" y="2076865"/>
-            <a:ext cx="8711704" cy="3800407"/>
+            <a:off x="1403648" y="3402471"/>
+            <a:ext cx="561975" cy="638175"/>
           </a:xfrm>
           <a:prstGeom prst="rect">
             <a:avLst/>
@@ -6573,23 +7376,373 @@
           </a:extLst>
         </p:spPr>
       </p:pic>
+      <p:sp>
+        <p:nvSpPr>
+          <p:cNvPr id="9" name="ZoneTexte 8"/>
+          <p:cNvSpPr txBox="1"/>
+          <p:nvPr/>
+        </p:nvSpPr>
+        <p:spPr>
+          <a:xfrm>
+            <a:off x="1259632" y="3978535"/>
+            <a:ext cx="1080120" cy="369937"/>
+          </a:xfrm>
+          <a:prstGeom prst="rect">
+            <a:avLst/>
+          </a:prstGeom>
+          <a:noFill/>
+        </p:spPr>
+        <p:txBody>
+          <a:bodyPr wrap="square" rtlCol="0">
+            <a:spAutoFit/>
+          </a:bodyPr>
+          <a:lstStyle/>
+          <a:p>
+            <a:r>
+              <a:rPr lang="fr-FR" dirty="0"/>
+              <a:t>V</a:t>
+            </a:r>
+            <a:r>
+              <a:rPr lang="fr-FR" dirty="0" smtClean="0"/>
+              <a:t>isiteur</a:t>
+            </a:r>
+            <a:endParaRPr lang="fr-FR" dirty="0"/>
+          </a:p>
+        </p:txBody>
+      </p:sp>
+      <p:sp>
+        <p:nvSpPr>
+          <p:cNvPr id="10" name="Ellipse 9"/>
+          <p:cNvSpPr/>
+          <p:nvPr/>
+        </p:nvSpPr>
+        <p:spPr>
+          <a:xfrm>
+            <a:off x="3083070" y="1196752"/>
+            <a:ext cx="3312367" cy="1080120"/>
+          </a:xfrm>
+          <a:prstGeom prst="ellipse">
+            <a:avLst/>
+          </a:prstGeom>
+        </p:spPr>
+        <p:style>
+          <a:lnRef idx="2">
+            <a:schemeClr val="accent1">
+              <a:shade val="50000"/>
+            </a:schemeClr>
+          </a:lnRef>
+          <a:fillRef idx="1">
+            <a:schemeClr val="accent1"/>
+          </a:fillRef>
+          <a:effectRef idx="0">
+            <a:schemeClr val="accent1"/>
+          </a:effectRef>
+          <a:fontRef idx="minor">
+            <a:schemeClr val="lt1"/>
+          </a:fontRef>
+        </p:style>
+        <p:txBody>
+          <a:bodyPr rtlCol="0" anchor="ctr"/>
+          <a:lstStyle/>
+          <a:p>
+            <a:pPr algn="ctr"/>
+            <a:r>
+              <a:rPr lang="fr-FR" dirty="0" smtClean="0"/>
+              <a:t>Faire une demande individuelle</a:t>
+            </a:r>
+            <a:endParaRPr lang="fr-FR" dirty="0"/>
+          </a:p>
+        </p:txBody>
+      </p:sp>
+      <p:sp>
+        <p:nvSpPr>
+          <p:cNvPr id="11" name="Ellipse 10"/>
+          <p:cNvSpPr/>
+          <p:nvPr/>
+        </p:nvSpPr>
+        <p:spPr>
+          <a:xfrm>
+            <a:off x="3659135" y="2322351"/>
+            <a:ext cx="3456384" cy="1080120"/>
+          </a:xfrm>
+          <a:prstGeom prst="ellipse">
+            <a:avLst/>
+          </a:prstGeom>
+        </p:spPr>
+        <p:style>
+          <a:lnRef idx="2">
+            <a:schemeClr val="accent1">
+              <a:shade val="50000"/>
+            </a:schemeClr>
+          </a:lnRef>
+          <a:fillRef idx="1">
+            <a:schemeClr val="accent1"/>
+          </a:fillRef>
+          <a:effectRef idx="0">
+            <a:schemeClr val="accent1"/>
+          </a:effectRef>
+          <a:fontRef idx="minor">
+            <a:schemeClr val="lt1"/>
+          </a:fontRef>
+        </p:style>
+        <p:txBody>
+          <a:bodyPr rtlCol="0" anchor="ctr"/>
+          <a:lstStyle/>
+          <a:p>
+            <a:pPr algn="ctr"/>
+            <a:r>
+              <a:rPr lang="fr-FR" dirty="0" smtClean="0"/>
+              <a:t>Faire une demande groupée</a:t>
+            </a:r>
+            <a:endParaRPr lang="fr-FR" dirty="0"/>
+          </a:p>
+        </p:txBody>
+      </p:sp>
+      <p:sp>
+        <p:nvSpPr>
+          <p:cNvPr id="12" name="Ellipse 11"/>
+          <p:cNvSpPr/>
+          <p:nvPr/>
+        </p:nvSpPr>
+        <p:spPr>
+          <a:xfrm>
+            <a:off x="3083070" y="5238258"/>
+            <a:ext cx="3697938" cy="1170243"/>
+          </a:xfrm>
+          <a:prstGeom prst="ellipse">
+            <a:avLst/>
+          </a:prstGeom>
+        </p:spPr>
+        <p:style>
+          <a:lnRef idx="2">
+            <a:schemeClr val="accent1">
+              <a:shade val="50000"/>
+            </a:schemeClr>
+          </a:lnRef>
+          <a:fillRef idx="1">
+            <a:schemeClr val="accent1"/>
+          </a:fillRef>
+          <a:effectRef idx="0">
+            <a:schemeClr val="accent1"/>
+          </a:effectRef>
+          <a:fontRef idx="minor">
+            <a:schemeClr val="lt1"/>
+          </a:fontRef>
+        </p:style>
+        <p:txBody>
+          <a:bodyPr rtlCol="0" anchor="ctr"/>
+          <a:lstStyle/>
+          <a:p>
+            <a:pPr algn="ctr"/>
+            <a:r>
+              <a:rPr lang="fr-FR" dirty="0"/>
+              <a:t>Faire une demande </a:t>
+            </a:r>
+            <a:r>
+              <a:rPr lang="fr-FR" dirty="0" smtClean="0"/>
+              <a:t>individuelle presse</a:t>
+            </a:r>
+            <a:endParaRPr lang="fr-FR" dirty="0"/>
+          </a:p>
+        </p:txBody>
+      </p:sp>
+      <p:cxnSp>
+        <p:nvCxnSpPr>
+          <p:cNvPr id="13" name="Connecteur droit 12"/>
+          <p:cNvCxnSpPr>
+            <a:stCxn id="8" idx="3"/>
+            <a:endCxn id="10" idx="2"/>
+          </p:cNvCxnSpPr>
+          <p:nvPr/>
+        </p:nvCxnSpPr>
+        <p:spPr>
+          <a:xfrm flipV="1">
+            <a:off x="1965623" y="1736812"/>
+            <a:ext cx="1117447" cy="1984747"/>
+          </a:xfrm>
+          <a:prstGeom prst="line">
+            <a:avLst/>
+          </a:prstGeom>
+        </p:spPr>
+        <p:style>
+          <a:lnRef idx="1">
+            <a:schemeClr val="accent1"/>
+          </a:lnRef>
+          <a:fillRef idx="0">
+            <a:schemeClr val="accent1"/>
+          </a:fillRef>
+          <a:effectRef idx="0">
+            <a:schemeClr val="accent1"/>
+          </a:effectRef>
+          <a:fontRef idx="minor">
+            <a:schemeClr val="tx1"/>
+          </a:fontRef>
+        </p:style>
+      </p:cxnSp>
+      <p:cxnSp>
+        <p:nvCxnSpPr>
+          <p:cNvPr id="14" name="Connecteur droit 13"/>
+          <p:cNvCxnSpPr>
+            <a:stCxn id="8" idx="3"/>
+            <a:endCxn id="11" idx="2"/>
+          </p:cNvCxnSpPr>
+          <p:nvPr/>
+        </p:nvCxnSpPr>
+        <p:spPr>
+          <a:xfrm flipV="1">
+            <a:off x="1965623" y="2862411"/>
+            <a:ext cx="1693512" cy="859148"/>
+          </a:xfrm>
+          <a:prstGeom prst="line">
+            <a:avLst/>
+          </a:prstGeom>
+        </p:spPr>
+        <p:style>
+          <a:lnRef idx="1">
+            <a:schemeClr val="accent1"/>
+          </a:lnRef>
+          <a:fillRef idx="0">
+            <a:schemeClr val="accent1"/>
+          </a:fillRef>
+          <a:effectRef idx="0">
+            <a:schemeClr val="accent1"/>
+          </a:effectRef>
+          <a:fontRef idx="minor">
+            <a:schemeClr val="tx1"/>
+          </a:fontRef>
+        </p:style>
+      </p:cxnSp>
+      <p:cxnSp>
+        <p:nvCxnSpPr>
+          <p:cNvPr id="15" name="Connecteur droit 14"/>
+          <p:cNvCxnSpPr>
+            <a:stCxn id="8" idx="3"/>
+            <a:endCxn id="12" idx="2"/>
+          </p:cNvCxnSpPr>
+          <p:nvPr/>
+        </p:nvCxnSpPr>
+        <p:spPr>
+          <a:xfrm>
+            <a:off x="1965623" y="3721559"/>
+            <a:ext cx="1117447" cy="2101821"/>
+          </a:xfrm>
+          <a:prstGeom prst="line">
+            <a:avLst/>
+          </a:prstGeom>
+        </p:spPr>
+        <p:style>
+          <a:lnRef idx="1">
+            <a:schemeClr val="accent1"/>
+          </a:lnRef>
+          <a:fillRef idx="0">
+            <a:schemeClr val="accent1"/>
+          </a:fillRef>
+          <a:effectRef idx="0">
+            <a:schemeClr val="accent1"/>
+          </a:effectRef>
+          <a:fontRef idx="minor">
+            <a:schemeClr val="tx1"/>
+          </a:fontRef>
+        </p:style>
+      </p:cxnSp>
+      <p:sp>
+        <p:nvSpPr>
+          <p:cNvPr id="18" name="Ellipse 17"/>
+          <p:cNvSpPr/>
+          <p:nvPr/>
+        </p:nvSpPr>
+        <p:spPr>
+          <a:xfrm>
+            <a:off x="3659135" y="4149080"/>
+            <a:ext cx="3228738" cy="1008112"/>
+          </a:xfrm>
+          <a:prstGeom prst="ellipse">
+            <a:avLst/>
+          </a:prstGeom>
+        </p:spPr>
+        <p:style>
+          <a:lnRef idx="2">
+            <a:schemeClr val="accent1">
+              <a:shade val="50000"/>
+            </a:schemeClr>
+          </a:lnRef>
+          <a:fillRef idx="1">
+            <a:schemeClr val="accent1"/>
+          </a:fillRef>
+          <a:effectRef idx="0">
+            <a:schemeClr val="accent1"/>
+          </a:effectRef>
+          <a:fontRef idx="minor">
+            <a:schemeClr val="lt1"/>
+          </a:fontRef>
+        </p:style>
+        <p:txBody>
+          <a:bodyPr rtlCol="0" anchor="ctr"/>
+          <a:lstStyle/>
+          <a:p>
+            <a:pPr algn="ctr"/>
+            <a:r>
+              <a:rPr lang="fr-FR" dirty="0"/>
+              <a:t>Faire une demande </a:t>
+            </a:r>
+            <a:r>
+              <a:rPr lang="fr-FR" dirty="0" smtClean="0"/>
+              <a:t>groupée presse</a:t>
+            </a:r>
+            <a:endParaRPr lang="fr-FR" dirty="0"/>
+          </a:p>
+        </p:txBody>
+      </p:sp>
+      <p:cxnSp>
+        <p:nvCxnSpPr>
+          <p:cNvPr id="28" name="Connecteur droit 27"/>
+          <p:cNvCxnSpPr>
+            <a:stCxn id="8" idx="3"/>
+            <a:endCxn id="18" idx="2"/>
+          </p:cNvCxnSpPr>
+          <p:nvPr/>
+        </p:nvCxnSpPr>
+        <p:spPr>
+          <a:xfrm>
+            <a:off x="1965623" y="3721559"/>
+            <a:ext cx="1693512" cy="931577"/>
+          </a:xfrm>
+          <a:prstGeom prst="line">
+            <a:avLst/>
+          </a:prstGeom>
+        </p:spPr>
+        <p:style>
+          <a:lnRef idx="1">
+            <a:schemeClr val="accent1"/>
+          </a:lnRef>
+          <a:fillRef idx="0">
+            <a:schemeClr val="accent1"/>
+          </a:fillRef>
+          <a:effectRef idx="0">
+            <a:schemeClr val="accent1"/>
+          </a:effectRef>
+          <a:fontRef idx="minor">
+            <a:schemeClr val="tx1"/>
+          </a:fontRef>
+        </p:style>
+      </p:cxnSp>
     </p:spTree>
     <p:extLst>
       <p:ext uri="{BB962C8B-B14F-4D97-AF65-F5344CB8AC3E}">
-        <p14:creationId xmlns:p14="http://schemas.microsoft.com/office/powerpoint/2010/main" val="4031102975"/>
+        <p14:creationId xmlns:p14="http://schemas.microsoft.com/office/powerpoint/2010/main" val="2202430011"/>
       </p:ext>
     </p:extLst>
   </p:cSld>
   <p:clrMapOvr>
     <a:masterClrMapping/>
   </p:clrMapOvr>
-  <mc:AlternateContent xmlns:mc="http://schemas.openxmlformats.org/markup-compatibility/2006" xmlns:p14="http://schemas.microsoft.com/office/powerpoint/2010/main">
-    <mc:Choice Requires="p14">
+  <mc:AlternateContent xmlns:mc="http://schemas.openxmlformats.org/markup-compatibility/2006">
+    <mc:Choice xmlns:p14="http://schemas.microsoft.com/office/powerpoint/2010/main" Requires="p14">
       <p:transition spd="med">
         <p14:gallery dir="l"/>
       </p:transition>
     </mc:Choice>
-    <mc:Fallback xmlns="">
+    <mc:Fallback>
       <p:transition spd="med">
         <p:fade/>
       </p:transition>
@@ -6622,139 +7775,9 @@
           <a:chExt cx="0" cy="0"/>
         </a:xfrm>
       </p:grpSpPr>
-      <p:sp>
-        <p:nvSpPr>
-          <p:cNvPr id="3074" name="Titre 1"/>
-          <p:cNvSpPr>
-            <a:spLocks noGrp="1"/>
-          </p:cNvSpPr>
-          <p:nvPr>
-            <p:ph type="title"/>
-          </p:nvPr>
-        </p:nvSpPr>
-        <p:spPr>
-          <a:xfrm>
-            <a:off x="457200" y="773832"/>
-            <a:ext cx="8229600" cy="1143000"/>
-          </a:xfrm>
-        </p:spPr>
-        <p:txBody>
-          <a:bodyPr/>
-          <a:lstStyle/>
-          <a:p>
-            <a:r>
-              <a:rPr lang="fr-FR" dirty="0" smtClean="0"/>
-              <a:t>Plan</a:t>
-            </a:r>
-          </a:p>
-        </p:txBody>
-      </p:sp>
-      <p:sp>
-        <p:nvSpPr>
-          <p:cNvPr id="3075" name="Espace réservé du contenu 2"/>
-          <p:cNvSpPr>
-            <a:spLocks noGrp="1"/>
-          </p:cNvSpPr>
-          <p:nvPr>
-            <p:ph idx="1"/>
-          </p:nvPr>
-        </p:nvSpPr>
-        <p:spPr>
-          <a:xfrm>
-            <a:off x="457200" y="1600200"/>
-            <a:ext cx="8229600" cy="5141168"/>
-          </a:xfrm>
-        </p:spPr>
-        <p:txBody>
-          <a:bodyPr>
-            <a:normAutofit/>
-          </a:bodyPr>
-          <a:lstStyle/>
-          <a:p>
-            <a:pPr>
-              <a:lnSpc>
-                <a:spcPct val="170000"/>
-              </a:lnSpc>
-            </a:pPr>
-            <a:r>
-              <a:rPr lang="fr-FR" dirty="0" smtClean="0">
-                <a:solidFill>
-                  <a:schemeClr val="bg1">
-                    <a:lumMod val="50000"/>
-                  </a:schemeClr>
-                </a:solidFill>
-              </a:rPr>
-              <a:t>Le contexte</a:t>
-            </a:r>
-          </a:p>
-          <a:p>
-            <a:pPr>
-              <a:lnSpc>
-                <a:spcPct val="170000"/>
-              </a:lnSpc>
-            </a:pPr>
-            <a:r>
-              <a:rPr lang="fr-FR" dirty="0" smtClean="0">
-                <a:solidFill>
-                  <a:schemeClr val="bg1">
-                    <a:lumMod val="50000"/>
-                  </a:schemeClr>
-                </a:solidFill>
-              </a:rPr>
-              <a:t>Le projet</a:t>
-            </a:r>
-          </a:p>
-          <a:p>
-            <a:pPr>
-              <a:lnSpc>
-                <a:spcPct val="170000"/>
-              </a:lnSpc>
-            </a:pPr>
-            <a:r>
-              <a:rPr lang="fr-FR" dirty="0" smtClean="0">
-                <a:solidFill>
-                  <a:schemeClr val="bg1">
-                    <a:lumMod val="50000"/>
-                  </a:schemeClr>
-                </a:solidFill>
-              </a:rPr>
-              <a:t>Conception</a:t>
-            </a:r>
-          </a:p>
-          <a:p>
-            <a:pPr>
-              <a:lnSpc>
-                <a:spcPct val="170000"/>
-              </a:lnSpc>
-            </a:pPr>
-            <a:r>
-              <a:rPr lang="fr-FR" dirty="0" smtClean="0"/>
-              <a:t>Démonstration</a:t>
-            </a:r>
-          </a:p>
-          <a:p>
-            <a:pPr>
-              <a:lnSpc>
-                <a:spcPct val="170000"/>
-              </a:lnSpc>
-            </a:pPr>
-            <a:r>
-              <a:rPr lang="fr-FR" dirty="0" smtClean="0">
-                <a:solidFill>
-                  <a:schemeClr val="bg1">
-                    <a:lumMod val="50000"/>
-                  </a:schemeClr>
-                </a:solidFill>
-              </a:rPr>
-              <a:t>Gestion de projet</a:t>
-            </a:r>
-            <a:endParaRPr lang="fr-FR" dirty="0" smtClean="0"/>
-          </a:p>
-        </p:txBody>
-      </p:sp>
       <p:pic>
         <p:nvPicPr>
-          <p:cNvPr id="3076" name="Image 4"/>
+          <p:cNvPr id="5" name="Image 4"/>
           <p:cNvPicPr>
             <a:picLocks noChangeAspect="1"/>
           </p:cNvPicPr>
@@ -6786,7 +7809,7 @@
       </p:pic>
       <p:sp>
         <p:nvSpPr>
-          <p:cNvPr id="2" name="Espace réservé du numéro de diapositive 1"/>
+          <p:cNvPr id="6" name="Espace réservé du numéro de diapositive 1"/>
           <p:cNvSpPr>
             <a:spLocks noGrp="1"/>
           </p:cNvSpPr>
@@ -6794,7 +7817,12 @@
             <p:ph type="sldNum" sz="quarter" idx="12"/>
           </p:nvPr>
         </p:nvSpPr>
-        <p:spPr/>
+        <p:spPr>
+          <a:xfrm>
+            <a:off x="6553200" y="6356350"/>
+            <a:ext cx="2133600" cy="365125"/>
+          </a:xfrm>
+        </p:spPr>
         <p:txBody>
           <a:bodyPr/>
           <a:lstStyle/>
@@ -6813,23 +7841,528 @@
           </a:p>
         </p:txBody>
       </p:sp>
+      <p:sp>
+        <p:nvSpPr>
+          <p:cNvPr id="7" name="Titre 1"/>
+          <p:cNvSpPr>
+            <a:spLocks noGrp="1"/>
+          </p:cNvSpPr>
+          <p:nvPr>
+            <p:ph type="title"/>
+          </p:nvPr>
+        </p:nvSpPr>
+        <p:spPr>
+          <a:xfrm>
+            <a:off x="662880" y="116632"/>
+            <a:ext cx="8229600" cy="1143000"/>
+          </a:xfrm>
+        </p:spPr>
+        <p:txBody>
+          <a:bodyPr>
+            <a:normAutofit/>
+          </a:bodyPr>
+          <a:lstStyle/>
+          <a:p>
+            <a:pPr algn="r"/>
+            <a:r>
+              <a:rPr lang="fr-FR" sz="2800" dirty="0"/>
+              <a:t>Cas d’utilisation : Accréditeur</a:t>
+            </a:r>
+            <a:endParaRPr lang="fr-FR" sz="2800" dirty="0" smtClean="0"/>
+          </a:p>
+        </p:txBody>
+      </p:sp>
+      <p:pic>
+        <p:nvPicPr>
+          <p:cNvPr id="8" name="Picture 2" descr="D:\Univ\INFO 891 - Projet Professionnalisant\image\Sans titre.png"/>
+          <p:cNvPicPr>
+            <a:picLocks noChangeAspect="1" noChangeArrowheads="1"/>
+          </p:cNvPicPr>
+          <p:nvPr/>
+        </p:nvPicPr>
+        <p:blipFill>
+          <a:blip r:embed="rId4">
+            <a:clrChange>
+              <a:clrFrom>
+                <a:srgbClr val="FFFFFF"/>
+              </a:clrFrom>
+              <a:clrTo>
+                <a:srgbClr val="FFFFFF">
+                  <a:alpha val="0"/>
+                </a:srgbClr>
+              </a:clrTo>
+            </a:clrChange>
+            <a:extLst>
+              <a:ext uri="{28A0092B-C50C-407E-A947-70E740481C1C}">
+                <a14:useLocalDpi xmlns:a14="http://schemas.microsoft.com/office/drawing/2010/main" val="0"/>
+              </a:ext>
+            </a:extLst>
+          </a:blip>
+          <a:srcRect/>
+          <a:stretch>
+            <a:fillRect/>
+          </a:stretch>
+        </p:blipFill>
+        <p:spPr bwMode="auto">
+          <a:xfrm>
+            <a:off x="787633" y="3297795"/>
+            <a:ext cx="561975" cy="638175"/>
+          </a:xfrm>
+          <a:prstGeom prst="rect">
+            <a:avLst/>
+          </a:prstGeom>
+          <a:noFill/>
+          <a:extLst>
+            <a:ext uri="{909E8E84-426E-40DD-AFC4-6F175D3DCCD1}">
+              <a14:hiddenFill xmlns:a14="http://schemas.microsoft.com/office/drawing/2010/main">
+                <a:solidFill>
+                  <a:srgbClr val="FFFFFF"/>
+                </a:solidFill>
+              </a14:hiddenFill>
+            </a:ext>
+          </a:extLst>
+        </p:spPr>
+      </p:pic>
+      <p:sp>
+        <p:nvSpPr>
+          <p:cNvPr id="9" name="ZoneTexte 8"/>
+          <p:cNvSpPr txBox="1"/>
+          <p:nvPr/>
+        </p:nvSpPr>
+        <p:spPr>
+          <a:xfrm>
+            <a:off x="787633" y="3865996"/>
+            <a:ext cx="1080120" cy="369937"/>
+          </a:xfrm>
+          <a:prstGeom prst="rect">
+            <a:avLst/>
+          </a:prstGeom>
+          <a:noFill/>
+        </p:spPr>
+        <p:txBody>
+          <a:bodyPr wrap="square" rtlCol="0">
+            <a:spAutoFit/>
+          </a:bodyPr>
+          <a:lstStyle/>
+          <a:p>
+            <a:r>
+              <a:rPr lang="fr-FR" dirty="0"/>
+              <a:t>V</a:t>
+            </a:r>
+            <a:r>
+              <a:rPr lang="fr-FR" dirty="0" smtClean="0"/>
+              <a:t>isiteur</a:t>
+            </a:r>
+            <a:endParaRPr lang="fr-FR" dirty="0"/>
+          </a:p>
+        </p:txBody>
+      </p:sp>
+      <p:sp>
+        <p:nvSpPr>
+          <p:cNvPr id="10" name="Ellipse 9"/>
+          <p:cNvSpPr/>
+          <p:nvPr/>
+        </p:nvSpPr>
+        <p:spPr>
+          <a:xfrm>
+            <a:off x="3851920" y="3224994"/>
+            <a:ext cx="3496335" cy="1140110"/>
+          </a:xfrm>
+          <a:prstGeom prst="ellipse">
+            <a:avLst/>
+          </a:prstGeom>
+        </p:spPr>
+        <p:style>
+          <a:lnRef idx="2">
+            <a:schemeClr val="accent1">
+              <a:shade val="50000"/>
+            </a:schemeClr>
+          </a:lnRef>
+          <a:fillRef idx="1">
+            <a:schemeClr val="accent1"/>
+          </a:fillRef>
+          <a:effectRef idx="0">
+            <a:schemeClr val="accent1"/>
+          </a:effectRef>
+          <a:fontRef idx="minor">
+            <a:schemeClr val="lt1"/>
+          </a:fontRef>
+        </p:style>
+        <p:txBody>
+          <a:bodyPr rtlCol="0" anchor="ctr"/>
+          <a:lstStyle/>
+          <a:p>
+            <a:pPr algn="ctr"/>
+            <a:r>
+              <a:rPr lang="fr-FR" dirty="0" smtClean="0"/>
+              <a:t>Créer une accréditation individuelle</a:t>
+            </a:r>
+            <a:endParaRPr lang="fr-FR" dirty="0"/>
+          </a:p>
+        </p:txBody>
+      </p:sp>
+      <p:sp>
+        <p:nvSpPr>
+          <p:cNvPr id="11" name="Ellipse 10"/>
+          <p:cNvSpPr/>
+          <p:nvPr/>
+        </p:nvSpPr>
+        <p:spPr>
+          <a:xfrm>
+            <a:off x="3851920" y="4437112"/>
+            <a:ext cx="3456384" cy="1080120"/>
+          </a:xfrm>
+          <a:prstGeom prst="ellipse">
+            <a:avLst/>
+          </a:prstGeom>
+        </p:spPr>
+        <p:style>
+          <a:lnRef idx="2">
+            <a:schemeClr val="accent1">
+              <a:shade val="50000"/>
+            </a:schemeClr>
+          </a:lnRef>
+          <a:fillRef idx="1">
+            <a:schemeClr val="accent1"/>
+          </a:fillRef>
+          <a:effectRef idx="0">
+            <a:schemeClr val="accent1"/>
+          </a:effectRef>
+          <a:fontRef idx="minor">
+            <a:schemeClr val="lt1"/>
+          </a:fontRef>
+        </p:style>
+        <p:txBody>
+          <a:bodyPr rtlCol="0" anchor="ctr"/>
+          <a:lstStyle/>
+          <a:p>
+            <a:pPr algn="ctr"/>
+            <a:r>
+              <a:rPr lang="fr-FR" dirty="0" smtClean="0"/>
+              <a:t>Créer une accréditation groupée</a:t>
+            </a:r>
+            <a:endParaRPr lang="fr-FR" dirty="0"/>
+          </a:p>
+        </p:txBody>
+      </p:sp>
+      <p:sp>
+        <p:nvSpPr>
+          <p:cNvPr id="12" name="Ellipse 11"/>
+          <p:cNvSpPr/>
+          <p:nvPr/>
+        </p:nvSpPr>
+        <p:spPr>
+          <a:xfrm>
+            <a:off x="3943561" y="1906918"/>
+            <a:ext cx="3697938" cy="1170243"/>
+          </a:xfrm>
+          <a:prstGeom prst="ellipse">
+            <a:avLst/>
+          </a:prstGeom>
+        </p:spPr>
+        <p:style>
+          <a:lnRef idx="2">
+            <a:schemeClr val="accent1">
+              <a:shade val="50000"/>
+            </a:schemeClr>
+          </a:lnRef>
+          <a:fillRef idx="1">
+            <a:schemeClr val="accent1"/>
+          </a:fillRef>
+          <a:effectRef idx="0">
+            <a:schemeClr val="accent1"/>
+          </a:effectRef>
+          <a:fontRef idx="minor">
+            <a:schemeClr val="lt1"/>
+          </a:fontRef>
+        </p:style>
+        <p:txBody>
+          <a:bodyPr rtlCol="0" anchor="ctr"/>
+          <a:lstStyle/>
+          <a:p>
+            <a:pPr algn="ctr"/>
+            <a:r>
+              <a:rPr lang="fr-FR" dirty="0" smtClean="0"/>
+              <a:t>Valider les accréditations</a:t>
+            </a:r>
+            <a:endParaRPr lang="fr-FR" dirty="0"/>
+          </a:p>
+        </p:txBody>
+      </p:sp>
+      <p:cxnSp>
+        <p:nvCxnSpPr>
+          <p:cNvPr id="13" name="Connecteur droit 12"/>
+          <p:cNvCxnSpPr>
+            <a:stCxn id="8" idx="3"/>
+            <a:endCxn id="10" idx="2"/>
+          </p:cNvCxnSpPr>
+          <p:nvPr/>
+        </p:nvCxnSpPr>
+        <p:spPr>
+          <a:xfrm>
+            <a:off x="1349608" y="3616883"/>
+            <a:ext cx="2502312" cy="178166"/>
+          </a:xfrm>
+          <a:prstGeom prst="line">
+            <a:avLst/>
+          </a:prstGeom>
+        </p:spPr>
+        <p:style>
+          <a:lnRef idx="1">
+            <a:schemeClr val="accent1"/>
+          </a:lnRef>
+          <a:fillRef idx="0">
+            <a:schemeClr val="accent1"/>
+          </a:fillRef>
+          <a:effectRef idx="0">
+            <a:schemeClr val="accent1"/>
+          </a:effectRef>
+          <a:fontRef idx="minor">
+            <a:schemeClr val="tx1"/>
+          </a:fontRef>
+        </p:style>
+      </p:cxnSp>
+      <p:cxnSp>
+        <p:nvCxnSpPr>
+          <p:cNvPr id="14" name="Connecteur droit 13"/>
+          <p:cNvCxnSpPr>
+            <a:stCxn id="8" idx="3"/>
+            <a:endCxn id="11" idx="2"/>
+          </p:cNvCxnSpPr>
+          <p:nvPr/>
+        </p:nvCxnSpPr>
+        <p:spPr>
+          <a:xfrm>
+            <a:off x="1349608" y="3616883"/>
+            <a:ext cx="2502312" cy="1360289"/>
+          </a:xfrm>
+          <a:prstGeom prst="line">
+            <a:avLst/>
+          </a:prstGeom>
+        </p:spPr>
+        <p:style>
+          <a:lnRef idx="1">
+            <a:schemeClr val="accent1"/>
+          </a:lnRef>
+          <a:fillRef idx="0">
+            <a:schemeClr val="accent1"/>
+          </a:fillRef>
+          <a:effectRef idx="0">
+            <a:schemeClr val="accent1"/>
+          </a:effectRef>
+          <a:fontRef idx="minor">
+            <a:schemeClr val="tx1"/>
+          </a:fontRef>
+        </p:style>
+      </p:cxnSp>
+      <p:cxnSp>
+        <p:nvCxnSpPr>
+          <p:cNvPr id="15" name="Connecteur droit 14"/>
+          <p:cNvCxnSpPr>
+            <a:stCxn id="8" idx="3"/>
+            <a:endCxn id="12" idx="2"/>
+          </p:cNvCxnSpPr>
+          <p:nvPr/>
+        </p:nvCxnSpPr>
+        <p:spPr>
+          <a:xfrm flipV="1">
+            <a:off x="1349608" y="2492040"/>
+            <a:ext cx="2593953" cy="1124843"/>
+          </a:xfrm>
+          <a:prstGeom prst="line">
+            <a:avLst/>
+          </a:prstGeom>
+        </p:spPr>
+        <p:style>
+          <a:lnRef idx="1">
+            <a:schemeClr val="accent1"/>
+          </a:lnRef>
+          <a:fillRef idx="0">
+            <a:schemeClr val="accent1"/>
+          </a:fillRef>
+          <a:effectRef idx="0">
+            <a:schemeClr val="accent1"/>
+          </a:effectRef>
+          <a:fontRef idx="minor">
+            <a:schemeClr val="tx1"/>
+          </a:fontRef>
+        </p:style>
+      </p:cxnSp>
+      <p:sp>
+        <p:nvSpPr>
+          <p:cNvPr id="16" name="Ellipse 15"/>
+          <p:cNvSpPr/>
+          <p:nvPr/>
+        </p:nvSpPr>
+        <p:spPr>
+          <a:xfrm>
+            <a:off x="2536939" y="952068"/>
+            <a:ext cx="3228738" cy="1008112"/>
+          </a:xfrm>
+          <a:prstGeom prst="ellipse">
+            <a:avLst/>
+          </a:prstGeom>
+        </p:spPr>
+        <p:style>
+          <a:lnRef idx="2">
+            <a:schemeClr val="accent1">
+              <a:shade val="50000"/>
+            </a:schemeClr>
+          </a:lnRef>
+          <a:fillRef idx="1">
+            <a:schemeClr val="accent1"/>
+          </a:fillRef>
+          <a:effectRef idx="0">
+            <a:schemeClr val="accent1"/>
+          </a:effectRef>
+          <a:fontRef idx="minor">
+            <a:schemeClr val="lt1"/>
+          </a:fontRef>
+        </p:style>
+        <p:txBody>
+          <a:bodyPr rtlCol="0" anchor="ctr"/>
+          <a:lstStyle/>
+          <a:p>
+            <a:pPr algn="ctr"/>
+            <a:r>
+              <a:rPr lang="fr-FR" dirty="0" smtClean="0"/>
+              <a:t>Gérer les accréditations</a:t>
+            </a:r>
+            <a:endParaRPr lang="fr-FR" dirty="0"/>
+          </a:p>
+        </p:txBody>
+      </p:sp>
+      <p:cxnSp>
+        <p:nvCxnSpPr>
+          <p:cNvPr id="17" name="Connecteur droit 16"/>
+          <p:cNvCxnSpPr>
+            <a:stCxn id="8" idx="3"/>
+            <a:endCxn id="16" idx="2"/>
+          </p:cNvCxnSpPr>
+          <p:nvPr/>
+        </p:nvCxnSpPr>
+        <p:spPr>
+          <a:xfrm flipV="1">
+            <a:off x="1349608" y="1456124"/>
+            <a:ext cx="1187331" cy="2160759"/>
+          </a:xfrm>
+          <a:prstGeom prst="line">
+            <a:avLst/>
+          </a:prstGeom>
+        </p:spPr>
+        <p:style>
+          <a:lnRef idx="1">
+            <a:schemeClr val="accent1"/>
+          </a:lnRef>
+          <a:fillRef idx="0">
+            <a:schemeClr val="accent1"/>
+          </a:fillRef>
+          <a:effectRef idx="0">
+            <a:schemeClr val="accent1"/>
+          </a:effectRef>
+          <a:fontRef idx="minor">
+            <a:schemeClr val="tx1"/>
+          </a:fontRef>
+        </p:style>
+      </p:cxnSp>
+      <p:sp>
+        <p:nvSpPr>
+          <p:cNvPr id="53" name="Ellipse 52"/>
+          <p:cNvSpPr/>
+          <p:nvPr/>
+        </p:nvSpPr>
+        <p:spPr>
+          <a:xfrm>
+            <a:off x="2957631" y="5680615"/>
+            <a:ext cx="3228738" cy="1008112"/>
+          </a:xfrm>
+          <a:prstGeom prst="ellipse">
+            <a:avLst/>
+          </a:prstGeom>
+        </p:spPr>
+        <p:style>
+          <a:lnRef idx="2">
+            <a:schemeClr val="accent1">
+              <a:shade val="50000"/>
+            </a:schemeClr>
+          </a:lnRef>
+          <a:fillRef idx="1">
+            <a:schemeClr val="accent1"/>
+          </a:fillRef>
+          <a:effectRef idx="0">
+            <a:schemeClr val="accent1"/>
+          </a:effectRef>
+          <a:fontRef idx="minor">
+            <a:schemeClr val="lt1"/>
+          </a:fontRef>
+        </p:style>
+        <p:txBody>
+          <a:bodyPr rtlCol="0" anchor="ctr"/>
+          <a:lstStyle/>
+          <a:p>
+            <a:pPr algn="ctr"/>
+            <a:r>
+              <a:rPr lang="fr-FR" dirty="0"/>
+              <a:t>Faire une demande </a:t>
+            </a:r>
+            <a:r>
+              <a:rPr lang="fr-FR" dirty="0" smtClean="0"/>
+              <a:t>groupée presse</a:t>
+            </a:r>
+            <a:endParaRPr lang="fr-FR" dirty="0"/>
+          </a:p>
+        </p:txBody>
+      </p:sp>
+      <p:cxnSp>
+        <p:nvCxnSpPr>
+          <p:cNvPr id="72" name="Connecteur droit 71"/>
+          <p:cNvCxnSpPr>
+            <a:stCxn id="8" idx="3"/>
+            <a:endCxn id="53" idx="2"/>
+          </p:cNvCxnSpPr>
+          <p:nvPr/>
+        </p:nvCxnSpPr>
+        <p:spPr>
+          <a:xfrm>
+            <a:off x="1349608" y="3616883"/>
+            <a:ext cx="1608023" cy="2567788"/>
+          </a:xfrm>
+          <a:prstGeom prst="line">
+            <a:avLst/>
+          </a:prstGeom>
+        </p:spPr>
+        <p:style>
+          <a:lnRef idx="1">
+            <a:schemeClr val="accent1"/>
+          </a:lnRef>
+          <a:fillRef idx="0">
+            <a:schemeClr val="accent1"/>
+          </a:fillRef>
+          <a:effectRef idx="0">
+            <a:schemeClr val="accent1"/>
+          </a:effectRef>
+          <a:fontRef idx="minor">
+            <a:schemeClr val="tx1"/>
+          </a:fontRef>
+        </p:style>
+      </p:cxnSp>
     </p:spTree>
     <p:extLst>
       <p:ext uri="{BB962C8B-B14F-4D97-AF65-F5344CB8AC3E}">
-        <p14:creationId xmlns:p14="http://schemas.microsoft.com/office/powerpoint/2010/main" val="2150257744"/>
+        <p14:creationId xmlns:p14="http://schemas.microsoft.com/office/powerpoint/2010/main" val="1719139660"/>
       </p:ext>
     </p:extLst>
   </p:cSld>
   <p:clrMapOvr>
     <a:masterClrMapping/>
   </p:clrMapOvr>
-  <mc:AlternateContent xmlns:mc="http://schemas.openxmlformats.org/markup-compatibility/2006" xmlns:p14="http://schemas.microsoft.com/office/powerpoint/2010/main">
-    <mc:Choice Requires="p14">
+  <mc:AlternateContent xmlns:mc="http://schemas.openxmlformats.org/markup-compatibility/2006">
+    <mc:Choice xmlns:p14="http://schemas.microsoft.com/office/powerpoint/2010/main" Requires="p14">
       <p:transition spd="med">
         <p14:gallery dir="l"/>
       </p:transition>
     </mc:Choice>
-    <mc:Fallback xmlns="">
+    <mc:Fallback>
       <p:transition spd="med">
         <p:fade/>
       </p:transition>
@@ -6862,77 +8395,9 @@
           <a:chExt cx="0" cy="0"/>
         </a:xfrm>
       </p:grpSpPr>
-      <p:sp>
-        <p:nvSpPr>
-          <p:cNvPr id="3074" name="Titre 1"/>
-          <p:cNvSpPr>
-            <a:spLocks noGrp="1"/>
-          </p:cNvSpPr>
-          <p:nvPr>
-            <p:ph type="title"/>
-          </p:nvPr>
-        </p:nvSpPr>
-        <p:spPr>
-          <a:xfrm>
-            <a:off x="457200" y="773832"/>
-            <a:ext cx="8229600" cy="1143000"/>
-          </a:xfrm>
-        </p:spPr>
-        <p:txBody>
-          <a:bodyPr/>
-          <a:lstStyle/>
-          <a:p>
-            <a:endParaRPr lang="fr-FR" dirty="0" smtClean="0"/>
-          </a:p>
-        </p:txBody>
-      </p:sp>
-      <p:sp>
-        <p:nvSpPr>
-          <p:cNvPr id="3075" name="Espace réservé du contenu 2"/>
-          <p:cNvSpPr>
-            <a:spLocks noGrp="1"/>
-          </p:cNvSpPr>
-          <p:nvPr>
-            <p:ph idx="1"/>
-          </p:nvPr>
-        </p:nvSpPr>
-        <p:spPr>
-          <a:xfrm>
-            <a:off x="457200" y="1600200"/>
-            <a:ext cx="8229600" cy="5141168"/>
-          </a:xfrm>
-        </p:spPr>
-        <p:txBody>
-          <a:bodyPr>
-            <a:normAutofit/>
-          </a:bodyPr>
-          <a:lstStyle/>
-          <a:p>
-            <a:pPr marL="0" indent="0">
-              <a:lnSpc>
-                <a:spcPct val="170000"/>
-              </a:lnSpc>
-              <a:buNone/>
-            </a:pPr>
-            <a:endParaRPr lang="fr-FR" dirty="0"/>
-          </a:p>
-          <a:p>
-            <a:pPr marL="0" indent="0" algn="ctr">
-              <a:lnSpc>
-                <a:spcPct val="170000"/>
-              </a:lnSpc>
-              <a:buNone/>
-            </a:pPr>
-            <a:r>
-              <a:rPr lang="fr-FR" sz="7200" dirty="0" smtClean="0"/>
-              <a:t>Démonstration</a:t>
-            </a:r>
-          </a:p>
-        </p:txBody>
-      </p:sp>
       <p:pic>
         <p:nvPicPr>
-          <p:cNvPr id="3076" name="Image 4"/>
+          <p:cNvPr id="5" name="Image 4"/>
           <p:cNvPicPr>
             <a:picLocks noChangeAspect="1"/>
           </p:cNvPicPr>
@@ -6964,7 +8429,7 @@
       </p:pic>
       <p:sp>
         <p:nvSpPr>
-          <p:cNvPr id="2" name="Espace réservé du numéro de diapositive 1"/>
+          <p:cNvPr id="6" name="Espace réservé du numéro de diapositive 1"/>
           <p:cNvSpPr>
             <a:spLocks noGrp="1"/>
           </p:cNvSpPr>
@@ -6972,7 +8437,12 @@
             <p:ph type="sldNum" sz="quarter" idx="12"/>
           </p:nvPr>
         </p:nvSpPr>
-        <p:spPr/>
+        <p:spPr>
+          <a:xfrm>
+            <a:off x="6553200" y="6356350"/>
+            <a:ext cx="2133600" cy="365125"/>
+          </a:xfrm>
+        </p:spPr>
         <p:txBody>
           <a:bodyPr/>
           <a:lstStyle/>
@@ -6991,23 +8461,94 @@
           </a:p>
         </p:txBody>
       </p:sp>
+      <p:sp>
+        <p:nvSpPr>
+          <p:cNvPr id="7" name="Titre 1"/>
+          <p:cNvSpPr>
+            <a:spLocks noGrp="1"/>
+          </p:cNvSpPr>
+          <p:nvPr>
+            <p:ph type="title"/>
+          </p:nvPr>
+        </p:nvSpPr>
+        <p:spPr>
+          <a:xfrm>
+            <a:off x="662880" y="116632"/>
+            <a:ext cx="8229600" cy="1143000"/>
+          </a:xfrm>
+        </p:spPr>
+        <p:txBody>
+          <a:bodyPr>
+            <a:normAutofit/>
+          </a:bodyPr>
+          <a:lstStyle/>
+          <a:p>
+            <a:pPr algn="r"/>
+            <a:r>
+              <a:rPr lang="fr-FR" sz="2800" dirty="0" smtClean="0"/>
+              <a:t>MCD</a:t>
+            </a:r>
+          </a:p>
+        </p:txBody>
+      </p:sp>
+      <p:pic>
+        <p:nvPicPr>
+          <p:cNvPr id="2050" name="Picture 2" descr="D:\Univ\INFO 891 - Projet Professionnalisant\doc\Conception\V2\mcd\1-base.PNG"/>
+          <p:cNvPicPr>
+            <a:picLocks noChangeAspect="1" noChangeArrowheads="1"/>
+          </p:cNvPicPr>
+          <p:nvPr/>
+        </p:nvPicPr>
+        <p:blipFill>
+          <a:blip r:embed="rId4">
+            <a:extLst>
+              <a:ext uri="{28A0092B-C50C-407E-A947-70E740481C1C}">
+                <a14:useLocalDpi xmlns:a14="http://schemas.microsoft.com/office/drawing/2010/main" val="0"/>
+              </a:ext>
+            </a:extLst>
+          </a:blip>
+          <a:srcRect/>
+          <a:stretch>
+            <a:fillRect/>
+          </a:stretch>
+        </p:blipFill>
+        <p:spPr bwMode="auto">
+          <a:xfrm>
+            <a:off x="395536" y="927057"/>
+            <a:ext cx="8460000" cy="5526279"/>
+          </a:xfrm>
+          <a:prstGeom prst="rect">
+            <a:avLst/>
+          </a:prstGeom>
+          <a:noFill/>
+          <a:extLst>
+            <a:ext uri="{909E8E84-426E-40DD-AFC4-6F175D3DCCD1}">
+              <a14:hiddenFill xmlns:a14="http://schemas.microsoft.com/office/drawing/2010/main">
+                <a:solidFill>
+                  <a:srgbClr val="FFFFFF"/>
+                </a:solidFill>
+              </a14:hiddenFill>
+            </a:ext>
+          </a:extLst>
+        </p:spPr>
+      </p:pic>
     </p:spTree>
     <p:extLst>
       <p:ext uri="{BB962C8B-B14F-4D97-AF65-F5344CB8AC3E}">
-        <p14:creationId xmlns:p14="http://schemas.microsoft.com/office/powerpoint/2010/main" val="705338575"/>
+        <p14:creationId xmlns:p14="http://schemas.microsoft.com/office/powerpoint/2010/main" val="3858176338"/>
       </p:ext>
     </p:extLst>
   </p:cSld>
   <p:clrMapOvr>
     <a:masterClrMapping/>
   </p:clrMapOvr>
-  <mc:AlternateContent xmlns:mc="http://schemas.openxmlformats.org/markup-compatibility/2006" xmlns:p14="http://schemas.microsoft.com/office/powerpoint/2010/main">
-    <mc:Choice Requires="p14">
+  <mc:AlternateContent xmlns:mc="http://schemas.openxmlformats.org/markup-compatibility/2006">
+    <mc:Choice xmlns:p14="http://schemas.microsoft.com/office/powerpoint/2010/main" Requires="p14">
       <p:transition spd="med">
         <p14:gallery dir="l"/>
       </p:transition>
     </mc:Choice>
-    <mc:Fallback xmlns="">
+    <mc:Fallback>
       <p:transition spd="med">
         <p:fade/>
       </p:transition>
@@ -7040,138 +8581,9 @@
           <a:chExt cx="0" cy="0"/>
         </a:xfrm>
       </p:grpSpPr>
-      <p:sp>
-        <p:nvSpPr>
-          <p:cNvPr id="3074" name="Titre 1"/>
-          <p:cNvSpPr>
-            <a:spLocks noGrp="1"/>
-          </p:cNvSpPr>
-          <p:nvPr>
-            <p:ph type="title"/>
-          </p:nvPr>
-        </p:nvSpPr>
-        <p:spPr>
-          <a:xfrm>
-            <a:off x="457200" y="773832"/>
-            <a:ext cx="8229600" cy="1143000"/>
-          </a:xfrm>
-        </p:spPr>
-        <p:txBody>
-          <a:bodyPr/>
-          <a:lstStyle/>
-          <a:p>
-            <a:r>
-              <a:rPr lang="fr-FR" dirty="0" smtClean="0"/>
-              <a:t>Plan</a:t>
-            </a:r>
-          </a:p>
-        </p:txBody>
-      </p:sp>
-      <p:sp>
-        <p:nvSpPr>
-          <p:cNvPr id="3075" name="Espace réservé du contenu 2"/>
-          <p:cNvSpPr>
-            <a:spLocks noGrp="1"/>
-          </p:cNvSpPr>
-          <p:nvPr>
-            <p:ph idx="1"/>
-          </p:nvPr>
-        </p:nvSpPr>
-        <p:spPr>
-          <a:xfrm>
-            <a:off x="457200" y="1600200"/>
-            <a:ext cx="8229600" cy="5141168"/>
-          </a:xfrm>
-        </p:spPr>
-        <p:txBody>
-          <a:bodyPr>
-            <a:normAutofit/>
-          </a:bodyPr>
-          <a:lstStyle/>
-          <a:p>
-            <a:pPr>
-              <a:lnSpc>
-                <a:spcPct val="170000"/>
-              </a:lnSpc>
-            </a:pPr>
-            <a:r>
-              <a:rPr lang="fr-FR" dirty="0" smtClean="0">
-                <a:solidFill>
-                  <a:schemeClr val="bg1">
-                    <a:lumMod val="50000"/>
-                  </a:schemeClr>
-                </a:solidFill>
-              </a:rPr>
-              <a:t>Le contexte</a:t>
-            </a:r>
-          </a:p>
-          <a:p>
-            <a:pPr>
-              <a:lnSpc>
-                <a:spcPct val="170000"/>
-              </a:lnSpc>
-            </a:pPr>
-            <a:r>
-              <a:rPr lang="fr-FR" dirty="0" smtClean="0">
-                <a:solidFill>
-                  <a:schemeClr val="bg1">
-                    <a:lumMod val="50000"/>
-                  </a:schemeClr>
-                </a:solidFill>
-              </a:rPr>
-              <a:t>Le projet</a:t>
-            </a:r>
-          </a:p>
-          <a:p>
-            <a:pPr>
-              <a:lnSpc>
-                <a:spcPct val="170000"/>
-              </a:lnSpc>
-            </a:pPr>
-            <a:r>
-              <a:rPr lang="fr-FR" dirty="0" smtClean="0">
-                <a:solidFill>
-                  <a:schemeClr val="bg1">
-                    <a:lumMod val="50000"/>
-                  </a:schemeClr>
-                </a:solidFill>
-              </a:rPr>
-              <a:t>Conception</a:t>
-            </a:r>
-          </a:p>
-          <a:p>
-            <a:pPr>
-              <a:lnSpc>
-                <a:spcPct val="170000"/>
-              </a:lnSpc>
-            </a:pPr>
-            <a:r>
-              <a:rPr lang="fr-FR" dirty="0" smtClean="0">
-                <a:solidFill>
-                  <a:schemeClr val="bg1">
-                    <a:lumMod val="50000"/>
-                  </a:schemeClr>
-                </a:solidFill>
-              </a:rPr>
-              <a:t>Démonstration</a:t>
-            </a:r>
-          </a:p>
-          <a:p>
-            <a:pPr>
-              <a:lnSpc>
-                <a:spcPct val="170000"/>
-              </a:lnSpc>
-            </a:pPr>
-            <a:r>
-              <a:rPr lang="fr-FR" dirty="0" smtClean="0"/>
-              <a:t>Gestion de projet</a:t>
-            </a:r>
-          </a:p>
-        </p:txBody>
-      </p:sp>
       <p:pic>
         <p:nvPicPr>
-          <p:cNvPr id="3076" name="Image 4"/>
+          <p:cNvPr id="5" name="Image 4"/>
           <p:cNvPicPr>
             <a:picLocks noChangeAspect="1"/>
           </p:cNvPicPr>
@@ -7203,7 +8615,7 @@
       </p:pic>
       <p:sp>
         <p:nvSpPr>
-          <p:cNvPr id="2" name="Espace réservé du numéro de diapositive 1"/>
+          <p:cNvPr id="6" name="Espace réservé du numéro de diapositive 1"/>
           <p:cNvSpPr>
             <a:spLocks noGrp="1"/>
           </p:cNvSpPr>
@@ -7211,7 +8623,12 @@
             <p:ph type="sldNum" sz="quarter" idx="12"/>
           </p:nvPr>
         </p:nvSpPr>
-        <p:spPr/>
+        <p:spPr>
+          <a:xfrm>
+            <a:off x="6553200" y="6356350"/>
+            <a:ext cx="2133600" cy="365125"/>
+          </a:xfrm>
+        </p:spPr>
         <p:txBody>
           <a:bodyPr/>
           <a:lstStyle/>
@@ -7230,23 +8647,94 @@
           </a:p>
         </p:txBody>
       </p:sp>
+      <p:sp>
+        <p:nvSpPr>
+          <p:cNvPr id="7" name="Titre 1"/>
+          <p:cNvSpPr>
+            <a:spLocks noGrp="1"/>
+          </p:cNvSpPr>
+          <p:nvPr>
+            <p:ph type="title"/>
+          </p:nvPr>
+        </p:nvSpPr>
+        <p:spPr>
+          <a:xfrm>
+            <a:off x="662880" y="116632"/>
+            <a:ext cx="8229600" cy="1143000"/>
+          </a:xfrm>
+        </p:spPr>
+        <p:txBody>
+          <a:bodyPr>
+            <a:normAutofit/>
+          </a:bodyPr>
+          <a:lstStyle/>
+          <a:p>
+            <a:pPr algn="r"/>
+            <a:r>
+              <a:rPr lang="fr-FR" sz="2800" dirty="0" smtClean="0"/>
+              <a:t>MCD</a:t>
+            </a:r>
+          </a:p>
+        </p:txBody>
+      </p:sp>
+      <p:pic>
+        <p:nvPicPr>
+          <p:cNvPr id="3074" name="Picture 2" descr="D:\Univ\INFO 891 - Projet Professionnalisant\doc\Conception\V2\mcd\2-accréditation.PNG"/>
+          <p:cNvPicPr>
+            <a:picLocks noChangeAspect="1" noChangeArrowheads="1"/>
+          </p:cNvPicPr>
+          <p:nvPr/>
+        </p:nvPicPr>
+        <p:blipFill>
+          <a:blip r:embed="rId4">
+            <a:extLst>
+              <a:ext uri="{28A0092B-C50C-407E-A947-70E740481C1C}">
+                <a14:useLocalDpi xmlns:a14="http://schemas.microsoft.com/office/drawing/2010/main" val="0"/>
+              </a:ext>
+            </a:extLst>
+          </a:blip>
+          <a:srcRect/>
+          <a:stretch>
+            <a:fillRect/>
+          </a:stretch>
+        </p:blipFill>
+        <p:spPr bwMode="auto">
+          <a:xfrm>
+            <a:off x="395536" y="908719"/>
+            <a:ext cx="8542237" cy="5580000"/>
+          </a:xfrm>
+          <a:prstGeom prst="rect">
+            <a:avLst/>
+          </a:prstGeom>
+          <a:noFill/>
+          <a:extLst>
+            <a:ext uri="{909E8E84-426E-40DD-AFC4-6F175D3DCCD1}">
+              <a14:hiddenFill xmlns:a14="http://schemas.microsoft.com/office/drawing/2010/main">
+                <a:solidFill>
+                  <a:srgbClr val="FFFFFF"/>
+                </a:solidFill>
+              </a14:hiddenFill>
+            </a:ext>
+          </a:extLst>
+        </p:spPr>
+      </p:pic>
     </p:spTree>
     <p:extLst>
       <p:ext uri="{BB962C8B-B14F-4D97-AF65-F5344CB8AC3E}">
-        <p14:creationId xmlns:p14="http://schemas.microsoft.com/office/powerpoint/2010/main" val="1040411829"/>
+        <p14:creationId xmlns:p14="http://schemas.microsoft.com/office/powerpoint/2010/main" val="761112699"/>
       </p:ext>
     </p:extLst>
   </p:cSld>
   <p:clrMapOvr>
     <a:masterClrMapping/>
   </p:clrMapOvr>
-  <mc:AlternateContent xmlns:mc="http://schemas.openxmlformats.org/markup-compatibility/2006" xmlns:p14="http://schemas.microsoft.com/office/powerpoint/2010/main">
-    <mc:Choice Requires="p14">
+  <mc:AlternateContent xmlns:mc="http://schemas.openxmlformats.org/markup-compatibility/2006">
+    <mc:Choice xmlns:p14="http://schemas.microsoft.com/office/powerpoint/2010/main" Requires="p14">
       <p:transition spd="med">
         <p14:gallery dir="l"/>
       </p:transition>
     </mc:Choice>
-    <mc:Fallback xmlns="">
+    <mc:Fallback>
       <p:transition spd="med">
         <p:fade/>
       </p:transition>
@@ -7279,36 +8767,9 @@
           <a:chExt cx="0" cy="0"/>
         </a:xfrm>
       </p:grpSpPr>
-      <p:sp>
-        <p:nvSpPr>
-          <p:cNvPr id="3074" name="Titre 1"/>
-          <p:cNvSpPr>
-            <a:spLocks noGrp="1"/>
-          </p:cNvSpPr>
-          <p:nvPr>
-            <p:ph type="title"/>
-          </p:nvPr>
-        </p:nvSpPr>
-        <p:spPr>
-          <a:xfrm>
-            <a:off x="457200" y="773832"/>
-            <a:ext cx="8229600" cy="1143000"/>
-          </a:xfrm>
-        </p:spPr>
-        <p:txBody>
-          <a:bodyPr/>
-          <a:lstStyle/>
-          <a:p>
-            <a:r>
-              <a:rPr lang="fr-FR" dirty="0" smtClean="0"/>
-              <a:t>Gestion projet</a:t>
-            </a:r>
-          </a:p>
-        </p:txBody>
-      </p:sp>
       <p:pic>
         <p:nvPicPr>
-          <p:cNvPr id="3076" name="Image 4"/>
+          <p:cNvPr id="5" name="Image 4"/>
           <p:cNvPicPr>
             <a:picLocks noChangeAspect="1"/>
           </p:cNvPicPr>
@@ -7340,7 +8801,7 @@
       </p:pic>
       <p:sp>
         <p:nvSpPr>
-          <p:cNvPr id="2" name="Espace réservé du numéro de diapositive 1"/>
+          <p:cNvPr id="6" name="Espace réservé du numéro de diapositive 1"/>
           <p:cNvSpPr>
             <a:spLocks noGrp="1"/>
           </p:cNvSpPr>
@@ -7348,7 +8809,12 @@
             <p:ph type="sldNum" sz="quarter" idx="12"/>
           </p:nvPr>
         </p:nvSpPr>
-        <p:spPr/>
+        <p:spPr>
+          <a:xfrm>
+            <a:off x="6553200" y="6356350"/>
+            <a:ext cx="2133600" cy="365125"/>
+          </a:xfrm>
+        </p:spPr>
         <p:txBody>
           <a:bodyPr/>
           <a:lstStyle/>
@@ -7369,103 +8835,92 @@
       </p:sp>
       <p:sp>
         <p:nvSpPr>
-          <p:cNvPr id="19" name="TextBox 18"/>
-          <p:cNvSpPr txBox="1"/>
+          <p:cNvPr id="7" name="Titre 1"/>
+          <p:cNvSpPr>
+            <a:spLocks noGrp="1"/>
+          </p:cNvSpPr>
+          <p:nvPr>
+            <p:ph type="title"/>
+          </p:nvPr>
+        </p:nvSpPr>
+        <p:spPr>
+          <a:xfrm>
+            <a:off x="662880" y="116632"/>
+            <a:ext cx="8229600" cy="1143000"/>
+          </a:xfrm>
+        </p:spPr>
+        <p:txBody>
+          <a:bodyPr>
+            <a:normAutofit/>
+          </a:bodyPr>
+          <a:lstStyle/>
+          <a:p>
+            <a:pPr algn="r"/>
+            <a:r>
+              <a:rPr lang="fr-FR" sz="2800" dirty="0" smtClean="0"/>
+              <a:t>MCD</a:t>
+            </a:r>
+          </a:p>
+        </p:txBody>
+      </p:sp>
+      <p:pic>
+        <p:nvPicPr>
+          <p:cNvPr id="4098" name="Picture 2" descr="D:\Univ\INFO 891 - Projet Professionnalisant\doc\Conception\V2\mcd\3-accred-client.PNG"/>
+          <p:cNvPicPr>
+            <a:picLocks noChangeAspect="1" noChangeArrowheads="1"/>
+          </p:cNvPicPr>
           <p:nvPr/>
-        </p:nvSpPr>
-        <p:spPr>
-          <a:xfrm>
-            <a:off x="467544" y="2420888"/>
-            <a:ext cx="8208912" cy="3046988"/>
+        </p:nvPicPr>
+        <p:blipFill>
+          <a:blip r:embed="rId4">
+            <a:extLst>
+              <a:ext uri="{28A0092B-C50C-407E-A947-70E740481C1C}">
+                <a14:useLocalDpi xmlns:a14="http://schemas.microsoft.com/office/drawing/2010/main" val="0"/>
+              </a:ext>
+            </a:extLst>
+          </a:blip>
+          <a:srcRect/>
+          <a:stretch>
+            <a:fillRect/>
+          </a:stretch>
+        </p:blipFill>
+        <p:spPr bwMode="auto">
+          <a:xfrm>
+            <a:off x="432480" y="927055"/>
+            <a:ext cx="8460000" cy="5526281"/>
           </a:xfrm>
           <a:prstGeom prst="rect">
             <a:avLst/>
           </a:prstGeom>
           <a:noFill/>
-        </p:spPr>
-        <p:txBody>
-          <a:bodyPr wrap="square" rtlCol="0">
-            <a:spAutoFit/>
-          </a:bodyPr>
-          <a:lstStyle/>
-          <a:p>
-            <a:pPr marL="0" lvl="2">
-              <a:buFont typeface="Arial" pitchFamily="34" charset="0"/>
-              <a:buChar char="•"/>
-            </a:pPr>
-            <a:r>
-              <a:rPr lang="fr-FR" sz="3200" dirty="0" smtClean="0"/>
-              <a:t>    Application des méthodes Agile </a:t>
-            </a:r>
-          </a:p>
-          <a:p>
-            <a:pPr marL="0" lvl="2"/>
-            <a:r>
-              <a:rPr lang="fr-FR" sz="3200" dirty="0" smtClean="0"/>
-              <a:t>	(</a:t>
-            </a:r>
-            <a:r>
-              <a:rPr lang="fr-FR" sz="3200" dirty="0" err="1" smtClean="0"/>
-              <a:t>Scrum</a:t>
-            </a:r>
-            <a:r>
-              <a:rPr lang="fr-FR" sz="3200" dirty="0" smtClean="0"/>
-              <a:t> et XP)</a:t>
-            </a:r>
-          </a:p>
-          <a:p>
-            <a:pPr>
-              <a:buFont typeface="Arial" pitchFamily="34" charset="0"/>
-              <a:buChar char="•"/>
-            </a:pPr>
-            <a:r>
-              <a:rPr lang="fr-FR" sz="3200" dirty="0" smtClean="0"/>
-              <a:t>    Utilisation d’un SVN</a:t>
-            </a:r>
-          </a:p>
-          <a:p>
-            <a:pPr lvl="1"/>
-            <a:r>
-              <a:rPr lang="fr-FR" sz="3200" dirty="0" smtClean="0"/>
-              <a:t>	 (Google code)</a:t>
-            </a:r>
-          </a:p>
-          <a:p>
-            <a:pPr>
-              <a:buFont typeface="Arial" pitchFamily="34" charset="0"/>
-              <a:buChar char="•"/>
-            </a:pPr>
-            <a:r>
-              <a:rPr lang="fr-FR" sz="3200" dirty="0" smtClean="0"/>
-              <a:t>    Partage des documents</a:t>
-            </a:r>
-          </a:p>
-          <a:p>
-            <a:pPr lvl="1"/>
-            <a:r>
-              <a:rPr lang="fr-FR" sz="3200" dirty="0" smtClean="0"/>
-              <a:t>	 (Google doc)</a:t>
-            </a:r>
-          </a:p>
-        </p:txBody>
-      </p:sp>
+          <a:extLst>
+            <a:ext uri="{909E8E84-426E-40DD-AFC4-6F175D3DCCD1}">
+              <a14:hiddenFill xmlns:a14="http://schemas.microsoft.com/office/drawing/2010/main">
+                <a:solidFill>
+                  <a:srgbClr val="FFFFFF"/>
+                </a:solidFill>
+              </a14:hiddenFill>
+            </a:ext>
+          </a:extLst>
+        </p:spPr>
+      </p:pic>
     </p:spTree>
     <p:extLst>
       <p:ext uri="{BB962C8B-B14F-4D97-AF65-F5344CB8AC3E}">
-        <p14:creationId xmlns:p14="http://schemas.microsoft.com/office/powerpoint/2010/main" val="3741159515"/>
+        <p14:creationId xmlns:p14="http://schemas.microsoft.com/office/powerpoint/2010/main" val="1601944732"/>
       </p:ext>
     </p:extLst>
   </p:cSld>
   <p:clrMapOvr>
     <a:masterClrMapping/>
   </p:clrMapOvr>
-  <mc:AlternateContent xmlns:mc="http://schemas.openxmlformats.org/markup-compatibility/2006" xmlns:p14="http://schemas.microsoft.com/office/powerpoint/2010/main">
-    <mc:Choice Requires="p14">
+  <mc:AlternateContent xmlns:mc="http://schemas.openxmlformats.org/markup-compatibility/2006">
+    <mc:Choice xmlns:p14="http://schemas.microsoft.com/office/powerpoint/2010/main" Requires="p14">
       <p:transition spd="med">
         <p14:gallery dir="l"/>
       </p:transition>
     </mc:Choice>
-    <mc:Fallback xmlns="">
+    <mc:Fallback>
       <p:transition spd="med">
         <p:fade/>
       </p:transition>
@@ -7518,9 +8973,50 @@
           <a:bodyPr/>
           <a:lstStyle/>
           <a:p>
-            <a:r>
-              <a:rPr lang="fr-FR" dirty="0" smtClean="0"/>
-              <a:t>Avancement du projet</a:t>
+            <a:endParaRPr lang="fr-FR" dirty="0" smtClean="0"/>
+          </a:p>
+        </p:txBody>
+      </p:sp>
+      <p:sp>
+        <p:nvSpPr>
+          <p:cNvPr id="3075" name="Espace réservé du contenu 2"/>
+          <p:cNvSpPr>
+            <a:spLocks noGrp="1"/>
+          </p:cNvSpPr>
+          <p:nvPr>
+            <p:ph idx="1"/>
+          </p:nvPr>
+        </p:nvSpPr>
+        <p:spPr>
+          <a:xfrm>
+            <a:off x="457200" y="1600200"/>
+            <a:ext cx="8229600" cy="5141168"/>
+          </a:xfrm>
+        </p:spPr>
+        <p:txBody>
+          <a:bodyPr>
+            <a:normAutofit/>
+          </a:bodyPr>
+          <a:lstStyle/>
+          <a:p>
+            <a:pPr marL="0" indent="0">
+              <a:lnSpc>
+                <a:spcPct val="170000"/>
+              </a:lnSpc>
+              <a:buNone/>
+            </a:pPr>
+            <a:endParaRPr lang="fr-FR" dirty="0"/>
+          </a:p>
+          <a:p>
+            <a:pPr marL="0" indent="0" algn="ctr">
+              <a:lnSpc>
+                <a:spcPct val="170000"/>
+              </a:lnSpc>
+              <a:buNone/>
+            </a:pPr>
+            <a:r>
+              <a:rPr lang="fr-FR" sz="7200" dirty="0" smtClean="0"/>
+              <a:t>Démonstration</a:t>
             </a:r>
           </a:p>
         </p:txBody>
@@ -7586,557 +9082,23 @@
           </a:p>
         </p:txBody>
       </p:sp>
-      <p:sp>
-        <p:nvSpPr>
-          <p:cNvPr id="15" name="Pentagone 8"/>
-          <p:cNvSpPr/>
-          <p:nvPr/>
-        </p:nvSpPr>
-        <p:spPr>
-          <a:xfrm>
-            <a:off x="7308304" y="2924944"/>
-            <a:ext cx="1764000" cy="1368152"/>
-          </a:xfrm>
-          <a:prstGeom prst="homePlate">
-            <a:avLst/>
-          </a:prstGeom>
-          <a:solidFill>
-            <a:schemeClr val="accent4">
-              <a:lumMod val="75000"/>
-            </a:schemeClr>
-          </a:solidFill>
-          <a:ln w="3175">
-            <a:noFill/>
-          </a:ln>
-        </p:spPr>
-        <p:style>
-          <a:lnRef idx="2">
-            <a:schemeClr val="accent4">
-              <a:shade val="50000"/>
-            </a:schemeClr>
-          </a:lnRef>
-          <a:fillRef idx="1">
-            <a:schemeClr val="accent4"/>
-          </a:fillRef>
-          <a:effectRef idx="0">
-            <a:schemeClr val="accent4"/>
-          </a:effectRef>
-          <a:fontRef idx="minor">
-            <a:schemeClr val="lt1"/>
-          </a:fontRef>
-        </p:style>
-        <p:txBody>
-          <a:bodyPr rtlCol="0" anchor="ctr"/>
-          <a:lstStyle/>
-          <a:p>
-            <a:pPr algn="ctr"/>
-            <a:r>
-              <a:rPr lang="fr-FR" dirty="0" smtClean="0"/>
-              <a:t>Doc Utilisateur</a:t>
-            </a:r>
-          </a:p>
-          <a:p>
-            <a:pPr algn="ctr"/>
-            <a:r>
-              <a:rPr lang="fr-FR" dirty="0" smtClean="0"/>
-              <a:t>Déploiement</a:t>
-            </a:r>
-          </a:p>
-          <a:p>
-            <a:pPr algn="ctr"/>
-            <a:r>
-              <a:rPr lang="fr-FR" dirty="0" smtClean="0"/>
-              <a:t>Recette</a:t>
-            </a:r>
-          </a:p>
-        </p:txBody>
-      </p:sp>
-      <p:sp>
-        <p:nvSpPr>
-          <p:cNvPr id="16" name="Rectangle 15"/>
-          <p:cNvSpPr/>
-          <p:nvPr/>
-        </p:nvSpPr>
-        <p:spPr>
-          <a:xfrm>
-            <a:off x="3707904" y="2924944"/>
-            <a:ext cx="1764000" cy="1368152"/>
-          </a:xfrm>
-          <a:prstGeom prst="rect">
-            <a:avLst/>
-          </a:prstGeom>
-          <a:solidFill>
-            <a:schemeClr val="accent1">
-              <a:lumMod val="75000"/>
-            </a:schemeClr>
-          </a:solidFill>
-          <a:ln w="3175">
-            <a:noFill/>
-          </a:ln>
-        </p:spPr>
-        <p:style>
-          <a:lnRef idx="2">
-            <a:schemeClr val="accent4">
-              <a:shade val="50000"/>
-            </a:schemeClr>
-          </a:lnRef>
-          <a:fillRef idx="1">
-            <a:schemeClr val="accent4"/>
-          </a:fillRef>
-          <a:effectRef idx="0">
-            <a:schemeClr val="accent4"/>
-          </a:effectRef>
-          <a:fontRef idx="minor">
-            <a:schemeClr val="lt1"/>
-          </a:fontRef>
-        </p:style>
-        <p:txBody>
-          <a:bodyPr rtlCol="0" anchor="ctr"/>
-          <a:lstStyle/>
-          <a:p>
-            <a:pPr algn="ctr"/>
-            <a:r>
-              <a:rPr lang="fr-FR" dirty="0" smtClean="0"/>
-              <a:t>Impression</a:t>
-            </a:r>
-          </a:p>
-          <a:p>
-            <a:pPr algn="ctr"/>
-            <a:r>
-              <a:rPr lang="fr-FR" dirty="0" smtClean="0"/>
-              <a:t>Photo</a:t>
-            </a:r>
-          </a:p>
-          <a:p>
-            <a:pPr algn="ctr"/>
-            <a:r>
-              <a:rPr lang="fr-FR" dirty="0" smtClean="0"/>
-              <a:t>Webcam</a:t>
-            </a:r>
-          </a:p>
-          <a:p>
-            <a:pPr algn="ctr"/>
-            <a:r>
-              <a:rPr lang="fr-FR" dirty="0" smtClean="0"/>
-              <a:t>R&amp;D</a:t>
-            </a:r>
-            <a:endParaRPr lang="fr-FR" dirty="0"/>
-          </a:p>
-        </p:txBody>
-      </p:sp>
-      <p:sp>
-        <p:nvSpPr>
-          <p:cNvPr id="17" name="Rectangle 16"/>
-          <p:cNvSpPr/>
-          <p:nvPr/>
-        </p:nvSpPr>
-        <p:spPr>
-          <a:xfrm>
-            <a:off x="1907704" y="2924944"/>
-            <a:ext cx="1764000" cy="1368152"/>
-          </a:xfrm>
-          <a:prstGeom prst="rect">
-            <a:avLst/>
-          </a:prstGeom>
-          <a:ln w="3175">
-            <a:noFill/>
-          </a:ln>
-        </p:spPr>
-        <p:style>
-          <a:lnRef idx="2">
-            <a:schemeClr val="accent1">
-              <a:shade val="50000"/>
-            </a:schemeClr>
-          </a:lnRef>
-          <a:fillRef idx="1">
-            <a:schemeClr val="accent1"/>
-          </a:fillRef>
-          <a:effectRef idx="0">
-            <a:schemeClr val="accent1"/>
-          </a:effectRef>
-          <a:fontRef idx="minor">
-            <a:schemeClr val="lt1"/>
-          </a:fontRef>
-        </p:style>
-        <p:txBody>
-          <a:bodyPr rtlCol="0" anchor="ctr"/>
-          <a:lstStyle/>
-          <a:p>
-            <a:pPr algn="ctr"/>
-            <a:r>
-              <a:rPr lang="fr-FR" dirty="0" smtClean="0"/>
-              <a:t>Zones</a:t>
-            </a:r>
-          </a:p>
-          <a:p>
-            <a:pPr algn="ctr"/>
-            <a:r>
-              <a:rPr lang="fr-FR" dirty="0" smtClean="0"/>
-              <a:t>Catégories</a:t>
-            </a:r>
-          </a:p>
-          <a:p>
-            <a:pPr algn="ctr"/>
-            <a:r>
-              <a:rPr lang="fr-FR" dirty="0" smtClean="0"/>
-              <a:t>Accréditations</a:t>
-            </a:r>
-          </a:p>
-          <a:p>
-            <a:pPr algn="ctr"/>
-            <a:r>
-              <a:rPr lang="fr-FR" dirty="0" smtClean="0"/>
-              <a:t>Demandes</a:t>
-            </a:r>
-            <a:endParaRPr lang="fr-FR" dirty="0"/>
-          </a:p>
-        </p:txBody>
-      </p:sp>
-      <p:sp>
-        <p:nvSpPr>
-          <p:cNvPr id="21" name="Rectangle 20"/>
-          <p:cNvSpPr/>
-          <p:nvPr/>
-        </p:nvSpPr>
-        <p:spPr>
-          <a:xfrm>
-            <a:off x="107504" y="2924944"/>
-            <a:ext cx="1764000" cy="1368152"/>
-          </a:xfrm>
-          <a:prstGeom prst="rect">
-            <a:avLst/>
-          </a:prstGeom>
-          <a:ln w="3175">
-            <a:noFill/>
-          </a:ln>
-        </p:spPr>
-        <p:style>
-          <a:lnRef idx="2">
-            <a:schemeClr val="accent5">
-              <a:shade val="50000"/>
-            </a:schemeClr>
-          </a:lnRef>
-          <a:fillRef idx="1">
-            <a:schemeClr val="accent5"/>
-          </a:fillRef>
-          <a:effectRef idx="0">
-            <a:schemeClr val="accent5"/>
-          </a:effectRef>
-          <a:fontRef idx="minor">
-            <a:schemeClr val="lt1"/>
-          </a:fontRef>
-        </p:style>
-        <p:txBody>
-          <a:bodyPr rtlCol="0" anchor="ctr"/>
-          <a:lstStyle/>
-          <a:p>
-            <a:pPr algn="ctr"/>
-            <a:r>
-              <a:rPr lang="fr-FR" dirty="0" smtClean="0"/>
-              <a:t>Point web</a:t>
-            </a:r>
-          </a:p>
-          <a:p>
-            <a:pPr algn="ctr"/>
-            <a:r>
-              <a:rPr lang="fr-FR" dirty="0" smtClean="0"/>
-              <a:t>Connexion</a:t>
-            </a:r>
-          </a:p>
-          <a:p>
-            <a:pPr algn="ctr"/>
-            <a:r>
-              <a:rPr lang="fr-FR" dirty="0" smtClean="0"/>
-              <a:t>Evénements</a:t>
-            </a:r>
-            <a:endParaRPr lang="fr-FR" dirty="0"/>
-          </a:p>
-        </p:txBody>
-      </p:sp>
-      <p:sp>
-        <p:nvSpPr>
-          <p:cNvPr id="22" name="ZoneTexte 10"/>
-          <p:cNvSpPr txBox="1"/>
-          <p:nvPr/>
-        </p:nvSpPr>
-        <p:spPr>
-          <a:xfrm>
-            <a:off x="-36512" y="4293096"/>
-            <a:ext cx="758541" cy="369332"/>
-          </a:xfrm>
-          <a:prstGeom prst="rect">
-            <a:avLst/>
-          </a:prstGeom>
-          <a:noFill/>
-        </p:spPr>
-        <p:txBody>
-          <a:bodyPr wrap="none" rtlCol="0">
-            <a:spAutoFit/>
-          </a:bodyPr>
-          <a:lstStyle/>
-          <a:p>
-            <a:r>
-              <a:rPr lang="fr-FR" dirty="0" smtClean="0"/>
-              <a:t>25 jan</a:t>
-            </a:r>
-            <a:endParaRPr lang="fr-FR" dirty="0"/>
-          </a:p>
-        </p:txBody>
-      </p:sp>
-      <p:sp>
-        <p:nvSpPr>
-          <p:cNvPr id="23" name="ZoneTexte 11"/>
-          <p:cNvSpPr txBox="1"/>
-          <p:nvPr/>
-        </p:nvSpPr>
-        <p:spPr>
-          <a:xfrm>
-            <a:off x="1547664" y="4293096"/>
-            <a:ext cx="754822" cy="369332"/>
-          </a:xfrm>
-          <a:prstGeom prst="rect">
-            <a:avLst/>
-          </a:prstGeom>
-          <a:noFill/>
-        </p:spPr>
-        <p:txBody>
-          <a:bodyPr wrap="none" rtlCol="0">
-            <a:spAutoFit/>
-          </a:bodyPr>
-          <a:lstStyle/>
-          <a:p>
-            <a:r>
-              <a:rPr lang="fr-FR" dirty="0" smtClean="0"/>
-              <a:t>08 </a:t>
-            </a:r>
-            <a:r>
-              <a:rPr lang="fr-FR" dirty="0" err="1" smtClean="0"/>
-              <a:t>fev</a:t>
-            </a:r>
-            <a:endParaRPr lang="fr-FR" dirty="0"/>
-          </a:p>
-        </p:txBody>
-      </p:sp>
-      <p:sp>
-        <p:nvSpPr>
-          <p:cNvPr id="24" name="ZoneTexte 12"/>
-          <p:cNvSpPr txBox="1"/>
-          <p:nvPr/>
-        </p:nvSpPr>
-        <p:spPr>
-          <a:xfrm>
-            <a:off x="3313122" y="4293096"/>
-            <a:ext cx="754822" cy="369332"/>
-          </a:xfrm>
-          <a:prstGeom prst="rect">
-            <a:avLst/>
-          </a:prstGeom>
-          <a:noFill/>
-        </p:spPr>
-        <p:txBody>
-          <a:bodyPr wrap="none" rtlCol="0">
-            <a:spAutoFit/>
-          </a:bodyPr>
-          <a:lstStyle/>
-          <a:p>
-            <a:r>
-              <a:rPr lang="fr-FR" dirty="0" smtClean="0"/>
-              <a:t>29 </a:t>
-            </a:r>
-            <a:r>
-              <a:rPr lang="fr-FR" dirty="0" err="1" smtClean="0"/>
-              <a:t>fev</a:t>
-            </a:r>
-            <a:endParaRPr lang="fr-FR" dirty="0"/>
-          </a:p>
-        </p:txBody>
-      </p:sp>
-      <p:sp>
-        <p:nvSpPr>
-          <p:cNvPr id="25" name="ZoneTexte 13"/>
-          <p:cNvSpPr txBox="1"/>
-          <p:nvPr/>
-        </p:nvSpPr>
-        <p:spPr>
-          <a:xfrm>
-            <a:off x="5076056" y="4293096"/>
-            <a:ext cx="846707" cy="369332"/>
-          </a:xfrm>
-          <a:prstGeom prst="rect">
-            <a:avLst/>
-          </a:prstGeom>
-          <a:noFill/>
-        </p:spPr>
-        <p:txBody>
-          <a:bodyPr wrap="none" rtlCol="0">
-            <a:spAutoFit/>
-          </a:bodyPr>
-          <a:lstStyle/>
-          <a:p>
-            <a:r>
-              <a:rPr lang="fr-FR" dirty="0" smtClean="0"/>
-              <a:t>28 </a:t>
-            </a:r>
-            <a:r>
-              <a:rPr lang="fr-FR" dirty="0" err="1" smtClean="0"/>
-              <a:t>mar</a:t>
-            </a:r>
-            <a:endParaRPr lang="fr-FR" dirty="0"/>
-          </a:p>
-        </p:txBody>
-      </p:sp>
-      <p:sp>
-        <p:nvSpPr>
-          <p:cNvPr id="26" name="Rectangle 25"/>
-          <p:cNvSpPr/>
-          <p:nvPr/>
-        </p:nvSpPr>
-        <p:spPr>
-          <a:xfrm>
-            <a:off x="5508104" y="2924944"/>
-            <a:ext cx="1764000" cy="1368152"/>
-          </a:xfrm>
-          <a:prstGeom prst="rect">
-            <a:avLst/>
-          </a:prstGeom>
-          <a:solidFill>
-            <a:schemeClr val="accent4"/>
-          </a:solidFill>
-          <a:ln w="3175">
-            <a:noFill/>
-          </a:ln>
-        </p:spPr>
-        <p:style>
-          <a:lnRef idx="2">
-            <a:schemeClr val="accent4">
-              <a:shade val="50000"/>
-            </a:schemeClr>
-          </a:lnRef>
-          <a:fillRef idx="1">
-            <a:schemeClr val="accent4"/>
-          </a:fillRef>
-          <a:effectRef idx="0">
-            <a:schemeClr val="accent4"/>
-          </a:effectRef>
-          <a:fontRef idx="minor">
-            <a:schemeClr val="lt1"/>
-          </a:fontRef>
-        </p:style>
-        <p:txBody>
-          <a:bodyPr rtlCol="0" anchor="ctr"/>
-          <a:lstStyle/>
-          <a:p>
-            <a:pPr algn="ctr"/>
-            <a:r>
-              <a:rPr lang="fr-FR" dirty="0" smtClean="0"/>
-              <a:t>Presse</a:t>
-            </a:r>
-          </a:p>
-          <a:p>
-            <a:pPr algn="ctr"/>
-            <a:r>
-              <a:rPr lang="fr-FR" dirty="0" smtClean="0"/>
-              <a:t>Mail</a:t>
-            </a:r>
-          </a:p>
-          <a:p>
-            <a:pPr algn="ctr"/>
-            <a:r>
-              <a:rPr lang="fr-FR" dirty="0" smtClean="0"/>
-              <a:t>Export</a:t>
-            </a:r>
-          </a:p>
-          <a:p>
-            <a:pPr algn="ctr"/>
-            <a:r>
-              <a:rPr lang="fr-FR" dirty="0" smtClean="0"/>
-              <a:t>Langues</a:t>
-            </a:r>
-            <a:endParaRPr lang="fr-FR" dirty="0"/>
-          </a:p>
-        </p:txBody>
-      </p:sp>
-      <p:sp>
-        <p:nvSpPr>
-          <p:cNvPr id="27" name="ZoneTexte 13"/>
-          <p:cNvSpPr txBox="1"/>
-          <p:nvPr/>
-        </p:nvSpPr>
-        <p:spPr>
-          <a:xfrm>
-            <a:off x="6905635" y="4293096"/>
-            <a:ext cx="762709" cy="369332"/>
-          </a:xfrm>
-          <a:prstGeom prst="rect">
-            <a:avLst/>
-          </a:prstGeom>
-          <a:noFill/>
-        </p:spPr>
-        <p:txBody>
-          <a:bodyPr wrap="none" rtlCol="0">
-            <a:spAutoFit/>
-          </a:bodyPr>
-          <a:lstStyle/>
-          <a:p>
-            <a:r>
-              <a:rPr lang="fr-FR" dirty="0" smtClean="0"/>
-              <a:t>25 </a:t>
-            </a:r>
-            <a:r>
-              <a:rPr lang="fr-FR" dirty="0" err="1" smtClean="0"/>
-              <a:t>avr</a:t>
-            </a:r>
-            <a:endParaRPr lang="fr-FR" dirty="0"/>
-          </a:p>
-        </p:txBody>
-      </p:sp>
-      <p:sp>
-        <p:nvSpPr>
-          <p:cNvPr id="28" name="ZoneTexte 13"/>
-          <p:cNvSpPr txBox="1"/>
-          <p:nvPr/>
-        </p:nvSpPr>
-        <p:spPr>
-          <a:xfrm>
-            <a:off x="8361057" y="4293096"/>
-            <a:ext cx="819455" cy="369332"/>
-          </a:xfrm>
-          <a:prstGeom prst="rect">
-            <a:avLst/>
-          </a:prstGeom>
-          <a:noFill/>
-        </p:spPr>
-        <p:txBody>
-          <a:bodyPr wrap="none" rtlCol="0">
-            <a:spAutoFit/>
-          </a:bodyPr>
-          <a:lstStyle/>
-          <a:p>
-            <a:r>
-              <a:rPr lang="fr-FR" dirty="0" smtClean="0"/>
-              <a:t>11 mai</a:t>
-            </a:r>
-            <a:endParaRPr lang="fr-FR" dirty="0"/>
-          </a:p>
-        </p:txBody>
-      </p:sp>
     </p:spTree>
     <p:extLst>
       <p:ext uri="{BB962C8B-B14F-4D97-AF65-F5344CB8AC3E}">
-        <p14:creationId xmlns:p14="http://schemas.microsoft.com/office/powerpoint/2010/main" val="705188977"/>
+        <p14:creationId xmlns:p14="http://schemas.microsoft.com/office/powerpoint/2010/main" val="705338575"/>
       </p:ext>
     </p:extLst>
   </p:cSld>
   <p:clrMapOvr>
     <a:masterClrMapping/>
   </p:clrMapOvr>
-  <mc:AlternateContent xmlns:mc="http://schemas.openxmlformats.org/markup-compatibility/2006" xmlns:p14="http://schemas.microsoft.com/office/powerpoint/2010/main">
-    <mc:Choice Requires="p14">
+  <mc:AlternateContent xmlns:mc="http://schemas.openxmlformats.org/markup-compatibility/2006">
+    <mc:Choice xmlns:p14="http://schemas.microsoft.com/office/powerpoint/2010/main" Requires="p14">
       <p:transition spd="med">
         <p14:gallery dir="l"/>
       </p:transition>
     </mc:Choice>
-    <mc:Fallback xmlns="">
+    <mc:Fallback>
       <p:transition spd="med">
         <p:fade/>
       </p:transition>
@@ -8340,13 +9302,13 @@
   <p:clrMapOvr>
     <a:masterClrMapping/>
   </p:clrMapOvr>
-  <mc:AlternateContent xmlns:mc="http://schemas.openxmlformats.org/markup-compatibility/2006" xmlns:p14="http://schemas.microsoft.com/office/powerpoint/2010/main">
-    <mc:Choice Requires="p14">
+  <mc:AlternateContent xmlns:mc="http://schemas.openxmlformats.org/markup-compatibility/2006">
+    <mc:Choice xmlns:p14="http://schemas.microsoft.com/office/powerpoint/2010/main" Requires="p14">
       <p:transition spd="med">
         <p14:gallery dir="l"/>
       </p:transition>
     </mc:Choice>
-    <mc:Fallback xmlns="">
+    <mc:Fallback>
       <p:transition spd="med">
         <p:fade/>
       </p:transition>
@@ -8379,6 +9341,1347 @@
           <a:chExt cx="0" cy="0"/>
         </a:xfrm>
       </p:grpSpPr>
+      <p:sp>
+        <p:nvSpPr>
+          <p:cNvPr id="3074" name="Titre 1"/>
+          <p:cNvSpPr>
+            <a:spLocks noGrp="1"/>
+          </p:cNvSpPr>
+          <p:nvPr>
+            <p:ph type="title"/>
+          </p:nvPr>
+        </p:nvSpPr>
+        <p:spPr>
+          <a:xfrm>
+            <a:off x="457200" y="773832"/>
+            <a:ext cx="8229600" cy="1143000"/>
+          </a:xfrm>
+        </p:spPr>
+        <p:txBody>
+          <a:bodyPr/>
+          <a:lstStyle/>
+          <a:p>
+            <a:r>
+              <a:rPr lang="fr-FR" dirty="0" smtClean="0"/>
+              <a:t>Plan</a:t>
+            </a:r>
+          </a:p>
+        </p:txBody>
+      </p:sp>
+      <p:sp>
+        <p:nvSpPr>
+          <p:cNvPr id="3075" name="Espace réservé du contenu 2"/>
+          <p:cNvSpPr>
+            <a:spLocks noGrp="1"/>
+          </p:cNvSpPr>
+          <p:nvPr>
+            <p:ph idx="1"/>
+          </p:nvPr>
+        </p:nvSpPr>
+        <p:spPr>
+          <a:xfrm>
+            <a:off x="457200" y="1600200"/>
+            <a:ext cx="8229600" cy="5141168"/>
+          </a:xfrm>
+        </p:spPr>
+        <p:txBody>
+          <a:bodyPr>
+            <a:normAutofit/>
+          </a:bodyPr>
+          <a:lstStyle/>
+          <a:p>
+            <a:pPr>
+              <a:lnSpc>
+                <a:spcPct val="170000"/>
+              </a:lnSpc>
+            </a:pPr>
+            <a:r>
+              <a:rPr lang="fr-FR" dirty="0" smtClean="0">
+                <a:solidFill>
+                  <a:schemeClr val="bg1">
+                    <a:lumMod val="50000"/>
+                  </a:schemeClr>
+                </a:solidFill>
+              </a:rPr>
+              <a:t>Le contexte</a:t>
+            </a:r>
+          </a:p>
+          <a:p>
+            <a:pPr>
+              <a:lnSpc>
+                <a:spcPct val="170000"/>
+              </a:lnSpc>
+            </a:pPr>
+            <a:r>
+              <a:rPr lang="fr-FR" dirty="0" smtClean="0">
+                <a:solidFill>
+                  <a:schemeClr val="bg1">
+                    <a:lumMod val="50000"/>
+                  </a:schemeClr>
+                </a:solidFill>
+              </a:rPr>
+              <a:t>Le projet</a:t>
+            </a:r>
+          </a:p>
+          <a:p>
+            <a:pPr>
+              <a:lnSpc>
+                <a:spcPct val="170000"/>
+              </a:lnSpc>
+            </a:pPr>
+            <a:r>
+              <a:rPr lang="fr-FR" dirty="0" smtClean="0">
+                <a:solidFill>
+                  <a:schemeClr val="bg1">
+                    <a:lumMod val="50000"/>
+                  </a:schemeClr>
+                </a:solidFill>
+              </a:rPr>
+              <a:t>Conception</a:t>
+            </a:r>
+          </a:p>
+          <a:p>
+            <a:pPr>
+              <a:lnSpc>
+                <a:spcPct val="170000"/>
+              </a:lnSpc>
+            </a:pPr>
+            <a:r>
+              <a:rPr lang="fr-FR" dirty="0" smtClean="0">
+                <a:solidFill>
+                  <a:schemeClr val="bg1">
+                    <a:lumMod val="50000"/>
+                  </a:schemeClr>
+                </a:solidFill>
+              </a:rPr>
+              <a:t>Démonstration</a:t>
+            </a:r>
+          </a:p>
+          <a:p>
+            <a:pPr>
+              <a:lnSpc>
+                <a:spcPct val="170000"/>
+              </a:lnSpc>
+            </a:pPr>
+            <a:r>
+              <a:rPr lang="fr-FR" dirty="0" smtClean="0"/>
+              <a:t>Gestion de projet</a:t>
+            </a:r>
+          </a:p>
+        </p:txBody>
+      </p:sp>
+      <p:pic>
+        <p:nvPicPr>
+          <p:cNvPr id="3076" name="Image 4"/>
+          <p:cNvPicPr>
+            <a:picLocks noChangeAspect="1"/>
+          </p:cNvPicPr>
+          <p:nvPr/>
+        </p:nvPicPr>
+        <p:blipFill>
+          <a:blip r:embed="rId3" cstate="print"/>
+          <a:srcRect/>
+          <a:stretch>
+            <a:fillRect/>
+          </a:stretch>
+        </p:blipFill>
+        <p:spPr bwMode="auto">
+          <a:xfrm>
+            <a:off x="0" y="0"/>
+            <a:ext cx="9144000" cy="646113"/>
+          </a:xfrm>
+          <a:prstGeom prst="rect">
+            <a:avLst/>
+          </a:prstGeom>
+          <a:noFill/>
+          <a:ln w="9525">
+            <a:noFill/>
+            <a:miter lim="800000"/>
+            <a:headEnd/>
+            <a:tailEnd/>
+          </a:ln>
+        </p:spPr>
+      </p:pic>
+      <p:sp>
+        <p:nvSpPr>
+          <p:cNvPr id="2" name="Espace réservé du numéro de diapositive 1"/>
+          <p:cNvSpPr>
+            <a:spLocks noGrp="1"/>
+          </p:cNvSpPr>
+          <p:nvPr>
+            <p:ph type="sldNum" sz="quarter" idx="12"/>
+          </p:nvPr>
+        </p:nvSpPr>
+        <p:spPr/>
+        <p:txBody>
+          <a:bodyPr/>
+          <a:lstStyle/>
+          <a:p>
+            <a:pPr>
+              <a:defRPr/>
+            </a:pPr>
+            <a:fld id="{CEE9F434-548C-4338-8DF1-58B3EAFD3701}" type="slidenum">
+              <a:rPr lang="fr-FR" smtClean="0"/>
+              <a:pPr>
+                <a:defRPr/>
+              </a:pPr>
+              <a:t>20</a:t>
+            </a:fld>
+            <a:endParaRPr lang="fr-FR"/>
+          </a:p>
+        </p:txBody>
+      </p:sp>
+    </p:spTree>
+    <p:extLst>
+      <p:ext uri="{BB962C8B-B14F-4D97-AF65-F5344CB8AC3E}">
+        <p14:creationId xmlns:p14="http://schemas.microsoft.com/office/powerpoint/2010/main" val="1040411829"/>
+      </p:ext>
+    </p:extLst>
+  </p:cSld>
+  <p:clrMapOvr>
+    <a:masterClrMapping/>
+  </p:clrMapOvr>
+  <mc:AlternateContent xmlns:mc="http://schemas.openxmlformats.org/markup-compatibility/2006">
+    <mc:Choice xmlns:p14="http://schemas.microsoft.com/office/powerpoint/2010/main" Requires="p14">
+      <p:transition spd="med">
+        <p14:gallery dir="l"/>
+      </p:transition>
+    </mc:Choice>
+    <mc:Fallback>
+      <p:transition spd="med">
+        <p:fade/>
+      </p:transition>
+    </mc:Fallback>
+  </mc:AlternateContent>
+  <p:timing>
+    <p:tnLst>
+      <p:par>
+        <p:cTn id="1" dur="indefinite" restart="never" nodeType="tmRoot"/>
+      </p:par>
+    </p:tnLst>
+  </p:timing>
+</p:sld>
+</file>
+
+<file path=ppt/slides/slide21.xml><?xml version="1.0" encoding="utf-8"?>
+<p:sld xmlns:a="http://schemas.openxmlformats.org/drawingml/2006/main" xmlns:r="http://schemas.openxmlformats.org/officeDocument/2006/relationships" xmlns:p="http://schemas.openxmlformats.org/presentationml/2006/main">
+  <p:cSld>
+    <p:spTree>
+      <p:nvGrpSpPr>
+        <p:cNvPr id="1" name=""/>
+        <p:cNvGrpSpPr/>
+        <p:nvPr/>
+      </p:nvGrpSpPr>
+      <p:grpSpPr>
+        <a:xfrm>
+          <a:off x="0" y="0"/>
+          <a:ext cx="0" cy="0"/>
+          <a:chOff x="0" y="0"/>
+          <a:chExt cx="0" cy="0"/>
+        </a:xfrm>
+      </p:grpSpPr>
+      <p:sp>
+        <p:nvSpPr>
+          <p:cNvPr id="3074" name="Titre 1"/>
+          <p:cNvSpPr>
+            <a:spLocks noGrp="1"/>
+          </p:cNvSpPr>
+          <p:nvPr>
+            <p:ph type="title"/>
+          </p:nvPr>
+        </p:nvSpPr>
+        <p:spPr>
+          <a:xfrm>
+            <a:off x="457200" y="773832"/>
+            <a:ext cx="8229600" cy="1143000"/>
+          </a:xfrm>
+        </p:spPr>
+        <p:txBody>
+          <a:bodyPr/>
+          <a:lstStyle/>
+          <a:p>
+            <a:r>
+              <a:rPr lang="fr-FR" dirty="0" smtClean="0"/>
+              <a:t>Gestion projet</a:t>
+            </a:r>
+          </a:p>
+        </p:txBody>
+      </p:sp>
+      <p:pic>
+        <p:nvPicPr>
+          <p:cNvPr id="3076" name="Image 4"/>
+          <p:cNvPicPr>
+            <a:picLocks noChangeAspect="1"/>
+          </p:cNvPicPr>
+          <p:nvPr/>
+        </p:nvPicPr>
+        <p:blipFill>
+          <a:blip r:embed="rId3" cstate="print"/>
+          <a:srcRect/>
+          <a:stretch>
+            <a:fillRect/>
+          </a:stretch>
+        </p:blipFill>
+        <p:spPr bwMode="auto">
+          <a:xfrm>
+            <a:off x="0" y="0"/>
+            <a:ext cx="9144000" cy="646113"/>
+          </a:xfrm>
+          <a:prstGeom prst="rect">
+            <a:avLst/>
+          </a:prstGeom>
+          <a:noFill/>
+          <a:ln w="9525">
+            <a:noFill/>
+            <a:miter lim="800000"/>
+            <a:headEnd/>
+            <a:tailEnd/>
+          </a:ln>
+        </p:spPr>
+      </p:pic>
+      <p:sp>
+        <p:nvSpPr>
+          <p:cNvPr id="2" name="Espace réservé du numéro de diapositive 1"/>
+          <p:cNvSpPr>
+            <a:spLocks noGrp="1"/>
+          </p:cNvSpPr>
+          <p:nvPr>
+            <p:ph type="sldNum" sz="quarter" idx="12"/>
+          </p:nvPr>
+        </p:nvSpPr>
+        <p:spPr/>
+        <p:txBody>
+          <a:bodyPr/>
+          <a:lstStyle/>
+          <a:p>
+            <a:pPr>
+              <a:defRPr/>
+            </a:pPr>
+            <a:fld id="{CEE9F434-548C-4338-8DF1-58B3EAFD3701}" type="slidenum">
+              <a:rPr lang="fr-FR" smtClean="0"/>
+              <a:pPr>
+                <a:defRPr/>
+              </a:pPr>
+              <a:t>21</a:t>
+            </a:fld>
+            <a:endParaRPr lang="fr-FR"/>
+          </a:p>
+        </p:txBody>
+      </p:sp>
+      <p:sp>
+        <p:nvSpPr>
+          <p:cNvPr id="19" name="TextBox 18"/>
+          <p:cNvSpPr txBox="1"/>
+          <p:nvPr/>
+        </p:nvSpPr>
+        <p:spPr>
+          <a:xfrm>
+            <a:off x="467544" y="2060848"/>
+            <a:ext cx="8208912" cy="4031873"/>
+          </a:xfrm>
+          <a:prstGeom prst="rect">
+            <a:avLst/>
+          </a:prstGeom>
+          <a:noFill/>
+        </p:spPr>
+        <p:txBody>
+          <a:bodyPr wrap="square" rtlCol="0">
+            <a:spAutoFit/>
+          </a:bodyPr>
+          <a:lstStyle/>
+          <a:p>
+            <a:pPr marL="0" lvl="2">
+              <a:buFont typeface="Arial" pitchFamily="34" charset="0"/>
+              <a:buChar char="•"/>
+            </a:pPr>
+            <a:r>
+              <a:rPr lang="fr-FR" sz="3200" dirty="0" smtClean="0"/>
+              <a:t>    Application des méthodes Agiles </a:t>
+            </a:r>
+          </a:p>
+          <a:p>
+            <a:pPr marL="0" lvl="2"/>
+            <a:r>
+              <a:rPr lang="fr-FR" sz="3200" dirty="0" smtClean="0"/>
+              <a:t>	(</a:t>
+            </a:r>
+            <a:r>
+              <a:rPr lang="fr-FR" sz="3200" dirty="0" err="1" smtClean="0"/>
+              <a:t>Scrum</a:t>
+            </a:r>
+            <a:r>
+              <a:rPr lang="fr-FR" sz="3200" dirty="0" smtClean="0"/>
+              <a:t> et XP)</a:t>
+            </a:r>
+          </a:p>
+          <a:p>
+            <a:pPr marL="0" lvl="2"/>
+            <a:endParaRPr lang="fr-FR" sz="3200" dirty="0" smtClean="0"/>
+          </a:p>
+          <a:p>
+            <a:pPr>
+              <a:buFont typeface="Arial" pitchFamily="34" charset="0"/>
+              <a:buChar char="•"/>
+            </a:pPr>
+            <a:r>
+              <a:rPr lang="fr-FR" sz="3200" dirty="0" smtClean="0"/>
+              <a:t>    Utilisation d’un SVN</a:t>
+            </a:r>
+          </a:p>
+          <a:p>
+            <a:pPr lvl="1"/>
+            <a:r>
+              <a:rPr lang="fr-FR" sz="3200" dirty="0" smtClean="0"/>
+              <a:t>	 (Google code)</a:t>
+            </a:r>
+          </a:p>
+          <a:p>
+            <a:pPr lvl="1"/>
+            <a:endParaRPr lang="fr-FR" sz="3200" dirty="0" smtClean="0"/>
+          </a:p>
+          <a:p>
+            <a:pPr>
+              <a:buFont typeface="Arial" pitchFamily="34" charset="0"/>
+              <a:buChar char="•"/>
+            </a:pPr>
+            <a:r>
+              <a:rPr lang="fr-FR" sz="3200" dirty="0" smtClean="0"/>
+              <a:t>    Partage des documents</a:t>
+            </a:r>
+          </a:p>
+          <a:p>
+            <a:pPr lvl="1"/>
+            <a:r>
+              <a:rPr lang="fr-FR" sz="3200" dirty="0" smtClean="0"/>
+              <a:t>	 (Google doc)</a:t>
+            </a:r>
+          </a:p>
+        </p:txBody>
+      </p:sp>
+    </p:spTree>
+    <p:extLst>
+      <p:ext uri="{BB962C8B-B14F-4D97-AF65-F5344CB8AC3E}">
+        <p14:creationId xmlns:p14="http://schemas.microsoft.com/office/powerpoint/2010/main" val="3741159515"/>
+      </p:ext>
+    </p:extLst>
+  </p:cSld>
+  <p:clrMapOvr>
+    <a:masterClrMapping/>
+  </p:clrMapOvr>
+  <mc:AlternateContent xmlns:mc="http://schemas.openxmlformats.org/markup-compatibility/2006">
+    <mc:Choice xmlns:p14="http://schemas.microsoft.com/office/powerpoint/2010/main" Requires="p14">
+      <p:transition spd="med">
+        <p14:gallery dir="l"/>
+      </p:transition>
+    </mc:Choice>
+    <mc:Fallback>
+      <p:transition spd="med">
+        <p:fade/>
+      </p:transition>
+    </mc:Fallback>
+  </mc:AlternateContent>
+  <p:timing>
+    <p:tnLst>
+      <p:par>
+        <p:cTn id="1" dur="indefinite" restart="never" nodeType="tmRoot"/>
+      </p:par>
+    </p:tnLst>
+  </p:timing>
+</p:sld>
+</file>
+
+<file path=ppt/slides/slide22.xml><?xml version="1.0" encoding="utf-8"?>
+<p:sld xmlns:a="http://schemas.openxmlformats.org/drawingml/2006/main" xmlns:r="http://schemas.openxmlformats.org/officeDocument/2006/relationships" xmlns:p="http://schemas.openxmlformats.org/presentationml/2006/main">
+  <p:cSld>
+    <p:spTree>
+      <p:nvGrpSpPr>
+        <p:cNvPr id="1" name=""/>
+        <p:cNvGrpSpPr/>
+        <p:nvPr/>
+      </p:nvGrpSpPr>
+      <p:grpSpPr>
+        <a:xfrm>
+          <a:off x="0" y="0"/>
+          <a:ext cx="0" cy="0"/>
+          <a:chOff x="0" y="0"/>
+          <a:chExt cx="0" cy="0"/>
+        </a:xfrm>
+      </p:grpSpPr>
+      <p:sp>
+        <p:nvSpPr>
+          <p:cNvPr id="3074" name="Titre 1"/>
+          <p:cNvSpPr>
+            <a:spLocks noGrp="1"/>
+          </p:cNvSpPr>
+          <p:nvPr>
+            <p:ph type="title"/>
+          </p:nvPr>
+        </p:nvSpPr>
+        <p:spPr>
+          <a:xfrm>
+            <a:off x="457200" y="773832"/>
+            <a:ext cx="8229600" cy="1143000"/>
+          </a:xfrm>
+        </p:spPr>
+        <p:txBody>
+          <a:bodyPr/>
+          <a:lstStyle/>
+          <a:p>
+            <a:r>
+              <a:rPr lang="fr-FR" dirty="0" smtClean="0"/>
+              <a:t>Avancement du projet</a:t>
+            </a:r>
+          </a:p>
+        </p:txBody>
+      </p:sp>
+      <p:pic>
+        <p:nvPicPr>
+          <p:cNvPr id="3076" name="Image 4"/>
+          <p:cNvPicPr>
+            <a:picLocks noChangeAspect="1"/>
+          </p:cNvPicPr>
+          <p:nvPr/>
+        </p:nvPicPr>
+        <p:blipFill>
+          <a:blip r:embed="rId3" cstate="print"/>
+          <a:srcRect/>
+          <a:stretch>
+            <a:fillRect/>
+          </a:stretch>
+        </p:blipFill>
+        <p:spPr bwMode="auto">
+          <a:xfrm>
+            <a:off x="0" y="0"/>
+            <a:ext cx="9144000" cy="646113"/>
+          </a:xfrm>
+          <a:prstGeom prst="rect">
+            <a:avLst/>
+          </a:prstGeom>
+          <a:noFill/>
+          <a:ln w="9525">
+            <a:noFill/>
+            <a:miter lim="800000"/>
+            <a:headEnd/>
+            <a:tailEnd/>
+          </a:ln>
+        </p:spPr>
+      </p:pic>
+      <p:sp>
+        <p:nvSpPr>
+          <p:cNvPr id="2" name="Espace réservé du numéro de diapositive 1"/>
+          <p:cNvSpPr>
+            <a:spLocks noGrp="1"/>
+          </p:cNvSpPr>
+          <p:nvPr>
+            <p:ph type="sldNum" sz="quarter" idx="12"/>
+          </p:nvPr>
+        </p:nvSpPr>
+        <p:spPr/>
+        <p:txBody>
+          <a:bodyPr/>
+          <a:lstStyle/>
+          <a:p>
+            <a:pPr>
+              <a:defRPr/>
+            </a:pPr>
+            <a:fld id="{CEE9F434-548C-4338-8DF1-58B3EAFD3701}" type="slidenum">
+              <a:rPr lang="fr-FR" smtClean="0"/>
+              <a:pPr>
+                <a:defRPr/>
+              </a:pPr>
+              <a:t>22</a:t>
+            </a:fld>
+            <a:endParaRPr lang="fr-FR"/>
+          </a:p>
+        </p:txBody>
+      </p:sp>
+      <p:sp>
+        <p:nvSpPr>
+          <p:cNvPr id="15" name="Pentagone 8"/>
+          <p:cNvSpPr/>
+          <p:nvPr/>
+        </p:nvSpPr>
+        <p:spPr>
+          <a:xfrm>
+            <a:off x="7308304" y="2924944"/>
+            <a:ext cx="1764000" cy="1368152"/>
+          </a:xfrm>
+          <a:prstGeom prst="homePlate">
+            <a:avLst/>
+          </a:prstGeom>
+          <a:solidFill>
+            <a:schemeClr val="accent4">
+              <a:lumMod val="75000"/>
+            </a:schemeClr>
+          </a:solidFill>
+          <a:ln w="3175">
+            <a:noFill/>
+          </a:ln>
+        </p:spPr>
+        <p:style>
+          <a:lnRef idx="2">
+            <a:schemeClr val="accent4">
+              <a:shade val="50000"/>
+            </a:schemeClr>
+          </a:lnRef>
+          <a:fillRef idx="1">
+            <a:schemeClr val="accent4"/>
+          </a:fillRef>
+          <a:effectRef idx="0">
+            <a:schemeClr val="accent4"/>
+          </a:effectRef>
+          <a:fontRef idx="minor">
+            <a:schemeClr val="lt1"/>
+          </a:fontRef>
+        </p:style>
+        <p:txBody>
+          <a:bodyPr rtlCol="0" anchor="ctr"/>
+          <a:lstStyle/>
+          <a:p>
+            <a:pPr algn="ctr"/>
+            <a:r>
+              <a:rPr lang="fr-FR" dirty="0" smtClean="0"/>
+              <a:t>Doc Utilisateur</a:t>
+            </a:r>
+          </a:p>
+          <a:p>
+            <a:pPr algn="ctr"/>
+            <a:r>
+              <a:rPr lang="fr-FR" dirty="0" smtClean="0"/>
+              <a:t>Déploiement</a:t>
+            </a:r>
+          </a:p>
+          <a:p>
+            <a:pPr algn="ctr"/>
+            <a:r>
+              <a:rPr lang="fr-FR" dirty="0" smtClean="0"/>
+              <a:t>Recette</a:t>
+            </a:r>
+          </a:p>
+        </p:txBody>
+      </p:sp>
+      <p:sp>
+        <p:nvSpPr>
+          <p:cNvPr id="16" name="Rectangle 15"/>
+          <p:cNvSpPr/>
+          <p:nvPr/>
+        </p:nvSpPr>
+        <p:spPr>
+          <a:xfrm>
+            <a:off x="3707904" y="2924944"/>
+            <a:ext cx="1764000" cy="1368152"/>
+          </a:xfrm>
+          <a:prstGeom prst="rect">
+            <a:avLst/>
+          </a:prstGeom>
+          <a:solidFill>
+            <a:schemeClr val="accent1">
+              <a:lumMod val="75000"/>
+            </a:schemeClr>
+          </a:solidFill>
+          <a:ln w="3175">
+            <a:noFill/>
+          </a:ln>
+        </p:spPr>
+        <p:style>
+          <a:lnRef idx="2">
+            <a:schemeClr val="accent4">
+              <a:shade val="50000"/>
+            </a:schemeClr>
+          </a:lnRef>
+          <a:fillRef idx="1">
+            <a:schemeClr val="accent4"/>
+          </a:fillRef>
+          <a:effectRef idx="0">
+            <a:schemeClr val="accent4"/>
+          </a:effectRef>
+          <a:fontRef idx="minor">
+            <a:schemeClr val="lt1"/>
+          </a:fontRef>
+        </p:style>
+        <p:txBody>
+          <a:bodyPr rtlCol="0" anchor="ctr"/>
+          <a:lstStyle/>
+          <a:p>
+            <a:pPr algn="ctr"/>
+            <a:r>
+              <a:rPr lang="fr-FR" dirty="0" smtClean="0"/>
+              <a:t>Impression</a:t>
+            </a:r>
+          </a:p>
+          <a:p>
+            <a:pPr algn="ctr"/>
+            <a:r>
+              <a:rPr lang="fr-FR" dirty="0" smtClean="0"/>
+              <a:t>Photo</a:t>
+            </a:r>
+          </a:p>
+          <a:p>
+            <a:pPr algn="ctr"/>
+            <a:r>
+              <a:rPr lang="fr-FR" dirty="0" smtClean="0"/>
+              <a:t>Webcam</a:t>
+            </a:r>
+          </a:p>
+          <a:p>
+            <a:pPr algn="ctr"/>
+            <a:r>
+              <a:rPr lang="fr-FR" dirty="0" smtClean="0"/>
+              <a:t>R&amp;D</a:t>
+            </a:r>
+            <a:endParaRPr lang="fr-FR" dirty="0"/>
+          </a:p>
+        </p:txBody>
+      </p:sp>
+      <p:sp>
+        <p:nvSpPr>
+          <p:cNvPr id="17" name="Rectangle 16"/>
+          <p:cNvSpPr/>
+          <p:nvPr/>
+        </p:nvSpPr>
+        <p:spPr>
+          <a:xfrm>
+            <a:off x="1907704" y="2924944"/>
+            <a:ext cx="1764000" cy="1368152"/>
+          </a:xfrm>
+          <a:prstGeom prst="rect">
+            <a:avLst/>
+          </a:prstGeom>
+          <a:ln w="3175">
+            <a:noFill/>
+          </a:ln>
+        </p:spPr>
+        <p:style>
+          <a:lnRef idx="2">
+            <a:schemeClr val="accent1">
+              <a:shade val="50000"/>
+            </a:schemeClr>
+          </a:lnRef>
+          <a:fillRef idx="1">
+            <a:schemeClr val="accent1"/>
+          </a:fillRef>
+          <a:effectRef idx="0">
+            <a:schemeClr val="accent1"/>
+          </a:effectRef>
+          <a:fontRef idx="minor">
+            <a:schemeClr val="lt1"/>
+          </a:fontRef>
+        </p:style>
+        <p:txBody>
+          <a:bodyPr rtlCol="0" anchor="ctr"/>
+          <a:lstStyle/>
+          <a:p>
+            <a:pPr algn="ctr"/>
+            <a:r>
+              <a:rPr lang="fr-FR" dirty="0" smtClean="0"/>
+              <a:t>Zones</a:t>
+            </a:r>
+          </a:p>
+          <a:p>
+            <a:pPr algn="ctr"/>
+            <a:r>
+              <a:rPr lang="fr-FR" dirty="0" smtClean="0"/>
+              <a:t>Catégories</a:t>
+            </a:r>
+          </a:p>
+          <a:p>
+            <a:pPr algn="ctr"/>
+            <a:r>
+              <a:rPr lang="fr-FR" dirty="0" smtClean="0"/>
+              <a:t>Accréditations</a:t>
+            </a:r>
+          </a:p>
+          <a:p>
+            <a:pPr algn="ctr"/>
+            <a:r>
+              <a:rPr lang="fr-FR" dirty="0" smtClean="0"/>
+              <a:t>Demandes</a:t>
+            </a:r>
+            <a:endParaRPr lang="fr-FR" dirty="0"/>
+          </a:p>
+        </p:txBody>
+      </p:sp>
+      <p:sp>
+        <p:nvSpPr>
+          <p:cNvPr id="21" name="Rectangle 20"/>
+          <p:cNvSpPr/>
+          <p:nvPr/>
+        </p:nvSpPr>
+        <p:spPr>
+          <a:xfrm>
+            <a:off x="107504" y="2924944"/>
+            <a:ext cx="1764000" cy="1368152"/>
+          </a:xfrm>
+          <a:prstGeom prst="rect">
+            <a:avLst/>
+          </a:prstGeom>
+          <a:ln w="3175">
+            <a:noFill/>
+          </a:ln>
+        </p:spPr>
+        <p:style>
+          <a:lnRef idx="2">
+            <a:schemeClr val="accent5">
+              <a:shade val="50000"/>
+            </a:schemeClr>
+          </a:lnRef>
+          <a:fillRef idx="1">
+            <a:schemeClr val="accent5"/>
+          </a:fillRef>
+          <a:effectRef idx="0">
+            <a:schemeClr val="accent5"/>
+          </a:effectRef>
+          <a:fontRef idx="minor">
+            <a:schemeClr val="lt1"/>
+          </a:fontRef>
+        </p:style>
+        <p:txBody>
+          <a:bodyPr rtlCol="0" anchor="ctr"/>
+          <a:lstStyle/>
+          <a:p>
+            <a:pPr algn="ctr"/>
+            <a:r>
+              <a:rPr lang="fr-FR" dirty="0" smtClean="0"/>
+              <a:t>Point web</a:t>
+            </a:r>
+          </a:p>
+          <a:p>
+            <a:pPr algn="ctr"/>
+            <a:r>
+              <a:rPr lang="fr-FR" dirty="0" smtClean="0"/>
+              <a:t>Connexion</a:t>
+            </a:r>
+          </a:p>
+          <a:p>
+            <a:pPr algn="ctr"/>
+            <a:r>
+              <a:rPr lang="fr-FR" dirty="0" smtClean="0"/>
+              <a:t>Evénements</a:t>
+            </a:r>
+            <a:endParaRPr lang="fr-FR" dirty="0"/>
+          </a:p>
+        </p:txBody>
+      </p:sp>
+      <p:sp>
+        <p:nvSpPr>
+          <p:cNvPr id="22" name="ZoneTexte 10"/>
+          <p:cNvSpPr txBox="1"/>
+          <p:nvPr/>
+        </p:nvSpPr>
+        <p:spPr>
+          <a:xfrm>
+            <a:off x="-36512" y="4293096"/>
+            <a:ext cx="758541" cy="369332"/>
+          </a:xfrm>
+          <a:prstGeom prst="rect">
+            <a:avLst/>
+          </a:prstGeom>
+          <a:noFill/>
+        </p:spPr>
+        <p:txBody>
+          <a:bodyPr wrap="none" rtlCol="0">
+            <a:spAutoFit/>
+          </a:bodyPr>
+          <a:lstStyle/>
+          <a:p>
+            <a:r>
+              <a:rPr lang="fr-FR" dirty="0" smtClean="0"/>
+              <a:t>25 jan</a:t>
+            </a:r>
+            <a:endParaRPr lang="fr-FR" dirty="0"/>
+          </a:p>
+        </p:txBody>
+      </p:sp>
+      <p:sp>
+        <p:nvSpPr>
+          <p:cNvPr id="23" name="ZoneTexte 11"/>
+          <p:cNvSpPr txBox="1"/>
+          <p:nvPr/>
+        </p:nvSpPr>
+        <p:spPr>
+          <a:xfrm>
+            <a:off x="1547664" y="4293096"/>
+            <a:ext cx="754822" cy="369332"/>
+          </a:xfrm>
+          <a:prstGeom prst="rect">
+            <a:avLst/>
+          </a:prstGeom>
+          <a:noFill/>
+        </p:spPr>
+        <p:txBody>
+          <a:bodyPr wrap="none" rtlCol="0">
+            <a:spAutoFit/>
+          </a:bodyPr>
+          <a:lstStyle/>
+          <a:p>
+            <a:r>
+              <a:rPr lang="fr-FR" dirty="0" smtClean="0"/>
+              <a:t>08 </a:t>
+            </a:r>
+            <a:r>
+              <a:rPr lang="fr-FR" dirty="0" err="1" smtClean="0"/>
+              <a:t>fev</a:t>
+            </a:r>
+            <a:endParaRPr lang="fr-FR" dirty="0"/>
+          </a:p>
+        </p:txBody>
+      </p:sp>
+      <p:sp>
+        <p:nvSpPr>
+          <p:cNvPr id="24" name="ZoneTexte 12"/>
+          <p:cNvSpPr txBox="1"/>
+          <p:nvPr/>
+        </p:nvSpPr>
+        <p:spPr>
+          <a:xfrm>
+            <a:off x="3313122" y="4293096"/>
+            <a:ext cx="754822" cy="369332"/>
+          </a:xfrm>
+          <a:prstGeom prst="rect">
+            <a:avLst/>
+          </a:prstGeom>
+          <a:noFill/>
+        </p:spPr>
+        <p:txBody>
+          <a:bodyPr wrap="none" rtlCol="0">
+            <a:spAutoFit/>
+          </a:bodyPr>
+          <a:lstStyle/>
+          <a:p>
+            <a:r>
+              <a:rPr lang="fr-FR" dirty="0" smtClean="0"/>
+              <a:t>29 </a:t>
+            </a:r>
+            <a:r>
+              <a:rPr lang="fr-FR" dirty="0" err="1" smtClean="0"/>
+              <a:t>fev</a:t>
+            </a:r>
+            <a:endParaRPr lang="fr-FR" dirty="0"/>
+          </a:p>
+        </p:txBody>
+      </p:sp>
+      <p:sp>
+        <p:nvSpPr>
+          <p:cNvPr id="25" name="ZoneTexte 13"/>
+          <p:cNvSpPr txBox="1"/>
+          <p:nvPr/>
+        </p:nvSpPr>
+        <p:spPr>
+          <a:xfrm>
+            <a:off x="5076056" y="4293096"/>
+            <a:ext cx="846707" cy="369332"/>
+          </a:xfrm>
+          <a:prstGeom prst="rect">
+            <a:avLst/>
+          </a:prstGeom>
+          <a:noFill/>
+        </p:spPr>
+        <p:txBody>
+          <a:bodyPr wrap="none" rtlCol="0">
+            <a:spAutoFit/>
+          </a:bodyPr>
+          <a:lstStyle/>
+          <a:p>
+            <a:r>
+              <a:rPr lang="fr-FR" dirty="0" smtClean="0"/>
+              <a:t>28 </a:t>
+            </a:r>
+            <a:r>
+              <a:rPr lang="fr-FR" dirty="0" err="1" smtClean="0"/>
+              <a:t>mar</a:t>
+            </a:r>
+            <a:endParaRPr lang="fr-FR" dirty="0"/>
+          </a:p>
+        </p:txBody>
+      </p:sp>
+      <p:sp>
+        <p:nvSpPr>
+          <p:cNvPr id="26" name="Rectangle 25"/>
+          <p:cNvSpPr/>
+          <p:nvPr/>
+        </p:nvSpPr>
+        <p:spPr>
+          <a:xfrm>
+            <a:off x="5508104" y="2924944"/>
+            <a:ext cx="1764000" cy="1368152"/>
+          </a:xfrm>
+          <a:prstGeom prst="rect">
+            <a:avLst/>
+          </a:prstGeom>
+          <a:solidFill>
+            <a:schemeClr val="accent4"/>
+          </a:solidFill>
+          <a:ln w="3175">
+            <a:noFill/>
+          </a:ln>
+        </p:spPr>
+        <p:style>
+          <a:lnRef idx="2">
+            <a:schemeClr val="accent4">
+              <a:shade val="50000"/>
+            </a:schemeClr>
+          </a:lnRef>
+          <a:fillRef idx="1">
+            <a:schemeClr val="accent4"/>
+          </a:fillRef>
+          <a:effectRef idx="0">
+            <a:schemeClr val="accent4"/>
+          </a:effectRef>
+          <a:fontRef idx="minor">
+            <a:schemeClr val="lt1"/>
+          </a:fontRef>
+        </p:style>
+        <p:txBody>
+          <a:bodyPr rtlCol="0" anchor="ctr"/>
+          <a:lstStyle/>
+          <a:p>
+            <a:pPr algn="ctr"/>
+            <a:r>
+              <a:rPr lang="fr-FR" dirty="0" smtClean="0"/>
+              <a:t>Presse</a:t>
+            </a:r>
+          </a:p>
+          <a:p>
+            <a:pPr algn="ctr"/>
+            <a:r>
+              <a:rPr lang="fr-FR" dirty="0" smtClean="0"/>
+              <a:t>Mail</a:t>
+            </a:r>
+          </a:p>
+          <a:p>
+            <a:pPr algn="ctr"/>
+            <a:r>
+              <a:rPr lang="fr-FR" dirty="0" smtClean="0"/>
+              <a:t>Export</a:t>
+            </a:r>
+          </a:p>
+          <a:p>
+            <a:pPr algn="ctr"/>
+            <a:r>
+              <a:rPr lang="fr-FR" dirty="0" smtClean="0"/>
+              <a:t>Langues</a:t>
+            </a:r>
+            <a:endParaRPr lang="fr-FR" dirty="0"/>
+          </a:p>
+        </p:txBody>
+      </p:sp>
+      <p:sp>
+        <p:nvSpPr>
+          <p:cNvPr id="27" name="ZoneTexte 13"/>
+          <p:cNvSpPr txBox="1"/>
+          <p:nvPr/>
+        </p:nvSpPr>
+        <p:spPr>
+          <a:xfrm>
+            <a:off x="6905635" y="4293096"/>
+            <a:ext cx="762709" cy="369332"/>
+          </a:xfrm>
+          <a:prstGeom prst="rect">
+            <a:avLst/>
+          </a:prstGeom>
+          <a:noFill/>
+        </p:spPr>
+        <p:txBody>
+          <a:bodyPr wrap="none" rtlCol="0">
+            <a:spAutoFit/>
+          </a:bodyPr>
+          <a:lstStyle/>
+          <a:p>
+            <a:r>
+              <a:rPr lang="fr-FR" dirty="0" smtClean="0"/>
+              <a:t>25 </a:t>
+            </a:r>
+            <a:r>
+              <a:rPr lang="fr-FR" dirty="0" err="1" smtClean="0"/>
+              <a:t>avr</a:t>
+            </a:r>
+            <a:endParaRPr lang="fr-FR" dirty="0"/>
+          </a:p>
+        </p:txBody>
+      </p:sp>
+      <p:sp>
+        <p:nvSpPr>
+          <p:cNvPr id="28" name="ZoneTexte 13"/>
+          <p:cNvSpPr txBox="1"/>
+          <p:nvPr/>
+        </p:nvSpPr>
+        <p:spPr>
+          <a:xfrm>
+            <a:off x="8361057" y="4293096"/>
+            <a:ext cx="819455" cy="369332"/>
+          </a:xfrm>
+          <a:prstGeom prst="rect">
+            <a:avLst/>
+          </a:prstGeom>
+          <a:noFill/>
+        </p:spPr>
+        <p:txBody>
+          <a:bodyPr wrap="none" rtlCol="0">
+            <a:spAutoFit/>
+          </a:bodyPr>
+          <a:lstStyle/>
+          <a:p>
+            <a:r>
+              <a:rPr lang="fr-FR" dirty="0" smtClean="0"/>
+              <a:t>11 mai</a:t>
+            </a:r>
+            <a:endParaRPr lang="fr-FR" dirty="0"/>
+          </a:p>
+        </p:txBody>
+      </p:sp>
+    </p:spTree>
+    <p:extLst>
+      <p:ext uri="{BB962C8B-B14F-4D97-AF65-F5344CB8AC3E}">
+        <p14:creationId xmlns:p14="http://schemas.microsoft.com/office/powerpoint/2010/main" val="705188977"/>
+      </p:ext>
+    </p:extLst>
+  </p:cSld>
+  <p:clrMapOvr>
+    <a:masterClrMapping/>
+  </p:clrMapOvr>
+  <mc:AlternateContent xmlns:mc="http://schemas.openxmlformats.org/markup-compatibility/2006">
+    <mc:Choice xmlns:p14="http://schemas.microsoft.com/office/powerpoint/2010/main" Requires="p14">
+      <p:transition spd="med">
+        <p14:gallery dir="l"/>
+      </p:transition>
+    </mc:Choice>
+    <mc:Fallback>
+      <p:transition spd="med">
+        <p:fade/>
+      </p:transition>
+    </mc:Fallback>
+  </mc:AlternateContent>
+  <p:timing>
+    <p:tnLst>
+      <p:par>
+        <p:cTn id="1" dur="indefinite" restart="never" nodeType="tmRoot"/>
+      </p:par>
+    </p:tnLst>
+  </p:timing>
+</p:sld>
+</file>
+
+<file path=ppt/slides/slide23.xml><?xml version="1.0" encoding="utf-8"?>
+<p:sld xmlns:a="http://schemas.openxmlformats.org/drawingml/2006/main" xmlns:r="http://schemas.openxmlformats.org/officeDocument/2006/relationships" xmlns:p="http://schemas.openxmlformats.org/presentationml/2006/main">
+  <p:cSld>
+    <p:spTree>
+      <p:nvGrpSpPr>
+        <p:cNvPr id="1" name=""/>
+        <p:cNvGrpSpPr/>
+        <p:nvPr/>
+      </p:nvGrpSpPr>
+      <p:grpSpPr>
+        <a:xfrm>
+          <a:off x="0" y="0"/>
+          <a:ext cx="0" cy="0"/>
+          <a:chOff x="0" y="0"/>
+          <a:chExt cx="0" cy="0"/>
+        </a:xfrm>
+      </p:grpSpPr>
+      <p:sp>
+        <p:nvSpPr>
+          <p:cNvPr id="3074" name="Titre 1"/>
+          <p:cNvSpPr>
+            <a:spLocks noGrp="1"/>
+          </p:cNvSpPr>
+          <p:nvPr>
+            <p:ph type="title"/>
+          </p:nvPr>
+        </p:nvSpPr>
+        <p:spPr>
+          <a:xfrm>
+            <a:off x="457200" y="773832"/>
+            <a:ext cx="8229600" cy="1143000"/>
+          </a:xfrm>
+        </p:spPr>
+        <p:txBody>
+          <a:bodyPr/>
+          <a:lstStyle/>
+          <a:p>
+            <a:r>
+              <a:rPr lang="fr-FR" dirty="0" smtClean="0"/>
+              <a:t>Remerciements</a:t>
+            </a:r>
+          </a:p>
+        </p:txBody>
+      </p:sp>
+      <p:sp>
+        <p:nvSpPr>
+          <p:cNvPr id="3075" name="Espace réservé du contenu 2"/>
+          <p:cNvSpPr>
+            <a:spLocks noGrp="1"/>
+          </p:cNvSpPr>
+          <p:nvPr>
+            <p:ph idx="1"/>
+          </p:nvPr>
+        </p:nvSpPr>
+        <p:spPr>
+          <a:xfrm>
+            <a:off x="457200" y="1600200"/>
+            <a:ext cx="8229600" cy="5141168"/>
+          </a:xfrm>
+        </p:spPr>
+        <p:txBody>
+          <a:bodyPr>
+            <a:normAutofit/>
+          </a:bodyPr>
+          <a:lstStyle/>
+          <a:p>
+            <a:pPr>
+              <a:lnSpc>
+                <a:spcPct val="170000"/>
+              </a:lnSpc>
+            </a:pPr>
+            <a:endParaRPr lang="fr-FR" dirty="0" smtClean="0">
+              <a:solidFill>
+                <a:schemeClr val="bg1">
+                  <a:lumMod val="50000"/>
+                </a:schemeClr>
+              </a:solidFill>
+            </a:endParaRPr>
+          </a:p>
+          <a:p>
+            <a:pPr>
+              <a:lnSpc>
+                <a:spcPct val="170000"/>
+              </a:lnSpc>
+            </a:pPr>
+            <a:r>
+              <a:rPr lang="fr-FR" dirty="0" smtClean="0"/>
+              <a:t>Notre client</a:t>
+            </a:r>
+          </a:p>
+          <a:p>
+            <a:pPr>
+              <a:lnSpc>
+                <a:spcPct val="170000"/>
+              </a:lnSpc>
+            </a:pPr>
+            <a:endParaRPr lang="fr-FR" dirty="0" smtClean="0"/>
+          </a:p>
+          <a:p>
+            <a:pPr>
+              <a:lnSpc>
+                <a:spcPct val="170000"/>
+              </a:lnSpc>
+            </a:pPr>
+            <a:r>
+              <a:rPr lang="fr-FR" dirty="0" smtClean="0"/>
+              <a:t>Notre tuteur</a:t>
+            </a:r>
+          </a:p>
+        </p:txBody>
+      </p:sp>
+      <p:pic>
+        <p:nvPicPr>
+          <p:cNvPr id="3076" name="Image 4"/>
+          <p:cNvPicPr>
+            <a:picLocks noChangeAspect="1"/>
+          </p:cNvPicPr>
+          <p:nvPr/>
+        </p:nvPicPr>
+        <p:blipFill>
+          <a:blip r:embed="rId3" cstate="print"/>
+          <a:srcRect/>
+          <a:stretch>
+            <a:fillRect/>
+          </a:stretch>
+        </p:blipFill>
+        <p:spPr bwMode="auto">
+          <a:xfrm>
+            <a:off x="0" y="0"/>
+            <a:ext cx="9144000" cy="646113"/>
+          </a:xfrm>
+          <a:prstGeom prst="rect">
+            <a:avLst/>
+          </a:prstGeom>
+          <a:noFill/>
+          <a:ln w="9525">
+            <a:noFill/>
+            <a:miter lim="800000"/>
+            <a:headEnd/>
+            <a:tailEnd/>
+          </a:ln>
+        </p:spPr>
+      </p:pic>
+      <p:sp>
+        <p:nvSpPr>
+          <p:cNvPr id="2" name="Espace réservé du numéro de diapositive 1"/>
+          <p:cNvSpPr>
+            <a:spLocks noGrp="1"/>
+          </p:cNvSpPr>
+          <p:nvPr>
+            <p:ph type="sldNum" sz="quarter" idx="12"/>
+          </p:nvPr>
+        </p:nvSpPr>
+        <p:spPr/>
+        <p:txBody>
+          <a:bodyPr/>
+          <a:lstStyle/>
+          <a:p>
+            <a:pPr>
+              <a:defRPr/>
+            </a:pPr>
+            <a:fld id="{CEE9F434-548C-4338-8DF1-58B3EAFD3701}" type="slidenum">
+              <a:rPr lang="fr-FR" smtClean="0"/>
+              <a:pPr>
+                <a:defRPr/>
+              </a:pPr>
+              <a:t>23</a:t>
+            </a:fld>
+            <a:endParaRPr lang="fr-FR"/>
+          </a:p>
+        </p:txBody>
+      </p:sp>
+    </p:spTree>
+    <p:extLst>
+      <p:ext uri="{BB962C8B-B14F-4D97-AF65-F5344CB8AC3E}">
+        <p14:creationId xmlns:p14="http://schemas.microsoft.com/office/powerpoint/2010/main" val="3614249739"/>
+      </p:ext>
+    </p:extLst>
+  </p:cSld>
+  <p:clrMapOvr>
+    <a:masterClrMapping/>
+  </p:clrMapOvr>
+  <mc:AlternateContent xmlns:mc="http://schemas.openxmlformats.org/markup-compatibility/2006">
+    <mc:Choice xmlns:p14="http://schemas.microsoft.com/office/powerpoint/2010/main" Requires="p14">
+      <p:transition spd="med">
+        <p14:gallery dir="l"/>
+      </p:transition>
+    </mc:Choice>
+    <mc:Fallback>
+      <p:transition spd="med">
+        <p:fade/>
+      </p:transition>
+    </mc:Fallback>
+  </mc:AlternateContent>
+  <p:timing>
+    <p:tnLst>
+      <p:par>
+        <p:cTn id="1" dur="indefinite" restart="never" nodeType="tmRoot"/>
+      </p:par>
+    </p:tnLst>
+  </p:timing>
+</p:sld>
+</file>
+
+<file path=ppt/slides/slide24.xml><?xml version="1.0" encoding="utf-8"?>
+<p:sld xmlns:a="http://schemas.openxmlformats.org/drawingml/2006/main" xmlns:r="http://schemas.openxmlformats.org/officeDocument/2006/relationships" xmlns:p="http://schemas.openxmlformats.org/presentationml/2006/main">
+  <p:cSld>
+    <p:spTree>
+      <p:nvGrpSpPr>
+        <p:cNvPr id="1" name=""/>
+        <p:cNvGrpSpPr/>
+        <p:nvPr/>
+      </p:nvGrpSpPr>
+      <p:grpSpPr>
+        <a:xfrm>
+          <a:off x="0" y="0"/>
+          <a:ext cx="0" cy="0"/>
+          <a:chOff x="0" y="0"/>
+          <a:chExt cx="0" cy="0"/>
+        </a:xfrm>
+      </p:grpSpPr>
       <p:pic>
         <p:nvPicPr>
           <p:cNvPr id="6" name="Image 4"/>
@@ -8448,13 +10751,13 @@
   <p:clrMapOvr>
     <a:masterClrMapping/>
   </p:clrMapOvr>
-  <mc:AlternateContent xmlns:mc="http://schemas.openxmlformats.org/markup-compatibility/2006" xmlns:p14="http://schemas.microsoft.com/office/powerpoint/2010/main">
-    <mc:Choice Requires="p14">
+  <mc:AlternateContent xmlns:mc="http://schemas.openxmlformats.org/markup-compatibility/2006">
+    <mc:Choice xmlns:p14="http://schemas.microsoft.com/office/powerpoint/2010/main" Requires="p14">
       <p:transition spd="med">
         <p14:gallery dir="l"/>
       </p:transition>
     </mc:Choice>
-    <mc:Fallback xmlns="">
+    <mc:Fallback>
       <p:transition spd="med">
         <p:fade/>
       </p:transition>
@@ -8688,13 +10991,13 @@
   <p:clrMapOvr>
     <a:masterClrMapping/>
   </p:clrMapOvr>
-  <mc:AlternateContent xmlns:mc="http://schemas.openxmlformats.org/markup-compatibility/2006" xmlns:p14="http://schemas.microsoft.com/office/powerpoint/2010/main">
-    <mc:Choice Requires="p14">
+  <mc:AlternateContent xmlns:mc="http://schemas.openxmlformats.org/markup-compatibility/2006">
+    <mc:Choice xmlns:p14="http://schemas.microsoft.com/office/powerpoint/2010/main" Requires="p14">
       <p:transition spd="med">
         <p14:gallery dir="l"/>
       </p:transition>
     </mc:Choice>
-    <mc:Fallback xmlns="">
+    <mc:Fallback>
       <p:transition spd="med">
         <p:fade/>
       </p:transition>
@@ -8787,7 +11090,19 @@
             </a:pPr>
             <a:r>
               <a:rPr lang="fr-FR" dirty="0" smtClean="0"/>
-              <a:t>Système de gestion des accréditations pour la coupe du monde de ski à Courchevel.</a:t>
+              <a:t>Client </a:t>
+            </a:r>
+            <a:r>
+              <a:rPr lang="fr-FR" dirty="0"/>
+              <a:t>: Club des sports de Courchevel, par le biais d’Arnaud Robin et de Laurence </a:t>
+            </a:r>
+            <a:r>
+              <a:rPr lang="fr-FR" dirty="0" err="1"/>
+              <a:t>Gagnière</a:t>
+            </a:r>
+            <a:r>
+              <a:rPr lang="fr-FR" dirty="0"/>
+              <a:t>.</a:t>
             </a:r>
           </a:p>
           <a:p>
@@ -8802,15 +11117,7 @@
             </a:pPr>
             <a:r>
               <a:rPr lang="fr-FR" dirty="0" smtClean="0"/>
-              <a:t>Client : Club des sports de Courchevel, par le biais d’Arnaud Robin et de Laurence </a:t>
-            </a:r>
-            <a:r>
-              <a:rPr lang="fr-FR" dirty="0" err="1" smtClean="0"/>
-              <a:t>Gagnière</a:t>
-            </a:r>
-            <a:r>
-              <a:rPr lang="fr-FR" dirty="0" smtClean="0"/>
-              <a:t>.</a:t>
+              <a:t>Système de gestion des accréditations pour la coupe du monde de ski à Courchevel.</a:t>
             </a:r>
           </a:p>
         </p:txBody>
@@ -8886,13 +11193,13 @@
   <p:clrMapOvr>
     <a:masterClrMapping/>
   </p:clrMapOvr>
-  <mc:AlternateContent xmlns:mc="http://schemas.openxmlformats.org/markup-compatibility/2006" xmlns:p14="http://schemas.microsoft.com/office/powerpoint/2010/main">
-    <mc:Choice Requires="p14">
+  <mc:AlternateContent xmlns:mc="http://schemas.openxmlformats.org/markup-compatibility/2006">
+    <mc:Choice xmlns:p14="http://schemas.microsoft.com/office/powerpoint/2010/main" Requires="p14">
       <p:transition spd="med">
         <p14:gallery dir="l"/>
       </p:transition>
     </mc:Choice>
-    <mc:Fallback xmlns="">
+    <mc:Fallback>
       <p:transition spd="med">
         <p:fade/>
       </p:transition>
@@ -9129,13 +11436,13 @@
   <p:clrMapOvr>
     <a:masterClrMapping/>
   </p:clrMapOvr>
-  <mc:AlternateContent xmlns:mc="http://schemas.openxmlformats.org/markup-compatibility/2006" xmlns:p14="http://schemas.microsoft.com/office/powerpoint/2010/main">
-    <mc:Choice Requires="p14">
+  <mc:AlternateContent xmlns:mc="http://schemas.openxmlformats.org/markup-compatibility/2006">
+    <mc:Choice xmlns:p14="http://schemas.microsoft.com/office/powerpoint/2010/main" Requires="p14">
       <p:transition spd="med">
         <p14:gallery dir="l"/>
       </p:transition>
     </mc:Choice>
-    <mc:Fallback xmlns="">
+    <mc:Fallback>
       <p:transition spd="med">
         <p:fade/>
       </p:transition>
@@ -9369,13 +11676,13 @@
   <p:clrMapOvr>
     <a:masterClrMapping/>
   </p:clrMapOvr>
-  <mc:AlternateContent xmlns:mc="http://schemas.openxmlformats.org/markup-compatibility/2006" xmlns:p14="http://schemas.microsoft.com/office/powerpoint/2010/main">
-    <mc:Choice Requires="p14">
+  <mc:AlternateContent xmlns:mc="http://schemas.openxmlformats.org/markup-compatibility/2006">
+    <mc:Choice xmlns:p14="http://schemas.microsoft.com/office/powerpoint/2010/main" Requires="p14">
       <p:transition spd="med">
         <p14:gallery dir="l"/>
       </p:transition>
     </mc:Choice>
-    <mc:Fallback xmlns="">
+    <mc:Fallback>
       <p:transition spd="med">
         <p:fade/>
       </p:transition>
@@ -9432,7 +11739,6 @@
               <a:rPr lang="fr-FR" dirty="0" smtClean="0"/>
               <a:t>Besoins fonctionnels</a:t>
             </a:r>
-            <a:endParaRPr lang="fr-FR" dirty="0" smtClean="0"/>
           </a:p>
         </p:txBody>
       </p:sp>
@@ -9590,13 +11896,13 @@
   <p:clrMapOvr>
     <a:masterClrMapping/>
   </p:clrMapOvr>
-  <mc:AlternateContent xmlns:mc="http://schemas.openxmlformats.org/markup-compatibility/2006" xmlns:p14="http://schemas.microsoft.com/office/powerpoint/2010/main">
-    <mc:Choice Requires="p14">
+  <mc:AlternateContent xmlns:mc="http://schemas.openxmlformats.org/markup-compatibility/2006">
+    <mc:Choice xmlns:p14="http://schemas.microsoft.com/office/powerpoint/2010/main" Requires="p14">
       <p:transition spd="med">
         <p14:gallery dir="l"/>
       </p:transition>
     </mc:Choice>
-    <mc:Fallback xmlns="">
+    <mc:Fallback>
       <p:transition spd="med">
         <p:fade/>
       </p:transition>
@@ -9981,7 +12287,6 @@
               <a:rPr lang="fr-FR" dirty="0" smtClean="0"/>
               <a:t>Besoins organisationnels</a:t>
             </a:r>
-            <a:endParaRPr lang="fr-FR" dirty="0" smtClean="0"/>
           </a:p>
         </p:txBody>
       </p:sp>
@@ -10037,7 +12342,6 @@
               <a:rPr lang="fr-FR" dirty="0" smtClean="0"/>
               <a:t>Création d’un accès web pour une pré-inscription des visiteurs</a:t>
             </a:r>
-            <a:endParaRPr lang="fr-FR" dirty="0" smtClean="0"/>
           </a:p>
         </p:txBody>
       </p:sp>
@@ -10112,13 +12416,13 @@
   <p:clrMapOvr>
     <a:masterClrMapping/>
   </p:clrMapOvr>
-  <mc:AlternateContent xmlns:mc="http://schemas.openxmlformats.org/markup-compatibility/2006" xmlns:p14="http://schemas.microsoft.com/office/powerpoint/2010/main">
-    <mc:Choice Requires="p14">
+  <mc:AlternateContent xmlns:mc="http://schemas.openxmlformats.org/markup-compatibility/2006">
+    <mc:Choice xmlns:p14="http://schemas.microsoft.com/office/powerpoint/2010/main" Requires="p14">
       <p:transition spd="med">
         <p14:gallery dir="l"/>
       </p:transition>
     </mc:Choice>
-    <mc:Fallback xmlns="">
+    <mc:Fallback>
       <p:transition spd="med">
         <p:fade/>
       </p:transition>
@@ -10302,7 +12606,6 @@
               <a:rPr lang="fr-FR" dirty="0" smtClean="0"/>
               <a:t>Besoins organisationnels</a:t>
             </a:r>
-            <a:endParaRPr lang="fr-FR" dirty="0" smtClean="0"/>
           </a:p>
         </p:txBody>
       </p:sp>
@@ -10381,7 +12684,6 @@
               <a:rPr lang="fr-FR" dirty="0" smtClean="0"/>
               <a:t>Application non restreinte au seul cas de Courchevel</a:t>
             </a:r>
-            <a:endParaRPr lang="fr-FR" dirty="0" smtClean="0"/>
           </a:p>
         </p:txBody>
       </p:sp>
@@ -10456,13 +12758,13 @@
   <p:clrMapOvr>
     <a:masterClrMapping/>
   </p:clrMapOvr>
-  <mc:AlternateContent xmlns:mc="http://schemas.openxmlformats.org/markup-compatibility/2006" xmlns:p14="http://schemas.microsoft.com/office/powerpoint/2010/main">
-    <mc:Choice Requires="p14">
+  <mc:AlternateContent xmlns:mc="http://schemas.openxmlformats.org/markup-compatibility/2006">
+    <mc:Choice xmlns:p14="http://schemas.microsoft.com/office/powerpoint/2010/main" Requires="p14">
       <p:transition spd="med">
         <p14:gallery dir="l"/>
       </p:transition>
     </mc:Choice>
-    <mc:Fallback xmlns="">
+    <mc:Fallback>
       <p:transition spd="med">
         <p:fade/>
       </p:transition>

--- a/trunk/doc/Présentations/Projet Courchevel - Soutenance finale.pptx
+++ b/trunk/doc/Présentations/Projet Courchevel - Soutenance finale.pptx
@@ -7506,7 +7506,7 @@
         </p:nvSpPr>
         <p:spPr>
           <a:xfrm>
-            <a:off x="3083070" y="5238258"/>
+            <a:off x="3538358" y="3861048"/>
             <a:ext cx="3697938" cy="1170243"/>
           </a:xfrm>
           <a:prstGeom prst="ellipse">
@@ -7624,7 +7624,7 @@
         <p:spPr>
           <a:xfrm>
             <a:off x="1965623" y="3721559"/>
-            <a:ext cx="1117447" cy="2101821"/>
+            <a:ext cx="1572735" cy="724611"/>
           </a:xfrm>
           <a:prstGeom prst="line">
             <a:avLst/>
@@ -7653,7 +7653,7 @@
         </p:nvSpPr>
         <p:spPr>
           <a:xfrm>
-            <a:off x="3659135" y="4149080"/>
+            <a:off x="3491880" y="5169390"/>
             <a:ext cx="3228738" cy="1008112"/>
           </a:xfrm>
           <a:prstGeom prst="ellipse">
@@ -7705,7 +7705,7 @@
         <p:spPr>
           <a:xfrm>
             <a:off x="1965623" y="3721559"/>
-            <a:ext cx="1693512" cy="931577"/>
+            <a:ext cx="1526257" cy="1951887"/>
           </a:xfrm>
           <a:prstGeom prst="line">
             <a:avLst/>
@@ -7965,7 +7965,7 @@
         </p:nvSpPr>
         <p:spPr>
           <a:xfrm>
-            <a:off x="3851920" y="3224994"/>
+            <a:off x="3779912" y="1960180"/>
             <a:ext cx="3496335" cy="1140110"/>
           </a:xfrm>
           <a:prstGeom prst="ellipse">
@@ -8009,7 +8009,7 @@
         </p:nvSpPr>
         <p:spPr>
           <a:xfrm>
-            <a:off x="3851920" y="4437112"/>
+            <a:off x="4355976" y="3239438"/>
             <a:ext cx="3456384" cy="1080120"/>
           </a:xfrm>
           <a:prstGeom prst="ellipse">
@@ -8053,7 +8053,7 @@
         </p:nvSpPr>
         <p:spPr>
           <a:xfrm>
-            <a:off x="3943561" y="1906918"/>
+            <a:off x="3779912" y="4437112"/>
             <a:ext cx="3697938" cy="1170243"/>
           </a:xfrm>
           <a:prstGeom prst="ellipse">
@@ -8099,9 +8099,9 @@
           <p:nvPr/>
         </p:nvCxnSpPr>
         <p:spPr>
-          <a:xfrm>
-            <a:off x="1349608" y="3616883"/>
-            <a:ext cx="2502312" cy="178166"/>
+          <a:xfrm flipV="1">
+            <a:off x="1349608" y="2530235"/>
+            <a:ext cx="2430304" cy="1086648"/>
           </a:xfrm>
           <a:prstGeom prst="line">
             <a:avLst/>
@@ -8134,7 +8134,7 @@
         <p:spPr>
           <a:xfrm>
             <a:off x="1349608" y="3616883"/>
-            <a:ext cx="2502312" cy="1360289"/>
+            <a:ext cx="3006368" cy="162615"/>
           </a:xfrm>
           <a:prstGeom prst="line">
             <a:avLst/>
@@ -8165,9 +8165,9 @@
           <p:nvPr/>
         </p:nvCxnSpPr>
         <p:spPr>
-          <a:xfrm flipV="1">
-            <a:off x="1349608" y="2492040"/>
-            <a:ext cx="2593953" cy="1124843"/>
+          <a:xfrm>
+            <a:off x="1349608" y="3616883"/>
+            <a:ext cx="2430304" cy="1405351"/>
           </a:xfrm>
           <a:prstGeom prst="line">
             <a:avLst/>
@@ -8302,12 +8302,8 @@
           <a:p>
             <a:pPr algn="ctr"/>
             <a:r>
-              <a:rPr lang="fr-FR" dirty="0"/>
-              <a:t>Faire une demande </a:t>
-            </a:r>
-            <a:r>
               <a:rPr lang="fr-FR" dirty="0" smtClean="0"/>
-              <a:t>groupée presse</a:t>
+              <a:t>Imprimer une accréditation</a:t>
             </a:r>
             <a:endParaRPr lang="fr-FR" dirty="0"/>
           </a:p>
@@ -8501,6 +8497,16 @@
         </p:nvPicPr>
         <p:blipFill>
           <a:blip r:embed="rId4">
+            <a:clrChange>
+              <a:clrFrom>
+                <a:srgbClr val="FFFFFF"/>
+              </a:clrFrom>
+              <a:clrTo>
+                <a:srgbClr val="FFFFFF">
+                  <a:alpha val="0"/>
+                </a:srgbClr>
+              </a:clrTo>
+            </a:clrChange>
             <a:extLst>
               <a:ext uri="{28A0092B-C50C-407E-A947-70E740481C1C}">
                 <a14:useLocalDpi xmlns:a14="http://schemas.microsoft.com/office/drawing/2010/main" val="0"/>
@@ -8514,8 +8520,8 @@
         </p:blipFill>
         <p:spPr bwMode="auto">
           <a:xfrm>
-            <a:off x="395536" y="927057"/>
-            <a:ext cx="8460000" cy="5526279"/>
+            <a:off x="432000" y="927056"/>
+            <a:ext cx="8542240" cy="5580000"/>
           </a:xfrm>
           <a:prstGeom prst="rect">
             <a:avLst/>
@@ -8687,6 +8693,16 @@
         </p:nvPicPr>
         <p:blipFill>
           <a:blip r:embed="rId4">
+            <a:clrChange>
+              <a:clrFrom>
+                <a:srgbClr val="FFFFFF"/>
+              </a:clrFrom>
+              <a:clrTo>
+                <a:srgbClr val="FFFFFF">
+                  <a:alpha val="0"/>
+                </a:srgbClr>
+              </a:clrTo>
+            </a:clrChange>
             <a:extLst>
               <a:ext uri="{28A0092B-C50C-407E-A947-70E740481C1C}">
                 <a14:useLocalDpi xmlns:a14="http://schemas.microsoft.com/office/drawing/2010/main" val="0"/>
@@ -8700,7 +8716,7 @@
         </p:blipFill>
         <p:spPr bwMode="auto">
           <a:xfrm>
-            <a:off x="395536" y="908719"/>
+            <a:off x="432000" y="928800"/>
             <a:ext cx="8542237" cy="5580000"/>
           </a:xfrm>
           <a:prstGeom prst="rect">
@@ -8873,6 +8889,16 @@
         </p:nvPicPr>
         <p:blipFill>
           <a:blip r:embed="rId4">
+            <a:clrChange>
+              <a:clrFrom>
+                <a:srgbClr val="FFFFFF"/>
+              </a:clrFrom>
+              <a:clrTo>
+                <a:srgbClr val="FFFFFF">
+                  <a:alpha val="0"/>
+                </a:srgbClr>
+              </a:clrTo>
+            </a:clrChange>
             <a:extLst>
               <a:ext uri="{28A0092B-C50C-407E-A947-70E740481C1C}">
                 <a14:useLocalDpi xmlns:a14="http://schemas.microsoft.com/office/drawing/2010/main" val="0"/>
@@ -8886,8 +8912,8 @@
         </p:blipFill>
         <p:spPr bwMode="auto">
           <a:xfrm>
-            <a:off x="432480" y="927055"/>
-            <a:ext cx="8460000" cy="5526281"/>
+            <a:off x="432480" y="927054"/>
+            <a:ext cx="8542237" cy="5580000"/>
           </a:xfrm>
           <a:prstGeom prst="rect">
             <a:avLst/>

--- a/trunk/doc/Présentations/Projet Courchevel - Soutenance finale.pptx
+++ b/trunk/doc/Présentations/Projet Courchevel - Soutenance finale.pptx
@@ -5,7 +5,7 @@
     <p:sldMasterId id="2147483648" r:id="rId1"/>
   </p:sldMasterIdLst>
   <p:notesMasterIdLst>
-    <p:notesMasterId r:id="rId26"/>
+    <p:notesMasterId r:id="rId25"/>
   </p:notesMasterIdLst>
   <p:sldIdLst>
     <p:sldId id="257" r:id="rId2"/>
@@ -19,19 +19,18 @@
     <p:sldId id="331" r:id="rId10"/>
     <p:sldId id="333" r:id="rId11"/>
     <p:sldId id="319" r:id="rId12"/>
-    <p:sldId id="320" r:id="rId13"/>
-    <p:sldId id="334" r:id="rId14"/>
-    <p:sldId id="335" r:id="rId15"/>
-    <p:sldId id="336" r:id="rId16"/>
-    <p:sldId id="337" r:id="rId17"/>
-    <p:sldId id="338" r:id="rId18"/>
-    <p:sldId id="339" r:id="rId19"/>
-    <p:sldId id="322" r:id="rId20"/>
-    <p:sldId id="321" r:id="rId21"/>
-    <p:sldId id="316" r:id="rId22"/>
-    <p:sldId id="315" r:id="rId23"/>
-    <p:sldId id="332" r:id="rId24"/>
-    <p:sldId id="313" r:id="rId25"/>
+    <p:sldId id="334" r:id="rId13"/>
+    <p:sldId id="335" r:id="rId14"/>
+    <p:sldId id="336" r:id="rId15"/>
+    <p:sldId id="337" r:id="rId16"/>
+    <p:sldId id="338" r:id="rId17"/>
+    <p:sldId id="339" r:id="rId18"/>
+    <p:sldId id="320" r:id="rId19"/>
+    <p:sldId id="321" r:id="rId20"/>
+    <p:sldId id="316" r:id="rId21"/>
+    <p:sldId id="315" r:id="rId22"/>
+    <p:sldId id="332" r:id="rId23"/>
+    <p:sldId id="313" r:id="rId24"/>
   </p:sldIdLst>
   <p:sldSz cx="9144000" cy="6858000" type="screen4x3"/>
   <p:notesSz cx="6858000" cy="9144000"/>
@@ -2016,107 +2015,6 @@
                 <a:defRPr/>
               </a:pPr>
               <a:t>22</a:t>
-            </a:fld>
-            <a:endParaRPr lang="fr-FR"/>
-          </a:p>
-        </p:txBody>
-      </p:sp>
-    </p:spTree>
-  </p:cSld>
-  <p:clrMapOvr>
-    <a:masterClrMapping/>
-  </p:clrMapOvr>
-</p:notes>
-</file>
-
-<file path=ppt/notesSlides/notesSlide23.xml><?xml version="1.0" encoding="utf-8"?>
-<p:notes xmlns:a="http://schemas.openxmlformats.org/drawingml/2006/main" xmlns:r="http://schemas.openxmlformats.org/officeDocument/2006/relationships" xmlns:p="http://schemas.openxmlformats.org/presentationml/2006/main">
-  <p:cSld>
-    <p:spTree>
-      <p:nvGrpSpPr>
-        <p:cNvPr id="1" name=""/>
-        <p:cNvGrpSpPr/>
-        <p:nvPr/>
-      </p:nvGrpSpPr>
-      <p:grpSpPr>
-        <a:xfrm>
-          <a:off x="0" y="0"/>
-          <a:ext cx="0" cy="0"/>
-          <a:chOff x="0" y="0"/>
-          <a:chExt cx="0" cy="0"/>
-        </a:xfrm>
-      </p:grpSpPr>
-      <p:sp>
-        <p:nvSpPr>
-          <p:cNvPr id="21506" name="Espace réservé de l'image des diapositives 1"/>
-          <p:cNvSpPr>
-            <a:spLocks noGrp="1" noRot="1" noChangeAspect="1" noTextEdit="1"/>
-          </p:cNvSpPr>
-          <p:nvPr>
-            <p:ph type="sldImg"/>
-          </p:nvPr>
-        </p:nvSpPr>
-        <p:spPr bwMode="auto">
-          <a:noFill/>
-          <a:ln>
-            <a:solidFill>
-              <a:srgbClr val="000000"/>
-            </a:solidFill>
-            <a:miter lim="800000"/>
-            <a:headEnd/>
-            <a:tailEnd/>
-          </a:ln>
-        </p:spPr>
-      </p:sp>
-      <p:sp>
-        <p:nvSpPr>
-          <p:cNvPr id="21507" name="Espace réservé des commentaires 2"/>
-          <p:cNvSpPr>
-            <a:spLocks noGrp="1"/>
-          </p:cNvSpPr>
-          <p:nvPr>
-            <p:ph type="body" idx="1"/>
-          </p:nvPr>
-        </p:nvSpPr>
-        <p:spPr bwMode="auto">
-          <a:noFill/>
-        </p:spPr>
-        <p:txBody>
-          <a:bodyPr wrap="square" numCol="1" anchor="t" anchorCtr="0" compatLnSpc="1">
-            <a:prstTxWarp prst="textNoShape">
-              <a:avLst/>
-            </a:prstTxWarp>
-          </a:bodyPr>
-          <a:lstStyle/>
-          <a:p>
-            <a:endParaRPr lang="fr-FR" smtClean="0"/>
-          </a:p>
-        </p:txBody>
-      </p:sp>
-      <p:sp>
-        <p:nvSpPr>
-          <p:cNvPr id="4" name="Espace réservé du numéro de diapositive 3"/>
-          <p:cNvSpPr>
-            <a:spLocks noGrp="1"/>
-          </p:cNvSpPr>
-          <p:nvPr>
-            <p:ph type="sldNum" sz="quarter" idx="5"/>
-          </p:nvPr>
-        </p:nvSpPr>
-        <p:spPr/>
-        <p:txBody>
-          <a:bodyPr/>
-          <a:lstStyle/>
-          <a:p>
-            <a:pPr>
-              <a:defRPr/>
-            </a:pPr>
-            <a:fld id="{445C0ADE-5444-4AF0-8585-266DB2CCD55E}" type="slidenum">
-              <a:rPr lang="fr-FR" smtClean="0"/>
-              <a:pPr>
-                <a:defRPr/>
-              </a:pPr>
-              <a:t>23</a:t>
             </a:fld>
             <a:endParaRPr lang="fr-FR"/>
           </a:p>
@@ -6530,139 +6428,9 @@
           <a:chExt cx="0" cy="0"/>
         </a:xfrm>
       </p:grpSpPr>
-      <p:sp>
-        <p:nvSpPr>
-          <p:cNvPr id="3074" name="Titre 1"/>
-          <p:cNvSpPr>
-            <a:spLocks noGrp="1"/>
-          </p:cNvSpPr>
-          <p:nvPr>
-            <p:ph type="title"/>
-          </p:nvPr>
-        </p:nvSpPr>
-        <p:spPr>
-          <a:xfrm>
-            <a:off x="457200" y="773832"/>
-            <a:ext cx="8229600" cy="1143000"/>
-          </a:xfrm>
-        </p:spPr>
-        <p:txBody>
-          <a:bodyPr/>
-          <a:lstStyle/>
-          <a:p>
-            <a:r>
-              <a:rPr lang="fr-FR" dirty="0" smtClean="0"/>
-              <a:t>Plan</a:t>
-            </a:r>
-          </a:p>
-        </p:txBody>
-      </p:sp>
-      <p:sp>
-        <p:nvSpPr>
-          <p:cNvPr id="3075" name="Espace réservé du contenu 2"/>
-          <p:cNvSpPr>
-            <a:spLocks noGrp="1"/>
-          </p:cNvSpPr>
-          <p:nvPr>
-            <p:ph idx="1"/>
-          </p:nvPr>
-        </p:nvSpPr>
-        <p:spPr>
-          <a:xfrm>
-            <a:off x="457200" y="1600200"/>
-            <a:ext cx="8229600" cy="5141168"/>
-          </a:xfrm>
-        </p:spPr>
-        <p:txBody>
-          <a:bodyPr>
-            <a:normAutofit/>
-          </a:bodyPr>
-          <a:lstStyle/>
-          <a:p>
-            <a:pPr>
-              <a:lnSpc>
-                <a:spcPct val="170000"/>
-              </a:lnSpc>
-            </a:pPr>
-            <a:r>
-              <a:rPr lang="fr-FR" dirty="0" smtClean="0">
-                <a:solidFill>
-                  <a:schemeClr val="bg1">
-                    <a:lumMod val="50000"/>
-                  </a:schemeClr>
-                </a:solidFill>
-              </a:rPr>
-              <a:t>Le contexte</a:t>
-            </a:r>
-          </a:p>
-          <a:p>
-            <a:pPr>
-              <a:lnSpc>
-                <a:spcPct val="170000"/>
-              </a:lnSpc>
-            </a:pPr>
-            <a:r>
-              <a:rPr lang="fr-FR" dirty="0" smtClean="0">
-                <a:solidFill>
-                  <a:schemeClr val="bg1">
-                    <a:lumMod val="50000"/>
-                  </a:schemeClr>
-                </a:solidFill>
-              </a:rPr>
-              <a:t>Le projet</a:t>
-            </a:r>
-          </a:p>
-          <a:p>
-            <a:pPr>
-              <a:lnSpc>
-                <a:spcPct val="170000"/>
-              </a:lnSpc>
-            </a:pPr>
-            <a:r>
-              <a:rPr lang="fr-FR" dirty="0" smtClean="0">
-                <a:solidFill>
-                  <a:schemeClr val="bg1">
-                    <a:lumMod val="50000"/>
-                  </a:schemeClr>
-                </a:solidFill>
-              </a:rPr>
-              <a:t>Conception</a:t>
-            </a:r>
-          </a:p>
-          <a:p>
-            <a:pPr>
-              <a:lnSpc>
-                <a:spcPct val="170000"/>
-              </a:lnSpc>
-            </a:pPr>
-            <a:r>
-              <a:rPr lang="fr-FR" dirty="0" smtClean="0"/>
-              <a:t>Démonstration</a:t>
-            </a:r>
-          </a:p>
-          <a:p>
-            <a:pPr>
-              <a:lnSpc>
-                <a:spcPct val="170000"/>
-              </a:lnSpc>
-            </a:pPr>
-            <a:r>
-              <a:rPr lang="fr-FR" dirty="0" smtClean="0">
-                <a:solidFill>
-                  <a:schemeClr val="bg1">
-                    <a:lumMod val="50000"/>
-                  </a:schemeClr>
-                </a:solidFill>
-              </a:rPr>
-              <a:t>Gestion de projet</a:t>
-            </a:r>
-            <a:endParaRPr lang="fr-FR" dirty="0" smtClean="0"/>
-          </a:p>
-        </p:txBody>
-      </p:sp>
       <p:pic>
         <p:nvPicPr>
-          <p:cNvPr id="3076" name="Image 4"/>
+          <p:cNvPr id="5" name="Image 4"/>
           <p:cNvPicPr>
             <a:picLocks noChangeAspect="1"/>
           </p:cNvPicPr>
@@ -6694,7 +6462,7 @@
       </p:pic>
       <p:sp>
         <p:nvSpPr>
-          <p:cNvPr id="2" name="Espace réservé du numéro de diapositive 1"/>
+          <p:cNvPr id="6" name="Espace réservé du numéro de diapositive 1"/>
           <p:cNvSpPr>
             <a:spLocks noGrp="1"/>
           </p:cNvSpPr>
@@ -6702,7 +6470,12 @@
             <p:ph type="sldNum" sz="quarter" idx="12"/>
           </p:nvPr>
         </p:nvSpPr>
-        <p:spPr/>
+        <p:spPr>
+          <a:xfrm>
+            <a:off x="6553200" y="6356350"/>
+            <a:ext cx="2133600" cy="365125"/>
+          </a:xfrm>
+        </p:spPr>
         <p:txBody>
           <a:bodyPr/>
           <a:lstStyle/>
@@ -6721,10 +6494,353 @@
           </a:p>
         </p:txBody>
       </p:sp>
+      <p:sp>
+        <p:nvSpPr>
+          <p:cNvPr id="7" name="Titre 1"/>
+          <p:cNvSpPr>
+            <a:spLocks noGrp="1"/>
+          </p:cNvSpPr>
+          <p:nvPr>
+            <p:ph type="title"/>
+          </p:nvPr>
+        </p:nvSpPr>
+        <p:spPr>
+          <a:xfrm>
+            <a:off x="662880" y="116632"/>
+            <a:ext cx="8229600" cy="1143000"/>
+          </a:xfrm>
+        </p:spPr>
+        <p:txBody>
+          <a:bodyPr>
+            <a:normAutofit/>
+          </a:bodyPr>
+          <a:lstStyle/>
+          <a:p>
+            <a:pPr algn="r"/>
+            <a:r>
+              <a:rPr lang="fr-FR" sz="2800" dirty="0"/>
+              <a:t>Cas d’utilisation : Organisateur</a:t>
+            </a:r>
+            <a:endParaRPr lang="fr-FR" sz="2800" dirty="0" smtClean="0"/>
+          </a:p>
+        </p:txBody>
+      </p:sp>
+      <p:pic>
+        <p:nvPicPr>
+          <p:cNvPr id="1026" name="Picture 2" descr="D:\Univ\INFO 891 - Projet Professionnalisant\image\Sans titre.png"/>
+          <p:cNvPicPr>
+            <a:picLocks noChangeAspect="1" noChangeArrowheads="1"/>
+          </p:cNvPicPr>
+          <p:nvPr/>
+        </p:nvPicPr>
+        <p:blipFill>
+          <a:blip r:embed="rId4">
+            <a:clrChange>
+              <a:clrFrom>
+                <a:srgbClr val="FFFFFF"/>
+              </a:clrFrom>
+              <a:clrTo>
+                <a:srgbClr val="FFFFFF">
+                  <a:alpha val="0"/>
+                </a:srgbClr>
+              </a:clrTo>
+            </a:clrChange>
+            <a:extLst>
+              <a:ext uri="{28A0092B-C50C-407E-A947-70E740481C1C}">
+                <a14:useLocalDpi xmlns:a14="http://schemas.microsoft.com/office/drawing/2010/main" val="0"/>
+              </a:ext>
+            </a:extLst>
+          </a:blip>
+          <a:srcRect/>
+          <a:stretch>
+            <a:fillRect/>
+          </a:stretch>
+        </p:blipFill>
+        <p:spPr bwMode="auto">
+          <a:xfrm>
+            <a:off x="1403648" y="3402471"/>
+            <a:ext cx="561975" cy="638175"/>
+          </a:xfrm>
+          <a:prstGeom prst="rect">
+            <a:avLst/>
+          </a:prstGeom>
+          <a:noFill/>
+          <a:extLst>
+            <a:ext uri="{909E8E84-426E-40DD-AFC4-6F175D3DCCD1}">
+              <a14:hiddenFill xmlns:a14="http://schemas.microsoft.com/office/drawing/2010/main">
+                <a:solidFill>
+                  <a:srgbClr val="FFFFFF"/>
+                </a:solidFill>
+              </a14:hiddenFill>
+            </a:ext>
+          </a:extLst>
+        </p:spPr>
+      </p:pic>
+      <p:sp>
+        <p:nvSpPr>
+          <p:cNvPr id="2" name="ZoneTexte 1"/>
+          <p:cNvSpPr txBox="1"/>
+          <p:nvPr/>
+        </p:nvSpPr>
+        <p:spPr>
+          <a:xfrm>
+            <a:off x="971600" y="3978535"/>
+            <a:ext cx="1512168" cy="369332"/>
+          </a:xfrm>
+          <a:prstGeom prst="rect">
+            <a:avLst/>
+          </a:prstGeom>
+          <a:noFill/>
+        </p:spPr>
+        <p:txBody>
+          <a:bodyPr wrap="square" rtlCol="0">
+            <a:spAutoFit/>
+          </a:bodyPr>
+          <a:lstStyle/>
+          <a:p>
+            <a:r>
+              <a:rPr lang="fr-FR" dirty="0" smtClean="0"/>
+              <a:t>Organisateur</a:t>
+            </a:r>
+            <a:endParaRPr lang="fr-FR" dirty="0"/>
+          </a:p>
+        </p:txBody>
+      </p:sp>
+      <p:sp>
+        <p:nvSpPr>
+          <p:cNvPr id="3" name="Ellipse 2"/>
+          <p:cNvSpPr/>
+          <p:nvPr/>
+        </p:nvSpPr>
+        <p:spPr>
+          <a:xfrm>
+            <a:off x="3419872" y="3176262"/>
+            <a:ext cx="2736304" cy="1080120"/>
+          </a:xfrm>
+          <a:prstGeom prst="ellipse">
+            <a:avLst/>
+          </a:prstGeom>
+        </p:spPr>
+        <p:style>
+          <a:lnRef idx="2">
+            <a:schemeClr val="accent1">
+              <a:shade val="50000"/>
+            </a:schemeClr>
+          </a:lnRef>
+          <a:fillRef idx="1">
+            <a:schemeClr val="accent1"/>
+          </a:fillRef>
+          <a:effectRef idx="0">
+            <a:schemeClr val="accent1"/>
+          </a:effectRef>
+          <a:fontRef idx="minor">
+            <a:schemeClr val="lt1"/>
+          </a:fontRef>
+        </p:style>
+        <p:txBody>
+          <a:bodyPr rtlCol="0" anchor="ctr"/>
+          <a:lstStyle/>
+          <a:p>
+            <a:pPr algn="ctr"/>
+            <a:r>
+              <a:rPr lang="fr-FR" dirty="0" smtClean="0"/>
+              <a:t>Gérer des zones</a:t>
+            </a:r>
+            <a:endParaRPr lang="fr-FR" dirty="0"/>
+          </a:p>
+        </p:txBody>
+      </p:sp>
+      <p:sp>
+        <p:nvSpPr>
+          <p:cNvPr id="9" name="Ellipse 8"/>
+          <p:cNvSpPr/>
+          <p:nvPr/>
+        </p:nvSpPr>
+        <p:spPr>
+          <a:xfrm>
+            <a:off x="3419872" y="4437112"/>
+            <a:ext cx="2736304" cy="1080120"/>
+          </a:xfrm>
+          <a:prstGeom prst="ellipse">
+            <a:avLst/>
+          </a:prstGeom>
+        </p:spPr>
+        <p:style>
+          <a:lnRef idx="2">
+            <a:schemeClr val="accent1">
+              <a:shade val="50000"/>
+            </a:schemeClr>
+          </a:lnRef>
+          <a:fillRef idx="1">
+            <a:schemeClr val="accent1"/>
+          </a:fillRef>
+          <a:effectRef idx="0">
+            <a:schemeClr val="accent1"/>
+          </a:effectRef>
+          <a:fontRef idx="minor">
+            <a:schemeClr val="lt1"/>
+          </a:fontRef>
+        </p:style>
+        <p:txBody>
+          <a:bodyPr rtlCol="0" anchor="ctr"/>
+          <a:lstStyle/>
+          <a:p>
+            <a:pPr algn="ctr"/>
+            <a:r>
+              <a:rPr lang="fr-FR" dirty="0" smtClean="0"/>
+              <a:t>Gérer des catégories</a:t>
+            </a:r>
+            <a:endParaRPr lang="fr-FR" dirty="0"/>
+          </a:p>
+        </p:txBody>
+      </p:sp>
+      <p:sp>
+        <p:nvSpPr>
+          <p:cNvPr id="10" name="Ellipse 9"/>
+          <p:cNvSpPr/>
+          <p:nvPr/>
+        </p:nvSpPr>
+        <p:spPr>
+          <a:xfrm>
+            <a:off x="3203848" y="1545523"/>
+            <a:ext cx="3168352" cy="1250665"/>
+          </a:xfrm>
+          <a:prstGeom prst="ellipse">
+            <a:avLst/>
+          </a:prstGeom>
+        </p:spPr>
+        <p:style>
+          <a:lnRef idx="2">
+            <a:schemeClr val="accent1">
+              <a:shade val="50000"/>
+            </a:schemeClr>
+          </a:lnRef>
+          <a:fillRef idx="1">
+            <a:schemeClr val="accent1"/>
+          </a:fillRef>
+          <a:effectRef idx="0">
+            <a:schemeClr val="accent1"/>
+          </a:effectRef>
+          <a:fontRef idx="minor">
+            <a:schemeClr val="lt1"/>
+          </a:fontRef>
+        </p:style>
+        <p:txBody>
+          <a:bodyPr rtlCol="0" anchor="ctr"/>
+          <a:lstStyle/>
+          <a:p>
+            <a:pPr algn="ctr"/>
+            <a:r>
+              <a:rPr lang="fr-FR" dirty="0" smtClean="0"/>
+              <a:t>Gérer les évènements </a:t>
+            </a:r>
+            <a:endParaRPr lang="fr-FR" dirty="0"/>
+          </a:p>
+        </p:txBody>
+      </p:sp>
+      <p:cxnSp>
+        <p:nvCxnSpPr>
+          <p:cNvPr id="8" name="Connecteur droit 7"/>
+          <p:cNvCxnSpPr>
+            <a:stCxn id="1026" idx="3"/>
+            <a:endCxn id="3" idx="2"/>
+          </p:cNvCxnSpPr>
+          <p:nvPr/>
+        </p:nvCxnSpPr>
+        <p:spPr>
+          <a:xfrm flipV="1">
+            <a:off x="1965623" y="3716322"/>
+            <a:ext cx="1454249" cy="5237"/>
+          </a:xfrm>
+          <a:prstGeom prst="line">
+            <a:avLst/>
+          </a:prstGeom>
+        </p:spPr>
+        <p:style>
+          <a:lnRef idx="1">
+            <a:schemeClr val="accent1"/>
+          </a:lnRef>
+          <a:fillRef idx="0">
+            <a:schemeClr val="accent1"/>
+          </a:fillRef>
+          <a:effectRef idx="0">
+            <a:schemeClr val="accent1"/>
+          </a:effectRef>
+          <a:fontRef idx="minor">
+            <a:schemeClr val="tx1"/>
+          </a:fontRef>
+        </p:style>
+      </p:cxnSp>
+      <p:cxnSp>
+        <p:nvCxnSpPr>
+          <p:cNvPr id="12" name="Connecteur droit 11"/>
+          <p:cNvCxnSpPr>
+            <a:stCxn id="1026" idx="3"/>
+            <a:endCxn id="9" idx="2"/>
+          </p:cNvCxnSpPr>
+          <p:nvPr/>
+        </p:nvCxnSpPr>
+        <p:spPr>
+          <a:xfrm>
+            <a:off x="1965623" y="3721559"/>
+            <a:ext cx="1454249" cy="1255613"/>
+          </a:xfrm>
+          <a:prstGeom prst="line">
+            <a:avLst/>
+          </a:prstGeom>
+        </p:spPr>
+        <p:style>
+          <a:lnRef idx="1">
+            <a:schemeClr val="accent1"/>
+          </a:lnRef>
+          <a:fillRef idx="0">
+            <a:schemeClr val="accent1"/>
+          </a:fillRef>
+          <a:effectRef idx="0">
+            <a:schemeClr val="accent1"/>
+          </a:effectRef>
+          <a:fontRef idx="minor">
+            <a:schemeClr val="tx1"/>
+          </a:fontRef>
+        </p:style>
+      </p:cxnSp>
+      <p:cxnSp>
+        <p:nvCxnSpPr>
+          <p:cNvPr id="14" name="Connecteur droit 13"/>
+          <p:cNvCxnSpPr>
+            <a:stCxn id="1026" idx="3"/>
+            <a:endCxn id="10" idx="2"/>
+          </p:cNvCxnSpPr>
+          <p:nvPr/>
+        </p:nvCxnSpPr>
+        <p:spPr>
+          <a:xfrm flipV="1">
+            <a:off x="1965623" y="2170856"/>
+            <a:ext cx="1238225" cy="1550703"/>
+          </a:xfrm>
+          <a:prstGeom prst="line">
+            <a:avLst/>
+          </a:prstGeom>
+        </p:spPr>
+        <p:style>
+          <a:lnRef idx="1">
+            <a:schemeClr val="accent1"/>
+          </a:lnRef>
+          <a:fillRef idx="0">
+            <a:schemeClr val="accent1"/>
+          </a:fillRef>
+          <a:effectRef idx="0">
+            <a:schemeClr val="accent1"/>
+          </a:effectRef>
+          <a:fontRef idx="minor">
+            <a:schemeClr val="tx1"/>
+          </a:fontRef>
+        </p:style>
+      </p:cxnSp>
     </p:spTree>
     <p:extLst>
       <p:ext uri="{BB962C8B-B14F-4D97-AF65-F5344CB8AC3E}">
-        <p14:creationId xmlns:p14="http://schemas.microsoft.com/office/powerpoint/2010/main" val="2150257744"/>
+        <p14:creationId xmlns:p14="http://schemas.microsoft.com/office/powerpoint/2010/main" val="3928373978"/>
       </p:ext>
     </p:extLst>
   </p:cSld>
@@ -6861,7 +6977,7 @@
             <a:pPr algn="r"/>
             <a:r>
               <a:rPr lang="fr-FR" sz="2800" dirty="0"/>
-              <a:t>Cas d’utilisation : Organisateur</a:t>
+              <a:t>Cas d’utilisation : Visiteur</a:t>
             </a:r>
             <a:endParaRPr lang="fr-FR" sz="2800" dirty="0" smtClean="0"/>
           </a:p>
@@ -6869,7 +6985,7 @@
       </p:sp>
       <p:pic>
         <p:nvPicPr>
-          <p:cNvPr id="1026" name="Picture 2" descr="D:\Univ\INFO 891 - Projet Professionnalisant\image\Sans titre.png"/>
+          <p:cNvPr id="8" name="Picture 2" descr="D:\Univ\INFO 891 - Projet Professionnalisant\image\Sans titre.png"/>
           <p:cNvPicPr>
             <a:picLocks noChangeAspect="1" noChangeArrowheads="1"/>
           </p:cNvPicPr>
@@ -6920,14 +7036,14 @@
       </p:pic>
       <p:sp>
         <p:nvSpPr>
-          <p:cNvPr id="2" name="ZoneTexte 1"/>
+          <p:cNvPr id="9" name="ZoneTexte 8"/>
           <p:cNvSpPr txBox="1"/>
           <p:nvPr/>
         </p:nvSpPr>
         <p:spPr>
           <a:xfrm>
-            <a:off x="971600" y="3978535"/>
-            <a:ext cx="1512168" cy="369332"/>
+            <a:off x="1259632" y="3978535"/>
+            <a:ext cx="1080120" cy="369937"/>
           </a:xfrm>
           <a:prstGeom prst="rect">
             <a:avLst/>
@@ -6941,8 +7057,12 @@
           <a:lstStyle/>
           <a:p>
             <a:r>
+              <a:rPr lang="fr-FR" dirty="0"/>
+              <a:t>V</a:t>
+            </a:r>
+            <a:r>
               <a:rPr lang="fr-FR" dirty="0" smtClean="0"/>
-              <a:t>Organisateur</a:t>
+              <a:t>isiteur</a:t>
             </a:r>
             <a:endParaRPr lang="fr-FR" dirty="0"/>
           </a:p>
@@ -6950,14 +7070,14 @@
       </p:sp>
       <p:sp>
         <p:nvSpPr>
-          <p:cNvPr id="3" name="Ellipse 2"/>
+          <p:cNvPr id="10" name="Ellipse 9"/>
           <p:cNvSpPr/>
           <p:nvPr/>
         </p:nvSpPr>
         <p:spPr>
           <a:xfrm>
-            <a:off x="3419872" y="3176262"/>
-            <a:ext cx="2736304" cy="1080120"/>
+            <a:off x="3083070" y="1196752"/>
+            <a:ext cx="3312367" cy="1080120"/>
           </a:xfrm>
           <a:prstGeom prst="ellipse">
             <a:avLst/>
@@ -6986,7 +7106,7 @@
             <a:pPr algn="ctr"/>
             <a:r>
               <a:rPr lang="fr-FR" dirty="0" smtClean="0"/>
-              <a:t>Gérer des zones</a:t>
+              <a:t>Faire une demande individuelle</a:t>
             </a:r>
             <a:endParaRPr lang="fr-FR" dirty="0"/>
           </a:p>
@@ -6994,14 +7114,14 @@
       </p:sp>
       <p:sp>
         <p:nvSpPr>
-          <p:cNvPr id="9" name="Ellipse 8"/>
+          <p:cNvPr id="11" name="Ellipse 10"/>
           <p:cNvSpPr/>
           <p:nvPr/>
         </p:nvSpPr>
         <p:spPr>
           <a:xfrm>
-            <a:off x="3419872" y="4437112"/>
-            <a:ext cx="2736304" cy="1080120"/>
+            <a:off x="3659135" y="2322351"/>
+            <a:ext cx="3456384" cy="1080120"/>
           </a:xfrm>
           <a:prstGeom prst="ellipse">
             <a:avLst/>
@@ -7030,7 +7150,7 @@
             <a:pPr algn="ctr"/>
             <a:r>
               <a:rPr lang="fr-FR" dirty="0" smtClean="0"/>
-              <a:t>Gérer des catégories</a:t>
+              <a:t>Faire une demande groupée</a:t>
             </a:r>
             <a:endParaRPr lang="fr-FR" dirty="0"/>
           </a:p>
@@ -7038,14 +7158,14 @@
       </p:sp>
       <p:sp>
         <p:nvSpPr>
-          <p:cNvPr id="10" name="Ellipse 9"/>
+          <p:cNvPr id="12" name="Ellipse 11"/>
           <p:cNvSpPr/>
           <p:nvPr/>
         </p:nvSpPr>
         <p:spPr>
           <a:xfrm>
-            <a:off x="3203848" y="1545523"/>
-            <a:ext cx="3168352" cy="1250665"/>
+            <a:off x="3538358" y="3861048"/>
+            <a:ext cx="3697938" cy="1170243"/>
           </a:xfrm>
           <a:prstGeom prst="ellipse">
             <a:avLst/>
@@ -7073,8 +7193,12 @@
           <a:p>
             <a:pPr algn="ctr"/>
             <a:r>
+              <a:rPr lang="fr-FR" dirty="0"/>
+              <a:t>Faire une demande </a:t>
+            </a:r>
+            <a:r>
               <a:rPr lang="fr-FR" dirty="0" smtClean="0"/>
-              <a:t>Gérer les évènements </a:t>
+              <a:t>individuelle presse</a:t>
             </a:r>
             <a:endParaRPr lang="fr-FR" dirty="0"/>
           </a:p>
@@ -7082,50 +7206,17 @@
       </p:sp>
       <p:cxnSp>
         <p:nvCxnSpPr>
-          <p:cNvPr id="8" name="Connecteur droit 7"/>
+          <p:cNvPr id="13" name="Connecteur droit 12"/>
           <p:cNvCxnSpPr>
-            <a:stCxn id="1026" idx="3"/>
-            <a:endCxn id="3" idx="2"/>
+            <a:stCxn id="8" idx="3"/>
+            <a:endCxn id="10" idx="2"/>
           </p:cNvCxnSpPr>
           <p:nvPr/>
         </p:nvCxnSpPr>
         <p:spPr>
           <a:xfrm flipV="1">
-            <a:off x="1965623" y="3716322"/>
-            <a:ext cx="1454249" cy="5237"/>
-          </a:xfrm>
-          <a:prstGeom prst="line">
-            <a:avLst/>
-          </a:prstGeom>
-        </p:spPr>
-        <p:style>
-          <a:lnRef idx="1">
-            <a:schemeClr val="accent1"/>
-          </a:lnRef>
-          <a:fillRef idx="0">
-            <a:schemeClr val="accent1"/>
-          </a:fillRef>
-          <a:effectRef idx="0">
-            <a:schemeClr val="accent1"/>
-          </a:effectRef>
-          <a:fontRef idx="minor">
-            <a:schemeClr val="tx1"/>
-          </a:fontRef>
-        </p:style>
-      </p:cxnSp>
-      <p:cxnSp>
-        <p:nvCxnSpPr>
-          <p:cNvPr id="12" name="Connecteur droit 11"/>
-          <p:cNvCxnSpPr>
-            <a:stCxn id="1026" idx="3"/>
-            <a:endCxn id="9" idx="2"/>
-          </p:cNvCxnSpPr>
-          <p:nvPr/>
-        </p:nvCxnSpPr>
-        <p:spPr>
-          <a:xfrm>
-            <a:off x="1965623" y="3721559"/>
-            <a:ext cx="1454249" cy="1255613"/>
+            <a:off x="1965623" y="1736812"/>
+            <a:ext cx="1117447" cy="1984747"/>
           </a:xfrm>
           <a:prstGeom prst="line">
             <a:avLst/>
@@ -7150,15 +7241,129 @@
         <p:nvCxnSpPr>
           <p:cNvPr id="14" name="Connecteur droit 13"/>
           <p:cNvCxnSpPr>
-            <a:stCxn id="1026" idx="3"/>
-            <a:endCxn id="10" idx="2"/>
+            <a:stCxn id="8" idx="3"/>
+            <a:endCxn id="11" idx="2"/>
           </p:cNvCxnSpPr>
           <p:nvPr/>
         </p:nvCxnSpPr>
         <p:spPr>
           <a:xfrm flipV="1">
-            <a:off x="1965623" y="2170856"/>
-            <a:ext cx="1238225" cy="1550703"/>
+            <a:off x="1965623" y="2862411"/>
+            <a:ext cx="1693512" cy="859148"/>
+          </a:xfrm>
+          <a:prstGeom prst="line">
+            <a:avLst/>
+          </a:prstGeom>
+        </p:spPr>
+        <p:style>
+          <a:lnRef idx="1">
+            <a:schemeClr val="accent1"/>
+          </a:lnRef>
+          <a:fillRef idx="0">
+            <a:schemeClr val="accent1"/>
+          </a:fillRef>
+          <a:effectRef idx="0">
+            <a:schemeClr val="accent1"/>
+          </a:effectRef>
+          <a:fontRef idx="minor">
+            <a:schemeClr val="tx1"/>
+          </a:fontRef>
+        </p:style>
+      </p:cxnSp>
+      <p:cxnSp>
+        <p:nvCxnSpPr>
+          <p:cNvPr id="15" name="Connecteur droit 14"/>
+          <p:cNvCxnSpPr>
+            <a:stCxn id="8" idx="3"/>
+            <a:endCxn id="12" idx="2"/>
+          </p:cNvCxnSpPr>
+          <p:nvPr/>
+        </p:nvCxnSpPr>
+        <p:spPr>
+          <a:xfrm>
+            <a:off x="1965623" y="3721559"/>
+            <a:ext cx="1572735" cy="724611"/>
+          </a:xfrm>
+          <a:prstGeom prst="line">
+            <a:avLst/>
+          </a:prstGeom>
+        </p:spPr>
+        <p:style>
+          <a:lnRef idx="1">
+            <a:schemeClr val="accent1"/>
+          </a:lnRef>
+          <a:fillRef idx="0">
+            <a:schemeClr val="accent1"/>
+          </a:fillRef>
+          <a:effectRef idx="0">
+            <a:schemeClr val="accent1"/>
+          </a:effectRef>
+          <a:fontRef idx="minor">
+            <a:schemeClr val="tx1"/>
+          </a:fontRef>
+        </p:style>
+      </p:cxnSp>
+      <p:sp>
+        <p:nvSpPr>
+          <p:cNvPr id="18" name="Ellipse 17"/>
+          <p:cNvSpPr/>
+          <p:nvPr/>
+        </p:nvSpPr>
+        <p:spPr>
+          <a:xfrm>
+            <a:off x="3491880" y="5169390"/>
+            <a:ext cx="3228738" cy="1008112"/>
+          </a:xfrm>
+          <a:prstGeom prst="ellipse">
+            <a:avLst/>
+          </a:prstGeom>
+        </p:spPr>
+        <p:style>
+          <a:lnRef idx="2">
+            <a:schemeClr val="accent1">
+              <a:shade val="50000"/>
+            </a:schemeClr>
+          </a:lnRef>
+          <a:fillRef idx="1">
+            <a:schemeClr val="accent1"/>
+          </a:fillRef>
+          <a:effectRef idx="0">
+            <a:schemeClr val="accent1"/>
+          </a:effectRef>
+          <a:fontRef idx="minor">
+            <a:schemeClr val="lt1"/>
+          </a:fontRef>
+        </p:style>
+        <p:txBody>
+          <a:bodyPr rtlCol="0" anchor="ctr"/>
+          <a:lstStyle/>
+          <a:p>
+            <a:pPr algn="ctr"/>
+            <a:r>
+              <a:rPr lang="fr-FR" dirty="0"/>
+              <a:t>Faire une demande </a:t>
+            </a:r>
+            <a:r>
+              <a:rPr lang="fr-FR" dirty="0" smtClean="0"/>
+              <a:t>groupée presse</a:t>
+            </a:r>
+            <a:endParaRPr lang="fr-FR" dirty="0"/>
+          </a:p>
+        </p:txBody>
+      </p:sp>
+      <p:cxnSp>
+        <p:nvCxnSpPr>
+          <p:cNvPr id="28" name="Connecteur droit 27"/>
+          <p:cNvCxnSpPr>
+            <a:stCxn id="8" idx="3"/>
+            <a:endCxn id="18" idx="2"/>
+          </p:cNvCxnSpPr>
+          <p:nvPr/>
+        </p:nvCxnSpPr>
+        <p:spPr>
+          <a:xfrm>
+            <a:off x="1965623" y="3721559"/>
+            <a:ext cx="1526257" cy="1951887"/>
           </a:xfrm>
           <a:prstGeom prst="line">
             <a:avLst/>
@@ -7182,7 +7387,7 @@
     </p:spTree>
     <p:extLst>
       <p:ext uri="{BB962C8B-B14F-4D97-AF65-F5344CB8AC3E}">
-        <p14:creationId xmlns:p14="http://schemas.microsoft.com/office/powerpoint/2010/main" val="3928373978"/>
+        <p14:creationId xmlns:p14="http://schemas.microsoft.com/office/powerpoint/2010/main" val="2202430011"/>
       </p:ext>
     </p:extLst>
   </p:cSld>
@@ -7319,7 +7524,7 @@
             <a:pPr algn="r"/>
             <a:r>
               <a:rPr lang="fr-FR" sz="2800" dirty="0"/>
-              <a:t>Cas d’utilisation : Visiteur</a:t>
+              <a:t>Cas d’utilisation : Accréditeur</a:t>
             </a:r>
             <a:endParaRPr lang="fr-FR" sz="2800" dirty="0" smtClean="0"/>
           </a:p>
@@ -7358,7 +7563,7 @@
         </p:blipFill>
         <p:spPr bwMode="auto">
           <a:xfrm>
-            <a:off x="1403648" y="3402471"/>
+            <a:off x="787633" y="3297795"/>
             <a:ext cx="561975" cy="638175"/>
           </a:xfrm>
           <a:prstGeom prst="rect">
@@ -7384,7 +7589,7 @@
         </p:nvSpPr>
         <p:spPr>
           <a:xfrm>
-            <a:off x="1259632" y="3978535"/>
+            <a:off x="787633" y="3865996"/>
             <a:ext cx="1080120" cy="369937"/>
           </a:xfrm>
           <a:prstGeom prst="rect">
@@ -7418,8 +7623,8 @@
         </p:nvSpPr>
         <p:spPr>
           <a:xfrm>
-            <a:off x="3083070" y="1196752"/>
-            <a:ext cx="3312367" cy="1080120"/>
+            <a:off x="3779912" y="1960180"/>
+            <a:ext cx="3496335" cy="1140110"/>
           </a:xfrm>
           <a:prstGeom prst="ellipse">
             <a:avLst/>
@@ -7448,7 +7653,7 @@
             <a:pPr algn="ctr"/>
             <a:r>
               <a:rPr lang="fr-FR" dirty="0" smtClean="0"/>
-              <a:t>Faire une demande individuelle</a:t>
+              <a:t>Créer une accréditation individuelle</a:t>
             </a:r>
             <a:endParaRPr lang="fr-FR" dirty="0"/>
           </a:p>
@@ -7462,7 +7667,7 @@
         </p:nvSpPr>
         <p:spPr>
           <a:xfrm>
-            <a:off x="3659135" y="2322351"/>
+            <a:off x="4355976" y="3239438"/>
             <a:ext cx="3456384" cy="1080120"/>
           </a:xfrm>
           <a:prstGeom prst="ellipse">
@@ -7492,7 +7697,7 @@
             <a:pPr algn="ctr"/>
             <a:r>
               <a:rPr lang="fr-FR" dirty="0" smtClean="0"/>
-              <a:t>Faire une demande groupée</a:t>
+              <a:t>Créer une accréditation groupée</a:t>
             </a:r>
             <a:endParaRPr lang="fr-FR" dirty="0"/>
           </a:p>
@@ -7506,7 +7711,7 @@
         </p:nvSpPr>
         <p:spPr>
           <a:xfrm>
-            <a:off x="3538358" y="3861048"/>
+            <a:off x="3779912" y="4437112"/>
             <a:ext cx="3697938" cy="1170243"/>
           </a:xfrm>
           <a:prstGeom prst="ellipse">
@@ -7535,12 +7740,8 @@
           <a:p>
             <a:pPr algn="ctr"/>
             <a:r>
-              <a:rPr lang="fr-FR" dirty="0"/>
-              <a:t>Faire une demande </a:t>
-            </a:r>
-            <a:r>
               <a:rPr lang="fr-FR" dirty="0" smtClean="0"/>
-              <a:t>individuelle presse</a:t>
+              <a:t>Valider les accréditations</a:t>
             </a:r>
             <a:endParaRPr lang="fr-FR" dirty="0"/>
           </a:p>
@@ -7557,8 +7758,8 @@
         </p:nvCxnSpPr>
         <p:spPr>
           <a:xfrm flipV="1">
-            <a:off x="1965623" y="1736812"/>
-            <a:ext cx="1117447" cy="1984747"/>
+            <a:off x="1349608" y="2530235"/>
+            <a:ext cx="2430304" cy="1086648"/>
           </a:xfrm>
           <a:prstGeom prst="line">
             <a:avLst/>
@@ -7589,9 +7790,9 @@
           <p:nvPr/>
         </p:nvCxnSpPr>
         <p:spPr>
-          <a:xfrm flipV="1">
-            <a:off x="1965623" y="2862411"/>
-            <a:ext cx="1693512" cy="859148"/>
+          <a:xfrm>
+            <a:off x="1349608" y="3616883"/>
+            <a:ext cx="3006368" cy="162615"/>
           </a:xfrm>
           <a:prstGeom prst="line">
             <a:avLst/>
@@ -7623,8 +7824,8 @@
         </p:nvCxnSpPr>
         <p:spPr>
           <a:xfrm>
-            <a:off x="1965623" y="3721559"/>
-            <a:ext cx="1572735" cy="724611"/>
+            <a:off x="1349608" y="3616883"/>
+            <a:ext cx="2430304" cy="1405351"/>
           </a:xfrm>
           <a:prstGeom prst="line">
             <a:avLst/>
@@ -7647,13 +7848,13 @@
       </p:cxnSp>
       <p:sp>
         <p:nvSpPr>
-          <p:cNvPr id="18" name="Ellipse 17"/>
+          <p:cNvPr id="16" name="Ellipse 15"/>
           <p:cNvSpPr/>
           <p:nvPr/>
         </p:nvSpPr>
         <p:spPr>
           <a:xfrm>
-            <a:off x="3491880" y="5169390"/>
+            <a:off x="2536939" y="952068"/>
             <a:ext cx="3228738" cy="1008112"/>
           </a:xfrm>
           <a:prstGeom prst="ellipse">
@@ -7682,12 +7883,8 @@
           <a:p>
             <a:pPr algn="ctr"/>
             <a:r>
-              <a:rPr lang="fr-FR" dirty="0"/>
-              <a:t>Faire une demande </a:t>
-            </a:r>
-            <a:r>
               <a:rPr lang="fr-FR" dirty="0" smtClean="0"/>
-              <a:t>groupée presse</a:t>
+              <a:t>Gérer les accréditations</a:t>
             </a:r>
             <a:endParaRPr lang="fr-FR" dirty="0"/>
           </a:p>
@@ -7695,17 +7892,94 @@
       </p:sp>
       <p:cxnSp>
         <p:nvCxnSpPr>
-          <p:cNvPr id="28" name="Connecteur droit 27"/>
+          <p:cNvPr id="17" name="Connecteur droit 16"/>
           <p:cNvCxnSpPr>
             <a:stCxn id="8" idx="3"/>
-            <a:endCxn id="18" idx="2"/>
+            <a:endCxn id="16" idx="2"/>
           </p:cNvCxnSpPr>
           <p:nvPr/>
         </p:nvCxnSpPr>
         <p:spPr>
-          <a:xfrm>
-            <a:off x="1965623" y="3721559"/>
-            <a:ext cx="1526257" cy="1951887"/>
+          <a:xfrm flipV="1">
+            <a:off x="1349608" y="1456124"/>
+            <a:ext cx="1187331" cy="2160759"/>
+          </a:xfrm>
+          <a:prstGeom prst="line">
+            <a:avLst/>
+          </a:prstGeom>
+        </p:spPr>
+        <p:style>
+          <a:lnRef idx="1">
+            <a:schemeClr val="accent1"/>
+          </a:lnRef>
+          <a:fillRef idx="0">
+            <a:schemeClr val="accent1"/>
+          </a:fillRef>
+          <a:effectRef idx="0">
+            <a:schemeClr val="accent1"/>
+          </a:effectRef>
+          <a:fontRef idx="minor">
+            <a:schemeClr val="tx1"/>
+          </a:fontRef>
+        </p:style>
+      </p:cxnSp>
+      <p:sp>
+        <p:nvSpPr>
+          <p:cNvPr id="53" name="Ellipse 52"/>
+          <p:cNvSpPr/>
+          <p:nvPr/>
+        </p:nvSpPr>
+        <p:spPr>
+          <a:xfrm>
+            <a:off x="2957631" y="5680615"/>
+            <a:ext cx="3228738" cy="1008112"/>
+          </a:xfrm>
+          <a:prstGeom prst="ellipse">
+            <a:avLst/>
+          </a:prstGeom>
+        </p:spPr>
+        <p:style>
+          <a:lnRef idx="2">
+            <a:schemeClr val="accent1">
+              <a:shade val="50000"/>
+            </a:schemeClr>
+          </a:lnRef>
+          <a:fillRef idx="1">
+            <a:schemeClr val="accent1"/>
+          </a:fillRef>
+          <a:effectRef idx="0">
+            <a:schemeClr val="accent1"/>
+          </a:effectRef>
+          <a:fontRef idx="minor">
+            <a:schemeClr val="lt1"/>
+          </a:fontRef>
+        </p:style>
+        <p:txBody>
+          <a:bodyPr rtlCol="0" anchor="ctr"/>
+          <a:lstStyle/>
+          <a:p>
+            <a:pPr algn="ctr"/>
+            <a:r>
+              <a:rPr lang="fr-FR" dirty="0" smtClean="0"/>
+              <a:t>Imprimer une accréditation</a:t>
+            </a:r>
+            <a:endParaRPr lang="fr-FR" dirty="0"/>
+          </a:p>
+        </p:txBody>
+      </p:sp>
+      <p:cxnSp>
+        <p:nvCxnSpPr>
+          <p:cNvPr id="72" name="Connecteur droit 71"/>
+          <p:cNvCxnSpPr>
+            <a:stCxn id="8" idx="3"/>
+            <a:endCxn id="53" idx="2"/>
+          </p:cNvCxnSpPr>
+          <p:nvPr/>
+        </p:nvCxnSpPr>
+        <p:spPr>
+          <a:xfrm>
+            <a:off x="1349608" y="3616883"/>
+            <a:ext cx="1608023" cy="2567788"/>
           </a:xfrm>
           <a:prstGeom prst="line">
             <a:avLst/>
@@ -7729,7 +8003,7 @@
     </p:spTree>
     <p:extLst>
       <p:ext uri="{BB962C8B-B14F-4D97-AF65-F5344CB8AC3E}">
-        <p14:creationId xmlns:p14="http://schemas.microsoft.com/office/powerpoint/2010/main" val="2202430011"/>
+        <p14:creationId xmlns:p14="http://schemas.microsoft.com/office/powerpoint/2010/main" val="1719139660"/>
       </p:ext>
     </p:extLst>
   </p:cSld>
@@ -7865,16 +8139,15 @@
           <a:p>
             <a:pPr algn="r"/>
             <a:r>
-              <a:rPr lang="fr-FR" sz="2800" dirty="0"/>
-              <a:t>Cas d’utilisation : Accréditeur</a:t>
-            </a:r>
-            <a:endParaRPr lang="fr-FR" sz="2800" dirty="0" smtClean="0"/>
+              <a:rPr lang="fr-FR" sz="2800" dirty="0" smtClean="0"/>
+              <a:t>MCD</a:t>
+            </a:r>
           </a:p>
         </p:txBody>
       </p:sp>
       <p:pic>
         <p:nvPicPr>
-          <p:cNvPr id="8" name="Picture 2" descr="D:\Univ\INFO 891 - Projet Professionnalisant\image\Sans titre.png"/>
+          <p:cNvPr id="2050" name="Picture 2" descr="D:\Univ\INFO 891 - Projet Professionnalisant\doc\Conception\V2\mcd\1-base.PNG"/>
           <p:cNvPicPr>
             <a:picLocks noChangeAspect="1" noChangeArrowheads="1"/>
           </p:cNvPicPr>
@@ -7905,8 +8178,8 @@
         </p:blipFill>
         <p:spPr bwMode="auto">
           <a:xfrm>
-            <a:off x="787633" y="3297795"/>
-            <a:ext cx="561975" cy="638175"/>
+            <a:off x="432000" y="927056"/>
+            <a:ext cx="8542240" cy="5580000"/>
           </a:xfrm>
           <a:prstGeom prst="rect">
             <a:avLst/>
@@ -7923,429 +8196,10 @@
           </a:extLst>
         </p:spPr>
       </p:pic>
-      <p:sp>
-        <p:nvSpPr>
-          <p:cNvPr id="9" name="ZoneTexte 8"/>
-          <p:cNvSpPr txBox="1"/>
-          <p:nvPr/>
-        </p:nvSpPr>
-        <p:spPr>
-          <a:xfrm>
-            <a:off x="787633" y="3865996"/>
-            <a:ext cx="1080120" cy="369937"/>
-          </a:xfrm>
-          <a:prstGeom prst="rect">
-            <a:avLst/>
-          </a:prstGeom>
-          <a:noFill/>
-        </p:spPr>
-        <p:txBody>
-          <a:bodyPr wrap="square" rtlCol="0">
-            <a:spAutoFit/>
-          </a:bodyPr>
-          <a:lstStyle/>
-          <a:p>
-            <a:r>
-              <a:rPr lang="fr-FR" dirty="0"/>
-              <a:t>V</a:t>
-            </a:r>
-            <a:r>
-              <a:rPr lang="fr-FR" dirty="0" smtClean="0"/>
-              <a:t>isiteur</a:t>
-            </a:r>
-            <a:endParaRPr lang="fr-FR" dirty="0"/>
-          </a:p>
-        </p:txBody>
-      </p:sp>
-      <p:sp>
-        <p:nvSpPr>
-          <p:cNvPr id="10" name="Ellipse 9"/>
-          <p:cNvSpPr/>
-          <p:nvPr/>
-        </p:nvSpPr>
-        <p:spPr>
-          <a:xfrm>
-            <a:off x="3779912" y="1960180"/>
-            <a:ext cx="3496335" cy="1140110"/>
-          </a:xfrm>
-          <a:prstGeom prst="ellipse">
-            <a:avLst/>
-          </a:prstGeom>
-        </p:spPr>
-        <p:style>
-          <a:lnRef idx="2">
-            <a:schemeClr val="accent1">
-              <a:shade val="50000"/>
-            </a:schemeClr>
-          </a:lnRef>
-          <a:fillRef idx="1">
-            <a:schemeClr val="accent1"/>
-          </a:fillRef>
-          <a:effectRef idx="0">
-            <a:schemeClr val="accent1"/>
-          </a:effectRef>
-          <a:fontRef idx="minor">
-            <a:schemeClr val="lt1"/>
-          </a:fontRef>
-        </p:style>
-        <p:txBody>
-          <a:bodyPr rtlCol="0" anchor="ctr"/>
-          <a:lstStyle/>
-          <a:p>
-            <a:pPr algn="ctr"/>
-            <a:r>
-              <a:rPr lang="fr-FR" dirty="0" smtClean="0"/>
-              <a:t>Créer une accréditation individuelle</a:t>
-            </a:r>
-            <a:endParaRPr lang="fr-FR" dirty="0"/>
-          </a:p>
-        </p:txBody>
-      </p:sp>
-      <p:sp>
-        <p:nvSpPr>
-          <p:cNvPr id="11" name="Ellipse 10"/>
-          <p:cNvSpPr/>
-          <p:nvPr/>
-        </p:nvSpPr>
-        <p:spPr>
-          <a:xfrm>
-            <a:off x="4355976" y="3239438"/>
-            <a:ext cx="3456384" cy="1080120"/>
-          </a:xfrm>
-          <a:prstGeom prst="ellipse">
-            <a:avLst/>
-          </a:prstGeom>
-        </p:spPr>
-        <p:style>
-          <a:lnRef idx="2">
-            <a:schemeClr val="accent1">
-              <a:shade val="50000"/>
-            </a:schemeClr>
-          </a:lnRef>
-          <a:fillRef idx="1">
-            <a:schemeClr val="accent1"/>
-          </a:fillRef>
-          <a:effectRef idx="0">
-            <a:schemeClr val="accent1"/>
-          </a:effectRef>
-          <a:fontRef idx="minor">
-            <a:schemeClr val="lt1"/>
-          </a:fontRef>
-        </p:style>
-        <p:txBody>
-          <a:bodyPr rtlCol="0" anchor="ctr"/>
-          <a:lstStyle/>
-          <a:p>
-            <a:pPr algn="ctr"/>
-            <a:r>
-              <a:rPr lang="fr-FR" dirty="0" smtClean="0"/>
-              <a:t>Créer une accréditation groupée</a:t>
-            </a:r>
-            <a:endParaRPr lang="fr-FR" dirty="0"/>
-          </a:p>
-        </p:txBody>
-      </p:sp>
-      <p:sp>
-        <p:nvSpPr>
-          <p:cNvPr id="12" name="Ellipse 11"/>
-          <p:cNvSpPr/>
-          <p:nvPr/>
-        </p:nvSpPr>
-        <p:spPr>
-          <a:xfrm>
-            <a:off x="3779912" y="4437112"/>
-            <a:ext cx="3697938" cy="1170243"/>
-          </a:xfrm>
-          <a:prstGeom prst="ellipse">
-            <a:avLst/>
-          </a:prstGeom>
-        </p:spPr>
-        <p:style>
-          <a:lnRef idx="2">
-            <a:schemeClr val="accent1">
-              <a:shade val="50000"/>
-            </a:schemeClr>
-          </a:lnRef>
-          <a:fillRef idx="1">
-            <a:schemeClr val="accent1"/>
-          </a:fillRef>
-          <a:effectRef idx="0">
-            <a:schemeClr val="accent1"/>
-          </a:effectRef>
-          <a:fontRef idx="minor">
-            <a:schemeClr val="lt1"/>
-          </a:fontRef>
-        </p:style>
-        <p:txBody>
-          <a:bodyPr rtlCol="0" anchor="ctr"/>
-          <a:lstStyle/>
-          <a:p>
-            <a:pPr algn="ctr"/>
-            <a:r>
-              <a:rPr lang="fr-FR" dirty="0" smtClean="0"/>
-              <a:t>Valider les accréditations</a:t>
-            </a:r>
-            <a:endParaRPr lang="fr-FR" dirty="0"/>
-          </a:p>
-        </p:txBody>
-      </p:sp>
-      <p:cxnSp>
-        <p:nvCxnSpPr>
-          <p:cNvPr id="13" name="Connecteur droit 12"/>
-          <p:cNvCxnSpPr>
-            <a:stCxn id="8" idx="3"/>
-            <a:endCxn id="10" idx="2"/>
-          </p:cNvCxnSpPr>
-          <p:nvPr/>
-        </p:nvCxnSpPr>
-        <p:spPr>
-          <a:xfrm flipV="1">
-            <a:off x="1349608" y="2530235"/>
-            <a:ext cx="2430304" cy="1086648"/>
-          </a:xfrm>
-          <a:prstGeom prst="line">
-            <a:avLst/>
-          </a:prstGeom>
-        </p:spPr>
-        <p:style>
-          <a:lnRef idx="1">
-            <a:schemeClr val="accent1"/>
-          </a:lnRef>
-          <a:fillRef idx="0">
-            <a:schemeClr val="accent1"/>
-          </a:fillRef>
-          <a:effectRef idx="0">
-            <a:schemeClr val="accent1"/>
-          </a:effectRef>
-          <a:fontRef idx="minor">
-            <a:schemeClr val="tx1"/>
-          </a:fontRef>
-        </p:style>
-      </p:cxnSp>
-      <p:cxnSp>
-        <p:nvCxnSpPr>
-          <p:cNvPr id="14" name="Connecteur droit 13"/>
-          <p:cNvCxnSpPr>
-            <a:stCxn id="8" idx="3"/>
-            <a:endCxn id="11" idx="2"/>
-          </p:cNvCxnSpPr>
-          <p:nvPr/>
-        </p:nvCxnSpPr>
-        <p:spPr>
-          <a:xfrm>
-            <a:off x="1349608" y="3616883"/>
-            <a:ext cx="3006368" cy="162615"/>
-          </a:xfrm>
-          <a:prstGeom prst="line">
-            <a:avLst/>
-          </a:prstGeom>
-        </p:spPr>
-        <p:style>
-          <a:lnRef idx="1">
-            <a:schemeClr val="accent1"/>
-          </a:lnRef>
-          <a:fillRef idx="0">
-            <a:schemeClr val="accent1"/>
-          </a:fillRef>
-          <a:effectRef idx="0">
-            <a:schemeClr val="accent1"/>
-          </a:effectRef>
-          <a:fontRef idx="minor">
-            <a:schemeClr val="tx1"/>
-          </a:fontRef>
-        </p:style>
-      </p:cxnSp>
-      <p:cxnSp>
-        <p:nvCxnSpPr>
-          <p:cNvPr id="15" name="Connecteur droit 14"/>
-          <p:cNvCxnSpPr>
-            <a:stCxn id="8" idx="3"/>
-            <a:endCxn id="12" idx="2"/>
-          </p:cNvCxnSpPr>
-          <p:nvPr/>
-        </p:nvCxnSpPr>
-        <p:spPr>
-          <a:xfrm>
-            <a:off x="1349608" y="3616883"/>
-            <a:ext cx="2430304" cy="1405351"/>
-          </a:xfrm>
-          <a:prstGeom prst="line">
-            <a:avLst/>
-          </a:prstGeom>
-        </p:spPr>
-        <p:style>
-          <a:lnRef idx="1">
-            <a:schemeClr val="accent1"/>
-          </a:lnRef>
-          <a:fillRef idx="0">
-            <a:schemeClr val="accent1"/>
-          </a:fillRef>
-          <a:effectRef idx="0">
-            <a:schemeClr val="accent1"/>
-          </a:effectRef>
-          <a:fontRef idx="minor">
-            <a:schemeClr val="tx1"/>
-          </a:fontRef>
-        </p:style>
-      </p:cxnSp>
-      <p:sp>
-        <p:nvSpPr>
-          <p:cNvPr id="16" name="Ellipse 15"/>
-          <p:cNvSpPr/>
-          <p:nvPr/>
-        </p:nvSpPr>
-        <p:spPr>
-          <a:xfrm>
-            <a:off x="2536939" y="952068"/>
-            <a:ext cx="3228738" cy="1008112"/>
-          </a:xfrm>
-          <a:prstGeom prst="ellipse">
-            <a:avLst/>
-          </a:prstGeom>
-        </p:spPr>
-        <p:style>
-          <a:lnRef idx="2">
-            <a:schemeClr val="accent1">
-              <a:shade val="50000"/>
-            </a:schemeClr>
-          </a:lnRef>
-          <a:fillRef idx="1">
-            <a:schemeClr val="accent1"/>
-          </a:fillRef>
-          <a:effectRef idx="0">
-            <a:schemeClr val="accent1"/>
-          </a:effectRef>
-          <a:fontRef idx="minor">
-            <a:schemeClr val="lt1"/>
-          </a:fontRef>
-        </p:style>
-        <p:txBody>
-          <a:bodyPr rtlCol="0" anchor="ctr"/>
-          <a:lstStyle/>
-          <a:p>
-            <a:pPr algn="ctr"/>
-            <a:r>
-              <a:rPr lang="fr-FR" dirty="0" smtClean="0"/>
-              <a:t>Gérer les accréditations</a:t>
-            </a:r>
-            <a:endParaRPr lang="fr-FR" dirty="0"/>
-          </a:p>
-        </p:txBody>
-      </p:sp>
-      <p:cxnSp>
-        <p:nvCxnSpPr>
-          <p:cNvPr id="17" name="Connecteur droit 16"/>
-          <p:cNvCxnSpPr>
-            <a:stCxn id="8" idx="3"/>
-            <a:endCxn id="16" idx="2"/>
-          </p:cNvCxnSpPr>
-          <p:nvPr/>
-        </p:nvCxnSpPr>
-        <p:spPr>
-          <a:xfrm flipV="1">
-            <a:off x="1349608" y="1456124"/>
-            <a:ext cx="1187331" cy="2160759"/>
-          </a:xfrm>
-          <a:prstGeom prst="line">
-            <a:avLst/>
-          </a:prstGeom>
-        </p:spPr>
-        <p:style>
-          <a:lnRef idx="1">
-            <a:schemeClr val="accent1"/>
-          </a:lnRef>
-          <a:fillRef idx="0">
-            <a:schemeClr val="accent1"/>
-          </a:fillRef>
-          <a:effectRef idx="0">
-            <a:schemeClr val="accent1"/>
-          </a:effectRef>
-          <a:fontRef idx="minor">
-            <a:schemeClr val="tx1"/>
-          </a:fontRef>
-        </p:style>
-      </p:cxnSp>
-      <p:sp>
-        <p:nvSpPr>
-          <p:cNvPr id="53" name="Ellipse 52"/>
-          <p:cNvSpPr/>
-          <p:nvPr/>
-        </p:nvSpPr>
-        <p:spPr>
-          <a:xfrm>
-            <a:off x="2957631" y="5680615"/>
-            <a:ext cx="3228738" cy="1008112"/>
-          </a:xfrm>
-          <a:prstGeom prst="ellipse">
-            <a:avLst/>
-          </a:prstGeom>
-        </p:spPr>
-        <p:style>
-          <a:lnRef idx="2">
-            <a:schemeClr val="accent1">
-              <a:shade val="50000"/>
-            </a:schemeClr>
-          </a:lnRef>
-          <a:fillRef idx="1">
-            <a:schemeClr val="accent1"/>
-          </a:fillRef>
-          <a:effectRef idx="0">
-            <a:schemeClr val="accent1"/>
-          </a:effectRef>
-          <a:fontRef idx="minor">
-            <a:schemeClr val="lt1"/>
-          </a:fontRef>
-        </p:style>
-        <p:txBody>
-          <a:bodyPr rtlCol="0" anchor="ctr"/>
-          <a:lstStyle/>
-          <a:p>
-            <a:pPr algn="ctr"/>
-            <a:r>
-              <a:rPr lang="fr-FR" dirty="0" smtClean="0"/>
-              <a:t>Imprimer une accréditation</a:t>
-            </a:r>
-            <a:endParaRPr lang="fr-FR" dirty="0"/>
-          </a:p>
-        </p:txBody>
-      </p:sp>
-      <p:cxnSp>
-        <p:nvCxnSpPr>
-          <p:cNvPr id="72" name="Connecteur droit 71"/>
-          <p:cNvCxnSpPr>
-            <a:stCxn id="8" idx="3"/>
-            <a:endCxn id="53" idx="2"/>
-          </p:cNvCxnSpPr>
-          <p:nvPr/>
-        </p:nvCxnSpPr>
-        <p:spPr>
-          <a:xfrm>
-            <a:off x="1349608" y="3616883"/>
-            <a:ext cx="1608023" cy="2567788"/>
-          </a:xfrm>
-          <a:prstGeom prst="line">
-            <a:avLst/>
-          </a:prstGeom>
-        </p:spPr>
-        <p:style>
-          <a:lnRef idx="1">
-            <a:schemeClr val="accent1"/>
-          </a:lnRef>
-          <a:fillRef idx="0">
-            <a:schemeClr val="accent1"/>
-          </a:fillRef>
-          <a:effectRef idx="0">
-            <a:schemeClr val="accent1"/>
-          </a:effectRef>
-          <a:fontRef idx="minor">
-            <a:schemeClr val="tx1"/>
-          </a:fontRef>
-        </p:style>
-      </p:cxnSp>
     </p:spTree>
     <p:extLst>
       <p:ext uri="{BB962C8B-B14F-4D97-AF65-F5344CB8AC3E}">
-        <p14:creationId xmlns:p14="http://schemas.microsoft.com/office/powerpoint/2010/main" val="1719139660"/>
+        <p14:creationId xmlns:p14="http://schemas.microsoft.com/office/powerpoint/2010/main" val="3858176338"/>
       </p:ext>
     </p:extLst>
   </p:cSld>
@@ -8489,7 +8343,7 @@
       </p:sp>
       <p:pic>
         <p:nvPicPr>
-          <p:cNvPr id="2050" name="Picture 2" descr="D:\Univ\INFO 891 - Projet Professionnalisant\doc\Conception\V2\mcd\1-base.PNG"/>
+          <p:cNvPr id="3074" name="Picture 2" descr="D:\Univ\INFO 891 - Projet Professionnalisant\doc\Conception\V2\mcd\2-accréditation.PNG"/>
           <p:cNvPicPr>
             <a:picLocks noChangeAspect="1" noChangeArrowheads="1"/>
           </p:cNvPicPr>
@@ -8520,8 +8374,8 @@
         </p:blipFill>
         <p:spPr bwMode="auto">
           <a:xfrm>
-            <a:off x="432000" y="927056"/>
-            <a:ext cx="8542240" cy="5580000"/>
+            <a:off x="432000" y="928800"/>
+            <a:ext cx="8542237" cy="5580000"/>
           </a:xfrm>
           <a:prstGeom prst="rect">
             <a:avLst/>
@@ -8541,7 +8395,7 @@
     </p:spTree>
     <p:extLst>
       <p:ext uri="{BB962C8B-B14F-4D97-AF65-F5344CB8AC3E}">
-        <p14:creationId xmlns:p14="http://schemas.microsoft.com/office/powerpoint/2010/main" val="3858176338"/>
+        <p14:creationId xmlns:p14="http://schemas.microsoft.com/office/powerpoint/2010/main" val="761112699"/>
       </p:ext>
     </p:extLst>
   </p:cSld>
@@ -8685,7 +8539,7 @@
       </p:sp>
       <p:pic>
         <p:nvPicPr>
-          <p:cNvPr id="3074" name="Picture 2" descr="D:\Univ\INFO 891 - Projet Professionnalisant\doc\Conception\V2\mcd\2-accréditation.PNG"/>
+          <p:cNvPr id="4098" name="Picture 2" descr="D:\Univ\INFO 891 - Projet Professionnalisant\doc\Conception\V2\mcd\3-accred-client.PNG"/>
           <p:cNvPicPr>
             <a:picLocks noChangeAspect="1" noChangeArrowheads="1"/>
           </p:cNvPicPr>
@@ -8716,7 +8570,7 @@
         </p:blipFill>
         <p:spPr bwMode="auto">
           <a:xfrm>
-            <a:off x="432000" y="928800"/>
+            <a:off x="432480" y="927054"/>
             <a:ext cx="8542237" cy="5580000"/>
           </a:xfrm>
           <a:prstGeom prst="rect">
@@ -8737,7 +8591,7 @@
     </p:spTree>
     <p:extLst>
       <p:ext uri="{BB962C8B-B14F-4D97-AF65-F5344CB8AC3E}">
-        <p14:creationId xmlns:p14="http://schemas.microsoft.com/office/powerpoint/2010/main" val="761112699"/>
+        <p14:creationId xmlns:p14="http://schemas.microsoft.com/office/powerpoint/2010/main" val="1601944732"/>
       </p:ext>
     </p:extLst>
   </p:cSld>
@@ -8783,9 +8637,139 @@
           <a:chExt cx="0" cy="0"/>
         </a:xfrm>
       </p:grpSpPr>
+      <p:sp>
+        <p:nvSpPr>
+          <p:cNvPr id="3074" name="Titre 1"/>
+          <p:cNvSpPr>
+            <a:spLocks noGrp="1"/>
+          </p:cNvSpPr>
+          <p:nvPr>
+            <p:ph type="title"/>
+          </p:nvPr>
+        </p:nvSpPr>
+        <p:spPr>
+          <a:xfrm>
+            <a:off x="457200" y="773832"/>
+            <a:ext cx="8229600" cy="1143000"/>
+          </a:xfrm>
+        </p:spPr>
+        <p:txBody>
+          <a:bodyPr/>
+          <a:lstStyle/>
+          <a:p>
+            <a:r>
+              <a:rPr lang="fr-FR" dirty="0" smtClean="0"/>
+              <a:t>Plan</a:t>
+            </a:r>
+          </a:p>
+        </p:txBody>
+      </p:sp>
+      <p:sp>
+        <p:nvSpPr>
+          <p:cNvPr id="3075" name="Espace réservé du contenu 2"/>
+          <p:cNvSpPr>
+            <a:spLocks noGrp="1"/>
+          </p:cNvSpPr>
+          <p:nvPr>
+            <p:ph idx="1"/>
+          </p:nvPr>
+        </p:nvSpPr>
+        <p:spPr>
+          <a:xfrm>
+            <a:off x="457200" y="1600200"/>
+            <a:ext cx="8229600" cy="5141168"/>
+          </a:xfrm>
+        </p:spPr>
+        <p:txBody>
+          <a:bodyPr>
+            <a:normAutofit/>
+          </a:bodyPr>
+          <a:lstStyle/>
+          <a:p>
+            <a:pPr>
+              <a:lnSpc>
+                <a:spcPct val="170000"/>
+              </a:lnSpc>
+            </a:pPr>
+            <a:r>
+              <a:rPr lang="fr-FR" dirty="0" smtClean="0">
+                <a:solidFill>
+                  <a:schemeClr val="bg1">
+                    <a:lumMod val="50000"/>
+                  </a:schemeClr>
+                </a:solidFill>
+              </a:rPr>
+              <a:t>Le contexte</a:t>
+            </a:r>
+          </a:p>
+          <a:p>
+            <a:pPr>
+              <a:lnSpc>
+                <a:spcPct val="170000"/>
+              </a:lnSpc>
+            </a:pPr>
+            <a:r>
+              <a:rPr lang="fr-FR" dirty="0" smtClean="0">
+                <a:solidFill>
+                  <a:schemeClr val="bg1">
+                    <a:lumMod val="50000"/>
+                  </a:schemeClr>
+                </a:solidFill>
+              </a:rPr>
+              <a:t>Le projet</a:t>
+            </a:r>
+          </a:p>
+          <a:p>
+            <a:pPr>
+              <a:lnSpc>
+                <a:spcPct val="170000"/>
+              </a:lnSpc>
+            </a:pPr>
+            <a:r>
+              <a:rPr lang="fr-FR" dirty="0" smtClean="0">
+                <a:solidFill>
+                  <a:schemeClr val="bg1">
+                    <a:lumMod val="50000"/>
+                  </a:schemeClr>
+                </a:solidFill>
+              </a:rPr>
+              <a:t>Conception</a:t>
+            </a:r>
+          </a:p>
+          <a:p>
+            <a:pPr>
+              <a:lnSpc>
+                <a:spcPct val="170000"/>
+              </a:lnSpc>
+            </a:pPr>
+            <a:r>
+              <a:rPr lang="fr-FR" dirty="0" smtClean="0"/>
+              <a:t>Démonstration</a:t>
+            </a:r>
+          </a:p>
+          <a:p>
+            <a:pPr>
+              <a:lnSpc>
+                <a:spcPct val="170000"/>
+              </a:lnSpc>
+            </a:pPr>
+            <a:r>
+              <a:rPr lang="fr-FR" dirty="0" smtClean="0">
+                <a:solidFill>
+                  <a:schemeClr val="bg1">
+                    <a:lumMod val="50000"/>
+                  </a:schemeClr>
+                </a:solidFill>
+              </a:rPr>
+              <a:t>Gestion de projet</a:t>
+            </a:r>
+            <a:endParaRPr lang="fr-FR" dirty="0" smtClean="0"/>
+          </a:p>
+        </p:txBody>
+      </p:sp>
       <p:pic>
         <p:nvPicPr>
-          <p:cNvPr id="5" name="Image 4"/>
+          <p:cNvPr id="3076" name="Image 4"/>
           <p:cNvPicPr>
             <a:picLocks noChangeAspect="1"/>
           </p:cNvPicPr>
@@ -8817,7 +8801,7 @@
       </p:pic>
       <p:sp>
         <p:nvSpPr>
-          <p:cNvPr id="6" name="Espace réservé du numéro de diapositive 1"/>
+          <p:cNvPr id="2" name="Espace réservé du numéro de diapositive 1"/>
           <p:cNvSpPr>
             <a:spLocks noGrp="1"/>
           </p:cNvSpPr>
@@ -8825,12 +8809,7 @@
             <p:ph type="sldNum" sz="quarter" idx="12"/>
           </p:nvPr>
         </p:nvSpPr>
-        <p:spPr>
-          <a:xfrm>
-            <a:off x="6553200" y="6356350"/>
-            <a:ext cx="2133600" cy="365125"/>
-          </a:xfrm>
-        </p:spPr>
+        <p:spPr/>
         <p:txBody>
           <a:bodyPr/>
           <a:lstStyle/>
@@ -8849,91 +8828,10 @@
           </a:p>
         </p:txBody>
       </p:sp>
-      <p:sp>
-        <p:nvSpPr>
-          <p:cNvPr id="7" name="Titre 1"/>
-          <p:cNvSpPr>
-            <a:spLocks noGrp="1"/>
-          </p:cNvSpPr>
-          <p:nvPr>
-            <p:ph type="title"/>
-          </p:nvPr>
-        </p:nvSpPr>
-        <p:spPr>
-          <a:xfrm>
-            <a:off x="662880" y="116632"/>
-            <a:ext cx="8229600" cy="1143000"/>
-          </a:xfrm>
-        </p:spPr>
-        <p:txBody>
-          <a:bodyPr>
-            <a:normAutofit/>
-          </a:bodyPr>
-          <a:lstStyle/>
-          <a:p>
-            <a:pPr algn="r"/>
-            <a:r>
-              <a:rPr lang="fr-FR" sz="2800" dirty="0" smtClean="0"/>
-              <a:t>MCD</a:t>
-            </a:r>
-          </a:p>
-        </p:txBody>
-      </p:sp>
-      <p:pic>
-        <p:nvPicPr>
-          <p:cNvPr id="4098" name="Picture 2" descr="D:\Univ\INFO 891 - Projet Professionnalisant\doc\Conception\V2\mcd\3-accred-client.PNG"/>
-          <p:cNvPicPr>
-            <a:picLocks noChangeAspect="1" noChangeArrowheads="1"/>
-          </p:cNvPicPr>
-          <p:nvPr/>
-        </p:nvPicPr>
-        <p:blipFill>
-          <a:blip r:embed="rId4">
-            <a:clrChange>
-              <a:clrFrom>
-                <a:srgbClr val="FFFFFF"/>
-              </a:clrFrom>
-              <a:clrTo>
-                <a:srgbClr val="FFFFFF">
-                  <a:alpha val="0"/>
-                </a:srgbClr>
-              </a:clrTo>
-            </a:clrChange>
-            <a:extLst>
-              <a:ext uri="{28A0092B-C50C-407E-A947-70E740481C1C}">
-                <a14:useLocalDpi xmlns:a14="http://schemas.microsoft.com/office/drawing/2010/main" val="0"/>
-              </a:ext>
-            </a:extLst>
-          </a:blip>
-          <a:srcRect/>
-          <a:stretch>
-            <a:fillRect/>
-          </a:stretch>
-        </p:blipFill>
-        <p:spPr bwMode="auto">
-          <a:xfrm>
-            <a:off x="432480" y="927054"/>
-            <a:ext cx="8542237" cy="5580000"/>
-          </a:xfrm>
-          <a:prstGeom prst="rect">
-            <a:avLst/>
-          </a:prstGeom>
-          <a:noFill/>
-          <a:extLst>
-            <a:ext uri="{909E8E84-426E-40DD-AFC4-6F175D3DCCD1}">
-              <a14:hiddenFill xmlns:a14="http://schemas.microsoft.com/office/drawing/2010/main">
-                <a:solidFill>
-                  <a:srgbClr val="FFFFFF"/>
-                </a:solidFill>
-              </a14:hiddenFill>
-            </a:ext>
-          </a:extLst>
-        </p:spPr>
-      </p:pic>
     </p:spTree>
     <p:extLst>
       <p:ext uri="{BB962C8B-B14F-4D97-AF65-F5344CB8AC3E}">
-        <p14:creationId xmlns:p14="http://schemas.microsoft.com/office/powerpoint/2010/main" val="1601944732"/>
+        <p14:creationId xmlns:p14="http://schemas.microsoft.com/office/powerpoint/2010/main" val="2150257744"/>
       </p:ext>
     </p:extLst>
   </p:cSld>
@@ -8999,7 +8897,10 @@
           <a:bodyPr/>
           <a:lstStyle/>
           <a:p>
-            <a:endParaRPr lang="fr-FR" dirty="0" smtClean="0"/>
+            <a:r>
+              <a:rPr lang="fr-FR" dirty="0" smtClean="0"/>
+              <a:t>Plan</a:t>
+            </a:r>
           </a:p>
         </p:txBody>
       </p:sp>
@@ -9025,24 +8926,82 @@
           </a:bodyPr>
           <a:lstStyle/>
           <a:p>
-            <a:pPr marL="0" indent="0">
+            <a:pPr>
               <a:lnSpc>
                 <a:spcPct val="170000"/>
               </a:lnSpc>
-              <a:buNone/>
             </a:pPr>
-            <a:endParaRPr lang="fr-FR" dirty="0"/>
-          </a:p>
-          <a:p>
-            <a:pPr marL="0" indent="0" algn="ctr">
+            <a:r>
+              <a:rPr lang="fr-FR" dirty="0" smtClean="0">
+                <a:solidFill>
+                  <a:schemeClr val="bg1">
+                    <a:lumMod val="50000"/>
+                  </a:schemeClr>
+                </a:solidFill>
+              </a:rPr>
+              <a:t>Le contexte</a:t>
+            </a:r>
+          </a:p>
+          <a:p>
+            <a:pPr>
               <a:lnSpc>
                 <a:spcPct val="170000"/>
               </a:lnSpc>
-              <a:buNone/>
             </a:pPr>
             <a:r>
-              <a:rPr lang="fr-FR" sz="7200" dirty="0" smtClean="0"/>
+              <a:rPr lang="fr-FR" dirty="0" smtClean="0">
+                <a:solidFill>
+                  <a:schemeClr val="bg1">
+                    <a:lumMod val="50000"/>
+                  </a:schemeClr>
+                </a:solidFill>
+              </a:rPr>
+              <a:t>Le projet</a:t>
+            </a:r>
+          </a:p>
+          <a:p>
+            <a:pPr>
+              <a:lnSpc>
+                <a:spcPct val="170000"/>
+              </a:lnSpc>
+            </a:pPr>
+            <a:r>
+              <a:rPr lang="fr-FR" dirty="0" smtClean="0">
+                <a:solidFill>
+                  <a:schemeClr val="bg1">
+                    <a:lumMod val="50000"/>
+                  </a:schemeClr>
+                </a:solidFill>
+              </a:rPr>
+              <a:t>Conception</a:t>
+            </a:r>
+          </a:p>
+          <a:p>
+            <a:pPr>
+              <a:lnSpc>
+                <a:spcPct val="170000"/>
+              </a:lnSpc>
+            </a:pPr>
+            <a:r>
+              <a:rPr lang="fr-FR" dirty="0" smtClean="0">
+                <a:solidFill>
+                  <a:schemeClr val="bg1">
+                    <a:lumMod val="50000"/>
+                  </a:schemeClr>
+                </a:solidFill>
+              </a:rPr>
               <a:t>Démonstration</a:t>
+            </a:r>
+          </a:p>
+          <a:p>
+            <a:pPr>
+              <a:lnSpc>
+                <a:spcPct val="170000"/>
+              </a:lnSpc>
+            </a:pPr>
+            <a:r>
+              <a:rPr lang="fr-FR" dirty="0" smtClean="0"/>
+              <a:t>Gestion de projet</a:t>
             </a:r>
           </a:p>
         </p:txBody>
@@ -9111,7 +9070,7 @@
     </p:spTree>
     <p:extLst>
       <p:ext uri="{BB962C8B-B14F-4D97-AF65-F5344CB8AC3E}">
-        <p14:creationId xmlns:p14="http://schemas.microsoft.com/office/powerpoint/2010/main" val="705338575"/>
+        <p14:creationId xmlns:p14="http://schemas.microsoft.com/office/powerpoint/2010/main" val="1040411829"/>
       </p:ext>
     </p:extLst>
   </p:cSld>
@@ -9389,109 +9348,7 @@
           <a:p>
             <a:r>
               <a:rPr lang="fr-FR" dirty="0" smtClean="0"/>
-              <a:t>Plan</a:t>
-            </a:r>
-          </a:p>
-        </p:txBody>
-      </p:sp>
-      <p:sp>
-        <p:nvSpPr>
-          <p:cNvPr id="3075" name="Espace réservé du contenu 2"/>
-          <p:cNvSpPr>
-            <a:spLocks noGrp="1"/>
-          </p:cNvSpPr>
-          <p:nvPr>
-            <p:ph idx="1"/>
-          </p:nvPr>
-        </p:nvSpPr>
-        <p:spPr>
-          <a:xfrm>
-            <a:off x="457200" y="1600200"/>
-            <a:ext cx="8229600" cy="5141168"/>
-          </a:xfrm>
-        </p:spPr>
-        <p:txBody>
-          <a:bodyPr>
-            <a:normAutofit/>
-          </a:bodyPr>
-          <a:lstStyle/>
-          <a:p>
-            <a:pPr>
-              <a:lnSpc>
-                <a:spcPct val="170000"/>
-              </a:lnSpc>
-            </a:pPr>
-            <a:r>
-              <a:rPr lang="fr-FR" dirty="0" smtClean="0">
-                <a:solidFill>
-                  <a:schemeClr val="bg1">
-                    <a:lumMod val="50000"/>
-                  </a:schemeClr>
-                </a:solidFill>
-              </a:rPr>
-              <a:t>Le contexte</a:t>
-            </a:r>
-          </a:p>
-          <a:p>
-            <a:pPr>
-              <a:lnSpc>
-                <a:spcPct val="170000"/>
-              </a:lnSpc>
-            </a:pPr>
-            <a:r>
-              <a:rPr lang="fr-FR" dirty="0" smtClean="0">
-                <a:solidFill>
-                  <a:schemeClr val="bg1">
-                    <a:lumMod val="50000"/>
-                  </a:schemeClr>
-                </a:solidFill>
-              </a:rPr>
-              <a:t>Le projet</a:t>
-            </a:r>
-          </a:p>
-          <a:p>
-            <a:pPr>
-              <a:lnSpc>
-                <a:spcPct val="170000"/>
-              </a:lnSpc>
-            </a:pPr>
-            <a:r>
-              <a:rPr lang="fr-FR" dirty="0" smtClean="0">
-                <a:solidFill>
-                  <a:schemeClr val="bg1">
-                    <a:lumMod val="50000"/>
-                  </a:schemeClr>
-                </a:solidFill>
-              </a:rPr>
-              <a:t>Conception</a:t>
-            </a:r>
-          </a:p>
-          <a:p>
-            <a:pPr>
-              <a:lnSpc>
-                <a:spcPct val="170000"/>
-              </a:lnSpc>
-            </a:pPr>
-            <a:r>
-              <a:rPr lang="fr-FR" dirty="0" smtClean="0">
-                <a:solidFill>
-                  <a:schemeClr val="bg1">
-                    <a:lumMod val="50000"/>
-                  </a:schemeClr>
-                </a:solidFill>
-              </a:rPr>
-              <a:t>Démonstration</a:t>
-            </a:r>
-          </a:p>
-          <a:p>
-            <a:pPr>
-              <a:lnSpc>
-                <a:spcPct val="170000"/>
-              </a:lnSpc>
-            </a:pPr>
-            <a:r>
-              <a:rPr lang="fr-FR" dirty="0" smtClean="0"/>
-              <a:t>Gestion de projet</a:t>
+              <a:t>Gestion projet</a:t>
             </a:r>
           </a:p>
         </p:txBody>
@@ -9557,10 +9414,100 @@
           </a:p>
         </p:txBody>
       </p:sp>
+      <p:sp>
+        <p:nvSpPr>
+          <p:cNvPr id="19" name="TextBox 18"/>
+          <p:cNvSpPr txBox="1"/>
+          <p:nvPr/>
+        </p:nvSpPr>
+        <p:spPr>
+          <a:xfrm>
+            <a:off x="467544" y="2060848"/>
+            <a:ext cx="8208912" cy="4031873"/>
+          </a:xfrm>
+          <a:prstGeom prst="rect">
+            <a:avLst/>
+          </a:prstGeom>
+          <a:noFill/>
+        </p:spPr>
+        <p:txBody>
+          <a:bodyPr wrap="square" rtlCol="0">
+            <a:spAutoFit/>
+          </a:bodyPr>
+          <a:lstStyle/>
+          <a:p>
+            <a:pPr marL="0" lvl="2">
+              <a:buFont typeface="Arial" pitchFamily="34" charset="0"/>
+              <a:buChar char="•"/>
+            </a:pPr>
+            <a:r>
+              <a:rPr lang="fr-FR" sz="3200" dirty="0" smtClean="0"/>
+              <a:t>    Application des méthodes Agiles </a:t>
+            </a:r>
+          </a:p>
+          <a:p>
+            <a:pPr marL="0" lvl="2"/>
+            <a:r>
+              <a:rPr lang="fr-FR" sz="3200" dirty="0" smtClean="0"/>
+              <a:t>	(</a:t>
+            </a:r>
+            <a:r>
+              <a:rPr lang="fr-FR" sz="3200" dirty="0" err="1" smtClean="0"/>
+              <a:t>Scrum</a:t>
+            </a:r>
+            <a:r>
+              <a:rPr lang="fr-FR" sz="3200" dirty="0" smtClean="0"/>
+              <a:t> et XP)</a:t>
+            </a:r>
+          </a:p>
+          <a:p>
+            <a:pPr marL="0" lvl="2"/>
+            <a:endParaRPr lang="fr-FR" sz="3200" dirty="0" smtClean="0"/>
+          </a:p>
+          <a:p>
+            <a:pPr>
+              <a:buFont typeface="Arial" pitchFamily="34" charset="0"/>
+              <a:buChar char="•"/>
+            </a:pPr>
+            <a:r>
+              <a:rPr lang="fr-FR" sz="3200" dirty="0" smtClean="0"/>
+              <a:t>    Utilisation d’un SVN</a:t>
+            </a:r>
+          </a:p>
+          <a:p>
+            <a:pPr lvl="1"/>
+            <a:r>
+              <a:rPr lang="fr-FR" sz="3200" dirty="0" smtClean="0"/>
+              <a:t>	 (Google code)</a:t>
+            </a:r>
+          </a:p>
+          <a:p>
+            <a:pPr lvl="1"/>
+            <a:endParaRPr lang="fr-FR" sz="3200" dirty="0" smtClean="0"/>
+          </a:p>
+          <a:p>
+            <a:pPr>
+              <a:buFont typeface="Arial" pitchFamily="34" charset="0"/>
+              <a:buChar char="•"/>
+            </a:pPr>
+            <a:r>
+              <a:rPr lang="fr-FR" sz="3200" dirty="0" smtClean="0"/>
+              <a:t>    Partage des documents</a:t>
+            </a:r>
+          </a:p>
+          <a:p>
+            <a:pPr lvl="1"/>
+            <a:r>
+              <a:rPr lang="fr-FR" sz="3200" dirty="0" smtClean="0"/>
+              <a:t>	 (Google doc)</a:t>
+            </a:r>
+          </a:p>
+        </p:txBody>
+      </p:sp>
     </p:spTree>
     <p:extLst>
       <p:ext uri="{BB962C8B-B14F-4D97-AF65-F5344CB8AC3E}">
-        <p14:creationId xmlns:p14="http://schemas.microsoft.com/office/powerpoint/2010/main" val="1040411829"/>
+        <p14:creationId xmlns:p14="http://schemas.microsoft.com/office/powerpoint/2010/main" val="3741159515"/>
       </p:ext>
     </p:extLst>
   </p:cSld>
@@ -9628,7 +9575,7 @@
           <a:p>
             <a:r>
               <a:rPr lang="fr-FR" dirty="0" smtClean="0"/>
-              <a:t>Gestion projet</a:t>
+              <a:t>Avancement du projet</a:t>
             </a:r>
           </a:p>
         </p:txBody>
@@ -9696,14 +9643,281 @@
       </p:sp>
       <p:sp>
         <p:nvSpPr>
-          <p:cNvPr id="19" name="TextBox 18"/>
+          <p:cNvPr id="15" name="Pentagone 8"/>
+          <p:cNvSpPr/>
+          <p:nvPr/>
+        </p:nvSpPr>
+        <p:spPr>
+          <a:xfrm>
+            <a:off x="7308304" y="2924944"/>
+            <a:ext cx="1764000" cy="1368152"/>
+          </a:xfrm>
+          <a:prstGeom prst="homePlate">
+            <a:avLst/>
+          </a:prstGeom>
+          <a:solidFill>
+            <a:schemeClr val="accent4">
+              <a:lumMod val="75000"/>
+            </a:schemeClr>
+          </a:solidFill>
+          <a:ln w="3175">
+            <a:noFill/>
+          </a:ln>
+        </p:spPr>
+        <p:style>
+          <a:lnRef idx="2">
+            <a:schemeClr val="accent4">
+              <a:shade val="50000"/>
+            </a:schemeClr>
+          </a:lnRef>
+          <a:fillRef idx="1">
+            <a:schemeClr val="accent4"/>
+          </a:fillRef>
+          <a:effectRef idx="0">
+            <a:schemeClr val="accent4"/>
+          </a:effectRef>
+          <a:fontRef idx="minor">
+            <a:schemeClr val="lt1"/>
+          </a:fontRef>
+        </p:style>
+        <p:txBody>
+          <a:bodyPr rtlCol="0" anchor="ctr"/>
+          <a:lstStyle/>
+          <a:p>
+            <a:pPr algn="ctr"/>
+            <a:r>
+              <a:rPr lang="fr-FR" dirty="0" smtClean="0"/>
+              <a:t>Doc Utilisateur</a:t>
+            </a:r>
+          </a:p>
+          <a:p>
+            <a:pPr algn="ctr"/>
+            <a:r>
+              <a:rPr lang="fr-FR" dirty="0" smtClean="0"/>
+              <a:t>Déploiement</a:t>
+            </a:r>
+          </a:p>
+          <a:p>
+            <a:pPr algn="ctr"/>
+            <a:r>
+              <a:rPr lang="fr-FR" dirty="0" smtClean="0"/>
+              <a:t>Recette</a:t>
+            </a:r>
+          </a:p>
+        </p:txBody>
+      </p:sp>
+      <p:sp>
+        <p:nvSpPr>
+          <p:cNvPr id="16" name="Rectangle 15"/>
+          <p:cNvSpPr/>
+          <p:nvPr/>
+        </p:nvSpPr>
+        <p:spPr>
+          <a:xfrm>
+            <a:off x="3707904" y="2924944"/>
+            <a:ext cx="1764000" cy="1368152"/>
+          </a:xfrm>
+          <a:prstGeom prst="rect">
+            <a:avLst/>
+          </a:prstGeom>
+          <a:solidFill>
+            <a:schemeClr val="accent1">
+              <a:lumMod val="75000"/>
+            </a:schemeClr>
+          </a:solidFill>
+          <a:ln w="3175">
+            <a:noFill/>
+          </a:ln>
+        </p:spPr>
+        <p:style>
+          <a:lnRef idx="2">
+            <a:schemeClr val="accent4">
+              <a:shade val="50000"/>
+            </a:schemeClr>
+          </a:lnRef>
+          <a:fillRef idx="1">
+            <a:schemeClr val="accent4"/>
+          </a:fillRef>
+          <a:effectRef idx="0">
+            <a:schemeClr val="accent4"/>
+          </a:effectRef>
+          <a:fontRef idx="minor">
+            <a:schemeClr val="lt1"/>
+          </a:fontRef>
+        </p:style>
+        <p:txBody>
+          <a:bodyPr rtlCol="0" anchor="ctr"/>
+          <a:lstStyle/>
+          <a:p>
+            <a:pPr algn="ctr"/>
+            <a:r>
+              <a:rPr lang="fr-FR" dirty="0" smtClean="0"/>
+              <a:t>Impression</a:t>
+            </a:r>
+          </a:p>
+          <a:p>
+            <a:pPr algn="ctr"/>
+            <a:r>
+              <a:rPr lang="fr-FR" dirty="0" smtClean="0"/>
+              <a:t>Photo</a:t>
+            </a:r>
+          </a:p>
+          <a:p>
+            <a:pPr algn="ctr"/>
+            <a:r>
+              <a:rPr lang="fr-FR" dirty="0" smtClean="0"/>
+              <a:t>Webcam</a:t>
+            </a:r>
+          </a:p>
+          <a:p>
+            <a:pPr algn="ctr"/>
+            <a:r>
+              <a:rPr lang="fr-FR" dirty="0" smtClean="0"/>
+              <a:t>R&amp;D</a:t>
+            </a:r>
+            <a:endParaRPr lang="fr-FR" dirty="0"/>
+          </a:p>
+        </p:txBody>
+      </p:sp>
+      <p:sp>
+        <p:nvSpPr>
+          <p:cNvPr id="17" name="Rectangle 16"/>
+          <p:cNvSpPr/>
+          <p:nvPr/>
+        </p:nvSpPr>
+        <p:spPr>
+          <a:xfrm>
+            <a:off x="1907704" y="2924944"/>
+            <a:ext cx="1764000" cy="1368152"/>
+          </a:xfrm>
+          <a:prstGeom prst="rect">
+            <a:avLst/>
+          </a:prstGeom>
+          <a:ln w="3175">
+            <a:noFill/>
+          </a:ln>
+        </p:spPr>
+        <p:style>
+          <a:lnRef idx="2">
+            <a:schemeClr val="accent1">
+              <a:shade val="50000"/>
+            </a:schemeClr>
+          </a:lnRef>
+          <a:fillRef idx="1">
+            <a:schemeClr val="accent1"/>
+          </a:fillRef>
+          <a:effectRef idx="0">
+            <a:schemeClr val="accent1"/>
+          </a:effectRef>
+          <a:fontRef idx="minor">
+            <a:schemeClr val="lt1"/>
+          </a:fontRef>
+        </p:style>
+        <p:txBody>
+          <a:bodyPr rtlCol="0" anchor="ctr"/>
+          <a:lstStyle/>
+          <a:p>
+            <a:pPr algn="ctr"/>
+            <a:r>
+              <a:rPr lang="fr-FR" dirty="0" smtClean="0"/>
+              <a:t>Zones</a:t>
+            </a:r>
+          </a:p>
+          <a:p>
+            <a:pPr algn="ctr"/>
+            <a:r>
+              <a:rPr lang="fr-FR" dirty="0" smtClean="0"/>
+              <a:t>Catégories</a:t>
+            </a:r>
+          </a:p>
+          <a:p>
+            <a:pPr algn="ctr"/>
+            <a:r>
+              <a:rPr lang="fr-FR" dirty="0" smtClean="0"/>
+              <a:t>Accréditations</a:t>
+            </a:r>
+          </a:p>
+          <a:p>
+            <a:pPr algn="ctr"/>
+            <a:r>
+              <a:rPr lang="fr-FR" dirty="0" smtClean="0"/>
+              <a:t>Demandes</a:t>
+            </a:r>
+            <a:endParaRPr lang="fr-FR" dirty="0"/>
+          </a:p>
+        </p:txBody>
+      </p:sp>
+      <p:sp>
+        <p:nvSpPr>
+          <p:cNvPr id="21" name="Rectangle 20"/>
+          <p:cNvSpPr/>
+          <p:nvPr/>
+        </p:nvSpPr>
+        <p:spPr>
+          <a:xfrm>
+            <a:off x="107504" y="2924944"/>
+            <a:ext cx="1764000" cy="1368152"/>
+          </a:xfrm>
+          <a:prstGeom prst="rect">
+            <a:avLst/>
+          </a:prstGeom>
+          <a:ln w="3175">
+            <a:noFill/>
+          </a:ln>
+        </p:spPr>
+        <p:style>
+          <a:lnRef idx="2">
+            <a:schemeClr val="accent5">
+              <a:shade val="50000"/>
+            </a:schemeClr>
+          </a:lnRef>
+          <a:fillRef idx="1">
+            <a:schemeClr val="accent5"/>
+          </a:fillRef>
+          <a:effectRef idx="0">
+            <a:schemeClr val="accent5"/>
+          </a:effectRef>
+          <a:fontRef idx="minor">
+            <a:schemeClr val="lt1"/>
+          </a:fontRef>
+        </p:style>
+        <p:txBody>
+          <a:bodyPr rtlCol="0" anchor="ctr"/>
+          <a:lstStyle/>
+          <a:p>
+            <a:pPr algn="ctr"/>
+            <a:r>
+              <a:rPr lang="fr-FR" dirty="0" smtClean="0"/>
+              <a:t>Point web</a:t>
+            </a:r>
+          </a:p>
+          <a:p>
+            <a:pPr algn="ctr"/>
+            <a:r>
+              <a:rPr lang="fr-FR" dirty="0" smtClean="0"/>
+              <a:t>Connexion</a:t>
+            </a:r>
+          </a:p>
+          <a:p>
+            <a:pPr algn="ctr"/>
+            <a:r>
+              <a:rPr lang="fr-FR" dirty="0" smtClean="0"/>
+              <a:t>Evénements</a:t>
+            </a:r>
+            <a:endParaRPr lang="fr-FR" dirty="0"/>
+          </a:p>
+        </p:txBody>
+      </p:sp>
+      <p:sp>
+        <p:nvSpPr>
+          <p:cNvPr id="22" name="ZoneTexte 10"/>
           <p:cNvSpPr txBox="1"/>
           <p:nvPr/>
         </p:nvSpPr>
         <p:spPr>
           <a:xfrm>
-            <a:off x="467544" y="2060848"/>
-            <a:ext cx="8208912" cy="4031873"/>
+            <a:off x="-36512" y="4293096"/>
+            <a:ext cx="758541" cy="369332"/>
           </a:xfrm>
           <a:prstGeom prst="rect">
             <a:avLst/>
@@ -9711,83 +9925,260 @@
           <a:noFill/>
         </p:spPr>
         <p:txBody>
-          <a:bodyPr wrap="square" rtlCol="0">
+          <a:bodyPr wrap="none" rtlCol="0">
             <a:spAutoFit/>
           </a:bodyPr>
           <a:lstStyle/>
           <a:p>
-            <a:pPr marL="0" lvl="2">
-              <a:buFont typeface="Arial" pitchFamily="34" charset="0"/>
-              <a:buChar char="•"/>
-            </a:pPr>
-            <a:r>
-              <a:rPr lang="fr-FR" sz="3200" dirty="0" smtClean="0"/>
-              <a:t>    Application des méthodes Agiles </a:t>
-            </a:r>
-          </a:p>
-          <a:p>
-            <a:pPr marL="0" lvl="2"/>
-            <a:r>
-              <a:rPr lang="fr-FR" sz="3200" dirty="0" smtClean="0"/>
-              <a:t>	(</a:t>
-            </a:r>
-            <a:r>
-              <a:rPr lang="fr-FR" sz="3200" dirty="0" err="1" smtClean="0"/>
-              <a:t>Scrum</a:t>
-            </a:r>
-            <a:r>
-              <a:rPr lang="fr-FR" sz="3200" dirty="0" smtClean="0"/>
-              <a:t> et XP)</a:t>
-            </a:r>
-          </a:p>
-          <a:p>
-            <a:pPr marL="0" lvl="2"/>
-            <a:endParaRPr lang="fr-FR" sz="3200" dirty="0" smtClean="0"/>
-          </a:p>
-          <a:p>
-            <a:pPr>
-              <a:buFont typeface="Arial" pitchFamily="34" charset="0"/>
-              <a:buChar char="•"/>
-            </a:pPr>
-            <a:r>
-              <a:rPr lang="fr-FR" sz="3200" dirty="0" smtClean="0"/>
-              <a:t>    Utilisation d’un SVN</a:t>
-            </a:r>
-          </a:p>
-          <a:p>
-            <a:pPr lvl="1"/>
-            <a:r>
-              <a:rPr lang="fr-FR" sz="3200" dirty="0" smtClean="0"/>
-              <a:t>	 (Google code)</a:t>
-            </a:r>
-          </a:p>
-          <a:p>
-            <a:pPr lvl="1"/>
-            <a:endParaRPr lang="fr-FR" sz="3200" dirty="0" smtClean="0"/>
-          </a:p>
-          <a:p>
-            <a:pPr>
-              <a:buFont typeface="Arial" pitchFamily="34" charset="0"/>
-              <a:buChar char="•"/>
-            </a:pPr>
-            <a:r>
-              <a:rPr lang="fr-FR" sz="3200" dirty="0" smtClean="0"/>
-              <a:t>    Partage des documents</a:t>
-            </a:r>
-          </a:p>
-          <a:p>
-            <a:pPr lvl="1"/>
-            <a:r>
-              <a:rPr lang="fr-FR" sz="3200" dirty="0" smtClean="0"/>
-              <a:t>	 (Google doc)</a:t>
-            </a:r>
+            <a:r>
+              <a:rPr lang="fr-FR" dirty="0" smtClean="0"/>
+              <a:t>25 jan</a:t>
+            </a:r>
+            <a:endParaRPr lang="fr-FR" dirty="0"/>
+          </a:p>
+        </p:txBody>
+      </p:sp>
+      <p:sp>
+        <p:nvSpPr>
+          <p:cNvPr id="23" name="ZoneTexte 11"/>
+          <p:cNvSpPr txBox="1"/>
+          <p:nvPr/>
+        </p:nvSpPr>
+        <p:spPr>
+          <a:xfrm>
+            <a:off x="1547664" y="4293096"/>
+            <a:ext cx="754822" cy="369332"/>
+          </a:xfrm>
+          <a:prstGeom prst="rect">
+            <a:avLst/>
+          </a:prstGeom>
+          <a:noFill/>
+        </p:spPr>
+        <p:txBody>
+          <a:bodyPr wrap="none" rtlCol="0">
+            <a:spAutoFit/>
+          </a:bodyPr>
+          <a:lstStyle/>
+          <a:p>
+            <a:r>
+              <a:rPr lang="fr-FR" dirty="0" smtClean="0"/>
+              <a:t>08 </a:t>
+            </a:r>
+            <a:r>
+              <a:rPr lang="fr-FR" dirty="0" err="1" smtClean="0"/>
+              <a:t>fev</a:t>
+            </a:r>
+            <a:endParaRPr lang="fr-FR" dirty="0"/>
+          </a:p>
+        </p:txBody>
+      </p:sp>
+      <p:sp>
+        <p:nvSpPr>
+          <p:cNvPr id="24" name="ZoneTexte 12"/>
+          <p:cNvSpPr txBox="1"/>
+          <p:nvPr/>
+        </p:nvSpPr>
+        <p:spPr>
+          <a:xfrm>
+            <a:off x="3313122" y="4293096"/>
+            <a:ext cx="754822" cy="369332"/>
+          </a:xfrm>
+          <a:prstGeom prst="rect">
+            <a:avLst/>
+          </a:prstGeom>
+          <a:noFill/>
+        </p:spPr>
+        <p:txBody>
+          <a:bodyPr wrap="none" rtlCol="0">
+            <a:spAutoFit/>
+          </a:bodyPr>
+          <a:lstStyle/>
+          <a:p>
+            <a:r>
+              <a:rPr lang="fr-FR" dirty="0" smtClean="0"/>
+              <a:t>29 </a:t>
+            </a:r>
+            <a:r>
+              <a:rPr lang="fr-FR" dirty="0" err="1" smtClean="0"/>
+              <a:t>fev</a:t>
+            </a:r>
+            <a:endParaRPr lang="fr-FR" dirty="0"/>
+          </a:p>
+        </p:txBody>
+      </p:sp>
+      <p:sp>
+        <p:nvSpPr>
+          <p:cNvPr id="25" name="ZoneTexte 13"/>
+          <p:cNvSpPr txBox="1"/>
+          <p:nvPr/>
+        </p:nvSpPr>
+        <p:spPr>
+          <a:xfrm>
+            <a:off x="5076056" y="4293096"/>
+            <a:ext cx="846707" cy="369332"/>
+          </a:xfrm>
+          <a:prstGeom prst="rect">
+            <a:avLst/>
+          </a:prstGeom>
+          <a:noFill/>
+        </p:spPr>
+        <p:txBody>
+          <a:bodyPr wrap="none" rtlCol="0">
+            <a:spAutoFit/>
+          </a:bodyPr>
+          <a:lstStyle/>
+          <a:p>
+            <a:r>
+              <a:rPr lang="fr-FR" dirty="0" smtClean="0"/>
+              <a:t>28 </a:t>
+            </a:r>
+            <a:r>
+              <a:rPr lang="fr-FR" dirty="0" err="1" smtClean="0"/>
+              <a:t>mar</a:t>
+            </a:r>
+            <a:endParaRPr lang="fr-FR" dirty="0"/>
+          </a:p>
+        </p:txBody>
+      </p:sp>
+      <p:sp>
+        <p:nvSpPr>
+          <p:cNvPr id="26" name="Rectangle 25"/>
+          <p:cNvSpPr/>
+          <p:nvPr/>
+        </p:nvSpPr>
+        <p:spPr>
+          <a:xfrm>
+            <a:off x="5508104" y="2924944"/>
+            <a:ext cx="1764000" cy="1368152"/>
+          </a:xfrm>
+          <a:prstGeom prst="rect">
+            <a:avLst/>
+          </a:prstGeom>
+          <a:solidFill>
+            <a:schemeClr val="accent4"/>
+          </a:solidFill>
+          <a:ln w="3175">
+            <a:noFill/>
+          </a:ln>
+        </p:spPr>
+        <p:style>
+          <a:lnRef idx="2">
+            <a:schemeClr val="accent4">
+              <a:shade val="50000"/>
+            </a:schemeClr>
+          </a:lnRef>
+          <a:fillRef idx="1">
+            <a:schemeClr val="accent4"/>
+          </a:fillRef>
+          <a:effectRef idx="0">
+            <a:schemeClr val="accent4"/>
+          </a:effectRef>
+          <a:fontRef idx="minor">
+            <a:schemeClr val="lt1"/>
+          </a:fontRef>
+        </p:style>
+        <p:txBody>
+          <a:bodyPr rtlCol="0" anchor="ctr"/>
+          <a:lstStyle/>
+          <a:p>
+            <a:pPr algn="ctr"/>
+            <a:r>
+              <a:rPr lang="fr-FR" dirty="0" smtClean="0"/>
+              <a:t>Presse</a:t>
+            </a:r>
+          </a:p>
+          <a:p>
+            <a:pPr algn="ctr"/>
+            <a:r>
+              <a:rPr lang="fr-FR" dirty="0" smtClean="0"/>
+              <a:t>Mail</a:t>
+            </a:r>
+          </a:p>
+          <a:p>
+            <a:pPr algn="ctr"/>
+            <a:r>
+              <a:rPr lang="fr-FR" dirty="0" smtClean="0"/>
+              <a:t>Export</a:t>
+            </a:r>
+          </a:p>
+          <a:p>
+            <a:pPr algn="ctr"/>
+            <a:r>
+              <a:rPr lang="fr-FR" dirty="0" smtClean="0"/>
+              <a:t>Langues</a:t>
+            </a:r>
+            <a:endParaRPr lang="fr-FR" dirty="0"/>
+          </a:p>
+        </p:txBody>
+      </p:sp>
+      <p:sp>
+        <p:nvSpPr>
+          <p:cNvPr id="27" name="ZoneTexte 13"/>
+          <p:cNvSpPr txBox="1"/>
+          <p:nvPr/>
+        </p:nvSpPr>
+        <p:spPr>
+          <a:xfrm>
+            <a:off x="6905635" y="4293096"/>
+            <a:ext cx="762709" cy="369332"/>
+          </a:xfrm>
+          <a:prstGeom prst="rect">
+            <a:avLst/>
+          </a:prstGeom>
+          <a:noFill/>
+        </p:spPr>
+        <p:txBody>
+          <a:bodyPr wrap="none" rtlCol="0">
+            <a:spAutoFit/>
+          </a:bodyPr>
+          <a:lstStyle/>
+          <a:p>
+            <a:r>
+              <a:rPr lang="fr-FR" dirty="0" smtClean="0"/>
+              <a:t>25 </a:t>
+            </a:r>
+            <a:r>
+              <a:rPr lang="fr-FR" dirty="0" err="1" smtClean="0"/>
+              <a:t>avr</a:t>
+            </a:r>
+            <a:endParaRPr lang="fr-FR" dirty="0"/>
+          </a:p>
+        </p:txBody>
+      </p:sp>
+      <p:sp>
+        <p:nvSpPr>
+          <p:cNvPr id="28" name="ZoneTexte 13"/>
+          <p:cNvSpPr txBox="1"/>
+          <p:nvPr/>
+        </p:nvSpPr>
+        <p:spPr>
+          <a:xfrm>
+            <a:off x="8361057" y="4293096"/>
+            <a:ext cx="819455" cy="369332"/>
+          </a:xfrm>
+          <a:prstGeom prst="rect">
+            <a:avLst/>
+          </a:prstGeom>
+          <a:noFill/>
+        </p:spPr>
+        <p:txBody>
+          <a:bodyPr wrap="none" rtlCol="0">
+            <a:spAutoFit/>
+          </a:bodyPr>
+          <a:lstStyle/>
+          <a:p>
+            <a:r>
+              <a:rPr lang="fr-FR" dirty="0" smtClean="0"/>
+              <a:t>11 mai</a:t>
+            </a:r>
+            <a:endParaRPr lang="fr-FR" dirty="0"/>
           </a:p>
         </p:txBody>
       </p:sp>
     </p:spTree>
     <p:extLst>
       <p:ext uri="{BB962C8B-B14F-4D97-AF65-F5344CB8AC3E}">
-        <p14:creationId xmlns:p14="http://schemas.microsoft.com/office/powerpoint/2010/main" val="3741159515"/>
+        <p14:creationId xmlns:p14="http://schemas.microsoft.com/office/powerpoint/2010/main" val="705188977"/>
       </p:ext>
     </p:extLst>
   </p:cSld>
@@ -9855,7 +10246,74 @@
           <a:p>
             <a:r>
               <a:rPr lang="fr-FR" dirty="0" smtClean="0"/>
-              <a:t>Avancement du projet</a:t>
+              <a:t>Remerciements</a:t>
+            </a:r>
+          </a:p>
+        </p:txBody>
+      </p:sp>
+      <p:sp>
+        <p:nvSpPr>
+          <p:cNvPr id="3075" name="Espace réservé du contenu 2"/>
+          <p:cNvSpPr>
+            <a:spLocks noGrp="1"/>
+          </p:cNvSpPr>
+          <p:nvPr>
+            <p:ph idx="1"/>
+          </p:nvPr>
+        </p:nvSpPr>
+        <p:spPr>
+          <a:xfrm>
+            <a:off x="457200" y="1600200"/>
+            <a:ext cx="8229600" cy="5141168"/>
+          </a:xfrm>
+        </p:spPr>
+        <p:txBody>
+          <a:bodyPr>
+            <a:normAutofit/>
+          </a:bodyPr>
+          <a:lstStyle/>
+          <a:p>
+            <a:pPr>
+              <a:lnSpc>
+                <a:spcPct val="170000"/>
+              </a:lnSpc>
+            </a:pPr>
+            <a:endParaRPr lang="fr-FR" dirty="0" smtClean="0">
+              <a:solidFill>
+                <a:schemeClr val="bg1">
+                  <a:lumMod val="50000"/>
+                </a:schemeClr>
+              </a:solidFill>
+            </a:endParaRPr>
+          </a:p>
+          <a:p>
+            <a:pPr>
+              <a:lnSpc>
+                <a:spcPct val="170000"/>
+              </a:lnSpc>
+            </a:pPr>
+            <a:r>
+              <a:rPr lang="fr-FR" dirty="0" smtClean="0"/>
+              <a:t>Notre client</a:t>
+            </a:r>
+          </a:p>
+          <a:p>
+            <a:pPr>
+              <a:lnSpc>
+                <a:spcPct val="170000"/>
+              </a:lnSpc>
+            </a:pPr>
+            <a:endParaRPr lang="fr-FR" dirty="0" smtClean="0"/>
+          </a:p>
+          <a:p>
+            <a:pPr>
+              <a:lnSpc>
+                <a:spcPct val="170000"/>
+              </a:lnSpc>
+            </a:pPr>
+            <a:r>
+              <a:rPr lang="fr-FR" dirty="0" smtClean="0"/>
+              <a:t>Notre tuteur</a:t>
             </a:r>
           </a:p>
         </p:txBody>
@@ -9916,744 +10374,6 @@
                 <a:defRPr/>
               </a:pPr>
               <a:t>22</a:t>
-            </a:fld>
-            <a:endParaRPr lang="fr-FR"/>
-          </a:p>
-        </p:txBody>
-      </p:sp>
-      <p:sp>
-        <p:nvSpPr>
-          <p:cNvPr id="15" name="Pentagone 8"/>
-          <p:cNvSpPr/>
-          <p:nvPr/>
-        </p:nvSpPr>
-        <p:spPr>
-          <a:xfrm>
-            <a:off x="7308304" y="2924944"/>
-            <a:ext cx="1764000" cy="1368152"/>
-          </a:xfrm>
-          <a:prstGeom prst="homePlate">
-            <a:avLst/>
-          </a:prstGeom>
-          <a:solidFill>
-            <a:schemeClr val="accent4">
-              <a:lumMod val="75000"/>
-            </a:schemeClr>
-          </a:solidFill>
-          <a:ln w="3175">
-            <a:noFill/>
-          </a:ln>
-        </p:spPr>
-        <p:style>
-          <a:lnRef idx="2">
-            <a:schemeClr val="accent4">
-              <a:shade val="50000"/>
-            </a:schemeClr>
-          </a:lnRef>
-          <a:fillRef idx="1">
-            <a:schemeClr val="accent4"/>
-          </a:fillRef>
-          <a:effectRef idx="0">
-            <a:schemeClr val="accent4"/>
-          </a:effectRef>
-          <a:fontRef idx="minor">
-            <a:schemeClr val="lt1"/>
-          </a:fontRef>
-        </p:style>
-        <p:txBody>
-          <a:bodyPr rtlCol="0" anchor="ctr"/>
-          <a:lstStyle/>
-          <a:p>
-            <a:pPr algn="ctr"/>
-            <a:r>
-              <a:rPr lang="fr-FR" dirty="0" smtClean="0"/>
-              <a:t>Doc Utilisateur</a:t>
-            </a:r>
-          </a:p>
-          <a:p>
-            <a:pPr algn="ctr"/>
-            <a:r>
-              <a:rPr lang="fr-FR" dirty="0" smtClean="0"/>
-              <a:t>Déploiement</a:t>
-            </a:r>
-          </a:p>
-          <a:p>
-            <a:pPr algn="ctr"/>
-            <a:r>
-              <a:rPr lang="fr-FR" dirty="0" smtClean="0"/>
-              <a:t>Recette</a:t>
-            </a:r>
-          </a:p>
-        </p:txBody>
-      </p:sp>
-      <p:sp>
-        <p:nvSpPr>
-          <p:cNvPr id="16" name="Rectangle 15"/>
-          <p:cNvSpPr/>
-          <p:nvPr/>
-        </p:nvSpPr>
-        <p:spPr>
-          <a:xfrm>
-            <a:off x="3707904" y="2924944"/>
-            <a:ext cx="1764000" cy="1368152"/>
-          </a:xfrm>
-          <a:prstGeom prst="rect">
-            <a:avLst/>
-          </a:prstGeom>
-          <a:solidFill>
-            <a:schemeClr val="accent1">
-              <a:lumMod val="75000"/>
-            </a:schemeClr>
-          </a:solidFill>
-          <a:ln w="3175">
-            <a:noFill/>
-          </a:ln>
-        </p:spPr>
-        <p:style>
-          <a:lnRef idx="2">
-            <a:schemeClr val="accent4">
-              <a:shade val="50000"/>
-            </a:schemeClr>
-          </a:lnRef>
-          <a:fillRef idx="1">
-            <a:schemeClr val="accent4"/>
-          </a:fillRef>
-          <a:effectRef idx="0">
-            <a:schemeClr val="accent4"/>
-          </a:effectRef>
-          <a:fontRef idx="minor">
-            <a:schemeClr val="lt1"/>
-          </a:fontRef>
-        </p:style>
-        <p:txBody>
-          <a:bodyPr rtlCol="0" anchor="ctr"/>
-          <a:lstStyle/>
-          <a:p>
-            <a:pPr algn="ctr"/>
-            <a:r>
-              <a:rPr lang="fr-FR" dirty="0" smtClean="0"/>
-              <a:t>Impression</a:t>
-            </a:r>
-          </a:p>
-          <a:p>
-            <a:pPr algn="ctr"/>
-            <a:r>
-              <a:rPr lang="fr-FR" dirty="0" smtClean="0"/>
-              <a:t>Photo</a:t>
-            </a:r>
-          </a:p>
-          <a:p>
-            <a:pPr algn="ctr"/>
-            <a:r>
-              <a:rPr lang="fr-FR" dirty="0" smtClean="0"/>
-              <a:t>Webcam</a:t>
-            </a:r>
-          </a:p>
-          <a:p>
-            <a:pPr algn="ctr"/>
-            <a:r>
-              <a:rPr lang="fr-FR" dirty="0" smtClean="0"/>
-              <a:t>R&amp;D</a:t>
-            </a:r>
-            <a:endParaRPr lang="fr-FR" dirty="0"/>
-          </a:p>
-        </p:txBody>
-      </p:sp>
-      <p:sp>
-        <p:nvSpPr>
-          <p:cNvPr id="17" name="Rectangle 16"/>
-          <p:cNvSpPr/>
-          <p:nvPr/>
-        </p:nvSpPr>
-        <p:spPr>
-          <a:xfrm>
-            <a:off x="1907704" y="2924944"/>
-            <a:ext cx="1764000" cy="1368152"/>
-          </a:xfrm>
-          <a:prstGeom prst="rect">
-            <a:avLst/>
-          </a:prstGeom>
-          <a:ln w="3175">
-            <a:noFill/>
-          </a:ln>
-        </p:spPr>
-        <p:style>
-          <a:lnRef idx="2">
-            <a:schemeClr val="accent1">
-              <a:shade val="50000"/>
-            </a:schemeClr>
-          </a:lnRef>
-          <a:fillRef idx="1">
-            <a:schemeClr val="accent1"/>
-          </a:fillRef>
-          <a:effectRef idx="0">
-            <a:schemeClr val="accent1"/>
-          </a:effectRef>
-          <a:fontRef idx="minor">
-            <a:schemeClr val="lt1"/>
-          </a:fontRef>
-        </p:style>
-        <p:txBody>
-          <a:bodyPr rtlCol="0" anchor="ctr"/>
-          <a:lstStyle/>
-          <a:p>
-            <a:pPr algn="ctr"/>
-            <a:r>
-              <a:rPr lang="fr-FR" dirty="0" smtClean="0"/>
-              <a:t>Zones</a:t>
-            </a:r>
-          </a:p>
-          <a:p>
-            <a:pPr algn="ctr"/>
-            <a:r>
-              <a:rPr lang="fr-FR" dirty="0" smtClean="0"/>
-              <a:t>Catégories</a:t>
-            </a:r>
-          </a:p>
-          <a:p>
-            <a:pPr algn="ctr"/>
-            <a:r>
-              <a:rPr lang="fr-FR" dirty="0" smtClean="0"/>
-              <a:t>Accréditations</a:t>
-            </a:r>
-          </a:p>
-          <a:p>
-            <a:pPr algn="ctr"/>
-            <a:r>
-              <a:rPr lang="fr-FR" dirty="0" smtClean="0"/>
-              <a:t>Demandes</a:t>
-            </a:r>
-            <a:endParaRPr lang="fr-FR" dirty="0"/>
-          </a:p>
-        </p:txBody>
-      </p:sp>
-      <p:sp>
-        <p:nvSpPr>
-          <p:cNvPr id="21" name="Rectangle 20"/>
-          <p:cNvSpPr/>
-          <p:nvPr/>
-        </p:nvSpPr>
-        <p:spPr>
-          <a:xfrm>
-            <a:off x="107504" y="2924944"/>
-            <a:ext cx="1764000" cy="1368152"/>
-          </a:xfrm>
-          <a:prstGeom prst="rect">
-            <a:avLst/>
-          </a:prstGeom>
-          <a:ln w="3175">
-            <a:noFill/>
-          </a:ln>
-        </p:spPr>
-        <p:style>
-          <a:lnRef idx="2">
-            <a:schemeClr val="accent5">
-              <a:shade val="50000"/>
-            </a:schemeClr>
-          </a:lnRef>
-          <a:fillRef idx="1">
-            <a:schemeClr val="accent5"/>
-          </a:fillRef>
-          <a:effectRef idx="0">
-            <a:schemeClr val="accent5"/>
-          </a:effectRef>
-          <a:fontRef idx="minor">
-            <a:schemeClr val="lt1"/>
-          </a:fontRef>
-        </p:style>
-        <p:txBody>
-          <a:bodyPr rtlCol="0" anchor="ctr"/>
-          <a:lstStyle/>
-          <a:p>
-            <a:pPr algn="ctr"/>
-            <a:r>
-              <a:rPr lang="fr-FR" dirty="0" smtClean="0"/>
-              <a:t>Point web</a:t>
-            </a:r>
-          </a:p>
-          <a:p>
-            <a:pPr algn="ctr"/>
-            <a:r>
-              <a:rPr lang="fr-FR" dirty="0" smtClean="0"/>
-              <a:t>Connexion</a:t>
-            </a:r>
-          </a:p>
-          <a:p>
-            <a:pPr algn="ctr"/>
-            <a:r>
-              <a:rPr lang="fr-FR" dirty="0" smtClean="0"/>
-              <a:t>Evénements</a:t>
-            </a:r>
-            <a:endParaRPr lang="fr-FR" dirty="0"/>
-          </a:p>
-        </p:txBody>
-      </p:sp>
-      <p:sp>
-        <p:nvSpPr>
-          <p:cNvPr id="22" name="ZoneTexte 10"/>
-          <p:cNvSpPr txBox="1"/>
-          <p:nvPr/>
-        </p:nvSpPr>
-        <p:spPr>
-          <a:xfrm>
-            <a:off x="-36512" y="4293096"/>
-            <a:ext cx="758541" cy="369332"/>
-          </a:xfrm>
-          <a:prstGeom prst="rect">
-            <a:avLst/>
-          </a:prstGeom>
-          <a:noFill/>
-        </p:spPr>
-        <p:txBody>
-          <a:bodyPr wrap="none" rtlCol="0">
-            <a:spAutoFit/>
-          </a:bodyPr>
-          <a:lstStyle/>
-          <a:p>
-            <a:r>
-              <a:rPr lang="fr-FR" dirty="0" smtClean="0"/>
-              <a:t>25 jan</a:t>
-            </a:r>
-            <a:endParaRPr lang="fr-FR" dirty="0"/>
-          </a:p>
-        </p:txBody>
-      </p:sp>
-      <p:sp>
-        <p:nvSpPr>
-          <p:cNvPr id="23" name="ZoneTexte 11"/>
-          <p:cNvSpPr txBox="1"/>
-          <p:nvPr/>
-        </p:nvSpPr>
-        <p:spPr>
-          <a:xfrm>
-            <a:off x="1547664" y="4293096"/>
-            <a:ext cx="754822" cy="369332"/>
-          </a:xfrm>
-          <a:prstGeom prst="rect">
-            <a:avLst/>
-          </a:prstGeom>
-          <a:noFill/>
-        </p:spPr>
-        <p:txBody>
-          <a:bodyPr wrap="none" rtlCol="0">
-            <a:spAutoFit/>
-          </a:bodyPr>
-          <a:lstStyle/>
-          <a:p>
-            <a:r>
-              <a:rPr lang="fr-FR" dirty="0" smtClean="0"/>
-              <a:t>08 </a:t>
-            </a:r>
-            <a:r>
-              <a:rPr lang="fr-FR" dirty="0" err="1" smtClean="0"/>
-              <a:t>fev</a:t>
-            </a:r>
-            <a:endParaRPr lang="fr-FR" dirty="0"/>
-          </a:p>
-        </p:txBody>
-      </p:sp>
-      <p:sp>
-        <p:nvSpPr>
-          <p:cNvPr id="24" name="ZoneTexte 12"/>
-          <p:cNvSpPr txBox="1"/>
-          <p:nvPr/>
-        </p:nvSpPr>
-        <p:spPr>
-          <a:xfrm>
-            <a:off x="3313122" y="4293096"/>
-            <a:ext cx="754822" cy="369332"/>
-          </a:xfrm>
-          <a:prstGeom prst="rect">
-            <a:avLst/>
-          </a:prstGeom>
-          <a:noFill/>
-        </p:spPr>
-        <p:txBody>
-          <a:bodyPr wrap="none" rtlCol="0">
-            <a:spAutoFit/>
-          </a:bodyPr>
-          <a:lstStyle/>
-          <a:p>
-            <a:r>
-              <a:rPr lang="fr-FR" dirty="0" smtClean="0"/>
-              <a:t>29 </a:t>
-            </a:r>
-            <a:r>
-              <a:rPr lang="fr-FR" dirty="0" err="1" smtClean="0"/>
-              <a:t>fev</a:t>
-            </a:r>
-            <a:endParaRPr lang="fr-FR" dirty="0"/>
-          </a:p>
-        </p:txBody>
-      </p:sp>
-      <p:sp>
-        <p:nvSpPr>
-          <p:cNvPr id="25" name="ZoneTexte 13"/>
-          <p:cNvSpPr txBox="1"/>
-          <p:nvPr/>
-        </p:nvSpPr>
-        <p:spPr>
-          <a:xfrm>
-            <a:off x="5076056" y="4293096"/>
-            <a:ext cx="846707" cy="369332"/>
-          </a:xfrm>
-          <a:prstGeom prst="rect">
-            <a:avLst/>
-          </a:prstGeom>
-          <a:noFill/>
-        </p:spPr>
-        <p:txBody>
-          <a:bodyPr wrap="none" rtlCol="0">
-            <a:spAutoFit/>
-          </a:bodyPr>
-          <a:lstStyle/>
-          <a:p>
-            <a:r>
-              <a:rPr lang="fr-FR" dirty="0" smtClean="0"/>
-              <a:t>28 </a:t>
-            </a:r>
-            <a:r>
-              <a:rPr lang="fr-FR" dirty="0" err="1" smtClean="0"/>
-              <a:t>mar</a:t>
-            </a:r>
-            <a:endParaRPr lang="fr-FR" dirty="0"/>
-          </a:p>
-        </p:txBody>
-      </p:sp>
-      <p:sp>
-        <p:nvSpPr>
-          <p:cNvPr id="26" name="Rectangle 25"/>
-          <p:cNvSpPr/>
-          <p:nvPr/>
-        </p:nvSpPr>
-        <p:spPr>
-          <a:xfrm>
-            <a:off x="5508104" y="2924944"/>
-            <a:ext cx="1764000" cy="1368152"/>
-          </a:xfrm>
-          <a:prstGeom prst="rect">
-            <a:avLst/>
-          </a:prstGeom>
-          <a:solidFill>
-            <a:schemeClr val="accent4"/>
-          </a:solidFill>
-          <a:ln w="3175">
-            <a:noFill/>
-          </a:ln>
-        </p:spPr>
-        <p:style>
-          <a:lnRef idx="2">
-            <a:schemeClr val="accent4">
-              <a:shade val="50000"/>
-            </a:schemeClr>
-          </a:lnRef>
-          <a:fillRef idx="1">
-            <a:schemeClr val="accent4"/>
-          </a:fillRef>
-          <a:effectRef idx="0">
-            <a:schemeClr val="accent4"/>
-          </a:effectRef>
-          <a:fontRef idx="minor">
-            <a:schemeClr val="lt1"/>
-          </a:fontRef>
-        </p:style>
-        <p:txBody>
-          <a:bodyPr rtlCol="0" anchor="ctr"/>
-          <a:lstStyle/>
-          <a:p>
-            <a:pPr algn="ctr"/>
-            <a:r>
-              <a:rPr lang="fr-FR" dirty="0" smtClean="0"/>
-              <a:t>Presse</a:t>
-            </a:r>
-          </a:p>
-          <a:p>
-            <a:pPr algn="ctr"/>
-            <a:r>
-              <a:rPr lang="fr-FR" dirty="0" smtClean="0"/>
-              <a:t>Mail</a:t>
-            </a:r>
-          </a:p>
-          <a:p>
-            <a:pPr algn="ctr"/>
-            <a:r>
-              <a:rPr lang="fr-FR" dirty="0" smtClean="0"/>
-              <a:t>Export</a:t>
-            </a:r>
-          </a:p>
-          <a:p>
-            <a:pPr algn="ctr"/>
-            <a:r>
-              <a:rPr lang="fr-FR" dirty="0" smtClean="0"/>
-              <a:t>Langues</a:t>
-            </a:r>
-            <a:endParaRPr lang="fr-FR" dirty="0"/>
-          </a:p>
-        </p:txBody>
-      </p:sp>
-      <p:sp>
-        <p:nvSpPr>
-          <p:cNvPr id="27" name="ZoneTexte 13"/>
-          <p:cNvSpPr txBox="1"/>
-          <p:nvPr/>
-        </p:nvSpPr>
-        <p:spPr>
-          <a:xfrm>
-            <a:off x="6905635" y="4293096"/>
-            <a:ext cx="762709" cy="369332"/>
-          </a:xfrm>
-          <a:prstGeom prst="rect">
-            <a:avLst/>
-          </a:prstGeom>
-          <a:noFill/>
-        </p:spPr>
-        <p:txBody>
-          <a:bodyPr wrap="none" rtlCol="0">
-            <a:spAutoFit/>
-          </a:bodyPr>
-          <a:lstStyle/>
-          <a:p>
-            <a:r>
-              <a:rPr lang="fr-FR" dirty="0" smtClean="0"/>
-              <a:t>25 </a:t>
-            </a:r>
-            <a:r>
-              <a:rPr lang="fr-FR" dirty="0" err="1" smtClean="0"/>
-              <a:t>avr</a:t>
-            </a:r>
-            <a:endParaRPr lang="fr-FR" dirty="0"/>
-          </a:p>
-        </p:txBody>
-      </p:sp>
-      <p:sp>
-        <p:nvSpPr>
-          <p:cNvPr id="28" name="ZoneTexte 13"/>
-          <p:cNvSpPr txBox="1"/>
-          <p:nvPr/>
-        </p:nvSpPr>
-        <p:spPr>
-          <a:xfrm>
-            <a:off x="8361057" y="4293096"/>
-            <a:ext cx="819455" cy="369332"/>
-          </a:xfrm>
-          <a:prstGeom prst="rect">
-            <a:avLst/>
-          </a:prstGeom>
-          <a:noFill/>
-        </p:spPr>
-        <p:txBody>
-          <a:bodyPr wrap="none" rtlCol="0">
-            <a:spAutoFit/>
-          </a:bodyPr>
-          <a:lstStyle/>
-          <a:p>
-            <a:r>
-              <a:rPr lang="fr-FR" dirty="0" smtClean="0"/>
-              <a:t>11 mai</a:t>
-            </a:r>
-            <a:endParaRPr lang="fr-FR" dirty="0"/>
-          </a:p>
-        </p:txBody>
-      </p:sp>
-    </p:spTree>
-    <p:extLst>
-      <p:ext uri="{BB962C8B-B14F-4D97-AF65-F5344CB8AC3E}">
-        <p14:creationId xmlns:p14="http://schemas.microsoft.com/office/powerpoint/2010/main" val="705188977"/>
-      </p:ext>
-    </p:extLst>
-  </p:cSld>
-  <p:clrMapOvr>
-    <a:masterClrMapping/>
-  </p:clrMapOvr>
-  <mc:AlternateContent xmlns:mc="http://schemas.openxmlformats.org/markup-compatibility/2006">
-    <mc:Choice xmlns:p14="http://schemas.microsoft.com/office/powerpoint/2010/main" Requires="p14">
-      <p:transition spd="med">
-        <p14:gallery dir="l"/>
-      </p:transition>
-    </mc:Choice>
-    <mc:Fallback>
-      <p:transition spd="med">
-        <p:fade/>
-      </p:transition>
-    </mc:Fallback>
-  </mc:AlternateContent>
-  <p:timing>
-    <p:tnLst>
-      <p:par>
-        <p:cTn id="1" dur="indefinite" restart="never" nodeType="tmRoot"/>
-      </p:par>
-    </p:tnLst>
-  </p:timing>
-</p:sld>
-</file>
-
-<file path=ppt/slides/slide23.xml><?xml version="1.0" encoding="utf-8"?>
-<p:sld xmlns:a="http://schemas.openxmlformats.org/drawingml/2006/main" xmlns:r="http://schemas.openxmlformats.org/officeDocument/2006/relationships" xmlns:p="http://schemas.openxmlformats.org/presentationml/2006/main">
-  <p:cSld>
-    <p:spTree>
-      <p:nvGrpSpPr>
-        <p:cNvPr id="1" name=""/>
-        <p:cNvGrpSpPr/>
-        <p:nvPr/>
-      </p:nvGrpSpPr>
-      <p:grpSpPr>
-        <a:xfrm>
-          <a:off x="0" y="0"/>
-          <a:ext cx="0" cy="0"/>
-          <a:chOff x="0" y="0"/>
-          <a:chExt cx="0" cy="0"/>
-        </a:xfrm>
-      </p:grpSpPr>
-      <p:sp>
-        <p:nvSpPr>
-          <p:cNvPr id="3074" name="Titre 1"/>
-          <p:cNvSpPr>
-            <a:spLocks noGrp="1"/>
-          </p:cNvSpPr>
-          <p:nvPr>
-            <p:ph type="title"/>
-          </p:nvPr>
-        </p:nvSpPr>
-        <p:spPr>
-          <a:xfrm>
-            <a:off x="457200" y="773832"/>
-            <a:ext cx="8229600" cy="1143000"/>
-          </a:xfrm>
-        </p:spPr>
-        <p:txBody>
-          <a:bodyPr/>
-          <a:lstStyle/>
-          <a:p>
-            <a:r>
-              <a:rPr lang="fr-FR" dirty="0" smtClean="0"/>
-              <a:t>Remerciements</a:t>
-            </a:r>
-          </a:p>
-        </p:txBody>
-      </p:sp>
-      <p:sp>
-        <p:nvSpPr>
-          <p:cNvPr id="3075" name="Espace réservé du contenu 2"/>
-          <p:cNvSpPr>
-            <a:spLocks noGrp="1"/>
-          </p:cNvSpPr>
-          <p:nvPr>
-            <p:ph idx="1"/>
-          </p:nvPr>
-        </p:nvSpPr>
-        <p:spPr>
-          <a:xfrm>
-            <a:off x="457200" y="1600200"/>
-            <a:ext cx="8229600" cy="5141168"/>
-          </a:xfrm>
-        </p:spPr>
-        <p:txBody>
-          <a:bodyPr>
-            <a:normAutofit/>
-          </a:bodyPr>
-          <a:lstStyle/>
-          <a:p>
-            <a:pPr>
-              <a:lnSpc>
-                <a:spcPct val="170000"/>
-              </a:lnSpc>
-            </a:pPr>
-            <a:endParaRPr lang="fr-FR" dirty="0" smtClean="0">
-              <a:solidFill>
-                <a:schemeClr val="bg1">
-                  <a:lumMod val="50000"/>
-                </a:schemeClr>
-              </a:solidFill>
-            </a:endParaRPr>
-          </a:p>
-          <a:p>
-            <a:pPr>
-              <a:lnSpc>
-                <a:spcPct val="170000"/>
-              </a:lnSpc>
-            </a:pPr>
-            <a:r>
-              <a:rPr lang="fr-FR" dirty="0" smtClean="0"/>
-              <a:t>Notre client</a:t>
-            </a:r>
-          </a:p>
-          <a:p>
-            <a:pPr>
-              <a:lnSpc>
-                <a:spcPct val="170000"/>
-              </a:lnSpc>
-            </a:pPr>
-            <a:endParaRPr lang="fr-FR" dirty="0" smtClean="0"/>
-          </a:p>
-          <a:p>
-            <a:pPr>
-              <a:lnSpc>
-                <a:spcPct val="170000"/>
-              </a:lnSpc>
-            </a:pPr>
-            <a:r>
-              <a:rPr lang="fr-FR" dirty="0" smtClean="0"/>
-              <a:t>Notre tuteur</a:t>
-            </a:r>
-          </a:p>
-        </p:txBody>
-      </p:sp>
-      <p:pic>
-        <p:nvPicPr>
-          <p:cNvPr id="3076" name="Image 4"/>
-          <p:cNvPicPr>
-            <a:picLocks noChangeAspect="1"/>
-          </p:cNvPicPr>
-          <p:nvPr/>
-        </p:nvPicPr>
-        <p:blipFill>
-          <a:blip r:embed="rId3" cstate="print"/>
-          <a:srcRect/>
-          <a:stretch>
-            <a:fillRect/>
-          </a:stretch>
-        </p:blipFill>
-        <p:spPr bwMode="auto">
-          <a:xfrm>
-            <a:off x="0" y="0"/>
-            <a:ext cx="9144000" cy="646113"/>
-          </a:xfrm>
-          <a:prstGeom prst="rect">
-            <a:avLst/>
-          </a:prstGeom>
-          <a:noFill/>
-          <a:ln w="9525">
-            <a:noFill/>
-            <a:miter lim="800000"/>
-            <a:headEnd/>
-            <a:tailEnd/>
-          </a:ln>
-        </p:spPr>
-      </p:pic>
-      <p:sp>
-        <p:nvSpPr>
-          <p:cNvPr id="2" name="Espace réservé du numéro de diapositive 1"/>
-          <p:cNvSpPr>
-            <a:spLocks noGrp="1"/>
-          </p:cNvSpPr>
-          <p:nvPr>
-            <p:ph type="sldNum" sz="quarter" idx="12"/>
-          </p:nvPr>
-        </p:nvSpPr>
-        <p:spPr/>
-        <p:txBody>
-          <a:bodyPr/>
-          <a:lstStyle/>
-          <a:p>
-            <a:pPr>
-              <a:defRPr/>
-            </a:pPr>
-            <a:fld id="{CEE9F434-548C-4338-8DF1-58B3EAFD3701}" type="slidenum">
-              <a:rPr lang="fr-FR" smtClean="0"/>
-              <a:pPr>
-                <a:defRPr/>
-              </a:pPr>
-              <a:t>23</a:t>
             </a:fld>
             <a:endParaRPr lang="fr-FR"/>
           </a:p>
@@ -10691,7 +10411,7 @@
 </p:sld>
 </file>
 
-<file path=ppt/slides/slide24.xml><?xml version="1.0" encoding="utf-8"?>
+<file path=ppt/slides/slide23.xml><?xml version="1.0" encoding="utf-8"?>
 <p:sld xmlns:a="http://schemas.openxmlformats.org/drawingml/2006/main" xmlns:r="http://schemas.openxmlformats.org/officeDocument/2006/relationships" xmlns:p="http://schemas.openxmlformats.org/presentationml/2006/main">
   <p:cSld>
     <p:spTree>

--- a/trunk/doc/Présentations/Projet Courchevel - Soutenance finale.pptx
+++ b/trunk/doc/Présentations/Projet Courchevel - Soutenance finale.pptx
@@ -5,7 +5,7 @@
     <p:sldMasterId id="2147483648" r:id="rId1"/>
   </p:sldMasterIdLst>
   <p:notesMasterIdLst>
-    <p:notesMasterId r:id="rId25"/>
+    <p:notesMasterId r:id="rId24"/>
   </p:notesMasterIdLst>
   <p:sldIdLst>
     <p:sldId id="257" r:id="rId2"/>
@@ -15,22 +15,21 @@
     <p:sldId id="328" r:id="rId6"/>
     <p:sldId id="318" r:id="rId7"/>
     <p:sldId id="329" r:id="rId8"/>
-    <p:sldId id="330" r:id="rId9"/>
-    <p:sldId id="331" r:id="rId10"/>
-    <p:sldId id="333" r:id="rId11"/>
-    <p:sldId id="319" r:id="rId12"/>
-    <p:sldId id="334" r:id="rId13"/>
-    <p:sldId id="335" r:id="rId14"/>
-    <p:sldId id="336" r:id="rId15"/>
-    <p:sldId id="337" r:id="rId16"/>
-    <p:sldId id="338" r:id="rId17"/>
-    <p:sldId id="339" r:id="rId18"/>
-    <p:sldId id="320" r:id="rId19"/>
-    <p:sldId id="321" r:id="rId20"/>
-    <p:sldId id="316" r:id="rId21"/>
-    <p:sldId id="315" r:id="rId22"/>
-    <p:sldId id="332" r:id="rId23"/>
-    <p:sldId id="313" r:id="rId24"/>
+    <p:sldId id="340" r:id="rId9"/>
+    <p:sldId id="330" r:id="rId10"/>
+    <p:sldId id="331" r:id="rId11"/>
+    <p:sldId id="333" r:id="rId12"/>
+    <p:sldId id="319" r:id="rId13"/>
+    <p:sldId id="334" r:id="rId14"/>
+    <p:sldId id="335" r:id="rId15"/>
+    <p:sldId id="336" r:id="rId16"/>
+    <p:sldId id="341" r:id="rId17"/>
+    <p:sldId id="320" r:id="rId18"/>
+    <p:sldId id="321" r:id="rId19"/>
+    <p:sldId id="316" r:id="rId20"/>
+    <p:sldId id="315" r:id="rId21"/>
+    <p:sldId id="332" r:id="rId22"/>
+    <p:sldId id="313" r:id="rId23"/>
   </p:sldIdLst>
   <p:sldSz cx="9144000" cy="6858000" type="screen4x3"/>
   <p:notesSz cx="6858000" cy="9144000"/>
@@ -215,7 +214,7 @@
             <a:fld id="{C1CEB537-40FD-4C3B-B623-AECAC48FC2F8}" type="datetimeFigureOut">
               <a:rPr lang="fr-FR" smtClean="0"/>
               <a:pPr/>
-              <a:t>10/05/2012</a:t>
+              <a:t>11/05/2012</a:t>
             </a:fld>
             <a:endParaRPr lang="fr-FR"/>
           </a:p>
@@ -1927,107 +1926,6 @@
 </p:notes>
 </file>
 
-<file path=ppt/notesSlides/notesSlide22.xml><?xml version="1.0" encoding="utf-8"?>
-<p:notes xmlns:a="http://schemas.openxmlformats.org/drawingml/2006/main" xmlns:r="http://schemas.openxmlformats.org/officeDocument/2006/relationships" xmlns:p="http://schemas.openxmlformats.org/presentationml/2006/main">
-  <p:cSld>
-    <p:spTree>
-      <p:nvGrpSpPr>
-        <p:cNvPr id="1" name=""/>
-        <p:cNvGrpSpPr/>
-        <p:nvPr/>
-      </p:nvGrpSpPr>
-      <p:grpSpPr>
-        <a:xfrm>
-          <a:off x="0" y="0"/>
-          <a:ext cx="0" cy="0"/>
-          <a:chOff x="0" y="0"/>
-          <a:chExt cx="0" cy="0"/>
-        </a:xfrm>
-      </p:grpSpPr>
-      <p:sp>
-        <p:nvSpPr>
-          <p:cNvPr id="21506" name="Espace réservé de l'image des diapositives 1"/>
-          <p:cNvSpPr>
-            <a:spLocks noGrp="1" noRot="1" noChangeAspect="1" noTextEdit="1"/>
-          </p:cNvSpPr>
-          <p:nvPr>
-            <p:ph type="sldImg"/>
-          </p:nvPr>
-        </p:nvSpPr>
-        <p:spPr bwMode="auto">
-          <a:noFill/>
-          <a:ln>
-            <a:solidFill>
-              <a:srgbClr val="000000"/>
-            </a:solidFill>
-            <a:miter lim="800000"/>
-            <a:headEnd/>
-            <a:tailEnd/>
-          </a:ln>
-        </p:spPr>
-      </p:sp>
-      <p:sp>
-        <p:nvSpPr>
-          <p:cNvPr id="21507" name="Espace réservé des commentaires 2"/>
-          <p:cNvSpPr>
-            <a:spLocks noGrp="1"/>
-          </p:cNvSpPr>
-          <p:nvPr>
-            <p:ph type="body" idx="1"/>
-          </p:nvPr>
-        </p:nvSpPr>
-        <p:spPr bwMode="auto">
-          <a:noFill/>
-        </p:spPr>
-        <p:txBody>
-          <a:bodyPr wrap="square" numCol="1" anchor="t" anchorCtr="0" compatLnSpc="1">
-            <a:prstTxWarp prst="textNoShape">
-              <a:avLst/>
-            </a:prstTxWarp>
-          </a:bodyPr>
-          <a:lstStyle/>
-          <a:p>
-            <a:endParaRPr lang="fr-FR" smtClean="0"/>
-          </a:p>
-        </p:txBody>
-      </p:sp>
-      <p:sp>
-        <p:nvSpPr>
-          <p:cNvPr id="4" name="Espace réservé du numéro de diapositive 3"/>
-          <p:cNvSpPr>
-            <a:spLocks noGrp="1"/>
-          </p:cNvSpPr>
-          <p:nvPr>
-            <p:ph type="sldNum" sz="quarter" idx="5"/>
-          </p:nvPr>
-        </p:nvSpPr>
-        <p:spPr/>
-        <p:txBody>
-          <a:bodyPr/>
-          <a:lstStyle/>
-          <a:p>
-            <a:pPr>
-              <a:defRPr/>
-            </a:pPr>
-            <a:fld id="{445C0ADE-5444-4AF0-8585-266DB2CCD55E}" type="slidenum">
-              <a:rPr lang="fr-FR" smtClean="0"/>
-              <a:pPr>
-                <a:defRPr/>
-              </a:pPr>
-              <a:t>22</a:t>
-            </a:fld>
-            <a:endParaRPr lang="fr-FR"/>
-          </a:p>
-        </p:txBody>
-      </p:sp>
-    </p:spTree>
-  </p:cSld>
-  <p:clrMapOvr>
-    <a:masterClrMapping/>
-  </p:clrMapOvr>
-</p:notes>
-</file>
-
 <file path=ppt/notesSlides/notesSlide3.xml><?xml version="1.0" encoding="utf-8"?>
 <p:notes xmlns:a="http://schemas.openxmlformats.org/drawingml/2006/main" xmlns:r="http://schemas.openxmlformats.org/officeDocument/2006/relationships" xmlns:p="http://schemas.openxmlformats.org/presentationml/2006/main">
   <p:cSld>
@@ -2917,7 +2815,7 @@
             <a:fld id="{AC7A4BCE-9077-4C54-9508-1B20BF73281A}" type="datetimeFigureOut">
               <a:rPr lang="fr-FR" smtClean="0"/>
               <a:pPr/>
-              <a:t>10/05/2012</a:t>
+              <a:t>11/05/2012</a:t>
             </a:fld>
             <a:endParaRPr lang="fr-FR"/>
           </a:p>
@@ -3084,7 +2982,7 @@
             <a:fld id="{AC7A4BCE-9077-4C54-9508-1B20BF73281A}" type="datetimeFigureOut">
               <a:rPr lang="fr-FR" smtClean="0"/>
               <a:pPr/>
-              <a:t>10/05/2012</a:t>
+              <a:t>11/05/2012</a:t>
             </a:fld>
             <a:endParaRPr lang="fr-FR"/>
           </a:p>
@@ -3261,7 +3159,7 @@
             <a:fld id="{AC7A4BCE-9077-4C54-9508-1B20BF73281A}" type="datetimeFigureOut">
               <a:rPr lang="fr-FR" smtClean="0"/>
               <a:pPr/>
-              <a:t>10/05/2012</a:t>
+              <a:t>11/05/2012</a:t>
             </a:fld>
             <a:endParaRPr lang="fr-FR"/>
           </a:p>
@@ -3428,7 +3326,7 @@
             <a:fld id="{AC7A4BCE-9077-4C54-9508-1B20BF73281A}" type="datetimeFigureOut">
               <a:rPr lang="fr-FR" smtClean="0"/>
               <a:pPr/>
-              <a:t>10/05/2012</a:t>
+              <a:t>11/05/2012</a:t>
             </a:fld>
             <a:endParaRPr lang="fr-FR"/>
           </a:p>
@@ -3671,7 +3569,7 @@
             <a:fld id="{AC7A4BCE-9077-4C54-9508-1B20BF73281A}" type="datetimeFigureOut">
               <a:rPr lang="fr-FR" smtClean="0"/>
               <a:pPr/>
-              <a:t>10/05/2012</a:t>
+              <a:t>11/05/2012</a:t>
             </a:fld>
             <a:endParaRPr lang="fr-FR"/>
           </a:p>
@@ -3956,7 +3854,7 @@
             <a:fld id="{AC7A4BCE-9077-4C54-9508-1B20BF73281A}" type="datetimeFigureOut">
               <a:rPr lang="fr-FR" smtClean="0"/>
               <a:pPr/>
-              <a:t>10/05/2012</a:t>
+              <a:t>11/05/2012</a:t>
             </a:fld>
             <a:endParaRPr lang="fr-FR"/>
           </a:p>
@@ -4375,7 +4273,7 @@
             <a:fld id="{AC7A4BCE-9077-4C54-9508-1B20BF73281A}" type="datetimeFigureOut">
               <a:rPr lang="fr-FR" smtClean="0"/>
               <a:pPr/>
-              <a:t>10/05/2012</a:t>
+              <a:t>11/05/2012</a:t>
             </a:fld>
             <a:endParaRPr lang="fr-FR"/>
           </a:p>
@@ -4490,7 +4388,7 @@
             <a:fld id="{AC7A4BCE-9077-4C54-9508-1B20BF73281A}" type="datetimeFigureOut">
               <a:rPr lang="fr-FR" smtClean="0"/>
               <a:pPr/>
-              <a:t>10/05/2012</a:t>
+              <a:t>11/05/2012</a:t>
             </a:fld>
             <a:endParaRPr lang="fr-FR"/>
           </a:p>
@@ -4582,7 +4480,7 @@
             <a:fld id="{AC7A4BCE-9077-4C54-9508-1B20BF73281A}" type="datetimeFigureOut">
               <a:rPr lang="fr-FR" smtClean="0"/>
               <a:pPr/>
-              <a:t>10/05/2012</a:t>
+              <a:t>11/05/2012</a:t>
             </a:fld>
             <a:endParaRPr lang="fr-FR"/>
           </a:p>
@@ -4856,7 +4754,7 @@
             <a:fld id="{AC7A4BCE-9077-4C54-9508-1B20BF73281A}" type="datetimeFigureOut">
               <a:rPr lang="fr-FR" smtClean="0"/>
               <a:pPr/>
-              <a:t>10/05/2012</a:t>
+              <a:t>11/05/2012</a:t>
             </a:fld>
             <a:endParaRPr lang="fr-FR"/>
           </a:p>
@@ -5106,7 +5004,7 @@
             <a:fld id="{AC7A4BCE-9077-4C54-9508-1B20BF73281A}" type="datetimeFigureOut">
               <a:rPr lang="fr-FR" smtClean="0"/>
               <a:pPr/>
-              <a:t>10/05/2012</a:t>
+              <a:t>11/05/2012</a:t>
             </a:fld>
             <a:endParaRPr lang="fr-FR"/>
           </a:p>
@@ -5319,7 +5217,7 @@
             <a:fld id="{AC7A4BCE-9077-4C54-9508-1B20BF73281A}" type="datetimeFigureOut">
               <a:rPr lang="fr-FR" smtClean="0"/>
               <a:pPr/>
-              <a:t>10/05/2012</a:t>
+              <a:t>11/05/2012</a:t>
             </a:fld>
             <a:endParaRPr lang="fr-FR"/>
           </a:p>
@@ -5898,13 +5796,13 @@
   <p:clrMapOvr>
     <a:masterClrMapping/>
   </p:clrMapOvr>
-  <mc:AlternateContent xmlns:mc="http://schemas.openxmlformats.org/markup-compatibility/2006">
-    <mc:Choice xmlns:p14="http://schemas.microsoft.com/office/powerpoint/2010/main" Requires="p14">
+  <mc:AlternateContent xmlns:mc="http://schemas.openxmlformats.org/markup-compatibility/2006" xmlns:p14="http://schemas.microsoft.com/office/powerpoint/2010/main">
+    <mc:Choice Requires="p14">
       <p:transition spd="med">
         <p14:gallery dir="l"/>
       </p:transition>
     </mc:Choice>
-    <mc:Fallback>
+    <mc:Fallback xmlns="">
       <p:transition spd="med">
         <p:fade/>
       </p:transition>
@@ -5959,7 +5857,7 @@
           <a:p>
             <a:r>
               <a:rPr lang="fr-FR" dirty="0" smtClean="0"/>
-              <a:t>Choix technologiques</a:t>
+              <a:t>Besoins organisationnels</a:t>
             </a:r>
           </a:p>
         </p:txBody>
@@ -5982,12 +5880,9 @@
         </p:spPr>
         <p:txBody>
           <a:bodyPr>
-            <a:normAutofit/>
+            <a:normAutofit fontScale="92500"/>
           </a:bodyPr>
           <a:lstStyle/>
-          <a:p>
-            <a:endParaRPr lang="fr-FR" dirty="0" smtClean="0"/>
-          </a:p>
           <a:p>
             <a:pPr>
               <a:lnSpc>
@@ -5996,55 +5891,52 @@
             </a:pPr>
             <a:r>
               <a:rPr lang="fr-FR" dirty="0" smtClean="0"/>
-              <a:t>PHP &amp; </a:t>
-            </a:r>
-            <a:r>
-              <a:rPr lang="fr-FR" dirty="0" err="1" smtClean="0"/>
-              <a:t>CodeIgniter</a:t>
-            </a:r>
-            <a:endParaRPr lang="fr-FR" dirty="0" smtClean="0"/>
-          </a:p>
-          <a:p>
-            <a:pPr>
+              <a:t>Simplifier le processus d’accréditation</a:t>
+            </a:r>
+          </a:p>
+          <a:p>
+            <a:pPr lvl="1">
               <a:lnSpc>
-                <a:spcPct val="170000"/>
+                <a:spcPct val="200000"/>
               </a:lnSpc>
             </a:pPr>
             <a:r>
               <a:rPr lang="fr-FR" dirty="0" smtClean="0"/>
-              <a:t>Base de données MySQL</a:t>
-            </a:r>
-          </a:p>
-          <a:p>
-            <a:pPr>
+              <a:t>Inscription, validation &amp; impression simplifiés</a:t>
+            </a:r>
+          </a:p>
+          <a:p>
+            <a:pPr lvl="1">
               <a:lnSpc>
-                <a:spcPct val="170000"/>
+                <a:spcPct val="200000"/>
               </a:lnSpc>
             </a:pPr>
             <a:r>
-              <a:rPr lang="fr-FR" dirty="0" err="1" smtClean="0"/>
-              <a:t>JQuery</a:t>
-            </a:r>
-            <a:endParaRPr lang="fr-FR" dirty="0" smtClean="0"/>
-          </a:p>
-          <a:p>
-            <a:pPr>
+              <a:rPr lang="fr-FR" dirty="0" smtClean="0"/>
+              <a:t>Accès rapide &amp; ergonomie soignée</a:t>
+            </a:r>
+          </a:p>
+          <a:p>
+            <a:pPr lvl="1">
               <a:lnSpc>
-                <a:spcPct val="170000"/>
+                <a:spcPct val="200000"/>
               </a:lnSpc>
             </a:pPr>
             <a:r>
               <a:rPr lang="fr-FR" dirty="0" smtClean="0"/>
-              <a:t>Adobe Flash</a:t>
-            </a:r>
-          </a:p>
-          <a:p>
-            <a:pPr>
+              <a:t>Outils génériques d’exportation sous divers formats</a:t>
+            </a:r>
+          </a:p>
+          <a:p>
+            <a:pPr lvl="1">
               <a:lnSpc>
-                <a:spcPct val="170000"/>
+                <a:spcPct val="200000"/>
               </a:lnSpc>
             </a:pPr>
-            <a:endParaRPr lang="fr-FR" dirty="0" smtClean="0"/>
+            <a:r>
+              <a:rPr lang="fr-FR" dirty="0" smtClean="0"/>
+              <a:t>Application non restreinte au seul cas de Courchevel</a:t>
+            </a:r>
           </a:p>
         </p:txBody>
       </p:sp>
@@ -6104,6 +5996,440 @@
                 <a:defRPr/>
               </a:pPr>
               <a:t>10</a:t>
+            </a:fld>
+            <a:endParaRPr lang="fr-FR"/>
+          </a:p>
+        </p:txBody>
+      </p:sp>
+    </p:spTree>
+    <p:extLst>
+      <p:ext uri="{BB962C8B-B14F-4D97-AF65-F5344CB8AC3E}">
+        <p14:creationId xmlns:p14="http://schemas.microsoft.com/office/powerpoint/2010/main" val="2426875742"/>
+      </p:ext>
+    </p:extLst>
+  </p:cSld>
+  <p:clrMapOvr>
+    <a:masterClrMapping/>
+  </p:clrMapOvr>
+  <mc:AlternateContent xmlns:mc="http://schemas.openxmlformats.org/markup-compatibility/2006" xmlns:p14="http://schemas.microsoft.com/office/powerpoint/2010/main">
+    <mc:Choice Requires="p14">
+      <p:transition spd="med">
+        <p14:gallery dir="l"/>
+      </p:transition>
+    </mc:Choice>
+    <mc:Fallback xmlns="">
+      <p:transition spd="med">
+        <p:fade/>
+      </p:transition>
+    </mc:Fallback>
+  </mc:AlternateContent>
+  <p:timing>
+    <p:tnLst>
+      <p:par>
+        <p:cTn id="1" dur="indefinite" restart="never" nodeType="tmRoot">
+          <p:childTnLst>
+            <p:seq concurrent="1" nextAc="seek">
+              <p:cTn id="2" dur="indefinite" nodeType="mainSeq">
+                <p:childTnLst>
+                  <p:par>
+                    <p:cTn id="3" fill="hold">
+                      <p:stCondLst>
+                        <p:cond delay="indefinite"/>
+                      </p:stCondLst>
+                      <p:childTnLst>
+                        <p:par>
+                          <p:cTn id="4" fill="hold">
+                            <p:stCondLst>
+                              <p:cond delay="0"/>
+                            </p:stCondLst>
+                            <p:childTnLst>
+                              <p:par>
+                                <p:cTn id="5" presetID="10" presetClass="entr" presetSubtype="0" fill="hold" nodeType="clickEffect">
+                                  <p:stCondLst>
+                                    <p:cond delay="0"/>
+                                  </p:stCondLst>
+                                  <p:childTnLst>
+                                    <p:set>
+                                      <p:cBhvr>
+                                        <p:cTn id="6" dur="1" fill="hold">
+                                          <p:stCondLst>
+                                            <p:cond delay="0"/>
+                                          </p:stCondLst>
+                                        </p:cTn>
+                                        <p:tgtEl>
+                                          <p:spTgt spid="3075">
+                                            <p:txEl>
+                                              <p:pRg st="1" end="1"/>
+                                            </p:txEl>
+                                          </p:spTgt>
+                                        </p:tgtEl>
+                                        <p:attrNameLst>
+                                          <p:attrName>style.visibility</p:attrName>
+                                        </p:attrNameLst>
+                                      </p:cBhvr>
+                                      <p:to>
+                                        <p:strVal val="visible"/>
+                                      </p:to>
+                                    </p:set>
+                                    <p:animEffect transition="in" filter="fade">
+                                      <p:cBhvr>
+                                        <p:cTn id="7" dur="500"/>
+                                        <p:tgtEl>
+                                          <p:spTgt spid="3075">
+                                            <p:txEl>
+                                              <p:pRg st="1" end="1"/>
+                                            </p:txEl>
+                                          </p:spTgt>
+                                        </p:tgtEl>
+                                      </p:cBhvr>
+                                    </p:animEffect>
+                                  </p:childTnLst>
+                                </p:cTn>
+                              </p:par>
+                              <p:par>
+                                <p:cTn id="8" presetID="10" presetClass="entr" presetSubtype="0" fill="hold" nodeType="withEffect">
+                                  <p:stCondLst>
+                                    <p:cond delay="0"/>
+                                  </p:stCondLst>
+                                  <p:childTnLst>
+                                    <p:set>
+                                      <p:cBhvr>
+                                        <p:cTn id="9" dur="1" fill="hold">
+                                          <p:stCondLst>
+                                            <p:cond delay="0"/>
+                                          </p:stCondLst>
+                                        </p:cTn>
+                                        <p:tgtEl>
+                                          <p:spTgt spid="3075">
+                                            <p:txEl>
+                                              <p:pRg st="2" end="2"/>
+                                            </p:txEl>
+                                          </p:spTgt>
+                                        </p:tgtEl>
+                                        <p:attrNameLst>
+                                          <p:attrName>style.visibility</p:attrName>
+                                        </p:attrNameLst>
+                                      </p:cBhvr>
+                                      <p:to>
+                                        <p:strVal val="visible"/>
+                                      </p:to>
+                                    </p:set>
+                                    <p:animEffect transition="in" filter="fade">
+                                      <p:cBhvr>
+                                        <p:cTn id="10" dur="500"/>
+                                        <p:tgtEl>
+                                          <p:spTgt spid="3075">
+                                            <p:txEl>
+                                              <p:pRg st="2" end="2"/>
+                                            </p:txEl>
+                                          </p:spTgt>
+                                        </p:tgtEl>
+                                      </p:cBhvr>
+                                    </p:animEffect>
+                                  </p:childTnLst>
+                                </p:cTn>
+                              </p:par>
+                              <p:par>
+                                <p:cTn id="11" presetID="10" presetClass="entr" presetSubtype="0" fill="hold" nodeType="withEffect">
+                                  <p:stCondLst>
+                                    <p:cond delay="0"/>
+                                  </p:stCondLst>
+                                  <p:childTnLst>
+                                    <p:set>
+                                      <p:cBhvr>
+                                        <p:cTn id="12" dur="1" fill="hold">
+                                          <p:stCondLst>
+                                            <p:cond delay="0"/>
+                                          </p:stCondLst>
+                                        </p:cTn>
+                                        <p:tgtEl>
+                                          <p:spTgt spid="3075">
+                                            <p:txEl>
+                                              <p:pRg st="3" end="3"/>
+                                            </p:txEl>
+                                          </p:spTgt>
+                                        </p:tgtEl>
+                                        <p:attrNameLst>
+                                          <p:attrName>style.visibility</p:attrName>
+                                        </p:attrNameLst>
+                                      </p:cBhvr>
+                                      <p:to>
+                                        <p:strVal val="visible"/>
+                                      </p:to>
+                                    </p:set>
+                                    <p:animEffect transition="in" filter="fade">
+                                      <p:cBhvr>
+                                        <p:cTn id="13" dur="500"/>
+                                        <p:tgtEl>
+                                          <p:spTgt spid="3075">
+                                            <p:txEl>
+                                              <p:pRg st="3" end="3"/>
+                                            </p:txEl>
+                                          </p:spTgt>
+                                        </p:tgtEl>
+                                      </p:cBhvr>
+                                    </p:animEffect>
+                                  </p:childTnLst>
+                                </p:cTn>
+                              </p:par>
+                              <p:par>
+                                <p:cTn id="14" presetID="10" presetClass="entr" presetSubtype="0" fill="hold" nodeType="withEffect">
+                                  <p:stCondLst>
+                                    <p:cond delay="0"/>
+                                  </p:stCondLst>
+                                  <p:childTnLst>
+                                    <p:set>
+                                      <p:cBhvr>
+                                        <p:cTn id="15" dur="1" fill="hold">
+                                          <p:stCondLst>
+                                            <p:cond delay="0"/>
+                                          </p:stCondLst>
+                                        </p:cTn>
+                                        <p:tgtEl>
+                                          <p:spTgt spid="3075">
+                                            <p:txEl>
+                                              <p:pRg st="4" end="4"/>
+                                            </p:txEl>
+                                          </p:spTgt>
+                                        </p:tgtEl>
+                                        <p:attrNameLst>
+                                          <p:attrName>style.visibility</p:attrName>
+                                        </p:attrNameLst>
+                                      </p:cBhvr>
+                                      <p:to>
+                                        <p:strVal val="visible"/>
+                                      </p:to>
+                                    </p:set>
+                                    <p:animEffect transition="in" filter="fade">
+                                      <p:cBhvr>
+                                        <p:cTn id="16" dur="500"/>
+                                        <p:tgtEl>
+                                          <p:spTgt spid="3075">
+                                            <p:txEl>
+                                              <p:pRg st="4" end="4"/>
+                                            </p:txEl>
+                                          </p:spTgt>
+                                        </p:tgtEl>
+                                      </p:cBhvr>
+                                    </p:animEffect>
+                                  </p:childTnLst>
+                                </p:cTn>
+                              </p:par>
+                            </p:childTnLst>
+                          </p:cTn>
+                        </p:par>
+                      </p:childTnLst>
+                    </p:cTn>
+                  </p:par>
+                </p:childTnLst>
+              </p:cTn>
+              <p:prevCondLst>
+                <p:cond evt="onPrev" delay="0">
+                  <p:tgtEl>
+                    <p:sldTgt/>
+                  </p:tgtEl>
+                </p:cond>
+              </p:prevCondLst>
+              <p:nextCondLst>
+                <p:cond evt="onNext" delay="0">
+                  <p:tgtEl>
+                    <p:sldTgt/>
+                  </p:tgtEl>
+                </p:cond>
+              </p:nextCondLst>
+            </p:seq>
+          </p:childTnLst>
+        </p:cTn>
+      </p:par>
+    </p:tnLst>
+  </p:timing>
+</p:sld>
+</file>
+
+<file path=ppt/slides/slide11.xml><?xml version="1.0" encoding="utf-8"?>
+<p:sld xmlns:a="http://schemas.openxmlformats.org/drawingml/2006/main" xmlns:r="http://schemas.openxmlformats.org/officeDocument/2006/relationships" xmlns:p="http://schemas.openxmlformats.org/presentationml/2006/main">
+  <p:cSld>
+    <p:spTree>
+      <p:nvGrpSpPr>
+        <p:cNvPr id="1" name=""/>
+        <p:cNvGrpSpPr/>
+        <p:nvPr/>
+      </p:nvGrpSpPr>
+      <p:grpSpPr>
+        <a:xfrm>
+          <a:off x="0" y="0"/>
+          <a:ext cx="0" cy="0"/>
+          <a:chOff x="0" y="0"/>
+          <a:chExt cx="0" cy="0"/>
+        </a:xfrm>
+      </p:grpSpPr>
+      <p:sp>
+        <p:nvSpPr>
+          <p:cNvPr id="3074" name="Titre 1"/>
+          <p:cNvSpPr>
+            <a:spLocks noGrp="1"/>
+          </p:cNvSpPr>
+          <p:nvPr>
+            <p:ph type="title"/>
+          </p:nvPr>
+        </p:nvSpPr>
+        <p:spPr>
+          <a:xfrm>
+            <a:off x="457200" y="773832"/>
+            <a:ext cx="8229600" cy="1143000"/>
+          </a:xfrm>
+        </p:spPr>
+        <p:txBody>
+          <a:bodyPr/>
+          <a:lstStyle/>
+          <a:p>
+            <a:r>
+              <a:rPr lang="fr-FR" dirty="0" smtClean="0"/>
+              <a:t>Choix technologiques</a:t>
+            </a:r>
+          </a:p>
+        </p:txBody>
+      </p:sp>
+      <p:sp>
+        <p:nvSpPr>
+          <p:cNvPr id="3075" name="Espace réservé du contenu 2"/>
+          <p:cNvSpPr>
+            <a:spLocks noGrp="1"/>
+          </p:cNvSpPr>
+          <p:nvPr>
+            <p:ph idx="1"/>
+          </p:nvPr>
+        </p:nvSpPr>
+        <p:spPr>
+          <a:xfrm>
+            <a:off x="457200" y="1600200"/>
+            <a:ext cx="8229600" cy="5141168"/>
+          </a:xfrm>
+        </p:spPr>
+        <p:txBody>
+          <a:bodyPr>
+            <a:normAutofit/>
+          </a:bodyPr>
+          <a:lstStyle/>
+          <a:p>
+            <a:endParaRPr lang="fr-FR" dirty="0" smtClean="0"/>
+          </a:p>
+          <a:p>
+            <a:pPr>
+              <a:lnSpc>
+                <a:spcPct val="170000"/>
+              </a:lnSpc>
+            </a:pPr>
+            <a:r>
+              <a:rPr lang="fr-FR" dirty="0" smtClean="0"/>
+              <a:t>PHP &amp; </a:t>
+            </a:r>
+            <a:r>
+              <a:rPr lang="fr-FR" dirty="0" err="1" smtClean="0"/>
+              <a:t>CodeIgniter</a:t>
+            </a:r>
+            <a:endParaRPr lang="fr-FR" dirty="0" smtClean="0"/>
+          </a:p>
+          <a:p>
+            <a:pPr>
+              <a:lnSpc>
+                <a:spcPct val="170000"/>
+              </a:lnSpc>
+            </a:pPr>
+            <a:r>
+              <a:rPr lang="fr-FR" dirty="0" smtClean="0"/>
+              <a:t>Base de données MySQL</a:t>
+            </a:r>
+          </a:p>
+          <a:p>
+            <a:pPr>
+              <a:lnSpc>
+                <a:spcPct val="170000"/>
+              </a:lnSpc>
+            </a:pPr>
+            <a:r>
+              <a:rPr lang="fr-FR" dirty="0" err="1" smtClean="0"/>
+              <a:t>JQuery</a:t>
+            </a:r>
+            <a:endParaRPr lang="fr-FR" dirty="0" smtClean="0"/>
+          </a:p>
+          <a:p>
+            <a:pPr>
+              <a:lnSpc>
+                <a:spcPct val="170000"/>
+              </a:lnSpc>
+            </a:pPr>
+            <a:r>
+              <a:rPr lang="fr-FR" dirty="0" smtClean="0"/>
+              <a:t>Adobe Flash</a:t>
+            </a:r>
+          </a:p>
+          <a:p>
+            <a:pPr>
+              <a:lnSpc>
+                <a:spcPct val="170000"/>
+              </a:lnSpc>
+            </a:pPr>
+            <a:endParaRPr lang="fr-FR" dirty="0" smtClean="0"/>
+          </a:p>
+        </p:txBody>
+      </p:sp>
+      <p:pic>
+        <p:nvPicPr>
+          <p:cNvPr id="3076" name="Image 4"/>
+          <p:cNvPicPr>
+            <a:picLocks noChangeAspect="1"/>
+          </p:cNvPicPr>
+          <p:nvPr/>
+        </p:nvPicPr>
+        <p:blipFill>
+          <a:blip r:embed="rId3" cstate="print"/>
+          <a:srcRect/>
+          <a:stretch>
+            <a:fillRect/>
+          </a:stretch>
+        </p:blipFill>
+        <p:spPr bwMode="auto">
+          <a:xfrm>
+            <a:off x="0" y="0"/>
+            <a:ext cx="9144000" cy="646113"/>
+          </a:xfrm>
+          <a:prstGeom prst="rect">
+            <a:avLst/>
+          </a:prstGeom>
+          <a:noFill/>
+          <a:ln w="9525">
+            <a:noFill/>
+            <a:miter lim="800000"/>
+            <a:headEnd/>
+            <a:tailEnd/>
+          </a:ln>
+        </p:spPr>
+      </p:pic>
+      <p:sp>
+        <p:nvSpPr>
+          <p:cNvPr id="2" name="Espace réservé du numéro de diapositive 1"/>
+          <p:cNvSpPr>
+            <a:spLocks noGrp="1"/>
+          </p:cNvSpPr>
+          <p:nvPr>
+            <p:ph type="sldNum" sz="quarter" idx="12"/>
+          </p:nvPr>
+        </p:nvSpPr>
+        <p:spPr/>
+        <p:txBody>
+          <a:bodyPr/>
+          <a:lstStyle/>
+          <a:p>
+            <a:pPr>
+              <a:defRPr/>
+            </a:pPr>
+            <a:fld id="{CEE9F434-548C-4338-8DF1-58B3EAFD3701}" type="slidenum">
+              <a:rPr lang="fr-FR" smtClean="0"/>
+              <a:pPr>
+                <a:defRPr/>
+              </a:pPr>
+              <a:t>11</a:t>
             </a:fld>
             <a:endParaRPr lang="fr-FR"/>
           </a:p>
@@ -6149,253 +6475,13 @@
   <p:clrMapOvr>
     <a:masterClrMapping/>
   </p:clrMapOvr>
-  <mc:AlternateContent xmlns:mc="http://schemas.openxmlformats.org/markup-compatibility/2006">
-    <mc:Choice xmlns:p14="http://schemas.microsoft.com/office/powerpoint/2010/main" Requires="p14">
+  <mc:AlternateContent xmlns:mc="http://schemas.openxmlformats.org/markup-compatibility/2006" xmlns:p14="http://schemas.microsoft.com/office/powerpoint/2010/main">
+    <mc:Choice Requires="p14">
       <p:transition spd="med">
         <p14:gallery dir="l"/>
       </p:transition>
     </mc:Choice>
-    <mc:Fallback>
-      <p:transition spd="med">
-        <p:fade/>
-      </p:transition>
-    </mc:Fallback>
-  </mc:AlternateContent>
-  <p:timing>
-    <p:tnLst>
-      <p:par>
-        <p:cTn id="1" dur="indefinite" restart="never" nodeType="tmRoot"/>
-      </p:par>
-    </p:tnLst>
-  </p:timing>
-</p:sld>
-</file>
-
-<file path=ppt/slides/slide11.xml><?xml version="1.0" encoding="utf-8"?>
-<p:sld xmlns:a="http://schemas.openxmlformats.org/drawingml/2006/main" xmlns:r="http://schemas.openxmlformats.org/officeDocument/2006/relationships" xmlns:p="http://schemas.openxmlformats.org/presentationml/2006/main">
-  <p:cSld>
-    <p:spTree>
-      <p:nvGrpSpPr>
-        <p:cNvPr id="1" name=""/>
-        <p:cNvGrpSpPr/>
-        <p:nvPr/>
-      </p:nvGrpSpPr>
-      <p:grpSpPr>
-        <a:xfrm>
-          <a:off x="0" y="0"/>
-          <a:ext cx="0" cy="0"/>
-          <a:chOff x="0" y="0"/>
-          <a:chExt cx="0" cy="0"/>
-        </a:xfrm>
-      </p:grpSpPr>
-      <p:sp>
-        <p:nvSpPr>
-          <p:cNvPr id="3074" name="Titre 1"/>
-          <p:cNvSpPr>
-            <a:spLocks noGrp="1"/>
-          </p:cNvSpPr>
-          <p:nvPr>
-            <p:ph type="title"/>
-          </p:nvPr>
-        </p:nvSpPr>
-        <p:spPr>
-          <a:xfrm>
-            <a:off x="457200" y="773832"/>
-            <a:ext cx="8229600" cy="1143000"/>
-          </a:xfrm>
-        </p:spPr>
-        <p:txBody>
-          <a:bodyPr/>
-          <a:lstStyle/>
-          <a:p>
-            <a:r>
-              <a:rPr lang="fr-FR" dirty="0" smtClean="0"/>
-              <a:t>Plan</a:t>
-            </a:r>
-          </a:p>
-        </p:txBody>
-      </p:sp>
-      <p:sp>
-        <p:nvSpPr>
-          <p:cNvPr id="3075" name="Espace réservé du contenu 2"/>
-          <p:cNvSpPr>
-            <a:spLocks noGrp="1"/>
-          </p:cNvSpPr>
-          <p:nvPr>
-            <p:ph idx="1"/>
-          </p:nvPr>
-        </p:nvSpPr>
-        <p:spPr>
-          <a:xfrm>
-            <a:off x="457200" y="1600200"/>
-            <a:ext cx="8229600" cy="5141168"/>
-          </a:xfrm>
-        </p:spPr>
-        <p:txBody>
-          <a:bodyPr>
-            <a:normAutofit/>
-          </a:bodyPr>
-          <a:lstStyle/>
-          <a:p>
-            <a:pPr>
-              <a:lnSpc>
-                <a:spcPct val="170000"/>
-              </a:lnSpc>
-            </a:pPr>
-            <a:r>
-              <a:rPr lang="fr-FR" dirty="0" smtClean="0">
-                <a:solidFill>
-                  <a:schemeClr val="bg1">
-                    <a:lumMod val="50000"/>
-                  </a:schemeClr>
-                </a:solidFill>
-              </a:rPr>
-              <a:t>Le contexte</a:t>
-            </a:r>
-          </a:p>
-          <a:p>
-            <a:pPr>
-              <a:lnSpc>
-                <a:spcPct val="170000"/>
-              </a:lnSpc>
-            </a:pPr>
-            <a:r>
-              <a:rPr lang="fr-FR" dirty="0" smtClean="0">
-                <a:solidFill>
-                  <a:schemeClr val="bg1">
-                    <a:lumMod val="50000"/>
-                  </a:schemeClr>
-                </a:solidFill>
-              </a:rPr>
-              <a:t>Le projet</a:t>
-            </a:r>
-          </a:p>
-          <a:p>
-            <a:pPr>
-              <a:lnSpc>
-                <a:spcPct val="170000"/>
-              </a:lnSpc>
-            </a:pPr>
-            <a:r>
-              <a:rPr lang="fr-FR" dirty="0" smtClean="0"/>
-              <a:t>Conception</a:t>
-            </a:r>
-          </a:p>
-          <a:p>
-            <a:pPr>
-              <a:lnSpc>
-                <a:spcPct val="170000"/>
-              </a:lnSpc>
-            </a:pPr>
-            <a:r>
-              <a:rPr lang="fr-FR" dirty="0" smtClean="0">
-                <a:solidFill>
-                  <a:schemeClr val="bg1">
-                    <a:lumMod val="50000"/>
-                  </a:schemeClr>
-                </a:solidFill>
-              </a:rPr>
-              <a:t>Démonstration</a:t>
-            </a:r>
-          </a:p>
-          <a:p>
-            <a:pPr>
-              <a:lnSpc>
-                <a:spcPct val="170000"/>
-              </a:lnSpc>
-            </a:pPr>
-            <a:r>
-              <a:rPr lang="fr-FR" dirty="0" smtClean="0">
-                <a:solidFill>
-                  <a:schemeClr val="bg1">
-                    <a:lumMod val="50000"/>
-                  </a:schemeClr>
-                </a:solidFill>
-              </a:rPr>
-              <a:t>Gestion de projet</a:t>
-            </a:r>
-            <a:endParaRPr lang="fr-FR" dirty="0" smtClean="0"/>
-          </a:p>
-        </p:txBody>
-      </p:sp>
-      <p:pic>
-        <p:nvPicPr>
-          <p:cNvPr id="3076" name="Image 4"/>
-          <p:cNvPicPr>
-            <a:picLocks noChangeAspect="1"/>
-          </p:cNvPicPr>
-          <p:nvPr/>
-        </p:nvPicPr>
-        <p:blipFill>
-          <a:blip r:embed="rId3" cstate="print"/>
-          <a:srcRect/>
-          <a:stretch>
-            <a:fillRect/>
-          </a:stretch>
-        </p:blipFill>
-        <p:spPr bwMode="auto">
-          <a:xfrm>
-            <a:off x="0" y="0"/>
-            <a:ext cx="9144000" cy="646113"/>
-          </a:xfrm>
-          <a:prstGeom prst="rect">
-            <a:avLst/>
-          </a:prstGeom>
-          <a:noFill/>
-          <a:ln w="9525">
-            <a:noFill/>
-            <a:miter lim="800000"/>
-            <a:headEnd/>
-            <a:tailEnd/>
-          </a:ln>
-        </p:spPr>
-      </p:pic>
-      <p:sp>
-        <p:nvSpPr>
-          <p:cNvPr id="2" name="Espace réservé du numéro de diapositive 1"/>
-          <p:cNvSpPr>
-            <a:spLocks noGrp="1"/>
-          </p:cNvSpPr>
-          <p:nvPr>
-            <p:ph type="sldNum" sz="quarter" idx="12"/>
-          </p:nvPr>
-        </p:nvSpPr>
-        <p:spPr/>
-        <p:txBody>
-          <a:bodyPr/>
-          <a:lstStyle/>
-          <a:p>
-            <a:pPr>
-              <a:defRPr/>
-            </a:pPr>
-            <a:fld id="{CEE9F434-548C-4338-8DF1-58B3EAFD3701}" type="slidenum">
-              <a:rPr lang="fr-FR" smtClean="0"/>
-              <a:pPr>
-                <a:defRPr/>
-              </a:pPr>
-              <a:t>11</a:t>
-            </a:fld>
-            <a:endParaRPr lang="fr-FR"/>
-          </a:p>
-        </p:txBody>
-      </p:sp>
-    </p:spTree>
-    <p:extLst>
-      <p:ext uri="{BB962C8B-B14F-4D97-AF65-F5344CB8AC3E}">
-        <p14:creationId xmlns:p14="http://schemas.microsoft.com/office/powerpoint/2010/main" val="2623020860"/>
-      </p:ext>
-    </p:extLst>
-  </p:cSld>
-  <p:clrMapOvr>
-    <a:masterClrMapping/>
-  </p:clrMapOvr>
-  <mc:AlternateContent xmlns:mc="http://schemas.openxmlformats.org/markup-compatibility/2006">
-    <mc:Choice xmlns:p14="http://schemas.microsoft.com/office/powerpoint/2010/main" Requires="p14">
-      <p:transition spd="med">
-        <p14:gallery dir="l"/>
-      </p:transition>
-    </mc:Choice>
-    <mc:Fallback>
+    <mc:Fallback xmlns="">
       <p:transition spd="med">
         <p:fade/>
       </p:transition>
@@ -6428,9 +6514,139 @@
           <a:chExt cx="0" cy="0"/>
         </a:xfrm>
       </p:grpSpPr>
+      <p:sp>
+        <p:nvSpPr>
+          <p:cNvPr id="3074" name="Titre 1"/>
+          <p:cNvSpPr>
+            <a:spLocks noGrp="1"/>
+          </p:cNvSpPr>
+          <p:nvPr>
+            <p:ph type="title"/>
+          </p:nvPr>
+        </p:nvSpPr>
+        <p:spPr>
+          <a:xfrm>
+            <a:off x="457200" y="773832"/>
+            <a:ext cx="8229600" cy="1143000"/>
+          </a:xfrm>
+        </p:spPr>
+        <p:txBody>
+          <a:bodyPr/>
+          <a:lstStyle/>
+          <a:p>
+            <a:r>
+              <a:rPr lang="fr-FR" dirty="0" smtClean="0"/>
+              <a:t>Plan</a:t>
+            </a:r>
+          </a:p>
+        </p:txBody>
+      </p:sp>
+      <p:sp>
+        <p:nvSpPr>
+          <p:cNvPr id="3075" name="Espace réservé du contenu 2"/>
+          <p:cNvSpPr>
+            <a:spLocks noGrp="1"/>
+          </p:cNvSpPr>
+          <p:nvPr>
+            <p:ph idx="1"/>
+          </p:nvPr>
+        </p:nvSpPr>
+        <p:spPr>
+          <a:xfrm>
+            <a:off x="457200" y="1600200"/>
+            <a:ext cx="8229600" cy="5141168"/>
+          </a:xfrm>
+        </p:spPr>
+        <p:txBody>
+          <a:bodyPr>
+            <a:normAutofit/>
+          </a:bodyPr>
+          <a:lstStyle/>
+          <a:p>
+            <a:pPr>
+              <a:lnSpc>
+                <a:spcPct val="170000"/>
+              </a:lnSpc>
+            </a:pPr>
+            <a:r>
+              <a:rPr lang="fr-FR" dirty="0" smtClean="0">
+                <a:solidFill>
+                  <a:schemeClr val="bg1">
+                    <a:lumMod val="50000"/>
+                  </a:schemeClr>
+                </a:solidFill>
+              </a:rPr>
+              <a:t>Le contexte</a:t>
+            </a:r>
+          </a:p>
+          <a:p>
+            <a:pPr>
+              <a:lnSpc>
+                <a:spcPct val="170000"/>
+              </a:lnSpc>
+            </a:pPr>
+            <a:r>
+              <a:rPr lang="fr-FR" dirty="0" smtClean="0">
+                <a:solidFill>
+                  <a:schemeClr val="bg1">
+                    <a:lumMod val="50000"/>
+                  </a:schemeClr>
+                </a:solidFill>
+              </a:rPr>
+              <a:t>Les besoins initiaux</a:t>
+            </a:r>
+          </a:p>
+          <a:p>
+            <a:pPr>
+              <a:lnSpc>
+                <a:spcPct val="170000"/>
+              </a:lnSpc>
+            </a:pPr>
+            <a:r>
+              <a:rPr lang="fr-FR" dirty="0" smtClean="0"/>
+              <a:t>Conception</a:t>
+            </a:r>
+          </a:p>
+          <a:p>
+            <a:pPr>
+              <a:lnSpc>
+                <a:spcPct val="170000"/>
+              </a:lnSpc>
+            </a:pPr>
+            <a:r>
+              <a:rPr lang="fr-FR" dirty="0" smtClean="0">
+                <a:solidFill>
+                  <a:schemeClr val="bg1">
+                    <a:lumMod val="50000"/>
+                  </a:schemeClr>
+                </a:solidFill>
+              </a:rPr>
+              <a:t>Démonstration</a:t>
+            </a:r>
+          </a:p>
+          <a:p>
+            <a:pPr>
+              <a:lnSpc>
+                <a:spcPct val="170000"/>
+              </a:lnSpc>
+            </a:pPr>
+            <a:r>
+              <a:rPr lang="fr-FR" dirty="0" smtClean="0">
+                <a:solidFill>
+                  <a:schemeClr val="bg1">
+                    <a:lumMod val="50000"/>
+                  </a:schemeClr>
+                </a:solidFill>
+              </a:rPr>
+              <a:t>Gestion de projet</a:t>
+            </a:r>
+            <a:endParaRPr lang="fr-FR" dirty="0" smtClean="0"/>
+          </a:p>
+        </p:txBody>
+      </p:sp>
       <p:pic>
         <p:nvPicPr>
-          <p:cNvPr id="5" name="Image 4"/>
+          <p:cNvPr id="3076" name="Image 4"/>
           <p:cNvPicPr>
             <a:picLocks noChangeAspect="1"/>
           </p:cNvPicPr>
@@ -6462,7 +6678,7 @@
       </p:pic>
       <p:sp>
         <p:nvSpPr>
-          <p:cNvPr id="6" name="Espace réservé du numéro de diapositive 1"/>
+          <p:cNvPr id="2" name="Espace réservé du numéro de diapositive 1"/>
           <p:cNvSpPr>
             <a:spLocks noGrp="1"/>
           </p:cNvSpPr>
@@ -6470,12 +6686,7 @@
             <p:ph type="sldNum" sz="quarter" idx="12"/>
           </p:nvPr>
         </p:nvSpPr>
-        <p:spPr>
-          <a:xfrm>
-            <a:off x="6553200" y="6356350"/>
-            <a:ext cx="2133600" cy="365125"/>
-          </a:xfrm>
-        </p:spPr>
+        <p:spPr/>
         <p:txBody>
           <a:bodyPr/>
           <a:lstStyle/>
@@ -6494,366 +6705,23 @@
           </a:p>
         </p:txBody>
       </p:sp>
-      <p:sp>
-        <p:nvSpPr>
-          <p:cNvPr id="7" name="Titre 1"/>
-          <p:cNvSpPr>
-            <a:spLocks noGrp="1"/>
-          </p:cNvSpPr>
-          <p:nvPr>
-            <p:ph type="title"/>
-          </p:nvPr>
-        </p:nvSpPr>
-        <p:spPr>
-          <a:xfrm>
-            <a:off x="662880" y="116632"/>
-            <a:ext cx="8229600" cy="1143000"/>
-          </a:xfrm>
-        </p:spPr>
-        <p:txBody>
-          <a:bodyPr>
-            <a:normAutofit/>
-          </a:bodyPr>
-          <a:lstStyle/>
-          <a:p>
-            <a:pPr algn="r"/>
-            <a:r>
-              <a:rPr lang="fr-FR" sz="2800" dirty="0"/>
-              <a:t>Cas d’utilisation : Organisateur</a:t>
-            </a:r>
-            <a:endParaRPr lang="fr-FR" sz="2800" dirty="0" smtClean="0"/>
-          </a:p>
-        </p:txBody>
-      </p:sp>
-      <p:pic>
-        <p:nvPicPr>
-          <p:cNvPr id="1026" name="Picture 2" descr="D:\Univ\INFO 891 - Projet Professionnalisant\image\Sans titre.png"/>
-          <p:cNvPicPr>
-            <a:picLocks noChangeAspect="1" noChangeArrowheads="1"/>
-          </p:cNvPicPr>
-          <p:nvPr/>
-        </p:nvPicPr>
-        <p:blipFill>
-          <a:blip r:embed="rId4">
-            <a:clrChange>
-              <a:clrFrom>
-                <a:srgbClr val="FFFFFF"/>
-              </a:clrFrom>
-              <a:clrTo>
-                <a:srgbClr val="FFFFFF">
-                  <a:alpha val="0"/>
-                </a:srgbClr>
-              </a:clrTo>
-            </a:clrChange>
-            <a:extLst>
-              <a:ext uri="{28A0092B-C50C-407E-A947-70E740481C1C}">
-                <a14:useLocalDpi xmlns:a14="http://schemas.microsoft.com/office/drawing/2010/main" val="0"/>
-              </a:ext>
-            </a:extLst>
-          </a:blip>
-          <a:srcRect/>
-          <a:stretch>
-            <a:fillRect/>
-          </a:stretch>
-        </p:blipFill>
-        <p:spPr bwMode="auto">
-          <a:xfrm>
-            <a:off x="1403648" y="3402471"/>
-            <a:ext cx="561975" cy="638175"/>
-          </a:xfrm>
-          <a:prstGeom prst="rect">
-            <a:avLst/>
-          </a:prstGeom>
-          <a:noFill/>
-          <a:extLst>
-            <a:ext uri="{909E8E84-426E-40DD-AFC4-6F175D3DCCD1}">
-              <a14:hiddenFill xmlns:a14="http://schemas.microsoft.com/office/drawing/2010/main">
-                <a:solidFill>
-                  <a:srgbClr val="FFFFFF"/>
-                </a:solidFill>
-              </a14:hiddenFill>
-            </a:ext>
-          </a:extLst>
-        </p:spPr>
-      </p:pic>
-      <p:sp>
-        <p:nvSpPr>
-          <p:cNvPr id="2" name="ZoneTexte 1"/>
-          <p:cNvSpPr txBox="1"/>
-          <p:nvPr/>
-        </p:nvSpPr>
-        <p:spPr>
-          <a:xfrm>
-            <a:off x="971600" y="3978535"/>
-            <a:ext cx="1512168" cy="369332"/>
-          </a:xfrm>
-          <a:prstGeom prst="rect">
-            <a:avLst/>
-          </a:prstGeom>
-          <a:noFill/>
-        </p:spPr>
-        <p:txBody>
-          <a:bodyPr wrap="square" rtlCol="0">
-            <a:spAutoFit/>
-          </a:bodyPr>
-          <a:lstStyle/>
-          <a:p>
-            <a:r>
-              <a:rPr lang="fr-FR" dirty="0" smtClean="0"/>
-              <a:t>Organisateur</a:t>
-            </a:r>
-            <a:endParaRPr lang="fr-FR" dirty="0"/>
-          </a:p>
-        </p:txBody>
-      </p:sp>
-      <p:sp>
-        <p:nvSpPr>
-          <p:cNvPr id="3" name="Ellipse 2"/>
-          <p:cNvSpPr/>
-          <p:nvPr/>
-        </p:nvSpPr>
-        <p:spPr>
-          <a:xfrm>
-            <a:off x="3419872" y="3176262"/>
-            <a:ext cx="2736304" cy="1080120"/>
-          </a:xfrm>
-          <a:prstGeom prst="ellipse">
-            <a:avLst/>
-          </a:prstGeom>
-        </p:spPr>
-        <p:style>
-          <a:lnRef idx="2">
-            <a:schemeClr val="accent1">
-              <a:shade val="50000"/>
-            </a:schemeClr>
-          </a:lnRef>
-          <a:fillRef idx="1">
-            <a:schemeClr val="accent1"/>
-          </a:fillRef>
-          <a:effectRef idx="0">
-            <a:schemeClr val="accent1"/>
-          </a:effectRef>
-          <a:fontRef idx="minor">
-            <a:schemeClr val="lt1"/>
-          </a:fontRef>
-        </p:style>
-        <p:txBody>
-          <a:bodyPr rtlCol="0" anchor="ctr"/>
-          <a:lstStyle/>
-          <a:p>
-            <a:pPr algn="ctr"/>
-            <a:r>
-              <a:rPr lang="fr-FR" dirty="0" smtClean="0"/>
-              <a:t>Gérer des zones</a:t>
-            </a:r>
-            <a:endParaRPr lang="fr-FR" dirty="0"/>
-          </a:p>
-        </p:txBody>
-      </p:sp>
-      <p:sp>
-        <p:nvSpPr>
-          <p:cNvPr id="9" name="Ellipse 8"/>
-          <p:cNvSpPr/>
-          <p:nvPr/>
-        </p:nvSpPr>
-        <p:spPr>
-          <a:xfrm>
-            <a:off x="3419872" y="4437112"/>
-            <a:ext cx="2736304" cy="1080120"/>
-          </a:xfrm>
-          <a:prstGeom prst="ellipse">
-            <a:avLst/>
-          </a:prstGeom>
-        </p:spPr>
-        <p:style>
-          <a:lnRef idx="2">
-            <a:schemeClr val="accent1">
-              <a:shade val="50000"/>
-            </a:schemeClr>
-          </a:lnRef>
-          <a:fillRef idx="1">
-            <a:schemeClr val="accent1"/>
-          </a:fillRef>
-          <a:effectRef idx="0">
-            <a:schemeClr val="accent1"/>
-          </a:effectRef>
-          <a:fontRef idx="minor">
-            <a:schemeClr val="lt1"/>
-          </a:fontRef>
-        </p:style>
-        <p:txBody>
-          <a:bodyPr rtlCol="0" anchor="ctr"/>
-          <a:lstStyle/>
-          <a:p>
-            <a:pPr algn="ctr"/>
-            <a:r>
-              <a:rPr lang="fr-FR" dirty="0" smtClean="0"/>
-              <a:t>Gérer des catégories</a:t>
-            </a:r>
-            <a:endParaRPr lang="fr-FR" dirty="0"/>
-          </a:p>
-        </p:txBody>
-      </p:sp>
-      <p:sp>
-        <p:nvSpPr>
-          <p:cNvPr id="10" name="Ellipse 9"/>
-          <p:cNvSpPr/>
-          <p:nvPr/>
-        </p:nvSpPr>
-        <p:spPr>
-          <a:xfrm>
-            <a:off x="3203848" y="1545523"/>
-            <a:ext cx="3168352" cy="1250665"/>
-          </a:xfrm>
-          <a:prstGeom prst="ellipse">
-            <a:avLst/>
-          </a:prstGeom>
-        </p:spPr>
-        <p:style>
-          <a:lnRef idx="2">
-            <a:schemeClr val="accent1">
-              <a:shade val="50000"/>
-            </a:schemeClr>
-          </a:lnRef>
-          <a:fillRef idx="1">
-            <a:schemeClr val="accent1"/>
-          </a:fillRef>
-          <a:effectRef idx="0">
-            <a:schemeClr val="accent1"/>
-          </a:effectRef>
-          <a:fontRef idx="minor">
-            <a:schemeClr val="lt1"/>
-          </a:fontRef>
-        </p:style>
-        <p:txBody>
-          <a:bodyPr rtlCol="0" anchor="ctr"/>
-          <a:lstStyle/>
-          <a:p>
-            <a:pPr algn="ctr"/>
-            <a:r>
-              <a:rPr lang="fr-FR" dirty="0" smtClean="0"/>
-              <a:t>Gérer les évènements </a:t>
-            </a:r>
-            <a:endParaRPr lang="fr-FR" dirty="0"/>
-          </a:p>
-        </p:txBody>
-      </p:sp>
-      <p:cxnSp>
-        <p:nvCxnSpPr>
-          <p:cNvPr id="8" name="Connecteur droit 7"/>
-          <p:cNvCxnSpPr>
-            <a:stCxn id="1026" idx="3"/>
-            <a:endCxn id="3" idx="2"/>
-          </p:cNvCxnSpPr>
-          <p:nvPr/>
-        </p:nvCxnSpPr>
-        <p:spPr>
-          <a:xfrm flipV="1">
-            <a:off x="1965623" y="3716322"/>
-            <a:ext cx="1454249" cy="5237"/>
-          </a:xfrm>
-          <a:prstGeom prst="line">
-            <a:avLst/>
-          </a:prstGeom>
-        </p:spPr>
-        <p:style>
-          <a:lnRef idx="1">
-            <a:schemeClr val="accent1"/>
-          </a:lnRef>
-          <a:fillRef idx="0">
-            <a:schemeClr val="accent1"/>
-          </a:fillRef>
-          <a:effectRef idx="0">
-            <a:schemeClr val="accent1"/>
-          </a:effectRef>
-          <a:fontRef idx="minor">
-            <a:schemeClr val="tx1"/>
-          </a:fontRef>
-        </p:style>
-      </p:cxnSp>
-      <p:cxnSp>
-        <p:nvCxnSpPr>
-          <p:cNvPr id="12" name="Connecteur droit 11"/>
-          <p:cNvCxnSpPr>
-            <a:stCxn id="1026" idx="3"/>
-            <a:endCxn id="9" idx="2"/>
-          </p:cNvCxnSpPr>
-          <p:nvPr/>
-        </p:nvCxnSpPr>
-        <p:spPr>
-          <a:xfrm>
-            <a:off x="1965623" y="3721559"/>
-            <a:ext cx="1454249" cy="1255613"/>
-          </a:xfrm>
-          <a:prstGeom prst="line">
-            <a:avLst/>
-          </a:prstGeom>
-        </p:spPr>
-        <p:style>
-          <a:lnRef idx="1">
-            <a:schemeClr val="accent1"/>
-          </a:lnRef>
-          <a:fillRef idx="0">
-            <a:schemeClr val="accent1"/>
-          </a:fillRef>
-          <a:effectRef idx="0">
-            <a:schemeClr val="accent1"/>
-          </a:effectRef>
-          <a:fontRef idx="minor">
-            <a:schemeClr val="tx1"/>
-          </a:fontRef>
-        </p:style>
-      </p:cxnSp>
-      <p:cxnSp>
-        <p:nvCxnSpPr>
-          <p:cNvPr id="14" name="Connecteur droit 13"/>
-          <p:cNvCxnSpPr>
-            <a:stCxn id="1026" idx="3"/>
-            <a:endCxn id="10" idx="2"/>
-          </p:cNvCxnSpPr>
-          <p:nvPr/>
-        </p:nvCxnSpPr>
-        <p:spPr>
-          <a:xfrm flipV="1">
-            <a:off x="1965623" y="2170856"/>
-            <a:ext cx="1238225" cy="1550703"/>
-          </a:xfrm>
-          <a:prstGeom prst="line">
-            <a:avLst/>
-          </a:prstGeom>
-        </p:spPr>
-        <p:style>
-          <a:lnRef idx="1">
-            <a:schemeClr val="accent1"/>
-          </a:lnRef>
-          <a:fillRef idx="0">
-            <a:schemeClr val="accent1"/>
-          </a:fillRef>
-          <a:effectRef idx="0">
-            <a:schemeClr val="accent1"/>
-          </a:effectRef>
-          <a:fontRef idx="minor">
-            <a:schemeClr val="tx1"/>
-          </a:fontRef>
-        </p:style>
-      </p:cxnSp>
     </p:spTree>
     <p:extLst>
       <p:ext uri="{BB962C8B-B14F-4D97-AF65-F5344CB8AC3E}">
-        <p14:creationId xmlns:p14="http://schemas.microsoft.com/office/powerpoint/2010/main" val="3928373978"/>
+        <p14:creationId xmlns:p14="http://schemas.microsoft.com/office/powerpoint/2010/main" val="2623020860"/>
       </p:ext>
     </p:extLst>
   </p:cSld>
   <p:clrMapOvr>
     <a:masterClrMapping/>
   </p:clrMapOvr>
-  <mc:AlternateContent xmlns:mc="http://schemas.openxmlformats.org/markup-compatibility/2006">
-    <mc:Choice xmlns:p14="http://schemas.microsoft.com/office/powerpoint/2010/main" Requires="p14">
+  <mc:AlternateContent xmlns:mc="http://schemas.openxmlformats.org/markup-compatibility/2006" xmlns:p14="http://schemas.microsoft.com/office/powerpoint/2010/main">
+    <mc:Choice Requires="p14">
       <p:transition spd="med">
         <p14:gallery dir="l"/>
       </p:transition>
     </mc:Choice>
-    <mc:Fallback>
+    <mc:Fallback xmlns="">
       <p:transition spd="med">
         <p:fade/>
       </p:transition>
@@ -6977,7 +6845,7 @@
             <a:pPr algn="r"/>
             <a:r>
               <a:rPr lang="fr-FR" sz="2800" dirty="0"/>
-              <a:t>Cas d’utilisation : Visiteur</a:t>
+              <a:t>Cas d’utilisation : Organisateur</a:t>
             </a:r>
             <a:endParaRPr lang="fr-FR" sz="2800" dirty="0" smtClean="0"/>
           </a:p>
@@ -6985,7 +6853,7 @@
       </p:sp>
       <p:pic>
         <p:nvPicPr>
-          <p:cNvPr id="8" name="Picture 2" descr="D:\Univ\INFO 891 - Projet Professionnalisant\image\Sans titre.png"/>
+          <p:cNvPr id="1026" name="Picture 2" descr="D:\Univ\INFO 891 - Projet Professionnalisant\image\Sans titre.png"/>
           <p:cNvPicPr>
             <a:picLocks noChangeAspect="1" noChangeArrowheads="1"/>
           </p:cNvPicPr>
@@ -7036,14 +6904,14 @@
       </p:pic>
       <p:sp>
         <p:nvSpPr>
-          <p:cNvPr id="9" name="ZoneTexte 8"/>
+          <p:cNvPr id="2" name="ZoneTexte 1"/>
           <p:cNvSpPr txBox="1"/>
           <p:nvPr/>
         </p:nvSpPr>
         <p:spPr>
           <a:xfrm>
-            <a:off x="1259632" y="3978535"/>
-            <a:ext cx="1080120" cy="369937"/>
+            <a:off x="971600" y="3978535"/>
+            <a:ext cx="1512168" cy="369332"/>
           </a:xfrm>
           <a:prstGeom prst="rect">
             <a:avLst/>
@@ -7057,12 +6925,8 @@
           <a:lstStyle/>
           <a:p>
             <a:r>
-              <a:rPr lang="fr-FR" dirty="0"/>
-              <a:t>V</a:t>
-            </a:r>
-            <a:r>
               <a:rPr lang="fr-FR" dirty="0" smtClean="0"/>
-              <a:t>isiteur</a:t>
+              <a:t>Organisateur</a:t>
             </a:r>
             <a:endParaRPr lang="fr-FR" dirty="0"/>
           </a:p>
@@ -7070,14 +6934,14 @@
       </p:sp>
       <p:sp>
         <p:nvSpPr>
-          <p:cNvPr id="10" name="Ellipse 9"/>
+          <p:cNvPr id="3" name="Ellipse 2"/>
           <p:cNvSpPr/>
           <p:nvPr/>
         </p:nvSpPr>
         <p:spPr>
           <a:xfrm>
-            <a:off x="3083070" y="1196752"/>
-            <a:ext cx="3312367" cy="1080120"/>
+            <a:off x="3419872" y="3176262"/>
+            <a:ext cx="2736304" cy="1080120"/>
           </a:xfrm>
           <a:prstGeom prst="ellipse">
             <a:avLst/>
@@ -7106,7 +6970,7 @@
             <a:pPr algn="ctr"/>
             <a:r>
               <a:rPr lang="fr-FR" dirty="0" smtClean="0"/>
-              <a:t>Faire une demande individuelle</a:t>
+              <a:t>Gérer des zones</a:t>
             </a:r>
             <a:endParaRPr lang="fr-FR" dirty="0"/>
           </a:p>
@@ -7114,14 +6978,14 @@
       </p:sp>
       <p:sp>
         <p:nvSpPr>
-          <p:cNvPr id="11" name="Ellipse 10"/>
+          <p:cNvPr id="9" name="Ellipse 8"/>
           <p:cNvSpPr/>
           <p:nvPr/>
         </p:nvSpPr>
         <p:spPr>
           <a:xfrm>
-            <a:off x="3659135" y="2322351"/>
-            <a:ext cx="3456384" cy="1080120"/>
+            <a:off x="3419872" y="4437112"/>
+            <a:ext cx="2736304" cy="1080120"/>
           </a:xfrm>
           <a:prstGeom prst="ellipse">
             <a:avLst/>
@@ -7150,7 +7014,7 @@
             <a:pPr algn="ctr"/>
             <a:r>
               <a:rPr lang="fr-FR" dirty="0" smtClean="0"/>
-              <a:t>Faire une demande groupée</a:t>
+              <a:t>Gérer des catégories</a:t>
             </a:r>
             <a:endParaRPr lang="fr-FR" dirty="0"/>
           </a:p>
@@ -7158,14 +7022,14 @@
       </p:sp>
       <p:sp>
         <p:nvSpPr>
-          <p:cNvPr id="12" name="Ellipse 11"/>
+          <p:cNvPr id="10" name="Ellipse 9"/>
           <p:cNvSpPr/>
           <p:nvPr/>
         </p:nvSpPr>
         <p:spPr>
           <a:xfrm>
-            <a:off x="3538358" y="3861048"/>
-            <a:ext cx="3697938" cy="1170243"/>
+            <a:off x="3203848" y="1545523"/>
+            <a:ext cx="3168352" cy="1250665"/>
           </a:xfrm>
           <a:prstGeom prst="ellipse">
             <a:avLst/>
@@ -7193,12 +7057,8 @@
           <a:p>
             <a:pPr algn="ctr"/>
             <a:r>
-              <a:rPr lang="fr-FR" dirty="0"/>
-              <a:t>Faire une demande </a:t>
-            </a:r>
-            <a:r>
               <a:rPr lang="fr-FR" dirty="0" smtClean="0"/>
-              <a:t>individuelle presse</a:t>
+              <a:t>Gérer les évènements </a:t>
             </a:r>
             <a:endParaRPr lang="fr-FR" dirty="0"/>
           </a:p>
@@ -7206,17 +7066,50 @@
       </p:sp>
       <p:cxnSp>
         <p:nvCxnSpPr>
-          <p:cNvPr id="13" name="Connecteur droit 12"/>
+          <p:cNvPr id="8" name="Connecteur droit 7"/>
           <p:cNvCxnSpPr>
-            <a:stCxn id="8" idx="3"/>
-            <a:endCxn id="10" idx="2"/>
+            <a:stCxn id="1026" idx="3"/>
+            <a:endCxn id="3" idx="2"/>
           </p:cNvCxnSpPr>
           <p:nvPr/>
         </p:nvCxnSpPr>
         <p:spPr>
           <a:xfrm flipV="1">
-            <a:off x="1965623" y="1736812"/>
-            <a:ext cx="1117447" cy="1984747"/>
+            <a:off x="1965623" y="3716322"/>
+            <a:ext cx="1454249" cy="5237"/>
+          </a:xfrm>
+          <a:prstGeom prst="line">
+            <a:avLst/>
+          </a:prstGeom>
+        </p:spPr>
+        <p:style>
+          <a:lnRef idx="1">
+            <a:schemeClr val="accent1"/>
+          </a:lnRef>
+          <a:fillRef idx="0">
+            <a:schemeClr val="accent1"/>
+          </a:fillRef>
+          <a:effectRef idx="0">
+            <a:schemeClr val="accent1"/>
+          </a:effectRef>
+          <a:fontRef idx="minor">
+            <a:schemeClr val="tx1"/>
+          </a:fontRef>
+        </p:style>
+      </p:cxnSp>
+      <p:cxnSp>
+        <p:nvCxnSpPr>
+          <p:cNvPr id="12" name="Connecteur droit 11"/>
+          <p:cNvCxnSpPr>
+            <a:stCxn id="1026" idx="3"/>
+            <a:endCxn id="9" idx="2"/>
+          </p:cNvCxnSpPr>
+          <p:nvPr/>
+        </p:nvCxnSpPr>
+        <p:spPr>
+          <a:xfrm>
+            <a:off x="1965623" y="3721559"/>
+            <a:ext cx="1454249" cy="1255613"/>
           </a:xfrm>
           <a:prstGeom prst="line">
             <a:avLst/>
@@ -7241,129 +7134,15 @@
         <p:nvCxnSpPr>
           <p:cNvPr id="14" name="Connecteur droit 13"/>
           <p:cNvCxnSpPr>
-            <a:stCxn id="8" idx="3"/>
-            <a:endCxn id="11" idx="2"/>
+            <a:stCxn id="1026" idx="3"/>
+            <a:endCxn id="10" idx="2"/>
           </p:cNvCxnSpPr>
           <p:nvPr/>
         </p:nvCxnSpPr>
         <p:spPr>
           <a:xfrm flipV="1">
-            <a:off x="1965623" y="2862411"/>
-            <a:ext cx="1693512" cy="859148"/>
-          </a:xfrm>
-          <a:prstGeom prst="line">
-            <a:avLst/>
-          </a:prstGeom>
-        </p:spPr>
-        <p:style>
-          <a:lnRef idx="1">
-            <a:schemeClr val="accent1"/>
-          </a:lnRef>
-          <a:fillRef idx="0">
-            <a:schemeClr val="accent1"/>
-          </a:fillRef>
-          <a:effectRef idx="0">
-            <a:schemeClr val="accent1"/>
-          </a:effectRef>
-          <a:fontRef idx="minor">
-            <a:schemeClr val="tx1"/>
-          </a:fontRef>
-        </p:style>
-      </p:cxnSp>
-      <p:cxnSp>
-        <p:nvCxnSpPr>
-          <p:cNvPr id="15" name="Connecteur droit 14"/>
-          <p:cNvCxnSpPr>
-            <a:stCxn id="8" idx="3"/>
-            <a:endCxn id="12" idx="2"/>
-          </p:cNvCxnSpPr>
-          <p:nvPr/>
-        </p:nvCxnSpPr>
-        <p:spPr>
-          <a:xfrm>
-            <a:off x="1965623" y="3721559"/>
-            <a:ext cx="1572735" cy="724611"/>
-          </a:xfrm>
-          <a:prstGeom prst="line">
-            <a:avLst/>
-          </a:prstGeom>
-        </p:spPr>
-        <p:style>
-          <a:lnRef idx="1">
-            <a:schemeClr val="accent1"/>
-          </a:lnRef>
-          <a:fillRef idx="0">
-            <a:schemeClr val="accent1"/>
-          </a:fillRef>
-          <a:effectRef idx="0">
-            <a:schemeClr val="accent1"/>
-          </a:effectRef>
-          <a:fontRef idx="minor">
-            <a:schemeClr val="tx1"/>
-          </a:fontRef>
-        </p:style>
-      </p:cxnSp>
-      <p:sp>
-        <p:nvSpPr>
-          <p:cNvPr id="18" name="Ellipse 17"/>
-          <p:cNvSpPr/>
-          <p:nvPr/>
-        </p:nvSpPr>
-        <p:spPr>
-          <a:xfrm>
-            <a:off x="3491880" y="5169390"/>
-            <a:ext cx="3228738" cy="1008112"/>
-          </a:xfrm>
-          <a:prstGeom prst="ellipse">
-            <a:avLst/>
-          </a:prstGeom>
-        </p:spPr>
-        <p:style>
-          <a:lnRef idx="2">
-            <a:schemeClr val="accent1">
-              <a:shade val="50000"/>
-            </a:schemeClr>
-          </a:lnRef>
-          <a:fillRef idx="1">
-            <a:schemeClr val="accent1"/>
-          </a:fillRef>
-          <a:effectRef idx="0">
-            <a:schemeClr val="accent1"/>
-          </a:effectRef>
-          <a:fontRef idx="minor">
-            <a:schemeClr val="lt1"/>
-          </a:fontRef>
-        </p:style>
-        <p:txBody>
-          <a:bodyPr rtlCol="0" anchor="ctr"/>
-          <a:lstStyle/>
-          <a:p>
-            <a:pPr algn="ctr"/>
-            <a:r>
-              <a:rPr lang="fr-FR" dirty="0"/>
-              <a:t>Faire une demande </a:t>
-            </a:r>
-            <a:r>
-              <a:rPr lang="fr-FR" dirty="0" smtClean="0"/>
-              <a:t>groupée presse</a:t>
-            </a:r>
-            <a:endParaRPr lang="fr-FR" dirty="0"/>
-          </a:p>
-        </p:txBody>
-      </p:sp>
-      <p:cxnSp>
-        <p:nvCxnSpPr>
-          <p:cNvPr id="28" name="Connecteur droit 27"/>
-          <p:cNvCxnSpPr>
-            <a:stCxn id="8" idx="3"/>
-            <a:endCxn id="18" idx="2"/>
-          </p:cNvCxnSpPr>
-          <p:nvPr/>
-        </p:nvCxnSpPr>
-        <p:spPr>
-          <a:xfrm>
-            <a:off x="1965623" y="3721559"/>
-            <a:ext cx="1526257" cy="1951887"/>
+            <a:off x="1965623" y="2170856"/>
+            <a:ext cx="1238225" cy="1550703"/>
           </a:xfrm>
           <a:prstGeom prst="line">
             <a:avLst/>
@@ -7387,20 +7166,20 @@
     </p:spTree>
     <p:extLst>
       <p:ext uri="{BB962C8B-B14F-4D97-AF65-F5344CB8AC3E}">
-        <p14:creationId xmlns:p14="http://schemas.microsoft.com/office/powerpoint/2010/main" val="2202430011"/>
+        <p14:creationId xmlns:p14="http://schemas.microsoft.com/office/powerpoint/2010/main" val="3928373978"/>
       </p:ext>
     </p:extLst>
   </p:cSld>
   <p:clrMapOvr>
     <a:masterClrMapping/>
   </p:clrMapOvr>
-  <mc:AlternateContent xmlns:mc="http://schemas.openxmlformats.org/markup-compatibility/2006">
-    <mc:Choice xmlns:p14="http://schemas.microsoft.com/office/powerpoint/2010/main" Requires="p14">
+  <mc:AlternateContent xmlns:mc="http://schemas.openxmlformats.org/markup-compatibility/2006" xmlns:p14="http://schemas.microsoft.com/office/powerpoint/2010/main">
+    <mc:Choice Requires="p14">
       <p:transition spd="med">
         <p14:gallery dir="l"/>
       </p:transition>
     </mc:Choice>
-    <mc:Fallback>
+    <mc:Fallback xmlns="">
       <p:transition spd="med">
         <p:fade/>
       </p:transition>
@@ -7524,7 +7303,7 @@
             <a:pPr algn="r"/>
             <a:r>
               <a:rPr lang="fr-FR" sz="2800" dirty="0"/>
-              <a:t>Cas d’utilisation : Accréditeur</a:t>
+              <a:t>Cas d’utilisation : Visiteur</a:t>
             </a:r>
             <a:endParaRPr lang="fr-FR" sz="2800" dirty="0" smtClean="0"/>
           </a:p>
@@ -7563,7 +7342,7 @@
         </p:blipFill>
         <p:spPr bwMode="auto">
           <a:xfrm>
-            <a:off x="787633" y="3297795"/>
+            <a:off x="1403648" y="3402471"/>
             <a:ext cx="561975" cy="638175"/>
           </a:xfrm>
           <a:prstGeom prst="rect">
@@ -7589,7 +7368,7 @@
         </p:nvSpPr>
         <p:spPr>
           <a:xfrm>
-            <a:off x="787633" y="3865996"/>
+            <a:off x="1259632" y="3978535"/>
             <a:ext cx="1080120" cy="369937"/>
           </a:xfrm>
           <a:prstGeom prst="rect">
@@ -7623,8 +7402,8 @@
         </p:nvSpPr>
         <p:spPr>
           <a:xfrm>
-            <a:off x="3779912" y="1960180"/>
-            <a:ext cx="3496335" cy="1140110"/>
+            <a:off x="3083070" y="1196752"/>
+            <a:ext cx="3312367" cy="1080120"/>
           </a:xfrm>
           <a:prstGeom prst="ellipse">
             <a:avLst/>
@@ -7653,7 +7432,7 @@
             <a:pPr algn="ctr"/>
             <a:r>
               <a:rPr lang="fr-FR" dirty="0" smtClean="0"/>
-              <a:t>Créer une accréditation individuelle</a:t>
+              <a:t>Faire une demande individuelle</a:t>
             </a:r>
             <a:endParaRPr lang="fr-FR" dirty="0"/>
           </a:p>
@@ -7667,7 +7446,7 @@
         </p:nvSpPr>
         <p:spPr>
           <a:xfrm>
-            <a:off x="4355976" y="3239438"/>
+            <a:off x="3659135" y="2322351"/>
             <a:ext cx="3456384" cy="1080120"/>
           </a:xfrm>
           <a:prstGeom prst="ellipse">
@@ -7697,7 +7476,7 @@
             <a:pPr algn="ctr"/>
             <a:r>
               <a:rPr lang="fr-FR" dirty="0" smtClean="0"/>
-              <a:t>Créer une accréditation groupée</a:t>
+              <a:t>Faire une demande groupée</a:t>
             </a:r>
             <a:endParaRPr lang="fr-FR" dirty="0"/>
           </a:p>
@@ -7711,7 +7490,7 @@
         </p:nvSpPr>
         <p:spPr>
           <a:xfrm>
-            <a:off x="3779912" y="4437112"/>
+            <a:off x="3538358" y="3861048"/>
             <a:ext cx="3697938" cy="1170243"/>
           </a:xfrm>
           <a:prstGeom prst="ellipse">
@@ -7740,8 +7519,12 @@
           <a:p>
             <a:pPr algn="ctr"/>
             <a:r>
+              <a:rPr lang="fr-FR" dirty="0"/>
+              <a:t>Faire une demande </a:t>
+            </a:r>
+            <a:r>
               <a:rPr lang="fr-FR" dirty="0" smtClean="0"/>
-              <a:t>Valider les accréditations</a:t>
+              <a:t>individuelle presse</a:t>
             </a:r>
             <a:endParaRPr lang="fr-FR" dirty="0"/>
           </a:p>
@@ -7758,8 +7541,8 @@
         </p:nvCxnSpPr>
         <p:spPr>
           <a:xfrm flipV="1">
-            <a:off x="1349608" y="2530235"/>
-            <a:ext cx="2430304" cy="1086648"/>
+            <a:off x="1965623" y="1736812"/>
+            <a:ext cx="1117447" cy="1984747"/>
           </a:xfrm>
           <a:prstGeom prst="line">
             <a:avLst/>
@@ -7790,9 +7573,9 @@
           <p:nvPr/>
         </p:nvCxnSpPr>
         <p:spPr>
-          <a:xfrm>
-            <a:off x="1349608" y="3616883"/>
-            <a:ext cx="3006368" cy="162615"/>
+          <a:xfrm flipV="1">
+            <a:off x="1965623" y="2862411"/>
+            <a:ext cx="1693512" cy="859148"/>
           </a:xfrm>
           <a:prstGeom prst="line">
             <a:avLst/>
@@ -7824,8 +7607,8 @@
         </p:nvCxnSpPr>
         <p:spPr>
           <a:xfrm>
-            <a:off x="1349608" y="3616883"/>
-            <a:ext cx="2430304" cy="1405351"/>
+            <a:off x="1965623" y="3721559"/>
+            <a:ext cx="1572735" cy="724611"/>
           </a:xfrm>
           <a:prstGeom prst="line">
             <a:avLst/>
@@ -7848,13 +7631,13 @@
       </p:cxnSp>
       <p:sp>
         <p:nvSpPr>
-          <p:cNvPr id="16" name="Ellipse 15"/>
+          <p:cNvPr id="18" name="Ellipse 17"/>
           <p:cNvSpPr/>
           <p:nvPr/>
         </p:nvSpPr>
         <p:spPr>
           <a:xfrm>
-            <a:off x="2536939" y="952068"/>
+            <a:off x="3491880" y="5169390"/>
             <a:ext cx="3228738" cy="1008112"/>
           </a:xfrm>
           <a:prstGeom prst="ellipse">
@@ -7883,8 +7666,12 @@
           <a:p>
             <a:pPr algn="ctr"/>
             <a:r>
+              <a:rPr lang="fr-FR" dirty="0"/>
+              <a:t>Faire une demande </a:t>
+            </a:r>
+            <a:r>
               <a:rPr lang="fr-FR" dirty="0" smtClean="0"/>
-              <a:t>Gérer les accréditations</a:t>
+              <a:t>groupée presse</a:t>
             </a:r>
             <a:endParaRPr lang="fr-FR" dirty="0"/>
           </a:p>
@@ -7892,94 +7679,17 @@
       </p:sp>
       <p:cxnSp>
         <p:nvCxnSpPr>
-          <p:cNvPr id="17" name="Connecteur droit 16"/>
+          <p:cNvPr id="28" name="Connecteur droit 27"/>
           <p:cNvCxnSpPr>
             <a:stCxn id="8" idx="3"/>
-            <a:endCxn id="16" idx="2"/>
-          </p:cNvCxnSpPr>
-          <p:nvPr/>
-        </p:nvCxnSpPr>
-        <p:spPr>
-          <a:xfrm flipV="1">
-            <a:off x="1349608" y="1456124"/>
-            <a:ext cx="1187331" cy="2160759"/>
-          </a:xfrm>
-          <a:prstGeom prst="line">
-            <a:avLst/>
-          </a:prstGeom>
-        </p:spPr>
-        <p:style>
-          <a:lnRef idx="1">
-            <a:schemeClr val="accent1"/>
-          </a:lnRef>
-          <a:fillRef idx="0">
-            <a:schemeClr val="accent1"/>
-          </a:fillRef>
-          <a:effectRef idx="0">
-            <a:schemeClr val="accent1"/>
-          </a:effectRef>
-          <a:fontRef idx="minor">
-            <a:schemeClr val="tx1"/>
-          </a:fontRef>
-        </p:style>
-      </p:cxnSp>
-      <p:sp>
-        <p:nvSpPr>
-          <p:cNvPr id="53" name="Ellipse 52"/>
-          <p:cNvSpPr/>
-          <p:nvPr/>
-        </p:nvSpPr>
-        <p:spPr>
-          <a:xfrm>
-            <a:off x="2957631" y="5680615"/>
-            <a:ext cx="3228738" cy="1008112"/>
-          </a:xfrm>
-          <a:prstGeom prst="ellipse">
-            <a:avLst/>
-          </a:prstGeom>
-        </p:spPr>
-        <p:style>
-          <a:lnRef idx="2">
-            <a:schemeClr val="accent1">
-              <a:shade val="50000"/>
-            </a:schemeClr>
-          </a:lnRef>
-          <a:fillRef idx="1">
-            <a:schemeClr val="accent1"/>
-          </a:fillRef>
-          <a:effectRef idx="0">
-            <a:schemeClr val="accent1"/>
-          </a:effectRef>
-          <a:fontRef idx="minor">
-            <a:schemeClr val="lt1"/>
-          </a:fontRef>
-        </p:style>
-        <p:txBody>
-          <a:bodyPr rtlCol="0" anchor="ctr"/>
-          <a:lstStyle/>
-          <a:p>
-            <a:pPr algn="ctr"/>
-            <a:r>
-              <a:rPr lang="fr-FR" dirty="0" smtClean="0"/>
-              <a:t>Imprimer une accréditation</a:t>
-            </a:r>
-            <a:endParaRPr lang="fr-FR" dirty="0"/>
-          </a:p>
-        </p:txBody>
-      </p:sp>
-      <p:cxnSp>
-        <p:nvCxnSpPr>
-          <p:cNvPr id="72" name="Connecteur droit 71"/>
-          <p:cNvCxnSpPr>
-            <a:stCxn id="8" idx="3"/>
-            <a:endCxn id="53" idx="2"/>
+            <a:endCxn id="18" idx="2"/>
           </p:cNvCxnSpPr>
           <p:nvPr/>
         </p:nvCxnSpPr>
         <p:spPr>
           <a:xfrm>
-            <a:off x="1349608" y="3616883"/>
-            <a:ext cx="1608023" cy="2567788"/>
+            <a:off x="1965623" y="3721559"/>
+            <a:ext cx="1526257" cy="1951887"/>
           </a:xfrm>
           <a:prstGeom prst="line">
             <a:avLst/>
@@ -8003,20 +7713,20 @@
     </p:spTree>
     <p:extLst>
       <p:ext uri="{BB962C8B-B14F-4D97-AF65-F5344CB8AC3E}">
-        <p14:creationId xmlns:p14="http://schemas.microsoft.com/office/powerpoint/2010/main" val="1719139660"/>
+        <p14:creationId xmlns:p14="http://schemas.microsoft.com/office/powerpoint/2010/main" val="2202430011"/>
       </p:ext>
     </p:extLst>
   </p:cSld>
   <p:clrMapOvr>
     <a:masterClrMapping/>
   </p:clrMapOvr>
-  <mc:AlternateContent xmlns:mc="http://schemas.openxmlformats.org/markup-compatibility/2006">
-    <mc:Choice xmlns:p14="http://schemas.microsoft.com/office/powerpoint/2010/main" Requires="p14">
+  <mc:AlternateContent xmlns:mc="http://schemas.openxmlformats.org/markup-compatibility/2006" xmlns:p14="http://schemas.microsoft.com/office/powerpoint/2010/main">
+    <mc:Choice Requires="p14">
       <p:transition spd="med">
         <p14:gallery dir="l"/>
       </p:transition>
     </mc:Choice>
-    <mc:Fallback>
+    <mc:Fallback xmlns="">
       <p:transition spd="med">
         <p:fade/>
       </p:transition>
@@ -8139,15 +7849,16 @@
           <a:p>
             <a:pPr algn="r"/>
             <a:r>
-              <a:rPr lang="fr-FR" sz="2800" dirty="0" smtClean="0"/>
-              <a:t>MCD</a:t>
-            </a:r>
+              <a:rPr lang="fr-FR" sz="2800" dirty="0"/>
+              <a:t>Cas d’utilisation : Accréditeur</a:t>
+            </a:r>
+            <a:endParaRPr lang="fr-FR" sz="2800" dirty="0" smtClean="0"/>
           </a:p>
         </p:txBody>
       </p:sp>
       <p:pic>
         <p:nvPicPr>
-          <p:cNvPr id="2050" name="Picture 2" descr="D:\Univ\INFO 891 - Projet Professionnalisant\doc\Conception\V2\mcd\1-base.PNG"/>
+          <p:cNvPr id="8" name="Picture 2" descr="D:\Univ\INFO 891 - Projet Professionnalisant\image\Sans titre.png"/>
           <p:cNvPicPr>
             <a:picLocks noChangeAspect="1" noChangeArrowheads="1"/>
           </p:cNvPicPr>
@@ -8178,8 +7889,8 @@
         </p:blipFill>
         <p:spPr bwMode="auto">
           <a:xfrm>
-            <a:off x="432000" y="927056"/>
-            <a:ext cx="8542240" cy="5580000"/>
+            <a:off x="787633" y="3297795"/>
+            <a:ext cx="561975" cy="638175"/>
           </a:xfrm>
           <a:prstGeom prst="rect">
             <a:avLst/>
@@ -8196,23 +7907,442 @@
           </a:extLst>
         </p:spPr>
       </p:pic>
+      <p:sp>
+        <p:nvSpPr>
+          <p:cNvPr id="9" name="ZoneTexte 8"/>
+          <p:cNvSpPr txBox="1"/>
+          <p:nvPr/>
+        </p:nvSpPr>
+        <p:spPr>
+          <a:xfrm>
+            <a:off x="787633" y="3865996"/>
+            <a:ext cx="1080120" cy="369937"/>
+          </a:xfrm>
+          <a:prstGeom prst="rect">
+            <a:avLst/>
+          </a:prstGeom>
+          <a:noFill/>
+        </p:spPr>
+        <p:txBody>
+          <a:bodyPr wrap="square" rtlCol="0">
+            <a:spAutoFit/>
+          </a:bodyPr>
+          <a:lstStyle/>
+          <a:p>
+            <a:r>
+              <a:rPr lang="fr-FR" dirty="0"/>
+              <a:t>V</a:t>
+            </a:r>
+            <a:r>
+              <a:rPr lang="fr-FR" dirty="0" smtClean="0"/>
+              <a:t>isiteur</a:t>
+            </a:r>
+            <a:endParaRPr lang="fr-FR" dirty="0"/>
+          </a:p>
+        </p:txBody>
+      </p:sp>
+      <p:sp>
+        <p:nvSpPr>
+          <p:cNvPr id="10" name="Ellipse 9"/>
+          <p:cNvSpPr/>
+          <p:nvPr/>
+        </p:nvSpPr>
+        <p:spPr>
+          <a:xfrm>
+            <a:off x="3779912" y="1960180"/>
+            <a:ext cx="3496335" cy="1140110"/>
+          </a:xfrm>
+          <a:prstGeom prst="ellipse">
+            <a:avLst/>
+          </a:prstGeom>
+        </p:spPr>
+        <p:style>
+          <a:lnRef idx="2">
+            <a:schemeClr val="accent1">
+              <a:shade val="50000"/>
+            </a:schemeClr>
+          </a:lnRef>
+          <a:fillRef idx="1">
+            <a:schemeClr val="accent1"/>
+          </a:fillRef>
+          <a:effectRef idx="0">
+            <a:schemeClr val="accent1"/>
+          </a:effectRef>
+          <a:fontRef idx="minor">
+            <a:schemeClr val="lt1"/>
+          </a:fontRef>
+        </p:style>
+        <p:txBody>
+          <a:bodyPr rtlCol="0" anchor="ctr"/>
+          <a:lstStyle/>
+          <a:p>
+            <a:pPr algn="ctr"/>
+            <a:r>
+              <a:rPr lang="fr-FR" dirty="0" smtClean="0"/>
+              <a:t>Créer une accréditation individuelle</a:t>
+            </a:r>
+            <a:endParaRPr lang="fr-FR" dirty="0"/>
+          </a:p>
+        </p:txBody>
+      </p:sp>
+      <p:sp>
+        <p:nvSpPr>
+          <p:cNvPr id="11" name="Ellipse 10"/>
+          <p:cNvSpPr/>
+          <p:nvPr/>
+        </p:nvSpPr>
+        <p:spPr>
+          <a:xfrm>
+            <a:off x="4355976" y="3239438"/>
+            <a:ext cx="3456384" cy="1080120"/>
+          </a:xfrm>
+          <a:prstGeom prst="ellipse">
+            <a:avLst/>
+          </a:prstGeom>
+        </p:spPr>
+        <p:style>
+          <a:lnRef idx="2">
+            <a:schemeClr val="accent1">
+              <a:shade val="50000"/>
+            </a:schemeClr>
+          </a:lnRef>
+          <a:fillRef idx="1">
+            <a:schemeClr val="accent1"/>
+          </a:fillRef>
+          <a:effectRef idx="0">
+            <a:schemeClr val="accent1"/>
+          </a:effectRef>
+          <a:fontRef idx="minor">
+            <a:schemeClr val="lt1"/>
+          </a:fontRef>
+        </p:style>
+        <p:txBody>
+          <a:bodyPr rtlCol="0" anchor="ctr"/>
+          <a:lstStyle/>
+          <a:p>
+            <a:pPr algn="ctr"/>
+            <a:r>
+              <a:rPr lang="fr-FR" dirty="0" smtClean="0"/>
+              <a:t>Créer une accréditation groupée</a:t>
+            </a:r>
+            <a:endParaRPr lang="fr-FR" dirty="0"/>
+          </a:p>
+        </p:txBody>
+      </p:sp>
+      <p:sp>
+        <p:nvSpPr>
+          <p:cNvPr id="12" name="Ellipse 11"/>
+          <p:cNvSpPr/>
+          <p:nvPr/>
+        </p:nvSpPr>
+        <p:spPr>
+          <a:xfrm>
+            <a:off x="3779912" y="4437112"/>
+            <a:ext cx="3697938" cy="1170243"/>
+          </a:xfrm>
+          <a:prstGeom prst="ellipse">
+            <a:avLst/>
+          </a:prstGeom>
+        </p:spPr>
+        <p:style>
+          <a:lnRef idx="2">
+            <a:schemeClr val="accent1">
+              <a:shade val="50000"/>
+            </a:schemeClr>
+          </a:lnRef>
+          <a:fillRef idx="1">
+            <a:schemeClr val="accent1"/>
+          </a:fillRef>
+          <a:effectRef idx="0">
+            <a:schemeClr val="accent1"/>
+          </a:effectRef>
+          <a:fontRef idx="minor">
+            <a:schemeClr val="lt1"/>
+          </a:fontRef>
+        </p:style>
+        <p:txBody>
+          <a:bodyPr rtlCol="0" anchor="ctr"/>
+          <a:lstStyle/>
+          <a:p>
+            <a:pPr algn="ctr"/>
+            <a:r>
+              <a:rPr lang="fr-FR" dirty="0" smtClean="0"/>
+              <a:t>Valider les accréditations</a:t>
+            </a:r>
+            <a:endParaRPr lang="fr-FR" dirty="0"/>
+          </a:p>
+        </p:txBody>
+      </p:sp>
+      <p:cxnSp>
+        <p:nvCxnSpPr>
+          <p:cNvPr id="13" name="Connecteur droit 12"/>
+          <p:cNvCxnSpPr>
+            <a:stCxn id="8" idx="3"/>
+            <a:endCxn id="10" idx="2"/>
+          </p:cNvCxnSpPr>
+          <p:nvPr/>
+        </p:nvCxnSpPr>
+        <p:spPr>
+          <a:xfrm flipV="1">
+            <a:off x="1349608" y="2530235"/>
+            <a:ext cx="2430304" cy="1086648"/>
+          </a:xfrm>
+          <a:prstGeom prst="line">
+            <a:avLst/>
+          </a:prstGeom>
+        </p:spPr>
+        <p:style>
+          <a:lnRef idx="1">
+            <a:schemeClr val="accent1"/>
+          </a:lnRef>
+          <a:fillRef idx="0">
+            <a:schemeClr val="accent1"/>
+          </a:fillRef>
+          <a:effectRef idx="0">
+            <a:schemeClr val="accent1"/>
+          </a:effectRef>
+          <a:fontRef idx="minor">
+            <a:schemeClr val="tx1"/>
+          </a:fontRef>
+        </p:style>
+      </p:cxnSp>
+      <p:cxnSp>
+        <p:nvCxnSpPr>
+          <p:cNvPr id="14" name="Connecteur droit 13"/>
+          <p:cNvCxnSpPr>
+            <a:stCxn id="8" idx="3"/>
+            <a:endCxn id="11" idx="2"/>
+          </p:cNvCxnSpPr>
+          <p:nvPr/>
+        </p:nvCxnSpPr>
+        <p:spPr>
+          <a:xfrm>
+            <a:off x="1349608" y="3616883"/>
+            <a:ext cx="3006368" cy="162615"/>
+          </a:xfrm>
+          <a:prstGeom prst="line">
+            <a:avLst/>
+          </a:prstGeom>
+        </p:spPr>
+        <p:style>
+          <a:lnRef idx="1">
+            <a:schemeClr val="accent1"/>
+          </a:lnRef>
+          <a:fillRef idx="0">
+            <a:schemeClr val="accent1"/>
+          </a:fillRef>
+          <a:effectRef idx="0">
+            <a:schemeClr val="accent1"/>
+          </a:effectRef>
+          <a:fontRef idx="minor">
+            <a:schemeClr val="tx1"/>
+          </a:fontRef>
+        </p:style>
+      </p:cxnSp>
+      <p:cxnSp>
+        <p:nvCxnSpPr>
+          <p:cNvPr id="15" name="Connecteur droit 14"/>
+          <p:cNvCxnSpPr>
+            <a:stCxn id="8" idx="3"/>
+            <a:endCxn id="12" idx="2"/>
+          </p:cNvCxnSpPr>
+          <p:nvPr/>
+        </p:nvCxnSpPr>
+        <p:spPr>
+          <a:xfrm>
+            <a:off x="1349608" y="3616883"/>
+            <a:ext cx="2430304" cy="1405351"/>
+          </a:xfrm>
+          <a:prstGeom prst="line">
+            <a:avLst/>
+          </a:prstGeom>
+        </p:spPr>
+        <p:style>
+          <a:lnRef idx="1">
+            <a:schemeClr val="accent1"/>
+          </a:lnRef>
+          <a:fillRef idx="0">
+            <a:schemeClr val="accent1"/>
+          </a:fillRef>
+          <a:effectRef idx="0">
+            <a:schemeClr val="accent1"/>
+          </a:effectRef>
+          <a:fontRef idx="minor">
+            <a:schemeClr val="tx1"/>
+          </a:fontRef>
+        </p:style>
+      </p:cxnSp>
+      <p:sp>
+        <p:nvSpPr>
+          <p:cNvPr id="16" name="Ellipse 15"/>
+          <p:cNvSpPr/>
+          <p:nvPr/>
+        </p:nvSpPr>
+        <p:spPr>
+          <a:xfrm>
+            <a:off x="2536939" y="952068"/>
+            <a:ext cx="3228738" cy="1008112"/>
+          </a:xfrm>
+          <a:prstGeom prst="ellipse">
+            <a:avLst/>
+          </a:prstGeom>
+        </p:spPr>
+        <p:style>
+          <a:lnRef idx="2">
+            <a:schemeClr val="accent1">
+              <a:shade val="50000"/>
+            </a:schemeClr>
+          </a:lnRef>
+          <a:fillRef idx="1">
+            <a:schemeClr val="accent1"/>
+          </a:fillRef>
+          <a:effectRef idx="0">
+            <a:schemeClr val="accent1"/>
+          </a:effectRef>
+          <a:fontRef idx="minor">
+            <a:schemeClr val="lt1"/>
+          </a:fontRef>
+        </p:style>
+        <p:txBody>
+          <a:bodyPr rtlCol="0" anchor="ctr"/>
+          <a:lstStyle/>
+          <a:p>
+            <a:pPr algn="ctr"/>
+            <a:r>
+              <a:rPr lang="fr-FR" dirty="0" smtClean="0"/>
+              <a:t>Gérer les accréditations</a:t>
+            </a:r>
+            <a:endParaRPr lang="fr-FR" dirty="0"/>
+          </a:p>
+        </p:txBody>
+      </p:sp>
+      <p:cxnSp>
+        <p:nvCxnSpPr>
+          <p:cNvPr id="17" name="Connecteur droit 16"/>
+          <p:cNvCxnSpPr>
+            <a:stCxn id="8" idx="3"/>
+            <a:endCxn id="16" idx="2"/>
+          </p:cNvCxnSpPr>
+          <p:nvPr/>
+        </p:nvCxnSpPr>
+        <p:spPr>
+          <a:xfrm flipV="1">
+            <a:off x="1349608" y="1456124"/>
+            <a:ext cx="1187331" cy="2160759"/>
+          </a:xfrm>
+          <a:prstGeom prst="line">
+            <a:avLst/>
+          </a:prstGeom>
+        </p:spPr>
+        <p:style>
+          <a:lnRef idx="1">
+            <a:schemeClr val="accent1"/>
+          </a:lnRef>
+          <a:fillRef idx="0">
+            <a:schemeClr val="accent1"/>
+          </a:fillRef>
+          <a:effectRef idx="0">
+            <a:schemeClr val="accent1"/>
+          </a:effectRef>
+          <a:fontRef idx="minor">
+            <a:schemeClr val="tx1"/>
+          </a:fontRef>
+        </p:style>
+      </p:cxnSp>
+      <p:sp>
+        <p:nvSpPr>
+          <p:cNvPr id="53" name="Ellipse 52"/>
+          <p:cNvSpPr/>
+          <p:nvPr/>
+        </p:nvSpPr>
+        <p:spPr>
+          <a:xfrm>
+            <a:off x="2957631" y="5680615"/>
+            <a:ext cx="3228738" cy="1008112"/>
+          </a:xfrm>
+          <a:prstGeom prst="ellipse">
+            <a:avLst/>
+          </a:prstGeom>
+        </p:spPr>
+        <p:style>
+          <a:lnRef idx="2">
+            <a:schemeClr val="accent1">
+              <a:shade val="50000"/>
+            </a:schemeClr>
+          </a:lnRef>
+          <a:fillRef idx="1">
+            <a:schemeClr val="accent1"/>
+          </a:fillRef>
+          <a:effectRef idx="0">
+            <a:schemeClr val="accent1"/>
+          </a:effectRef>
+          <a:fontRef idx="minor">
+            <a:schemeClr val="lt1"/>
+          </a:fontRef>
+        </p:style>
+        <p:txBody>
+          <a:bodyPr rtlCol="0" anchor="ctr"/>
+          <a:lstStyle/>
+          <a:p>
+            <a:pPr algn="ctr"/>
+            <a:r>
+              <a:rPr lang="fr-FR" dirty="0" smtClean="0"/>
+              <a:t>Imprimer une accréditation</a:t>
+            </a:r>
+            <a:endParaRPr lang="fr-FR" dirty="0"/>
+          </a:p>
+        </p:txBody>
+      </p:sp>
+      <p:cxnSp>
+        <p:nvCxnSpPr>
+          <p:cNvPr id="72" name="Connecteur droit 71"/>
+          <p:cNvCxnSpPr>
+            <a:stCxn id="8" idx="3"/>
+            <a:endCxn id="53" idx="2"/>
+          </p:cNvCxnSpPr>
+          <p:nvPr/>
+        </p:nvCxnSpPr>
+        <p:spPr>
+          <a:xfrm>
+            <a:off x="1349608" y="3616883"/>
+            <a:ext cx="1608023" cy="2567788"/>
+          </a:xfrm>
+          <a:prstGeom prst="line">
+            <a:avLst/>
+          </a:prstGeom>
+        </p:spPr>
+        <p:style>
+          <a:lnRef idx="1">
+            <a:schemeClr val="accent1"/>
+          </a:lnRef>
+          <a:fillRef idx="0">
+            <a:schemeClr val="accent1"/>
+          </a:fillRef>
+          <a:effectRef idx="0">
+            <a:schemeClr val="accent1"/>
+          </a:effectRef>
+          <a:fontRef idx="minor">
+            <a:schemeClr val="tx1"/>
+          </a:fontRef>
+        </p:style>
+      </p:cxnSp>
     </p:spTree>
     <p:extLst>
       <p:ext uri="{BB962C8B-B14F-4D97-AF65-F5344CB8AC3E}">
-        <p14:creationId xmlns:p14="http://schemas.microsoft.com/office/powerpoint/2010/main" val="3858176338"/>
+        <p14:creationId xmlns:p14="http://schemas.microsoft.com/office/powerpoint/2010/main" val="1719139660"/>
       </p:ext>
     </p:extLst>
   </p:cSld>
   <p:clrMapOvr>
     <a:masterClrMapping/>
   </p:clrMapOvr>
-  <mc:AlternateContent xmlns:mc="http://schemas.openxmlformats.org/markup-compatibility/2006">
-    <mc:Choice xmlns:p14="http://schemas.microsoft.com/office/powerpoint/2010/main" Requires="p14">
+  <mc:AlternateContent xmlns:mc="http://schemas.openxmlformats.org/markup-compatibility/2006" xmlns:p14="http://schemas.microsoft.com/office/powerpoint/2010/main">
+    <mc:Choice Requires="p14">
       <p:transition spd="med">
         <p14:gallery dir="l"/>
       </p:transition>
     </mc:Choice>
-    <mc:Fallback>
+    <mc:Fallback xmlns="">
       <p:transition spd="med">
         <p:fade/>
       </p:transition>
@@ -8343,7 +8473,7 @@
       </p:sp>
       <p:pic>
         <p:nvPicPr>
-          <p:cNvPr id="3074" name="Picture 2" descr="D:\Univ\INFO 891 - Projet Professionnalisant\doc\Conception\V2\mcd\2-accréditation.PNG"/>
+          <p:cNvPr id="4098" name="Picture 2" descr="D:\Univ\INFO 891 - Projet Professionnalisant\doc\Conception\V2\mcd\3-accred-client.PNG"/>
           <p:cNvPicPr>
             <a:picLocks noChangeAspect="1" noChangeArrowheads="1"/>
           </p:cNvPicPr>
@@ -8351,16 +8481,6 @@
         </p:nvPicPr>
         <p:blipFill>
           <a:blip r:embed="rId4">
-            <a:clrChange>
-              <a:clrFrom>
-                <a:srgbClr val="FFFFFF"/>
-              </a:clrFrom>
-              <a:clrTo>
-                <a:srgbClr val="FFFFFF">
-                  <a:alpha val="0"/>
-                </a:srgbClr>
-              </a:clrTo>
-            </a:clrChange>
             <a:extLst>
               <a:ext uri="{28A0092B-C50C-407E-A947-70E740481C1C}">
                 <a14:useLocalDpi xmlns:a14="http://schemas.microsoft.com/office/drawing/2010/main" val="0"/>
@@ -8374,8 +8494,8 @@
         </p:blipFill>
         <p:spPr bwMode="auto">
           <a:xfrm>
-            <a:off x="432000" y="928800"/>
-            <a:ext cx="8542237" cy="5580000"/>
+            <a:off x="135557" y="927055"/>
+            <a:ext cx="8900939" cy="5814313"/>
           </a:xfrm>
           <a:prstGeom prst="rect">
             <a:avLst/>
@@ -8392,10 +8512,250 @@
           </a:extLst>
         </p:spPr>
       </p:pic>
+      <p:pic>
+        <p:nvPicPr>
+          <p:cNvPr id="1027" name="Picture 3" descr="D:\Univ\INFO 891 - Projet Professionnalisant\doc\Conception\V2\mcd\1-categorie.PNG"/>
+          <p:cNvPicPr>
+            <a:picLocks noChangeAspect="1" noChangeArrowheads="1"/>
+          </p:cNvPicPr>
+          <p:nvPr/>
+        </p:nvPicPr>
+        <p:blipFill>
+          <a:blip r:embed="rId5">
+            <a:extLst>
+              <a:ext uri="{28A0092B-C50C-407E-A947-70E740481C1C}">
+                <a14:useLocalDpi xmlns:a14="http://schemas.microsoft.com/office/drawing/2010/main" val="0"/>
+              </a:ext>
+            </a:extLst>
+          </a:blip>
+          <a:srcRect/>
+          <a:stretch>
+            <a:fillRect/>
+          </a:stretch>
+        </p:blipFill>
+        <p:spPr bwMode="auto">
+          <a:xfrm>
+            <a:off x="3675394" y="4077072"/>
+            <a:ext cx="5088799" cy="2088232"/>
+          </a:xfrm>
+          <a:prstGeom prst="rect">
+            <a:avLst/>
+          </a:prstGeom>
+          <a:noFill/>
+          <a:ln w="19050">
+            <a:solidFill>
+              <a:schemeClr val="accent1">
+                <a:lumMod val="75000"/>
+              </a:schemeClr>
+            </a:solidFill>
+          </a:ln>
+          <a:extLst>
+            <a:ext uri="{909E8E84-426E-40DD-AFC4-6F175D3DCCD1}">
+              <a14:hiddenFill xmlns:a14="http://schemas.microsoft.com/office/drawing/2010/main">
+                <a:solidFill>
+                  <a:srgbClr val="FFFFFF"/>
+                </a:solidFill>
+              </a14:hiddenFill>
+            </a:ext>
+          </a:extLst>
+        </p:spPr>
+      </p:pic>
+      <p:pic>
+        <p:nvPicPr>
+          <p:cNvPr id="1028" name="Picture 4" descr="D:\Univ\INFO 891 - Projet Professionnalisant\doc\Conception\V2\mcd\2-zone.PNG"/>
+          <p:cNvPicPr>
+            <a:picLocks noChangeAspect="1" noChangeArrowheads="1"/>
+          </p:cNvPicPr>
+          <p:nvPr/>
+        </p:nvPicPr>
+        <p:blipFill>
+          <a:blip r:embed="rId6">
+            <a:extLst>
+              <a:ext uri="{28A0092B-C50C-407E-A947-70E740481C1C}">
+                <a14:useLocalDpi xmlns:a14="http://schemas.microsoft.com/office/drawing/2010/main" val="0"/>
+              </a:ext>
+            </a:extLst>
+          </a:blip>
+          <a:srcRect/>
+          <a:stretch>
+            <a:fillRect/>
+          </a:stretch>
+        </p:blipFill>
+        <p:spPr bwMode="auto">
+          <a:xfrm>
+            <a:off x="827584" y="2090165"/>
+            <a:ext cx="4896544" cy="1847413"/>
+          </a:xfrm>
+          <a:prstGeom prst="rect">
+            <a:avLst/>
+          </a:prstGeom>
+          <a:noFill/>
+          <a:ln w="19050">
+            <a:solidFill>
+              <a:schemeClr val="accent1">
+                <a:lumMod val="75000"/>
+              </a:schemeClr>
+            </a:solidFill>
+          </a:ln>
+          <a:extLst>
+            <a:ext uri="{909E8E84-426E-40DD-AFC4-6F175D3DCCD1}">
+              <a14:hiddenFill xmlns:a14="http://schemas.microsoft.com/office/drawing/2010/main">
+                <a:solidFill>
+                  <a:srgbClr val="FFFFFF"/>
+                </a:solidFill>
+              </a14:hiddenFill>
+            </a:ext>
+          </a:extLst>
+        </p:spPr>
+      </p:pic>
+      <p:pic>
+        <p:nvPicPr>
+          <p:cNvPr id="1029" name="Picture 5" descr="D:\Univ\INFO 891 - Projet Professionnalisant\doc\Conception\V2\mcd\3-param event.PNG"/>
+          <p:cNvPicPr>
+            <a:picLocks noChangeAspect="1" noChangeArrowheads="1"/>
+          </p:cNvPicPr>
+          <p:nvPr/>
+        </p:nvPicPr>
+        <p:blipFill>
+          <a:blip r:embed="rId7">
+            <a:extLst>
+              <a:ext uri="{28A0092B-C50C-407E-A947-70E740481C1C}">
+                <a14:useLocalDpi xmlns:a14="http://schemas.microsoft.com/office/drawing/2010/main" val="0"/>
+              </a:ext>
+            </a:extLst>
+          </a:blip>
+          <a:srcRect/>
+          <a:stretch>
+            <a:fillRect/>
+          </a:stretch>
+        </p:blipFill>
+        <p:spPr bwMode="auto">
+          <a:xfrm>
+            <a:off x="1907704" y="2515418"/>
+            <a:ext cx="5472608" cy="4241686"/>
+          </a:xfrm>
+          <a:prstGeom prst="rect">
+            <a:avLst/>
+          </a:prstGeom>
+          <a:noFill/>
+          <a:ln w="19050">
+            <a:solidFill>
+              <a:schemeClr val="accent1">
+                <a:lumMod val="75000"/>
+              </a:schemeClr>
+            </a:solidFill>
+          </a:ln>
+          <a:extLst>
+            <a:ext uri="{909E8E84-426E-40DD-AFC4-6F175D3DCCD1}">
+              <a14:hiddenFill xmlns:a14="http://schemas.microsoft.com/office/drawing/2010/main">
+                <a:solidFill>
+                  <a:srgbClr val="FFFFFF"/>
+                </a:solidFill>
+              </a14:hiddenFill>
+            </a:ext>
+          </a:extLst>
+        </p:spPr>
+      </p:pic>
+      <p:pic>
+        <p:nvPicPr>
+          <p:cNvPr id="1031" name="Picture 7" descr="D:\Univ\INFO 891 - Projet Professionnalisant\doc\Conception\V2\mcd\4-accréd.PNG"/>
+          <p:cNvPicPr>
+            <a:picLocks noChangeAspect="1" noChangeArrowheads="1"/>
+          </p:cNvPicPr>
+          <p:nvPr/>
+        </p:nvPicPr>
+        <p:blipFill>
+          <a:blip r:embed="rId8">
+            <a:extLst>
+              <a:ext uri="{28A0092B-C50C-407E-A947-70E740481C1C}">
+                <a14:useLocalDpi xmlns:a14="http://schemas.microsoft.com/office/drawing/2010/main" val="0"/>
+              </a:ext>
+            </a:extLst>
+          </a:blip>
+          <a:srcRect/>
+          <a:stretch>
+            <a:fillRect/>
+          </a:stretch>
+        </p:blipFill>
+        <p:spPr bwMode="auto">
+          <a:xfrm>
+            <a:off x="1598495" y="3834210"/>
+            <a:ext cx="6197330" cy="2763141"/>
+          </a:xfrm>
+          <a:prstGeom prst="rect">
+            <a:avLst/>
+          </a:prstGeom>
+          <a:noFill/>
+          <a:ln w="19050">
+            <a:solidFill>
+              <a:schemeClr val="accent1">
+                <a:lumMod val="75000"/>
+              </a:schemeClr>
+            </a:solidFill>
+          </a:ln>
+          <a:extLst>
+            <a:ext uri="{909E8E84-426E-40DD-AFC4-6F175D3DCCD1}">
+              <a14:hiddenFill xmlns:a14="http://schemas.microsoft.com/office/drawing/2010/main">
+                <a:solidFill>
+                  <a:srgbClr val="FFFFFF"/>
+                </a:solidFill>
+              </a14:hiddenFill>
+            </a:ext>
+          </a:extLst>
+        </p:spPr>
+      </p:pic>
+      <p:pic>
+        <p:nvPicPr>
+          <p:cNvPr id="1032" name="Picture 8" descr="D:\Univ\INFO 891 - Projet Professionnalisant\doc\Conception\V2\mcd\6-client.PNG"/>
+          <p:cNvPicPr>
+            <a:picLocks noChangeAspect="1" noChangeArrowheads="1"/>
+          </p:cNvPicPr>
+          <p:nvPr/>
+        </p:nvPicPr>
+        <p:blipFill>
+          <a:blip r:embed="rId9">
+            <a:extLst>
+              <a:ext uri="{28A0092B-C50C-407E-A947-70E740481C1C}">
+                <a14:useLocalDpi xmlns:a14="http://schemas.microsoft.com/office/drawing/2010/main" val="0"/>
+              </a:ext>
+            </a:extLst>
+          </a:blip>
+          <a:srcRect/>
+          <a:stretch>
+            <a:fillRect/>
+          </a:stretch>
+        </p:blipFill>
+        <p:spPr bwMode="auto">
+          <a:xfrm>
+            <a:off x="2195736" y="836713"/>
+            <a:ext cx="5056156" cy="2718550"/>
+          </a:xfrm>
+          <a:prstGeom prst="rect">
+            <a:avLst/>
+          </a:prstGeom>
+          <a:noFill/>
+          <a:ln w="19050">
+            <a:solidFill>
+              <a:schemeClr val="accent1">
+                <a:lumMod val="75000"/>
+              </a:schemeClr>
+            </a:solidFill>
+          </a:ln>
+          <a:extLst>
+            <a:ext uri="{909E8E84-426E-40DD-AFC4-6F175D3DCCD1}">
+              <a14:hiddenFill xmlns:a14="http://schemas.microsoft.com/office/drawing/2010/main">
+                <a:solidFill>
+                  <a:srgbClr val="FFFFFF"/>
+                </a:solidFill>
+              </a14:hiddenFill>
+            </a:ext>
+          </a:extLst>
+        </p:spPr>
+      </p:pic>
     </p:spTree>
     <p:extLst>
       <p:ext uri="{BB962C8B-B14F-4D97-AF65-F5344CB8AC3E}">
-        <p14:creationId xmlns:p14="http://schemas.microsoft.com/office/powerpoint/2010/main" val="761112699"/>
+        <p14:creationId xmlns:p14="http://schemas.microsoft.com/office/powerpoint/2010/main" val="1726750073"/>
       </p:ext>
     </p:extLst>
   </p:cSld>
@@ -8417,7 +8777,660 @@
   <p:timing>
     <p:tnLst>
       <p:par>
-        <p:cTn id="1" dur="indefinite" restart="never" nodeType="tmRoot"/>
+        <p:cTn id="1" dur="indefinite" restart="never" nodeType="tmRoot">
+          <p:childTnLst>
+            <p:seq concurrent="1" nextAc="seek">
+              <p:cTn id="2" dur="indefinite" nodeType="mainSeq">
+                <p:childTnLst>
+                  <p:par>
+                    <p:cTn id="3" fill="hold">
+                      <p:stCondLst>
+                        <p:cond delay="indefinite"/>
+                      </p:stCondLst>
+                      <p:childTnLst>
+                        <p:par>
+                          <p:cTn id="4" fill="hold">
+                            <p:stCondLst>
+                              <p:cond delay="0"/>
+                            </p:stCondLst>
+                            <p:childTnLst>
+                              <p:par>
+                                <p:cTn id="5" presetID="53" presetClass="entr" presetSubtype="16" fill="hold" nodeType="clickEffect">
+                                  <p:stCondLst>
+                                    <p:cond delay="0"/>
+                                  </p:stCondLst>
+                                  <p:childTnLst>
+                                    <p:set>
+                                      <p:cBhvr>
+                                        <p:cTn id="6" dur="1" fill="hold">
+                                          <p:stCondLst>
+                                            <p:cond delay="0"/>
+                                          </p:stCondLst>
+                                        </p:cTn>
+                                        <p:tgtEl>
+                                          <p:spTgt spid="1028"/>
+                                        </p:tgtEl>
+                                        <p:attrNameLst>
+                                          <p:attrName>style.visibility</p:attrName>
+                                        </p:attrNameLst>
+                                      </p:cBhvr>
+                                      <p:to>
+                                        <p:strVal val="visible"/>
+                                      </p:to>
+                                    </p:set>
+                                    <p:anim calcmode="lin" valueType="num">
+                                      <p:cBhvr>
+                                        <p:cTn id="7" dur="500" fill="hold"/>
+                                        <p:tgtEl>
+                                          <p:spTgt spid="1028"/>
+                                        </p:tgtEl>
+                                        <p:attrNameLst>
+                                          <p:attrName>ppt_w</p:attrName>
+                                        </p:attrNameLst>
+                                      </p:cBhvr>
+                                      <p:tavLst>
+                                        <p:tav tm="0">
+                                          <p:val>
+                                            <p:fltVal val="0"/>
+                                          </p:val>
+                                        </p:tav>
+                                        <p:tav tm="100000">
+                                          <p:val>
+                                            <p:strVal val="#ppt_w"/>
+                                          </p:val>
+                                        </p:tav>
+                                      </p:tavLst>
+                                    </p:anim>
+                                    <p:anim calcmode="lin" valueType="num">
+                                      <p:cBhvr>
+                                        <p:cTn id="8" dur="500" fill="hold"/>
+                                        <p:tgtEl>
+                                          <p:spTgt spid="1028"/>
+                                        </p:tgtEl>
+                                        <p:attrNameLst>
+                                          <p:attrName>ppt_h</p:attrName>
+                                        </p:attrNameLst>
+                                      </p:cBhvr>
+                                      <p:tavLst>
+                                        <p:tav tm="0">
+                                          <p:val>
+                                            <p:fltVal val="0"/>
+                                          </p:val>
+                                        </p:tav>
+                                        <p:tav tm="100000">
+                                          <p:val>
+                                            <p:strVal val="#ppt_h"/>
+                                          </p:val>
+                                        </p:tav>
+                                      </p:tavLst>
+                                    </p:anim>
+                                    <p:animEffect transition="in" filter="fade">
+                                      <p:cBhvr>
+                                        <p:cTn id="9" dur="500"/>
+                                        <p:tgtEl>
+                                          <p:spTgt spid="1028"/>
+                                        </p:tgtEl>
+                                      </p:cBhvr>
+                                    </p:animEffect>
+                                  </p:childTnLst>
+                                </p:cTn>
+                              </p:par>
+                              <p:par>
+                                <p:cTn id="10" presetID="53" presetClass="entr" presetSubtype="16" fill="hold" nodeType="withEffect">
+                                  <p:stCondLst>
+                                    <p:cond delay="0"/>
+                                  </p:stCondLst>
+                                  <p:childTnLst>
+                                    <p:set>
+                                      <p:cBhvr>
+                                        <p:cTn id="11" dur="1" fill="hold">
+                                          <p:stCondLst>
+                                            <p:cond delay="0"/>
+                                          </p:stCondLst>
+                                        </p:cTn>
+                                        <p:tgtEl>
+                                          <p:spTgt spid="1027"/>
+                                        </p:tgtEl>
+                                        <p:attrNameLst>
+                                          <p:attrName>style.visibility</p:attrName>
+                                        </p:attrNameLst>
+                                      </p:cBhvr>
+                                      <p:to>
+                                        <p:strVal val="visible"/>
+                                      </p:to>
+                                    </p:set>
+                                    <p:anim calcmode="lin" valueType="num">
+                                      <p:cBhvr>
+                                        <p:cTn id="12" dur="500" fill="hold"/>
+                                        <p:tgtEl>
+                                          <p:spTgt spid="1027"/>
+                                        </p:tgtEl>
+                                        <p:attrNameLst>
+                                          <p:attrName>ppt_w</p:attrName>
+                                        </p:attrNameLst>
+                                      </p:cBhvr>
+                                      <p:tavLst>
+                                        <p:tav tm="0">
+                                          <p:val>
+                                            <p:fltVal val="0"/>
+                                          </p:val>
+                                        </p:tav>
+                                        <p:tav tm="100000">
+                                          <p:val>
+                                            <p:strVal val="#ppt_w"/>
+                                          </p:val>
+                                        </p:tav>
+                                      </p:tavLst>
+                                    </p:anim>
+                                    <p:anim calcmode="lin" valueType="num">
+                                      <p:cBhvr>
+                                        <p:cTn id="13" dur="500" fill="hold"/>
+                                        <p:tgtEl>
+                                          <p:spTgt spid="1027"/>
+                                        </p:tgtEl>
+                                        <p:attrNameLst>
+                                          <p:attrName>ppt_h</p:attrName>
+                                        </p:attrNameLst>
+                                      </p:cBhvr>
+                                      <p:tavLst>
+                                        <p:tav tm="0">
+                                          <p:val>
+                                            <p:fltVal val="0"/>
+                                          </p:val>
+                                        </p:tav>
+                                        <p:tav tm="100000">
+                                          <p:val>
+                                            <p:strVal val="#ppt_h"/>
+                                          </p:val>
+                                        </p:tav>
+                                      </p:tavLst>
+                                    </p:anim>
+                                    <p:animEffect transition="in" filter="fade">
+                                      <p:cBhvr>
+                                        <p:cTn id="14" dur="500"/>
+                                        <p:tgtEl>
+                                          <p:spTgt spid="1027"/>
+                                        </p:tgtEl>
+                                      </p:cBhvr>
+                                    </p:animEffect>
+                                  </p:childTnLst>
+                                </p:cTn>
+                              </p:par>
+                            </p:childTnLst>
+                          </p:cTn>
+                        </p:par>
+                      </p:childTnLst>
+                    </p:cTn>
+                  </p:par>
+                  <p:par>
+                    <p:cTn id="15" fill="hold">
+                      <p:stCondLst>
+                        <p:cond delay="indefinite"/>
+                      </p:stCondLst>
+                      <p:childTnLst>
+                        <p:par>
+                          <p:cTn id="16" fill="hold">
+                            <p:stCondLst>
+                              <p:cond delay="0"/>
+                            </p:stCondLst>
+                            <p:childTnLst>
+                              <p:par>
+                                <p:cTn id="17" presetID="1" presetClass="exit" presetSubtype="0" fill="hold" nodeType="clickEffect">
+                                  <p:stCondLst>
+                                    <p:cond delay="0"/>
+                                  </p:stCondLst>
+                                  <p:childTnLst>
+                                    <p:set>
+                                      <p:cBhvr>
+                                        <p:cTn id="18" dur="1" fill="hold">
+                                          <p:stCondLst>
+                                            <p:cond delay="0"/>
+                                          </p:stCondLst>
+                                        </p:cTn>
+                                        <p:tgtEl>
+                                          <p:spTgt spid="1028"/>
+                                        </p:tgtEl>
+                                        <p:attrNameLst>
+                                          <p:attrName>style.visibility</p:attrName>
+                                        </p:attrNameLst>
+                                      </p:cBhvr>
+                                      <p:to>
+                                        <p:strVal val="hidden"/>
+                                      </p:to>
+                                    </p:set>
+                                  </p:childTnLst>
+                                </p:cTn>
+                              </p:par>
+                              <p:par>
+                                <p:cTn id="19" presetID="1" presetClass="exit" presetSubtype="0" fill="hold" nodeType="withEffect">
+                                  <p:stCondLst>
+                                    <p:cond delay="0"/>
+                                  </p:stCondLst>
+                                  <p:childTnLst>
+                                    <p:set>
+                                      <p:cBhvr>
+                                        <p:cTn id="20" dur="1" fill="hold">
+                                          <p:stCondLst>
+                                            <p:cond delay="0"/>
+                                          </p:stCondLst>
+                                        </p:cTn>
+                                        <p:tgtEl>
+                                          <p:spTgt spid="1027"/>
+                                        </p:tgtEl>
+                                        <p:attrNameLst>
+                                          <p:attrName>style.visibility</p:attrName>
+                                        </p:attrNameLst>
+                                      </p:cBhvr>
+                                      <p:to>
+                                        <p:strVal val="hidden"/>
+                                      </p:to>
+                                    </p:set>
+                                  </p:childTnLst>
+                                </p:cTn>
+                              </p:par>
+                              <p:par>
+                                <p:cTn id="21" presetID="53" presetClass="entr" presetSubtype="16" fill="hold" nodeType="withEffect">
+                                  <p:stCondLst>
+                                    <p:cond delay="0"/>
+                                  </p:stCondLst>
+                                  <p:childTnLst>
+                                    <p:set>
+                                      <p:cBhvr>
+                                        <p:cTn id="22" dur="1" fill="hold">
+                                          <p:stCondLst>
+                                            <p:cond delay="0"/>
+                                          </p:stCondLst>
+                                        </p:cTn>
+                                        <p:tgtEl>
+                                          <p:spTgt spid="1029"/>
+                                        </p:tgtEl>
+                                        <p:attrNameLst>
+                                          <p:attrName>style.visibility</p:attrName>
+                                        </p:attrNameLst>
+                                      </p:cBhvr>
+                                      <p:to>
+                                        <p:strVal val="visible"/>
+                                      </p:to>
+                                    </p:set>
+                                    <p:anim calcmode="lin" valueType="num">
+                                      <p:cBhvr>
+                                        <p:cTn id="23" dur="500" fill="hold"/>
+                                        <p:tgtEl>
+                                          <p:spTgt spid="1029"/>
+                                        </p:tgtEl>
+                                        <p:attrNameLst>
+                                          <p:attrName>ppt_w</p:attrName>
+                                        </p:attrNameLst>
+                                      </p:cBhvr>
+                                      <p:tavLst>
+                                        <p:tav tm="0">
+                                          <p:val>
+                                            <p:fltVal val="0"/>
+                                          </p:val>
+                                        </p:tav>
+                                        <p:tav tm="100000">
+                                          <p:val>
+                                            <p:strVal val="#ppt_w"/>
+                                          </p:val>
+                                        </p:tav>
+                                      </p:tavLst>
+                                    </p:anim>
+                                    <p:anim calcmode="lin" valueType="num">
+                                      <p:cBhvr>
+                                        <p:cTn id="24" dur="500" fill="hold"/>
+                                        <p:tgtEl>
+                                          <p:spTgt spid="1029"/>
+                                        </p:tgtEl>
+                                        <p:attrNameLst>
+                                          <p:attrName>ppt_h</p:attrName>
+                                        </p:attrNameLst>
+                                      </p:cBhvr>
+                                      <p:tavLst>
+                                        <p:tav tm="0">
+                                          <p:val>
+                                            <p:fltVal val="0"/>
+                                          </p:val>
+                                        </p:tav>
+                                        <p:tav tm="100000">
+                                          <p:val>
+                                            <p:strVal val="#ppt_h"/>
+                                          </p:val>
+                                        </p:tav>
+                                      </p:tavLst>
+                                    </p:anim>
+                                    <p:animEffect transition="in" filter="fade">
+                                      <p:cBhvr>
+                                        <p:cTn id="25" dur="500"/>
+                                        <p:tgtEl>
+                                          <p:spTgt spid="1029"/>
+                                        </p:tgtEl>
+                                      </p:cBhvr>
+                                    </p:animEffect>
+                                  </p:childTnLst>
+                                </p:cTn>
+                              </p:par>
+                            </p:childTnLst>
+                          </p:cTn>
+                        </p:par>
+                      </p:childTnLst>
+                    </p:cTn>
+                  </p:par>
+                  <p:par>
+                    <p:cTn id="26" fill="hold">
+                      <p:stCondLst>
+                        <p:cond delay="indefinite"/>
+                      </p:stCondLst>
+                      <p:childTnLst>
+                        <p:par>
+                          <p:cTn id="27" fill="hold">
+                            <p:stCondLst>
+                              <p:cond delay="0"/>
+                            </p:stCondLst>
+                            <p:childTnLst>
+                              <p:par>
+                                <p:cTn id="28" presetID="1" presetClass="exit" presetSubtype="0" fill="hold" nodeType="clickEffect">
+                                  <p:stCondLst>
+                                    <p:cond delay="0"/>
+                                  </p:stCondLst>
+                                  <p:childTnLst>
+                                    <p:set>
+                                      <p:cBhvr>
+                                        <p:cTn id="29" dur="1" fill="hold">
+                                          <p:stCondLst>
+                                            <p:cond delay="0"/>
+                                          </p:stCondLst>
+                                        </p:cTn>
+                                        <p:tgtEl>
+                                          <p:spTgt spid="1029"/>
+                                        </p:tgtEl>
+                                        <p:attrNameLst>
+                                          <p:attrName>style.visibility</p:attrName>
+                                        </p:attrNameLst>
+                                      </p:cBhvr>
+                                      <p:to>
+                                        <p:strVal val="hidden"/>
+                                      </p:to>
+                                    </p:set>
+                                  </p:childTnLst>
+                                </p:cTn>
+                              </p:par>
+                              <p:par>
+                                <p:cTn id="30" presetID="53" presetClass="entr" presetSubtype="16" fill="hold" nodeType="withEffect">
+                                  <p:stCondLst>
+                                    <p:cond delay="0"/>
+                                  </p:stCondLst>
+                                  <p:childTnLst>
+                                    <p:set>
+                                      <p:cBhvr>
+                                        <p:cTn id="31" dur="1" fill="hold">
+                                          <p:stCondLst>
+                                            <p:cond delay="0"/>
+                                          </p:stCondLst>
+                                        </p:cTn>
+                                        <p:tgtEl>
+                                          <p:spTgt spid="1031"/>
+                                        </p:tgtEl>
+                                        <p:attrNameLst>
+                                          <p:attrName>style.visibility</p:attrName>
+                                        </p:attrNameLst>
+                                      </p:cBhvr>
+                                      <p:to>
+                                        <p:strVal val="visible"/>
+                                      </p:to>
+                                    </p:set>
+                                    <p:anim calcmode="lin" valueType="num">
+                                      <p:cBhvr>
+                                        <p:cTn id="32" dur="500" fill="hold"/>
+                                        <p:tgtEl>
+                                          <p:spTgt spid="1031"/>
+                                        </p:tgtEl>
+                                        <p:attrNameLst>
+                                          <p:attrName>ppt_w</p:attrName>
+                                        </p:attrNameLst>
+                                      </p:cBhvr>
+                                      <p:tavLst>
+                                        <p:tav tm="0">
+                                          <p:val>
+                                            <p:fltVal val="0"/>
+                                          </p:val>
+                                        </p:tav>
+                                        <p:tav tm="100000">
+                                          <p:val>
+                                            <p:strVal val="#ppt_w"/>
+                                          </p:val>
+                                        </p:tav>
+                                      </p:tavLst>
+                                    </p:anim>
+                                    <p:anim calcmode="lin" valueType="num">
+                                      <p:cBhvr>
+                                        <p:cTn id="33" dur="500" fill="hold"/>
+                                        <p:tgtEl>
+                                          <p:spTgt spid="1031"/>
+                                        </p:tgtEl>
+                                        <p:attrNameLst>
+                                          <p:attrName>ppt_h</p:attrName>
+                                        </p:attrNameLst>
+                                      </p:cBhvr>
+                                      <p:tavLst>
+                                        <p:tav tm="0">
+                                          <p:val>
+                                            <p:fltVal val="0"/>
+                                          </p:val>
+                                        </p:tav>
+                                        <p:tav tm="100000">
+                                          <p:val>
+                                            <p:strVal val="#ppt_h"/>
+                                          </p:val>
+                                        </p:tav>
+                                      </p:tavLst>
+                                    </p:anim>
+                                    <p:animEffect transition="in" filter="fade">
+                                      <p:cBhvr>
+                                        <p:cTn id="34" dur="500"/>
+                                        <p:tgtEl>
+                                          <p:spTgt spid="1031"/>
+                                        </p:tgtEl>
+                                      </p:cBhvr>
+                                    </p:animEffect>
+                                  </p:childTnLst>
+                                </p:cTn>
+                              </p:par>
+                            </p:childTnLst>
+                          </p:cTn>
+                        </p:par>
+                      </p:childTnLst>
+                    </p:cTn>
+                  </p:par>
+                  <p:par>
+                    <p:cTn id="35" fill="hold">
+                      <p:stCondLst>
+                        <p:cond delay="indefinite"/>
+                      </p:stCondLst>
+                      <p:childTnLst>
+                        <p:par>
+                          <p:cTn id="36" fill="hold">
+                            <p:stCondLst>
+                              <p:cond delay="0"/>
+                            </p:stCondLst>
+                            <p:childTnLst>
+                              <p:par>
+                                <p:cTn id="37" presetID="53" presetClass="entr" presetSubtype="16" fill="hold" nodeType="clickEffect">
+                                  <p:stCondLst>
+                                    <p:cond delay="0"/>
+                                  </p:stCondLst>
+                                  <p:childTnLst>
+                                    <p:set>
+                                      <p:cBhvr>
+                                        <p:cTn id="38" dur="1" fill="hold">
+                                          <p:stCondLst>
+                                            <p:cond delay="0"/>
+                                          </p:stCondLst>
+                                        </p:cTn>
+                                        <p:tgtEl>
+                                          <p:spTgt spid="1032"/>
+                                        </p:tgtEl>
+                                        <p:attrNameLst>
+                                          <p:attrName>style.visibility</p:attrName>
+                                        </p:attrNameLst>
+                                      </p:cBhvr>
+                                      <p:to>
+                                        <p:strVal val="visible"/>
+                                      </p:to>
+                                    </p:set>
+                                    <p:anim calcmode="lin" valueType="num">
+                                      <p:cBhvr>
+                                        <p:cTn id="39" dur="500" fill="hold"/>
+                                        <p:tgtEl>
+                                          <p:spTgt spid="1032"/>
+                                        </p:tgtEl>
+                                        <p:attrNameLst>
+                                          <p:attrName>ppt_w</p:attrName>
+                                        </p:attrNameLst>
+                                      </p:cBhvr>
+                                      <p:tavLst>
+                                        <p:tav tm="0">
+                                          <p:val>
+                                            <p:fltVal val="0"/>
+                                          </p:val>
+                                        </p:tav>
+                                        <p:tav tm="100000">
+                                          <p:val>
+                                            <p:strVal val="#ppt_w"/>
+                                          </p:val>
+                                        </p:tav>
+                                      </p:tavLst>
+                                    </p:anim>
+                                    <p:anim calcmode="lin" valueType="num">
+                                      <p:cBhvr>
+                                        <p:cTn id="40" dur="500" fill="hold"/>
+                                        <p:tgtEl>
+                                          <p:spTgt spid="1032"/>
+                                        </p:tgtEl>
+                                        <p:attrNameLst>
+                                          <p:attrName>ppt_h</p:attrName>
+                                        </p:attrNameLst>
+                                      </p:cBhvr>
+                                      <p:tavLst>
+                                        <p:tav tm="0">
+                                          <p:val>
+                                            <p:fltVal val="0"/>
+                                          </p:val>
+                                        </p:tav>
+                                        <p:tav tm="100000">
+                                          <p:val>
+                                            <p:strVal val="#ppt_h"/>
+                                          </p:val>
+                                        </p:tav>
+                                      </p:tavLst>
+                                    </p:anim>
+                                    <p:animEffect transition="in" filter="fade">
+                                      <p:cBhvr>
+                                        <p:cTn id="41" dur="500"/>
+                                        <p:tgtEl>
+                                          <p:spTgt spid="1032"/>
+                                        </p:tgtEl>
+                                      </p:cBhvr>
+                                    </p:animEffect>
+                                  </p:childTnLst>
+                                </p:cTn>
+                              </p:par>
+                            </p:childTnLst>
+                          </p:cTn>
+                        </p:par>
+                      </p:childTnLst>
+                    </p:cTn>
+                  </p:par>
+                  <p:par>
+                    <p:cTn id="42" fill="hold">
+                      <p:stCondLst>
+                        <p:cond delay="indefinite"/>
+                      </p:stCondLst>
+                      <p:childTnLst>
+                        <p:par>
+                          <p:cTn id="43" fill="hold">
+                            <p:stCondLst>
+                              <p:cond delay="0"/>
+                            </p:stCondLst>
+                            <p:childTnLst>
+                              <p:par>
+                                <p:cTn id="44" presetID="1" presetClass="exit" presetSubtype="0" fill="hold" nodeType="clickEffect">
+                                  <p:stCondLst>
+                                    <p:cond delay="0"/>
+                                  </p:stCondLst>
+                                  <p:childTnLst>
+                                    <p:set>
+                                      <p:cBhvr>
+                                        <p:cTn id="45" dur="1" fill="hold">
+                                          <p:stCondLst>
+                                            <p:cond delay="0"/>
+                                          </p:stCondLst>
+                                        </p:cTn>
+                                        <p:tgtEl>
+                                          <p:spTgt spid="1031"/>
+                                        </p:tgtEl>
+                                        <p:attrNameLst>
+                                          <p:attrName>style.visibility</p:attrName>
+                                        </p:attrNameLst>
+                                      </p:cBhvr>
+                                      <p:to>
+                                        <p:strVal val="hidden"/>
+                                      </p:to>
+                                    </p:set>
+                                  </p:childTnLst>
+                                </p:cTn>
+                              </p:par>
+                              <p:par>
+                                <p:cTn id="46" presetID="1" presetClass="exit" presetSubtype="0" fill="hold" nodeType="withEffect">
+                                  <p:stCondLst>
+                                    <p:cond delay="0"/>
+                                  </p:stCondLst>
+                                  <p:childTnLst>
+                                    <p:set>
+                                      <p:cBhvr>
+                                        <p:cTn id="47" dur="1" fill="hold">
+                                          <p:stCondLst>
+                                            <p:cond delay="0"/>
+                                          </p:stCondLst>
+                                        </p:cTn>
+                                        <p:tgtEl>
+                                          <p:spTgt spid="1032"/>
+                                        </p:tgtEl>
+                                        <p:attrNameLst>
+                                          <p:attrName>style.visibility</p:attrName>
+                                        </p:attrNameLst>
+                                      </p:cBhvr>
+                                      <p:to>
+                                        <p:strVal val="hidden"/>
+                                      </p:to>
+                                    </p:set>
+                                  </p:childTnLst>
+                                </p:cTn>
+                              </p:par>
+                            </p:childTnLst>
+                          </p:cTn>
+                        </p:par>
+                      </p:childTnLst>
+                    </p:cTn>
+                  </p:par>
+                </p:childTnLst>
+              </p:cTn>
+              <p:prevCondLst>
+                <p:cond evt="onPrev" delay="0">
+                  <p:tgtEl>
+                    <p:sldTgt/>
+                  </p:tgtEl>
+                </p:cond>
+              </p:prevCondLst>
+              <p:nextCondLst>
+                <p:cond evt="onNext" delay="0">
+                  <p:tgtEl>
+                    <p:sldTgt/>
+                  </p:tgtEl>
+                </p:cond>
+              </p:nextCondLst>
+            </p:seq>
+          </p:childTnLst>
+        </p:cTn>
       </p:par>
     </p:tnLst>
   </p:timing>
@@ -8441,9 +9454,139 @@
           <a:chExt cx="0" cy="0"/>
         </a:xfrm>
       </p:grpSpPr>
+      <p:sp>
+        <p:nvSpPr>
+          <p:cNvPr id="3074" name="Titre 1"/>
+          <p:cNvSpPr>
+            <a:spLocks noGrp="1"/>
+          </p:cNvSpPr>
+          <p:nvPr>
+            <p:ph type="title"/>
+          </p:nvPr>
+        </p:nvSpPr>
+        <p:spPr>
+          <a:xfrm>
+            <a:off x="457200" y="773832"/>
+            <a:ext cx="8229600" cy="1143000"/>
+          </a:xfrm>
+        </p:spPr>
+        <p:txBody>
+          <a:bodyPr/>
+          <a:lstStyle/>
+          <a:p>
+            <a:r>
+              <a:rPr lang="fr-FR" dirty="0" smtClean="0"/>
+              <a:t>Plan</a:t>
+            </a:r>
+          </a:p>
+        </p:txBody>
+      </p:sp>
+      <p:sp>
+        <p:nvSpPr>
+          <p:cNvPr id="3075" name="Espace réservé du contenu 2"/>
+          <p:cNvSpPr>
+            <a:spLocks noGrp="1"/>
+          </p:cNvSpPr>
+          <p:nvPr>
+            <p:ph idx="1"/>
+          </p:nvPr>
+        </p:nvSpPr>
+        <p:spPr>
+          <a:xfrm>
+            <a:off x="457200" y="1600200"/>
+            <a:ext cx="8229600" cy="5141168"/>
+          </a:xfrm>
+        </p:spPr>
+        <p:txBody>
+          <a:bodyPr>
+            <a:normAutofit/>
+          </a:bodyPr>
+          <a:lstStyle/>
+          <a:p>
+            <a:pPr>
+              <a:lnSpc>
+                <a:spcPct val="170000"/>
+              </a:lnSpc>
+            </a:pPr>
+            <a:r>
+              <a:rPr lang="fr-FR" dirty="0" smtClean="0">
+                <a:solidFill>
+                  <a:schemeClr val="bg1">
+                    <a:lumMod val="50000"/>
+                  </a:schemeClr>
+                </a:solidFill>
+              </a:rPr>
+              <a:t>Le contexte</a:t>
+            </a:r>
+          </a:p>
+          <a:p>
+            <a:pPr>
+              <a:lnSpc>
+                <a:spcPct val="170000"/>
+              </a:lnSpc>
+            </a:pPr>
+            <a:r>
+              <a:rPr lang="fr-FR" dirty="0" smtClean="0">
+                <a:solidFill>
+                  <a:schemeClr val="bg1">
+                    <a:lumMod val="50000"/>
+                  </a:schemeClr>
+                </a:solidFill>
+              </a:rPr>
+              <a:t>Les besoins initiaux</a:t>
+            </a:r>
+          </a:p>
+          <a:p>
+            <a:pPr>
+              <a:lnSpc>
+                <a:spcPct val="170000"/>
+              </a:lnSpc>
+            </a:pPr>
+            <a:r>
+              <a:rPr lang="fr-FR" dirty="0" smtClean="0">
+                <a:solidFill>
+                  <a:schemeClr val="bg1">
+                    <a:lumMod val="50000"/>
+                  </a:schemeClr>
+                </a:solidFill>
+              </a:rPr>
+              <a:t>Conception</a:t>
+            </a:r>
+          </a:p>
+          <a:p>
+            <a:pPr>
+              <a:lnSpc>
+                <a:spcPct val="170000"/>
+              </a:lnSpc>
+            </a:pPr>
+            <a:r>
+              <a:rPr lang="fr-FR" dirty="0" smtClean="0"/>
+              <a:t>Démonstration</a:t>
+            </a:r>
+          </a:p>
+          <a:p>
+            <a:pPr>
+              <a:lnSpc>
+                <a:spcPct val="170000"/>
+              </a:lnSpc>
+            </a:pPr>
+            <a:r>
+              <a:rPr lang="fr-FR" dirty="0" smtClean="0">
+                <a:solidFill>
+                  <a:schemeClr val="bg1">
+                    <a:lumMod val="50000"/>
+                  </a:schemeClr>
+                </a:solidFill>
+              </a:rPr>
+              <a:t>Gestion de projet</a:t>
+            </a:r>
+            <a:endParaRPr lang="fr-FR" dirty="0" smtClean="0"/>
+          </a:p>
+        </p:txBody>
+      </p:sp>
       <p:pic>
         <p:nvPicPr>
-          <p:cNvPr id="5" name="Image 4"/>
+          <p:cNvPr id="3076" name="Image 4"/>
           <p:cNvPicPr>
             <a:picLocks noChangeAspect="1"/>
           </p:cNvPicPr>
@@ -8475,7 +9618,7 @@
       </p:pic>
       <p:sp>
         <p:nvSpPr>
-          <p:cNvPr id="6" name="Espace réservé du numéro de diapositive 1"/>
+          <p:cNvPr id="2" name="Espace réservé du numéro de diapositive 1"/>
           <p:cNvSpPr>
             <a:spLocks noGrp="1"/>
           </p:cNvSpPr>
@@ -8483,12 +9626,7 @@
             <p:ph type="sldNum" sz="quarter" idx="12"/>
           </p:nvPr>
         </p:nvSpPr>
-        <p:spPr>
-          <a:xfrm>
-            <a:off x="6553200" y="6356350"/>
-            <a:ext cx="2133600" cy="365125"/>
-          </a:xfrm>
-        </p:spPr>
+        <p:spPr/>
         <p:txBody>
           <a:bodyPr/>
           <a:lstStyle/>
@@ -8507,104 +9645,23 @@
           </a:p>
         </p:txBody>
       </p:sp>
-      <p:sp>
-        <p:nvSpPr>
-          <p:cNvPr id="7" name="Titre 1"/>
-          <p:cNvSpPr>
-            <a:spLocks noGrp="1"/>
-          </p:cNvSpPr>
-          <p:nvPr>
-            <p:ph type="title"/>
-          </p:nvPr>
-        </p:nvSpPr>
-        <p:spPr>
-          <a:xfrm>
-            <a:off x="662880" y="116632"/>
-            <a:ext cx="8229600" cy="1143000"/>
-          </a:xfrm>
-        </p:spPr>
-        <p:txBody>
-          <a:bodyPr>
-            <a:normAutofit/>
-          </a:bodyPr>
-          <a:lstStyle/>
-          <a:p>
-            <a:pPr algn="r"/>
-            <a:r>
-              <a:rPr lang="fr-FR" sz="2800" dirty="0" smtClean="0"/>
-              <a:t>MCD</a:t>
-            </a:r>
-          </a:p>
-        </p:txBody>
-      </p:sp>
-      <p:pic>
-        <p:nvPicPr>
-          <p:cNvPr id="4098" name="Picture 2" descr="D:\Univ\INFO 891 - Projet Professionnalisant\doc\Conception\V2\mcd\3-accred-client.PNG"/>
-          <p:cNvPicPr>
-            <a:picLocks noChangeAspect="1" noChangeArrowheads="1"/>
-          </p:cNvPicPr>
-          <p:nvPr/>
-        </p:nvPicPr>
-        <p:blipFill>
-          <a:blip r:embed="rId4">
-            <a:clrChange>
-              <a:clrFrom>
-                <a:srgbClr val="FFFFFF"/>
-              </a:clrFrom>
-              <a:clrTo>
-                <a:srgbClr val="FFFFFF">
-                  <a:alpha val="0"/>
-                </a:srgbClr>
-              </a:clrTo>
-            </a:clrChange>
-            <a:extLst>
-              <a:ext uri="{28A0092B-C50C-407E-A947-70E740481C1C}">
-                <a14:useLocalDpi xmlns:a14="http://schemas.microsoft.com/office/drawing/2010/main" val="0"/>
-              </a:ext>
-            </a:extLst>
-          </a:blip>
-          <a:srcRect/>
-          <a:stretch>
-            <a:fillRect/>
-          </a:stretch>
-        </p:blipFill>
-        <p:spPr bwMode="auto">
-          <a:xfrm>
-            <a:off x="432480" y="927054"/>
-            <a:ext cx="8542237" cy="5580000"/>
-          </a:xfrm>
-          <a:prstGeom prst="rect">
-            <a:avLst/>
-          </a:prstGeom>
-          <a:noFill/>
-          <a:extLst>
-            <a:ext uri="{909E8E84-426E-40DD-AFC4-6F175D3DCCD1}">
-              <a14:hiddenFill xmlns:a14="http://schemas.microsoft.com/office/drawing/2010/main">
-                <a:solidFill>
-                  <a:srgbClr val="FFFFFF"/>
-                </a:solidFill>
-              </a14:hiddenFill>
-            </a:ext>
-          </a:extLst>
-        </p:spPr>
-      </p:pic>
     </p:spTree>
     <p:extLst>
       <p:ext uri="{BB962C8B-B14F-4D97-AF65-F5344CB8AC3E}">
-        <p14:creationId xmlns:p14="http://schemas.microsoft.com/office/powerpoint/2010/main" val="1601944732"/>
+        <p14:creationId xmlns:p14="http://schemas.microsoft.com/office/powerpoint/2010/main" val="2150257744"/>
       </p:ext>
     </p:extLst>
   </p:cSld>
   <p:clrMapOvr>
     <a:masterClrMapping/>
   </p:clrMapOvr>
-  <mc:AlternateContent xmlns:mc="http://schemas.openxmlformats.org/markup-compatibility/2006">
-    <mc:Choice xmlns:p14="http://schemas.microsoft.com/office/powerpoint/2010/main" Requires="p14">
+  <mc:AlternateContent xmlns:mc="http://schemas.openxmlformats.org/markup-compatibility/2006" xmlns:p14="http://schemas.microsoft.com/office/powerpoint/2010/main">
+    <mc:Choice Requires="p14">
       <p:transition spd="med">
         <p14:gallery dir="l"/>
       </p:transition>
     </mc:Choice>
-    <mc:Fallback>
+    <mc:Fallback xmlns="">
       <p:transition spd="med">
         <p:fade/>
       </p:transition>
@@ -8716,7 +9773,7 @@
                   </a:schemeClr>
                 </a:solidFill>
               </a:rPr>
-              <a:t>Le projet</a:t>
+              <a:t>Les besoins initiaux</a:t>
             </a:r>
           </a:p>
           <a:p>
@@ -8743,17 +9800,6 @@
               </a:lnSpc>
             </a:pPr>
             <a:r>
-              <a:rPr lang="fr-FR" dirty="0" smtClean="0"/>
-              <a:t>Démonstration</a:t>
-            </a:r>
-          </a:p>
-          <a:p>
-            <a:pPr>
-              <a:lnSpc>
-                <a:spcPct val="170000"/>
-              </a:lnSpc>
-            </a:pPr>
-            <a:r>
               <a:rPr lang="fr-FR" dirty="0" smtClean="0">
                 <a:solidFill>
                   <a:schemeClr val="bg1">
@@ -8761,9 +9807,19 @@
                   </a:schemeClr>
                 </a:solidFill>
               </a:rPr>
+              <a:t>Démonstration</a:t>
+            </a:r>
+          </a:p>
+          <a:p>
+            <a:pPr>
+              <a:lnSpc>
+                <a:spcPct val="170000"/>
+              </a:lnSpc>
+            </a:pPr>
+            <a:r>
+              <a:rPr lang="fr-FR" dirty="0" smtClean="0"/>
               <a:t>Gestion de projet</a:t>
             </a:r>
-            <a:endParaRPr lang="fr-FR" dirty="0" smtClean="0"/>
           </a:p>
         </p:txBody>
       </p:sp>
@@ -8831,20 +9887,20 @@
     </p:spTree>
     <p:extLst>
       <p:ext uri="{BB962C8B-B14F-4D97-AF65-F5344CB8AC3E}">
-        <p14:creationId xmlns:p14="http://schemas.microsoft.com/office/powerpoint/2010/main" val="2150257744"/>
+        <p14:creationId xmlns:p14="http://schemas.microsoft.com/office/powerpoint/2010/main" val="1040411829"/>
       </p:ext>
     </p:extLst>
   </p:cSld>
   <p:clrMapOvr>
     <a:masterClrMapping/>
   </p:clrMapOvr>
-  <mc:AlternateContent xmlns:mc="http://schemas.openxmlformats.org/markup-compatibility/2006">
-    <mc:Choice xmlns:p14="http://schemas.microsoft.com/office/powerpoint/2010/main" Requires="p14">
+  <mc:AlternateContent xmlns:mc="http://schemas.openxmlformats.org/markup-compatibility/2006" xmlns:p14="http://schemas.microsoft.com/office/powerpoint/2010/main">
+    <mc:Choice Requires="p14">
       <p:transition spd="med">
         <p14:gallery dir="l"/>
       </p:transition>
     </mc:Choice>
-    <mc:Fallback>
+    <mc:Fallback xmlns="">
       <p:transition spd="med">
         <p:fade/>
       </p:transition>
@@ -8899,109 +9955,7 @@
           <a:p>
             <a:r>
               <a:rPr lang="fr-FR" dirty="0" smtClean="0"/>
-              <a:t>Plan</a:t>
-            </a:r>
-          </a:p>
-        </p:txBody>
-      </p:sp>
-      <p:sp>
-        <p:nvSpPr>
-          <p:cNvPr id="3075" name="Espace réservé du contenu 2"/>
-          <p:cNvSpPr>
-            <a:spLocks noGrp="1"/>
-          </p:cNvSpPr>
-          <p:nvPr>
-            <p:ph idx="1"/>
-          </p:nvPr>
-        </p:nvSpPr>
-        <p:spPr>
-          <a:xfrm>
-            <a:off x="457200" y="1600200"/>
-            <a:ext cx="8229600" cy="5141168"/>
-          </a:xfrm>
-        </p:spPr>
-        <p:txBody>
-          <a:bodyPr>
-            <a:normAutofit/>
-          </a:bodyPr>
-          <a:lstStyle/>
-          <a:p>
-            <a:pPr>
-              <a:lnSpc>
-                <a:spcPct val="170000"/>
-              </a:lnSpc>
-            </a:pPr>
-            <a:r>
-              <a:rPr lang="fr-FR" dirty="0" smtClean="0">
-                <a:solidFill>
-                  <a:schemeClr val="bg1">
-                    <a:lumMod val="50000"/>
-                  </a:schemeClr>
-                </a:solidFill>
-              </a:rPr>
-              <a:t>Le contexte</a:t>
-            </a:r>
-          </a:p>
-          <a:p>
-            <a:pPr>
-              <a:lnSpc>
-                <a:spcPct val="170000"/>
-              </a:lnSpc>
-            </a:pPr>
-            <a:r>
-              <a:rPr lang="fr-FR" dirty="0" smtClean="0">
-                <a:solidFill>
-                  <a:schemeClr val="bg1">
-                    <a:lumMod val="50000"/>
-                  </a:schemeClr>
-                </a:solidFill>
-              </a:rPr>
-              <a:t>Le projet</a:t>
-            </a:r>
-          </a:p>
-          <a:p>
-            <a:pPr>
-              <a:lnSpc>
-                <a:spcPct val="170000"/>
-              </a:lnSpc>
-            </a:pPr>
-            <a:r>
-              <a:rPr lang="fr-FR" dirty="0" smtClean="0">
-                <a:solidFill>
-                  <a:schemeClr val="bg1">
-                    <a:lumMod val="50000"/>
-                  </a:schemeClr>
-                </a:solidFill>
-              </a:rPr>
-              <a:t>Conception</a:t>
-            </a:r>
-          </a:p>
-          <a:p>
-            <a:pPr>
-              <a:lnSpc>
-                <a:spcPct val="170000"/>
-              </a:lnSpc>
-            </a:pPr>
-            <a:r>
-              <a:rPr lang="fr-FR" dirty="0" smtClean="0">
-                <a:solidFill>
-                  <a:schemeClr val="bg1">
-                    <a:lumMod val="50000"/>
-                  </a:schemeClr>
-                </a:solidFill>
-              </a:rPr>
-              <a:t>Démonstration</a:t>
-            </a:r>
-          </a:p>
-          <a:p>
-            <a:pPr>
-              <a:lnSpc>
-                <a:spcPct val="170000"/>
-              </a:lnSpc>
-            </a:pPr>
-            <a:r>
-              <a:rPr lang="fr-FR" dirty="0" smtClean="0"/>
-              <a:t>Gestion de projet</a:t>
+              <a:t>Gestion projet</a:t>
             </a:r>
           </a:p>
         </p:txBody>
@@ -9067,23 +10021,113 @@
           </a:p>
         </p:txBody>
       </p:sp>
+      <p:sp>
+        <p:nvSpPr>
+          <p:cNvPr id="19" name="TextBox 18"/>
+          <p:cNvSpPr txBox="1"/>
+          <p:nvPr/>
+        </p:nvSpPr>
+        <p:spPr>
+          <a:xfrm>
+            <a:off x="467544" y="2060848"/>
+            <a:ext cx="8208912" cy="4031873"/>
+          </a:xfrm>
+          <a:prstGeom prst="rect">
+            <a:avLst/>
+          </a:prstGeom>
+          <a:noFill/>
+        </p:spPr>
+        <p:txBody>
+          <a:bodyPr wrap="square" rtlCol="0">
+            <a:spAutoFit/>
+          </a:bodyPr>
+          <a:lstStyle/>
+          <a:p>
+            <a:pPr marL="0" lvl="2">
+              <a:buFont typeface="Arial" pitchFamily="34" charset="0"/>
+              <a:buChar char="•"/>
+            </a:pPr>
+            <a:r>
+              <a:rPr lang="fr-FR" sz="3200" dirty="0" smtClean="0"/>
+              <a:t>    Application des méthodes Agiles </a:t>
+            </a:r>
+          </a:p>
+          <a:p>
+            <a:pPr marL="0" lvl="2"/>
+            <a:r>
+              <a:rPr lang="fr-FR" sz="3200" dirty="0" smtClean="0"/>
+              <a:t>	(</a:t>
+            </a:r>
+            <a:r>
+              <a:rPr lang="fr-FR" sz="3200" dirty="0" err="1" smtClean="0"/>
+              <a:t>Scrum</a:t>
+            </a:r>
+            <a:r>
+              <a:rPr lang="fr-FR" sz="3200" dirty="0" smtClean="0"/>
+              <a:t> et XP)</a:t>
+            </a:r>
+          </a:p>
+          <a:p>
+            <a:pPr marL="0" lvl="2"/>
+            <a:endParaRPr lang="fr-FR" sz="3200" dirty="0" smtClean="0"/>
+          </a:p>
+          <a:p>
+            <a:pPr>
+              <a:buFont typeface="Arial" pitchFamily="34" charset="0"/>
+              <a:buChar char="•"/>
+            </a:pPr>
+            <a:r>
+              <a:rPr lang="fr-FR" sz="3200" dirty="0" smtClean="0"/>
+              <a:t>    Utilisation d’un SVN</a:t>
+            </a:r>
+          </a:p>
+          <a:p>
+            <a:pPr lvl="1"/>
+            <a:r>
+              <a:rPr lang="fr-FR" sz="3200" dirty="0" smtClean="0"/>
+              <a:t>	 (Google code)</a:t>
+            </a:r>
+          </a:p>
+          <a:p>
+            <a:pPr lvl="1"/>
+            <a:endParaRPr lang="fr-FR" sz="3200" dirty="0" smtClean="0"/>
+          </a:p>
+          <a:p>
+            <a:pPr>
+              <a:buFont typeface="Arial" pitchFamily="34" charset="0"/>
+              <a:buChar char="•"/>
+            </a:pPr>
+            <a:r>
+              <a:rPr lang="fr-FR" sz="3200" dirty="0" smtClean="0"/>
+              <a:t>    Partage des documents</a:t>
+            </a:r>
+          </a:p>
+          <a:p>
+            <a:pPr lvl="1"/>
+            <a:r>
+              <a:rPr lang="fr-FR" sz="3200" dirty="0" smtClean="0"/>
+              <a:t>	 (Google doc)</a:t>
+            </a:r>
+          </a:p>
+        </p:txBody>
+      </p:sp>
     </p:spTree>
     <p:extLst>
       <p:ext uri="{BB962C8B-B14F-4D97-AF65-F5344CB8AC3E}">
-        <p14:creationId xmlns:p14="http://schemas.microsoft.com/office/powerpoint/2010/main" val="1040411829"/>
+        <p14:creationId xmlns:p14="http://schemas.microsoft.com/office/powerpoint/2010/main" val="3741159515"/>
       </p:ext>
     </p:extLst>
   </p:cSld>
   <p:clrMapOvr>
     <a:masterClrMapping/>
   </p:clrMapOvr>
-  <mc:AlternateContent xmlns:mc="http://schemas.openxmlformats.org/markup-compatibility/2006">
-    <mc:Choice xmlns:p14="http://schemas.microsoft.com/office/powerpoint/2010/main" Requires="p14">
+  <mc:AlternateContent xmlns:mc="http://schemas.openxmlformats.org/markup-compatibility/2006" xmlns:p14="http://schemas.microsoft.com/office/powerpoint/2010/main">
+    <mc:Choice Requires="p14">
       <p:transition spd="med">
         <p14:gallery dir="l"/>
       </p:transition>
     </mc:Choice>
-    <mc:Fallback>
+    <mc:Fallback xmlns="">
       <p:transition spd="med">
         <p:fade/>
       </p:transition>
@@ -9183,7 +10227,7 @@
             </a:pPr>
             <a:r>
               <a:rPr lang="fr-FR" dirty="0" smtClean="0"/>
-              <a:t>Le projet</a:t>
+              <a:t>Les besoins initiaux</a:t>
             </a:r>
           </a:p>
           <a:p>
@@ -9287,13 +10331,13 @@
   <p:clrMapOvr>
     <a:masterClrMapping/>
   </p:clrMapOvr>
-  <mc:AlternateContent xmlns:mc="http://schemas.openxmlformats.org/markup-compatibility/2006">
-    <mc:Choice xmlns:p14="http://schemas.microsoft.com/office/powerpoint/2010/main" Requires="p14">
+  <mc:AlternateContent xmlns:mc="http://schemas.openxmlformats.org/markup-compatibility/2006" xmlns:p14="http://schemas.microsoft.com/office/powerpoint/2010/main">
+    <mc:Choice Requires="p14">
       <p:transition spd="med">
         <p14:gallery dir="l"/>
       </p:transition>
     </mc:Choice>
-    <mc:Fallback>
+    <mc:Fallback xmlns="">
       <p:transition spd="med">
         <p:fade/>
       </p:transition>
@@ -9348,7 +10392,7 @@
           <a:p>
             <a:r>
               <a:rPr lang="fr-FR" dirty="0" smtClean="0"/>
-              <a:t>Gestion projet</a:t>
+              <a:t>Avancement du projet</a:t>
             </a:r>
           </a:p>
         </p:txBody>
@@ -9416,14 +10460,281 @@
       </p:sp>
       <p:sp>
         <p:nvSpPr>
-          <p:cNvPr id="19" name="TextBox 18"/>
+          <p:cNvPr id="15" name="Pentagone 8"/>
+          <p:cNvSpPr/>
+          <p:nvPr/>
+        </p:nvSpPr>
+        <p:spPr>
+          <a:xfrm>
+            <a:off x="7308304" y="2924944"/>
+            <a:ext cx="1764000" cy="1368152"/>
+          </a:xfrm>
+          <a:prstGeom prst="homePlate">
+            <a:avLst/>
+          </a:prstGeom>
+          <a:solidFill>
+            <a:schemeClr val="accent4">
+              <a:lumMod val="75000"/>
+            </a:schemeClr>
+          </a:solidFill>
+          <a:ln w="3175">
+            <a:noFill/>
+          </a:ln>
+        </p:spPr>
+        <p:style>
+          <a:lnRef idx="2">
+            <a:schemeClr val="accent4">
+              <a:shade val="50000"/>
+            </a:schemeClr>
+          </a:lnRef>
+          <a:fillRef idx="1">
+            <a:schemeClr val="accent4"/>
+          </a:fillRef>
+          <a:effectRef idx="0">
+            <a:schemeClr val="accent4"/>
+          </a:effectRef>
+          <a:fontRef idx="minor">
+            <a:schemeClr val="lt1"/>
+          </a:fontRef>
+        </p:style>
+        <p:txBody>
+          <a:bodyPr rtlCol="0" anchor="ctr"/>
+          <a:lstStyle/>
+          <a:p>
+            <a:pPr algn="ctr"/>
+            <a:r>
+              <a:rPr lang="fr-FR" dirty="0" smtClean="0"/>
+              <a:t>Manuel Utilisateur</a:t>
+            </a:r>
+          </a:p>
+          <a:p>
+            <a:pPr algn="ctr"/>
+            <a:r>
+              <a:rPr lang="fr-FR" dirty="0" smtClean="0"/>
+              <a:t>Déploiement</a:t>
+            </a:r>
+          </a:p>
+          <a:p>
+            <a:pPr algn="ctr"/>
+            <a:r>
+              <a:rPr lang="fr-FR" dirty="0" smtClean="0"/>
+              <a:t>Recette</a:t>
+            </a:r>
+          </a:p>
+        </p:txBody>
+      </p:sp>
+      <p:sp>
+        <p:nvSpPr>
+          <p:cNvPr id="16" name="Rectangle 15"/>
+          <p:cNvSpPr/>
+          <p:nvPr/>
+        </p:nvSpPr>
+        <p:spPr>
+          <a:xfrm>
+            <a:off x="3707904" y="2924944"/>
+            <a:ext cx="1764000" cy="1368152"/>
+          </a:xfrm>
+          <a:prstGeom prst="rect">
+            <a:avLst/>
+          </a:prstGeom>
+          <a:solidFill>
+            <a:schemeClr val="accent1">
+              <a:lumMod val="75000"/>
+            </a:schemeClr>
+          </a:solidFill>
+          <a:ln w="3175">
+            <a:noFill/>
+          </a:ln>
+        </p:spPr>
+        <p:style>
+          <a:lnRef idx="2">
+            <a:schemeClr val="accent4">
+              <a:shade val="50000"/>
+            </a:schemeClr>
+          </a:lnRef>
+          <a:fillRef idx="1">
+            <a:schemeClr val="accent4"/>
+          </a:fillRef>
+          <a:effectRef idx="0">
+            <a:schemeClr val="accent4"/>
+          </a:effectRef>
+          <a:fontRef idx="minor">
+            <a:schemeClr val="lt1"/>
+          </a:fontRef>
+        </p:style>
+        <p:txBody>
+          <a:bodyPr rtlCol="0" anchor="ctr"/>
+          <a:lstStyle/>
+          <a:p>
+            <a:pPr algn="ctr"/>
+            <a:r>
+              <a:rPr lang="fr-FR" dirty="0" smtClean="0"/>
+              <a:t>Impression</a:t>
+            </a:r>
+          </a:p>
+          <a:p>
+            <a:pPr algn="ctr"/>
+            <a:r>
+              <a:rPr lang="fr-FR" dirty="0" smtClean="0"/>
+              <a:t>Photo</a:t>
+            </a:r>
+          </a:p>
+          <a:p>
+            <a:pPr algn="ctr"/>
+            <a:r>
+              <a:rPr lang="fr-FR" dirty="0" smtClean="0"/>
+              <a:t>Webcam</a:t>
+            </a:r>
+          </a:p>
+          <a:p>
+            <a:pPr algn="ctr"/>
+            <a:r>
+              <a:rPr lang="fr-FR" dirty="0" smtClean="0"/>
+              <a:t>R&amp;D</a:t>
+            </a:r>
+            <a:endParaRPr lang="fr-FR" dirty="0"/>
+          </a:p>
+        </p:txBody>
+      </p:sp>
+      <p:sp>
+        <p:nvSpPr>
+          <p:cNvPr id="17" name="Rectangle 16"/>
+          <p:cNvSpPr/>
+          <p:nvPr/>
+        </p:nvSpPr>
+        <p:spPr>
+          <a:xfrm>
+            <a:off x="1907704" y="2924944"/>
+            <a:ext cx="1764000" cy="1368152"/>
+          </a:xfrm>
+          <a:prstGeom prst="rect">
+            <a:avLst/>
+          </a:prstGeom>
+          <a:ln w="3175">
+            <a:noFill/>
+          </a:ln>
+        </p:spPr>
+        <p:style>
+          <a:lnRef idx="2">
+            <a:schemeClr val="accent1">
+              <a:shade val="50000"/>
+            </a:schemeClr>
+          </a:lnRef>
+          <a:fillRef idx="1">
+            <a:schemeClr val="accent1"/>
+          </a:fillRef>
+          <a:effectRef idx="0">
+            <a:schemeClr val="accent1"/>
+          </a:effectRef>
+          <a:fontRef idx="minor">
+            <a:schemeClr val="lt1"/>
+          </a:fontRef>
+        </p:style>
+        <p:txBody>
+          <a:bodyPr rtlCol="0" anchor="ctr"/>
+          <a:lstStyle/>
+          <a:p>
+            <a:pPr algn="ctr"/>
+            <a:r>
+              <a:rPr lang="fr-FR" dirty="0" smtClean="0"/>
+              <a:t>Zones</a:t>
+            </a:r>
+          </a:p>
+          <a:p>
+            <a:pPr algn="ctr"/>
+            <a:r>
+              <a:rPr lang="fr-FR" dirty="0" smtClean="0"/>
+              <a:t>Catégories</a:t>
+            </a:r>
+          </a:p>
+          <a:p>
+            <a:pPr algn="ctr"/>
+            <a:r>
+              <a:rPr lang="fr-FR" dirty="0" smtClean="0"/>
+              <a:t>Accréditations</a:t>
+            </a:r>
+          </a:p>
+          <a:p>
+            <a:pPr algn="ctr"/>
+            <a:r>
+              <a:rPr lang="fr-FR" dirty="0" smtClean="0"/>
+              <a:t>Demandes</a:t>
+            </a:r>
+            <a:endParaRPr lang="fr-FR" dirty="0"/>
+          </a:p>
+        </p:txBody>
+      </p:sp>
+      <p:sp>
+        <p:nvSpPr>
+          <p:cNvPr id="21" name="Rectangle 20"/>
+          <p:cNvSpPr/>
+          <p:nvPr/>
+        </p:nvSpPr>
+        <p:spPr>
+          <a:xfrm>
+            <a:off x="107504" y="2924944"/>
+            <a:ext cx="1764000" cy="1368152"/>
+          </a:xfrm>
+          <a:prstGeom prst="rect">
+            <a:avLst/>
+          </a:prstGeom>
+          <a:ln w="3175">
+            <a:noFill/>
+          </a:ln>
+        </p:spPr>
+        <p:style>
+          <a:lnRef idx="2">
+            <a:schemeClr val="accent5">
+              <a:shade val="50000"/>
+            </a:schemeClr>
+          </a:lnRef>
+          <a:fillRef idx="1">
+            <a:schemeClr val="accent5"/>
+          </a:fillRef>
+          <a:effectRef idx="0">
+            <a:schemeClr val="accent5"/>
+          </a:effectRef>
+          <a:fontRef idx="minor">
+            <a:schemeClr val="lt1"/>
+          </a:fontRef>
+        </p:style>
+        <p:txBody>
+          <a:bodyPr rtlCol="0" anchor="ctr"/>
+          <a:lstStyle/>
+          <a:p>
+            <a:pPr algn="ctr"/>
+            <a:r>
+              <a:rPr lang="fr-FR" dirty="0" smtClean="0"/>
+              <a:t>Point web</a:t>
+            </a:r>
+          </a:p>
+          <a:p>
+            <a:pPr algn="ctr"/>
+            <a:r>
+              <a:rPr lang="fr-FR" dirty="0" smtClean="0"/>
+              <a:t>Connexion</a:t>
+            </a:r>
+          </a:p>
+          <a:p>
+            <a:pPr algn="ctr"/>
+            <a:r>
+              <a:rPr lang="fr-FR" dirty="0" smtClean="0"/>
+              <a:t>Evénements</a:t>
+            </a:r>
+            <a:endParaRPr lang="fr-FR" dirty="0"/>
+          </a:p>
+        </p:txBody>
+      </p:sp>
+      <p:sp>
+        <p:nvSpPr>
+          <p:cNvPr id="22" name="ZoneTexte 10"/>
           <p:cNvSpPr txBox="1"/>
           <p:nvPr/>
         </p:nvSpPr>
         <p:spPr>
           <a:xfrm>
-            <a:off x="467544" y="2060848"/>
-            <a:ext cx="8208912" cy="4031873"/>
+            <a:off x="-36512" y="4293096"/>
+            <a:ext cx="758541" cy="369332"/>
           </a:xfrm>
           <a:prstGeom prst="rect">
             <a:avLst/>
@@ -9431,96 +10742,273 @@
           <a:noFill/>
         </p:spPr>
         <p:txBody>
-          <a:bodyPr wrap="square" rtlCol="0">
+          <a:bodyPr wrap="none" rtlCol="0">
             <a:spAutoFit/>
           </a:bodyPr>
           <a:lstStyle/>
           <a:p>
-            <a:pPr marL="0" lvl="2">
-              <a:buFont typeface="Arial" pitchFamily="34" charset="0"/>
-              <a:buChar char="•"/>
-            </a:pPr>
-            <a:r>
-              <a:rPr lang="fr-FR" sz="3200" dirty="0" smtClean="0"/>
-              <a:t>    Application des méthodes Agiles </a:t>
-            </a:r>
-          </a:p>
-          <a:p>
-            <a:pPr marL="0" lvl="2"/>
-            <a:r>
-              <a:rPr lang="fr-FR" sz="3200" dirty="0" smtClean="0"/>
-              <a:t>	(</a:t>
-            </a:r>
-            <a:r>
-              <a:rPr lang="fr-FR" sz="3200" dirty="0" err="1" smtClean="0"/>
-              <a:t>Scrum</a:t>
-            </a:r>
-            <a:r>
-              <a:rPr lang="fr-FR" sz="3200" dirty="0" smtClean="0"/>
-              <a:t> et XP)</a:t>
-            </a:r>
-          </a:p>
-          <a:p>
-            <a:pPr marL="0" lvl="2"/>
-            <a:endParaRPr lang="fr-FR" sz="3200" dirty="0" smtClean="0"/>
-          </a:p>
-          <a:p>
-            <a:pPr>
-              <a:buFont typeface="Arial" pitchFamily="34" charset="0"/>
-              <a:buChar char="•"/>
-            </a:pPr>
-            <a:r>
-              <a:rPr lang="fr-FR" sz="3200" dirty="0" smtClean="0"/>
-              <a:t>    Utilisation d’un SVN</a:t>
-            </a:r>
-          </a:p>
-          <a:p>
-            <a:pPr lvl="1"/>
-            <a:r>
-              <a:rPr lang="fr-FR" sz="3200" dirty="0" smtClean="0"/>
-              <a:t>	 (Google code)</a:t>
-            </a:r>
-          </a:p>
-          <a:p>
-            <a:pPr lvl="1"/>
-            <a:endParaRPr lang="fr-FR" sz="3200" dirty="0" smtClean="0"/>
-          </a:p>
-          <a:p>
-            <a:pPr>
-              <a:buFont typeface="Arial" pitchFamily="34" charset="0"/>
-              <a:buChar char="•"/>
-            </a:pPr>
-            <a:r>
-              <a:rPr lang="fr-FR" sz="3200" dirty="0" smtClean="0"/>
-              <a:t>    Partage des documents</a:t>
-            </a:r>
-          </a:p>
-          <a:p>
-            <a:pPr lvl="1"/>
-            <a:r>
-              <a:rPr lang="fr-FR" sz="3200" dirty="0" smtClean="0"/>
-              <a:t>	 (Google doc)</a:t>
-            </a:r>
+            <a:r>
+              <a:rPr lang="fr-FR" dirty="0" smtClean="0"/>
+              <a:t>25 jan</a:t>
+            </a:r>
+            <a:endParaRPr lang="fr-FR" dirty="0"/>
+          </a:p>
+        </p:txBody>
+      </p:sp>
+      <p:sp>
+        <p:nvSpPr>
+          <p:cNvPr id="23" name="ZoneTexte 11"/>
+          <p:cNvSpPr txBox="1"/>
+          <p:nvPr/>
+        </p:nvSpPr>
+        <p:spPr>
+          <a:xfrm>
+            <a:off x="1547664" y="4293096"/>
+            <a:ext cx="754822" cy="369332"/>
+          </a:xfrm>
+          <a:prstGeom prst="rect">
+            <a:avLst/>
+          </a:prstGeom>
+          <a:noFill/>
+        </p:spPr>
+        <p:txBody>
+          <a:bodyPr wrap="none" rtlCol="0">
+            <a:spAutoFit/>
+          </a:bodyPr>
+          <a:lstStyle/>
+          <a:p>
+            <a:r>
+              <a:rPr lang="fr-FR" dirty="0" smtClean="0"/>
+              <a:t>08 </a:t>
+            </a:r>
+            <a:r>
+              <a:rPr lang="fr-FR" dirty="0" err="1" smtClean="0"/>
+              <a:t>fev</a:t>
+            </a:r>
+            <a:endParaRPr lang="fr-FR" dirty="0"/>
+          </a:p>
+        </p:txBody>
+      </p:sp>
+      <p:sp>
+        <p:nvSpPr>
+          <p:cNvPr id="24" name="ZoneTexte 12"/>
+          <p:cNvSpPr txBox="1"/>
+          <p:nvPr/>
+        </p:nvSpPr>
+        <p:spPr>
+          <a:xfrm>
+            <a:off x="3313122" y="4293096"/>
+            <a:ext cx="754822" cy="369332"/>
+          </a:xfrm>
+          <a:prstGeom prst="rect">
+            <a:avLst/>
+          </a:prstGeom>
+          <a:noFill/>
+        </p:spPr>
+        <p:txBody>
+          <a:bodyPr wrap="none" rtlCol="0">
+            <a:spAutoFit/>
+          </a:bodyPr>
+          <a:lstStyle/>
+          <a:p>
+            <a:r>
+              <a:rPr lang="fr-FR" dirty="0" smtClean="0"/>
+              <a:t>29 </a:t>
+            </a:r>
+            <a:r>
+              <a:rPr lang="fr-FR" dirty="0" err="1" smtClean="0"/>
+              <a:t>fev</a:t>
+            </a:r>
+            <a:endParaRPr lang="fr-FR" dirty="0"/>
+          </a:p>
+        </p:txBody>
+      </p:sp>
+      <p:sp>
+        <p:nvSpPr>
+          <p:cNvPr id="25" name="ZoneTexte 13"/>
+          <p:cNvSpPr txBox="1"/>
+          <p:nvPr/>
+        </p:nvSpPr>
+        <p:spPr>
+          <a:xfrm>
+            <a:off x="5076056" y="4293096"/>
+            <a:ext cx="846707" cy="369332"/>
+          </a:xfrm>
+          <a:prstGeom prst="rect">
+            <a:avLst/>
+          </a:prstGeom>
+          <a:noFill/>
+        </p:spPr>
+        <p:txBody>
+          <a:bodyPr wrap="none" rtlCol="0">
+            <a:spAutoFit/>
+          </a:bodyPr>
+          <a:lstStyle/>
+          <a:p>
+            <a:r>
+              <a:rPr lang="fr-FR" dirty="0" smtClean="0"/>
+              <a:t>28 </a:t>
+            </a:r>
+            <a:r>
+              <a:rPr lang="fr-FR" dirty="0" err="1" smtClean="0"/>
+              <a:t>mar</a:t>
+            </a:r>
+            <a:endParaRPr lang="fr-FR" dirty="0"/>
+          </a:p>
+        </p:txBody>
+      </p:sp>
+      <p:sp>
+        <p:nvSpPr>
+          <p:cNvPr id="26" name="Rectangle 25"/>
+          <p:cNvSpPr/>
+          <p:nvPr/>
+        </p:nvSpPr>
+        <p:spPr>
+          <a:xfrm>
+            <a:off x="5508104" y="2924944"/>
+            <a:ext cx="1764000" cy="1368152"/>
+          </a:xfrm>
+          <a:prstGeom prst="rect">
+            <a:avLst/>
+          </a:prstGeom>
+          <a:solidFill>
+            <a:schemeClr val="accent4"/>
+          </a:solidFill>
+          <a:ln w="3175">
+            <a:noFill/>
+          </a:ln>
+        </p:spPr>
+        <p:style>
+          <a:lnRef idx="2">
+            <a:schemeClr val="accent4">
+              <a:shade val="50000"/>
+            </a:schemeClr>
+          </a:lnRef>
+          <a:fillRef idx="1">
+            <a:schemeClr val="accent4"/>
+          </a:fillRef>
+          <a:effectRef idx="0">
+            <a:schemeClr val="accent4"/>
+          </a:effectRef>
+          <a:fontRef idx="minor">
+            <a:schemeClr val="lt1"/>
+          </a:fontRef>
+        </p:style>
+        <p:txBody>
+          <a:bodyPr rtlCol="0" anchor="ctr"/>
+          <a:lstStyle/>
+          <a:p>
+            <a:pPr algn="ctr"/>
+            <a:r>
+              <a:rPr lang="fr-FR" dirty="0" smtClean="0"/>
+              <a:t>Presse</a:t>
+            </a:r>
+          </a:p>
+          <a:p>
+            <a:pPr algn="ctr"/>
+            <a:r>
+              <a:rPr lang="fr-FR" dirty="0" smtClean="0"/>
+              <a:t>Mail</a:t>
+            </a:r>
+          </a:p>
+          <a:p>
+            <a:pPr algn="ctr"/>
+            <a:r>
+              <a:rPr lang="fr-FR" dirty="0" smtClean="0"/>
+              <a:t>Export</a:t>
+            </a:r>
+          </a:p>
+          <a:p>
+            <a:pPr algn="ctr"/>
+            <a:r>
+              <a:rPr lang="fr-FR" dirty="0" smtClean="0"/>
+              <a:t>Langues</a:t>
+            </a:r>
+            <a:endParaRPr lang="fr-FR" dirty="0"/>
+          </a:p>
+        </p:txBody>
+      </p:sp>
+      <p:sp>
+        <p:nvSpPr>
+          <p:cNvPr id="27" name="ZoneTexte 13"/>
+          <p:cNvSpPr txBox="1"/>
+          <p:nvPr/>
+        </p:nvSpPr>
+        <p:spPr>
+          <a:xfrm>
+            <a:off x="6905635" y="4293096"/>
+            <a:ext cx="762709" cy="369332"/>
+          </a:xfrm>
+          <a:prstGeom prst="rect">
+            <a:avLst/>
+          </a:prstGeom>
+          <a:noFill/>
+        </p:spPr>
+        <p:txBody>
+          <a:bodyPr wrap="none" rtlCol="0">
+            <a:spAutoFit/>
+          </a:bodyPr>
+          <a:lstStyle/>
+          <a:p>
+            <a:r>
+              <a:rPr lang="fr-FR" dirty="0" smtClean="0"/>
+              <a:t>25 </a:t>
+            </a:r>
+            <a:r>
+              <a:rPr lang="fr-FR" dirty="0" err="1" smtClean="0"/>
+              <a:t>avr</a:t>
+            </a:r>
+            <a:endParaRPr lang="fr-FR" dirty="0"/>
+          </a:p>
+        </p:txBody>
+      </p:sp>
+      <p:sp>
+        <p:nvSpPr>
+          <p:cNvPr id="28" name="ZoneTexte 13"/>
+          <p:cNvSpPr txBox="1"/>
+          <p:nvPr/>
+        </p:nvSpPr>
+        <p:spPr>
+          <a:xfrm>
+            <a:off x="8361057" y="4293096"/>
+            <a:ext cx="819455" cy="369332"/>
+          </a:xfrm>
+          <a:prstGeom prst="rect">
+            <a:avLst/>
+          </a:prstGeom>
+          <a:noFill/>
+        </p:spPr>
+        <p:txBody>
+          <a:bodyPr wrap="none" rtlCol="0">
+            <a:spAutoFit/>
+          </a:bodyPr>
+          <a:lstStyle/>
+          <a:p>
+            <a:r>
+              <a:rPr lang="fr-FR" dirty="0" smtClean="0"/>
+              <a:t>11 mai</a:t>
+            </a:r>
+            <a:endParaRPr lang="fr-FR" dirty="0"/>
           </a:p>
         </p:txBody>
       </p:sp>
     </p:spTree>
     <p:extLst>
       <p:ext uri="{BB962C8B-B14F-4D97-AF65-F5344CB8AC3E}">
-        <p14:creationId xmlns:p14="http://schemas.microsoft.com/office/powerpoint/2010/main" val="3741159515"/>
+        <p14:creationId xmlns:p14="http://schemas.microsoft.com/office/powerpoint/2010/main" val="705188977"/>
       </p:ext>
     </p:extLst>
   </p:cSld>
   <p:clrMapOvr>
     <a:masterClrMapping/>
   </p:clrMapOvr>
-  <mc:AlternateContent xmlns:mc="http://schemas.openxmlformats.org/markup-compatibility/2006">
-    <mc:Choice xmlns:p14="http://schemas.microsoft.com/office/powerpoint/2010/main" Requires="p14">
+  <mc:AlternateContent xmlns:mc="http://schemas.openxmlformats.org/markup-compatibility/2006" xmlns:p14="http://schemas.microsoft.com/office/powerpoint/2010/main">
+    <mc:Choice Requires="p14">
       <p:transition spd="med">
         <p14:gallery dir="l"/>
       </p:transition>
     </mc:Choice>
-    <mc:Fallback>
+    <mc:Fallback xmlns="">
       <p:transition spd="med">
         <p:fade/>
       </p:transition>
@@ -9565,17 +11053,19 @@
         </p:nvSpPr>
         <p:spPr>
           <a:xfrm>
-            <a:off x="457200" y="773832"/>
+            <a:off x="457200" y="2857500"/>
             <a:ext cx="8229600" cy="1143000"/>
           </a:xfrm>
         </p:spPr>
         <p:txBody>
-          <a:bodyPr/>
-          <a:lstStyle/>
-          <a:p>
-            <a:r>
-              <a:rPr lang="fr-FR" dirty="0" smtClean="0"/>
-              <a:t>Avancement du projet</a:t>
+          <a:bodyPr>
+            <a:noAutofit/>
+          </a:bodyPr>
+          <a:lstStyle/>
+          <a:p>
+            <a:r>
+              <a:rPr lang="fr-FR" sz="7200" dirty="0" smtClean="0"/>
+              <a:t>Remerciements</a:t>
             </a:r>
           </a:p>
         </p:txBody>
@@ -9641,557 +11131,23 @@
           </a:p>
         </p:txBody>
       </p:sp>
-      <p:sp>
-        <p:nvSpPr>
-          <p:cNvPr id="15" name="Pentagone 8"/>
-          <p:cNvSpPr/>
-          <p:nvPr/>
-        </p:nvSpPr>
-        <p:spPr>
-          <a:xfrm>
-            <a:off x="7308304" y="2924944"/>
-            <a:ext cx="1764000" cy="1368152"/>
-          </a:xfrm>
-          <a:prstGeom prst="homePlate">
-            <a:avLst/>
-          </a:prstGeom>
-          <a:solidFill>
-            <a:schemeClr val="accent4">
-              <a:lumMod val="75000"/>
-            </a:schemeClr>
-          </a:solidFill>
-          <a:ln w="3175">
-            <a:noFill/>
-          </a:ln>
-        </p:spPr>
-        <p:style>
-          <a:lnRef idx="2">
-            <a:schemeClr val="accent4">
-              <a:shade val="50000"/>
-            </a:schemeClr>
-          </a:lnRef>
-          <a:fillRef idx="1">
-            <a:schemeClr val="accent4"/>
-          </a:fillRef>
-          <a:effectRef idx="0">
-            <a:schemeClr val="accent4"/>
-          </a:effectRef>
-          <a:fontRef idx="minor">
-            <a:schemeClr val="lt1"/>
-          </a:fontRef>
-        </p:style>
-        <p:txBody>
-          <a:bodyPr rtlCol="0" anchor="ctr"/>
-          <a:lstStyle/>
-          <a:p>
-            <a:pPr algn="ctr"/>
-            <a:r>
-              <a:rPr lang="fr-FR" dirty="0" smtClean="0"/>
-              <a:t>Doc Utilisateur</a:t>
-            </a:r>
-          </a:p>
-          <a:p>
-            <a:pPr algn="ctr"/>
-            <a:r>
-              <a:rPr lang="fr-FR" dirty="0" smtClean="0"/>
-              <a:t>Déploiement</a:t>
-            </a:r>
-          </a:p>
-          <a:p>
-            <a:pPr algn="ctr"/>
-            <a:r>
-              <a:rPr lang="fr-FR" dirty="0" smtClean="0"/>
-              <a:t>Recette</a:t>
-            </a:r>
-          </a:p>
-        </p:txBody>
-      </p:sp>
-      <p:sp>
-        <p:nvSpPr>
-          <p:cNvPr id="16" name="Rectangle 15"/>
-          <p:cNvSpPr/>
-          <p:nvPr/>
-        </p:nvSpPr>
-        <p:spPr>
-          <a:xfrm>
-            <a:off x="3707904" y="2924944"/>
-            <a:ext cx="1764000" cy="1368152"/>
-          </a:xfrm>
-          <a:prstGeom prst="rect">
-            <a:avLst/>
-          </a:prstGeom>
-          <a:solidFill>
-            <a:schemeClr val="accent1">
-              <a:lumMod val="75000"/>
-            </a:schemeClr>
-          </a:solidFill>
-          <a:ln w="3175">
-            <a:noFill/>
-          </a:ln>
-        </p:spPr>
-        <p:style>
-          <a:lnRef idx="2">
-            <a:schemeClr val="accent4">
-              <a:shade val="50000"/>
-            </a:schemeClr>
-          </a:lnRef>
-          <a:fillRef idx="1">
-            <a:schemeClr val="accent4"/>
-          </a:fillRef>
-          <a:effectRef idx="0">
-            <a:schemeClr val="accent4"/>
-          </a:effectRef>
-          <a:fontRef idx="minor">
-            <a:schemeClr val="lt1"/>
-          </a:fontRef>
-        </p:style>
-        <p:txBody>
-          <a:bodyPr rtlCol="0" anchor="ctr"/>
-          <a:lstStyle/>
-          <a:p>
-            <a:pPr algn="ctr"/>
-            <a:r>
-              <a:rPr lang="fr-FR" dirty="0" smtClean="0"/>
-              <a:t>Impression</a:t>
-            </a:r>
-          </a:p>
-          <a:p>
-            <a:pPr algn="ctr"/>
-            <a:r>
-              <a:rPr lang="fr-FR" dirty="0" smtClean="0"/>
-              <a:t>Photo</a:t>
-            </a:r>
-          </a:p>
-          <a:p>
-            <a:pPr algn="ctr"/>
-            <a:r>
-              <a:rPr lang="fr-FR" dirty="0" smtClean="0"/>
-              <a:t>Webcam</a:t>
-            </a:r>
-          </a:p>
-          <a:p>
-            <a:pPr algn="ctr"/>
-            <a:r>
-              <a:rPr lang="fr-FR" dirty="0" smtClean="0"/>
-              <a:t>R&amp;D</a:t>
-            </a:r>
-            <a:endParaRPr lang="fr-FR" dirty="0"/>
-          </a:p>
-        </p:txBody>
-      </p:sp>
-      <p:sp>
-        <p:nvSpPr>
-          <p:cNvPr id="17" name="Rectangle 16"/>
-          <p:cNvSpPr/>
-          <p:nvPr/>
-        </p:nvSpPr>
-        <p:spPr>
-          <a:xfrm>
-            <a:off x="1907704" y="2924944"/>
-            <a:ext cx="1764000" cy="1368152"/>
-          </a:xfrm>
-          <a:prstGeom prst="rect">
-            <a:avLst/>
-          </a:prstGeom>
-          <a:ln w="3175">
-            <a:noFill/>
-          </a:ln>
-        </p:spPr>
-        <p:style>
-          <a:lnRef idx="2">
-            <a:schemeClr val="accent1">
-              <a:shade val="50000"/>
-            </a:schemeClr>
-          </a:lnRef>
-          <a:fillRef idx="1">
-            <a:schemeClr val="accent1"/>
-          </a:fillRef>
-          <a:effectRef idx="0">
-            <a:schemeClr val="accent1"/>
-          </a:effectRef>
-          <a:fontRef idx="minor">
-            <a:schemeClr val="lt1"/>
-          </a:fontRef>
-        </p:style>
-        <p:txBody>
-          <a:bodyPr rtlCol="0" anchor="ctr"/>
-          <a:lstStyle/>
-          <a:p>
-            <a:pPr algn="ctr"/>
-            <a:r>
-              <a:rPr lang="fr-FR" dirty="0" smtClean="0"/>
-              <a:t>Zones</a:t>
-            </a:r>
-          </a:p>
-          <a:p>
-            <a:pPr algn="ctr"/>
-            <a:r>
-              <a:rPr lang="fr-FR" dirty="0" smtClean="0"/>
-              <a:t>Catégories</a:t>
-            </a:r>
-          </a:p>
-          <a:p>
-            <a:pPr algn="ctr"/>
-            <a:r>
-              <a:rPr lang="fr-FR" dirty="0" smtClean="0"/>
-              <a:t>Accréditations</a:t>
-            </a:r>
-          </a:p>
-          <a:p>
-            <a:pPr algn="ctr"/>
-            <a:r>
-              <a:rPr lang="fr-FR" dirty="0" smtClean="0"/>
-              <a:t>Demandes</a:t>
-            </a:r>
-            <a:endParaRPr lang="fr-FR" dirty="0"/>
-          </a:p>
-        </p:txBody>
-      </p:sp>
-      <p:sp>
-        <p:nvSpPr>
-          <p:cNvPr id="21" name="Rectangle 20"/>
-          <p:cNvSpPr/>
-          <p:nvPr/>
-        </p:nvSpPr>
-        <p:spPr>
-          <a:xfrm>
-            <a:off x="107504" y="2924944"/>
-            <a:ext cx="1764000" cy="1368152"/>
-          </a:xfrm>
-          <a:prstGeom prst="rect">
-            <a:avLst/>
-          </a:prstGeom>
-          <a:ln w="3175">
-            <a:noFill/>
-          </a:ln>
-        </p:spPr>
-        <p:style>
-          <a:lnRef idx="2">
-            <a:schemeClr val="accent5">
-              <a:shade val="50000"/>
-            </a:schemeClr>
-          </a:lnRef>
-          <a:fillRef idx="1">
-            <a:schemeClr val="accent5"/>
-          </a:fillRef>
-          <a:effectRef idx="0">
-            <a:schemeClr val="accent5"/>
-          </a:effectRef>
-          <a:fontRef idx="minor">
-            <a:schemeClr val="lt1"/>
-          </a:fontRef>
-        </p:style>
-        <p:txBody>
-          <a:bodyPr rtlCol="0" anchor="ctr"/>
-          <a:lstStyle/>
-          <a:p>
-            <a:pPr algn="ctr"/>
-            <a:r>
-              <a:rPr lang="fr-FR" dirty="0" smtClean="0"/>
-              <a:t>Point web</a:t>
-            </a:r>
-          </a:p>
-          <a:p>
-            <a:pPr algn="ctr"/>
-            <a:r>
-              <a:rPr lang="fr-FR" dirty="0" smtClean="0"/>
-              <a:t>Connexion</a:t>
-            </a:r>
-          </a:p>
-          <a:p>
-            <a:pPr algn="ctr"/>
-            <a:r>
-              <a:rPr lang="fr-FR" dirty="0" smtClean="0"/>
-              <a:t>Evénements</a:t>
-            </a:r>
-            <a:endParaRPr lang="fr-FR" dirty="0"/>
-          </a:p>
-        </p:txBody>
-      </p:sp>
-      <p:sp>
-        <p:nvSpPr>
-          <p:cNvPr id="22" name="ZoneTexte 10"/>
-          <p:cNvSpPr txBox="1"/>
-          <p:nvPr/>
-        </p:nvSpPr>
-        <p:spPr>
-          <a:xfrm>
-            <a:off x="-36512" y="4293096"/>
-            <a:ext cx="758541" cy="369332"/>
-          </a:xfrm>
-          <a:prstGeom prst="rect">
-            <a:avLst/>
-          </a:prstGeom>
-          <a:noFill/>
-        </p:spPr>
-        <p:txBody>
-          <a:bodyPr wrap="none" rtlCol="0">
-            <a:spAutoFit/>
-          </a:bodyPr>
-          <a:lstStyle/>
-          <a:p>
-            <a:r>
-              <a:rPr lang="fr-FR" dirty="0" smtClean="0"/>
-              <a:t>25 jan</a:t>
-            </a:r>
-            <a:endParaRPr lang="fr-FR" dirty="0"/>
-          </a:p>
-        </p:txBody>
-      </p:sp>
-      <p:sp>
-        <p:nvSpPr>
-          <p:cNvPr id="23" name="ZoneTexte 11"/>
-          <p:cNvSpPr txBox="1"/>
-          <p:nvPr/>
-        </p:nvSpPr>
-        <p:spPr>
-          <a:xfrm>
-            <a:off x="1547664" y="4293096"/>
-            <a:ext cx="754822" cy="369332"/>
-          </a:xfrm>
-          <a:prstGeom prst="rect">
-            <a:avLst/>
-          </a:prstGeom>
-          <a:noFill/>
-        </p:spPr>
-        <p:txBody>
-          <a:bodyPr wrap="none" rtlCol="0">
-            <a:spAutoFit/>
-          </a:bodyPr>
-          <a:lstStyle/>
-          <a:p>
-            <a:r>
-              <a:rPr lang="fr-FR" dirty="0" smtClean="0"/>
-              <a:t>08 </a:t>
-            </a:r>
-            <a:r>
-              <a:rPr lang="fr-FR" dirty="0" err="1" smtClean="0"/>
-              <a:t>fev</a:t>
-            </a:r>
-            <a:endParaRPr lang="fr-FR" dirty="0"/>
-          </a:p>
-        </p:txBody>
-      </p:sp>
-      <p:sp>
-        <p:nvSpPr>
-          <p:cNvPr id="24" name="ZoneTexte 12"/>
-          <p:cNvSpPr txBox="1"/>
-          <p:nvPr/>
-        </p:nvSpPr>
-        <p:spPr>
-          <a:xfrm>
-            <a:off x="3313122" y="4293096"/>
-            <a:ext cx="754822" cy="369332"/>
-          </a:xfrm>
-          <a:prstGeom prst="rect">
-            <a:avLst/>
-          </a:prstGeom>
-          <a:noFill/>
-        </p:spPr>
-        <p:txBody>
-          <a:bodyPr wrap="none" rtlCol="0">
-            <a:spAutoFit/>
-          </a:bodyPr>
-          <a:lstStyle/>
-          <a:p>
-            <a:r>
-              <a:rPr lang="fr-FR" dirty="0" smtClean="0"/>
-              <a:t>29 </a:t>
-            </a:r>
-            <a:r>
-              <a:rPr lang="fr-FR" dirty="0" err="1" smtClean="0"/>
-              <a:t>fev</a:t>
-            </a:r>
-            <a:endParaRPr lang="fr-FR" dirty="0"/>
-          </a:p>
-        </p:txBody>
-      </p:sp>
-      <p:sp>
-        <p:nvSpPr>
-          <p:cNvPr id="25" name="ZoneTexte 13"/>
-          <p:cNvSpPr txBox="1"/>
-          <p:nvPr/>
-        </p:nvSpPr>
-        <p:spPr>
-          <a:xfrm>
-            <a:off x="5076056" y="4293096"/>
-            <a:ext cx="846707" cy="369332"/>
-          </a:xfrm>
-          <a:prstGeom prst="rect">
-            <a:avLst/>
-          </a:prstGeom>
-          <a:noFill/>
-        </p:spPr>
-        <p:txBody>
-          <a:bodyPr wrap="none" rtlCol="0">
-            <a:spAutoFit/>
-          </a:bodyPr>
-          <a:lstStyle/>
-          <a:p>
-            <a:r>
-              <a:rPr lang="fr-FR" dirty="0" smtClean="0"/>
-              <a:t>28 </a:t>
-            </a:r>
-            <a:r>
-              <a:rPr lang="fr-FR" dirty="0" err="1" smtClean="0"/>
-              <a:t>mar</a:t>
-            </a:r>
-            <a:endParaRPr lang="fr-FR" dirty="0"/>
-          </a:p>
-        </p:txBody>
-      </p:sp>
-      <p:sp>
-        <p:nvSpPr>
-          <p:cNvPr id="26" name="Rectangle 25"/>
-          <p:cNvSpPr/>
-          <p:nvPr/>
-        </p:nvSpPr>
-        <p:spPr>
-          <a:xfrm>
-            <a:off x="5508104" y="2924944"/>
-            <a:ext cx="1764000" cy="1368152"/>
-          </a:xfrm>
-          <a:prstGeom prst="rect">
-            <a:avLst/>
-          </a:prstGeom>
-          <a:solidFill>
-            <a:schemeClr val="accent4"/>
-          </a:solidFill>
-          <a:ln w="3175">
-            <a:noFill/>
-          </a:ln>
-        </p:spPr>
-        <p:style>
-          <a:lnRef idx="2">
-            <a:schemeClr val="accent4">
-              <a:shade val="50000"/>
-            </a:schemeClr>
-          </a:lnRef>
-          <a:fillRef idx="1">
-            <a:schemeClr val="accent4"/>
-          </a:fillRef>
-          <a:effectRef idx="0">
-            <a:schemeClr val="accent4"/>
-          </a:effectRef>
-          <a:fontRef idx="minor">
-            <a:schemeClr val="lt1"/>
-          </a:fontRef>
-        </p:style>
-        <p:txBody>
-          <a:bodyPr rtlCol="0" anchor="ctr"/>
-          <a:lstStyle/>
-          <a:p>
-            <a:pPr algn="ctr"/>
-            <a:r>
-              <a:rPr lang="fr-FR" dirty="0" smtClean="0"/>
-              <a:t>Presse</a:t>
-            </a:r>
-          </a:p>
-          <a:p>
-            <a:pPr algn="ctr"/>
-            <a:r>
-              <a:rPr lang="fr-FR" dirty="0" smtClean="0"/>
-              <a:t>Mail</a:t>
-            </a:r>
-          </a:p>
-          <a:p>
-            <a:pPr algn="ctr"/>
-            <a:r>
-              <a:rPr lang="fr-FR" dirty="0" smtClean="0"/>
-              <a:t>Export</a:t>
-            </a:r>
-          </a:p>
-          <a:p>
-            <a:pPr algn="ctr"/>
-            <a:r>
-              <a:rPr lang="fr-FR" dirty="0" smtClean="0"/>
-              <a:t>Langues</a:t>
-            </a:r>
-            <a:endParaRPr lang="fr-FR" dirty="0"/>
-          </a:p>
-        </p:txBody>
-      </p:sp>
-      <p:sp>
-        <p:nvSpPr>
-          <p:cNvPr id="27" name="ZoneTexte 13"/>
-          <p:cNvSpPr txBox="1"/>
-          <p:nvPr/>
-        </p:nvSpPr>
-        <p:spPr>
-          <a:xfrm>
-            <a:off x="6905635" y="4293096"/>
-            <a:ext cx="762709" cy="369332"/>
-          </a:xfrm>
-          <a:prstGeom prst="rect">
-            <a:avLst/>
-          </a:prstGeom>
-          <a:noFill/>
-        </p:spPr>
-        <p:txBody>
-          <a:bodyPr wrap="none" rtlCol="0">
-            <a:spAutoFit/>
-          </a:bodyPr>
-          <a:lstStyle/>
-          <a:p>
-            <a:r>
-              <a:rPr lang="fr-FR" dirty="0" smtClean="0"/>
-              <a:t>25 </a:t>
-            </a:r>
-            <a:r>
-              <a:rPr lang="fr-FR" dirty="0" err="1" smtClean="0"/>
-              <a:t>avr</a:t>
-            </a:r>
-            <a:endParaRPr lang="fr-FR" dirty="0"/>
-          </a:p>
-        </p:txBody>
-      </p:sp>
-      <p:sp>
-        <p:nvSpPr>
-          <p:cNvPr id="28" name="ZoneTexte 13"/>
-          <p:cNvSpPr txBox="1"/>
-          <p:nvPr/>
-        </p:nvSpPr>
-        <p:spPr>
-          <a:xfrm>
-            <a:off x="8361057" y="4293096"/>
-            <a:ext cx="819455" cy="369332"/>
-          </a:xfrm>
-          <a:prstGeom prst="rect">
-            <a:avLst/>
-          </a:prstGeom>
-          <a:noFill/>
-        </p:spPr>
-        <p:txBody>
-          <a:bodyPr wrap="none" rtlCol="0">
-            <a:spAutoFit/>
-          </a:bodyPr>
-          <a:lstStyle/>
-          <a:p>
-            <a:r>
-              <a:rPr lang="fr-FR" dirty="0" smtClean="0"/>
-              <a:t>11 mai</a:t>
-            </a:r>
-            <a:endParaRPr lang="fr-FR" dirty="0"/>
-          </a:p>
-        </p:txBody>
-      </p:sp>
     </p:spTree>
     <p:extLst>
       <p:ext uri="{BB962C8B-B14F-4D97-AF65-F5344CB8AC3E}">
-        <p14:creationId xmlns:p14="http://schemas.microsoft.com/office/powerpoint/2010/main" val="705188977"/>
+        <p14:creationId xmlns:p14="http://schemas.microsoft.com/office/powerpoint/2010/main" val="3614249739"/>
       </p:ext>
     </p:extLst>
   </p:cSld>
   <p:clrMapOvr>
     <a:masterClrMapping/>
   </p:clrMapOvr>
-  <mc:AlternateContent xmlns:mc="http://schemas.openxmlformats.org/markup-compatibility/2006">
-    <mc:Choice xmlns:p14="http://schemas.microsoft.com/office/powerpoint/2010/main" Requires="p14">
+  <mc:AlternateContent xmlns:mc="http://schemas.openxmlformats.org/markup-compatibility/2006" xmlns:p14="http://schemas.microsoft.com/office/powerpoint/2010/main">
+    <mc:Choice Requires="p14">
       <p:transition spd="med">
         <p14:gallery dir="l"/>
       </p:transition>
     </mc:Choice>
-    <mc:Fallback>
+    <mc:Fallback xmlns="">
       <p:transition spd="med">
         <p:fade/>
       </p:transition>
@@ -10208,210 +11164,6 @@
 </file>
 
 <file path=ppt/slides/slide22.xml><?xml version="1.0" encoding="utf-8"?>
-<p:sld xmlns:a="http://schemas.openxmlformats.org/drawingml/2006/main" xmlns:r="http://schemas.openxmlformats.org/officeDocument/2006/relationships" xmlns:p="http://schemas.openxmlformats.org/presentationml/2006/main">
-  <p:cSld>
-    <p:spTree>
-      <p:nvGrpSpPr>
-        <p:cNvPr id="1" name=""/>
-        <p:cNvGrpSpPr/>
-        <p:nvPr/>
-      </p:nvGrpSpPr>
-      <p:grpSpPr>
-        <a:xfrm>
-          <a:off x="0" y="0"/>
-          <a:ext cx="0" cy="0"/>
-          <a:chOff x="0" y="0"/>
-          <a:chExt cx="0" cy="0"/>
-        </a:xfrm>
-      </p:grpSpPr>
-      <p:sp>
-        <p:nvSpPr>
-          <p:cNvPr id="3074" name="Titre 1"/>
-          <p:cNvSpPr>
-            <a:spLocks noGrp="1"/>
-          </p:cNvSpPr>
-          <p:nvPr>
-            <p:ph type="title"/>
-          </p:nvPr>
-        </p:nvSpPr>
-        <p:spPr>
-          <a:xfrm>
-            <a:off x="457200" y="773832"/>
-            <a:ext cx="8229600" cy="1143000"/>
-          </a:xfrm>
-        </p:spPr>
-        <p:txBody>
-          <a:bodyPr/>
-          <a:lstStyle/>
-          <a:p>
-            <a:r>
-              <a:rPr lang="fr-FR" dirty="0" smtClean="0"/>
-              <a:t>Remerciements</a:t>
-            </a:r>
-          </a:p>
-        </p:txBody>
-      </p:sp>
-      <p:sp>
-        <p:nvSpPr>
-          <p:cNvPr id="3075" name="Espace réservé du contenu 2"/>
-          <p:cNvSpPr>
-            <a:spLocks noGrp="1"/>
-          </p:cNvSpPr>
-          <p:nvPr>
-            <p:ph idx="1"/>
-          </p:nvPr>
-        </p:nvSpPr>
-        <p:spPr>
-          <a:xfrm>
-            <a:off x="457200" y="1600200"/>
-            <a:ext cx="8229600" cy="5141168"/>
-          </a:xfrm>
-        </p:spPr>
-        <p:txBody>
-          <a:bodyPr>
-            <a:normAutofit/>
-          </a:bodyPr>
-          <a:lstStyle/>
-          <a:p>
-            <a:pPr>
-              <a:lnSpc>
-                <a:spcPct val="170000"/>
-              </a:lnSpc>
-            </a:pPr>
-            <a:endParaRPr lang="fr-FR" dirty="0" smtClean="0">
-              <a:solidFill>
-                <a:schemeClr val="bg1">
-                  <a:lumMod val="50000"/>
-                </a:schemeClr>
-              </a:solidFill>
-            </a:endParaRPr>
-          </a:p>
-          <a:p>
-            <a:pPr>
-              <a:lnSpc>
-                <a:spcPct val="170000"/>
-              </a:lnSpc>
-            </a:pPr>
-            <a:r>
-              <a:rPr lang="fr-FR" dirty="0" smtClean="0"/>
-              <a:t>Notre client</a:t>
-            </a:r>
-          </a:p>
-          <a:p>
-            <a:pPr>
-              <a:lnSpc>
-                <a:spcPct val="170000"/>
-              </a:lnSpc>
-            </a:pPr>
-            <a:endParaRPr lang="fr-FR" dirty="0" smtClean="0"/>
-          </a:p>
-          <a:p>
-            <a:pPr>
-              <a:lnSpc>
-                <a:spcPct val="170000"/>
-              </a:lnSpc>
-            </a:pPr>
-            <a:r>
-              <a:rPr lang="fr-FR" dirty="0" smtClean="0"/>
-              <a:t>Notre tuteur</a:t>
-            </a:r>
-          </a:p>
-        </p:txBody>
-      </p:sp>
-      <p:pic>
-        <p:nvPicPr>
-          <p:cNvPr id="3076" name="Image 4"/>
-          <p:cNvPicPr>
-            <a:picLocks noChangeAspect="1"/>
-          </p:cNvPicPr>
-          <p:nvPr/>
-        </p:nvPicPr>
-        <p:blipFill>
-          <a:blip r:embed="rId3" cstate="print"/>
-          <a:srcRect/>
-          <a:stretch>
-            <a:fillRect/>
-          </a:stretch>
-        </p:blipFill>
-        <p:spPr bwMode="auto">
-          <a:xfrm>
-            <a:off x="0" y="0"/>
-            <a:ext cx="9144000" cy="646113"/>
-          </a:xfrm>
-          <a:prstGeom prst="rect">
-            <a:avLst/>
-          </a:prstGeom>
-          <a:noFill/>
-          <a:ln w="9525">
-            <a:noFill/>
-            <a:miter lim="800000"/>
-            <a:headEnd/>
-            <a:tailEnd/>
-          </a:ln>
-        </p:spPr>
-      </p:pic>
-      <p:sp>
-        <p:nvSpPr>
-          <p:cNvPr id="2" name="Espace réservé du numéro de diapositive 1"/>
-          <p:cNvSpPr>
-            <a:spLocks noGrp="1"/>
-          </p:cNvSpPr>
-          <p:nvPr>
-            <p:ph type="sldNum" sz="quarter" idx="12"/>
-          </p:nvPr>
-        </p:nvSpPr>
-        <p:spPr/>
-        <p:txBody>
-          <a:bodyPr/>
-          <a:lstStyle/>
-          <a:p>
-            <a:pPr>
-              <a:defRPr/>
-            </a:pPr>
-            <a:fld id="{CEE9F434-548C-4338-8DF1-58B3EAFD3701}" type="slidenum">
-              <a:rPr lang="fr-FR" smtClean="0"/>
-              <a:pPr>
-                <a:defRPr/>
-              </a:pPr>
-              <a:t>22</a:t>
-            </a:fld>
-            <a:endParaRPr lang="fr-FR"/>
-          </a:p>
-        </p:txBody>
-      </p:sp>
-    </p:spTree>
-    <p:extLst>
-      <p:ext uri="{BB962C8B-B14F-4D97-AF65-F5344CB8AC3E}">
-        <p14:creationId xmlns:p14="http://schemas.microsoft.com/office/powerpoint/2010/main" val="3614249739"/>
-      </p:ext>
-    </p:extLst>
-  </p:cSld>
-  <p:clrMapOvr>
-    <a:masterClrMapping/>
-  </p:clrMapOvr>
-  <mc:AlternateContent xmlns:mc="http://schemas.openxmlformats.org/markup-compatibility/2006">
-    <mc:Choice xmlns:p14="http://schemas.microsoft.com/office/powerpoint/2010/main" Requires="p14">
-      <p:transition spd="med">
-        <p14:gallery dir="l"/>
-      </p:transition>
-    </mc:Choice>
-    <mc:Fallback>
-      <p:transition spd="med">
-        <p:fade/>
-      </p:transition>
-    </mc:Fallback>
-  </mc:AlternateContent>
-  <p:timing>
-    <p:tnLst>
-      <p:par>
-        <p:cTn id="1" dur="indefinite" restart="never" nodeType="tmRoot"/>
-      </p:par>
-    </p:tnLst>
-  </p:timing>
-</p:sld>
-</file>
-
-<file path=ppt/slides/slide23.xml><?xml version="1.0" encoding="utf-8"?>
 <p:sld xmlns:a="http://schemas.openxmlformats.org/drawingml/2006/main" xmlns:r="http://schemas.openxmlformats.org/officeDocument/2006/relationships" xmlns:p="http://schemas.openxmlformats.org/presentationml/2006/main">
   <p:cSld>
     <p:spTree>
@@ -10497,13 +11249,13 @@
   <p:clrMapOvr>
     <a:masterClrMapping/>
   </p:clrMapOvr>
-  <mc:AlternateContent xmlns:mc="http://schemas.openxmlformats.org/markup-compatibility/2006">
-    <mc:Choice xmlns:p14="http://schemas.microsoft.com/office/powerpoint/2010/main" Requires="p14">
+  <mc:AlternateContent xmlns:mc="http://schemas.openxmlformats.org/markup-compatibility/2006" xmlns:p14="http://schemas.microsoft.com/office/powerpoint/2010/main">
+    <mc:Choice Requires="p14">
       <p:transition spd="med">
         <p14:gallery dir="l"/>
       </p:transition>
     </mc:Choice>
-    <mc:Fallback>
+    <mc:Fallback xmlns="">
       <p:transition spd="med">
         <p:fade/>
       </p:transition>
@@ -10609,7 +11361,7 @@
                   </a:schemeClr>
                 </a:solidFill>
               </a:rPr>
-              <a:t>Le projet</a:t>
+              <a:t>Les besoins initiaux</a:t>
             </a:r>
           </a:p>
           <a:p>
@@ -10737,13 +11489,13 @@
   <p:clrMapOvr>
     <a:masterClrMapping/>
   </p:clrMapOvr>
-  <mc:AlternateContent xmlns:mc="http://schemas.openxmlformats.org/markup-compatibility/2006">
-    <mc:Choice xmlns:p14="http://schemas.microsoft.com/office/powerpoint/2010/main" Requires="p14">
+  <mc:AlternateContent xmlns:mc="http://schemas.openxmlformats.org/markup-compatibility/2006" xmlns:p14="http://schemas.microsoft.com/office/powerpoint/2010/main">
+    <mc:Choice Requires="p14">
       <p:transition spd="med">
         <p14:gallery dir="l"/>
       </p:transition>
     </mc:Choice>
-    <mc:Fallback>
+    <mc:Fallback xmlns="">
       <p:transition spd="med">
         <p:fade/>
       </p:transition>
@@ -10939,13 +11691,13 @@
   <p:clrMapOvr>
     <a:masterClrMapping/>
   </p:clrMapOvr>
-  <mc:AlternateContent xmlns:mc="http://schemas.openxmlformats.org/markup-compatibility/2006">
-    <mc:Choice xmlns:p14="http://schemas.microsoft.com/office/powerpoint/2010/main" Requires="p14">
+  <mc:AlternateContent xmlns:mc="http://schemas.openxmlformats.org/markup-compatibility/2006" xmlns:p14="http://schemas.microsoft.com/office/powerpoint/2010/main">
+    <mc:Choice Requires="p14">
       <p:transition spd="med">
         <p14:gallery dir="l"/>
       </p:transition>
     </mc:Choice>
-    <mc:Fallback>
+    <mc:Fallback xmlns="">
       <p:transition spd="med">
         <p:fade/>
       </p:transition>
@@ -11182,13 +11934,13 @@
   <p:clrMapOvr>
     <a:masterClrMapping/>
   </p:clrMapOvr>
-  <mc:AlternateContent xmlns:mc="http://schemas.openxmlformats.org/markup-compatibility/2006">
-    <mc:Choice xmlns:p14="http://schemas.microsoft.com/office/powerpoint/2010/main" Requires="p14">
+  <mc:AlternateContent xmlns:mc="http://schemas.openxmlformats.org/markup-compatibility/2006" xmlns:p14="http://schemas.microsoft.com/office/powerpoint/2010/main">
+    <mc:Choice Requires="p14">
       <p:transition spd="med">
         <p14:gallery dir="l"/>
       </p:transition>
     </mc:Choice>
-    <mc:Fallback>
+    <mc:Fallback xmlns="">
       <p:transition spd="med">
         <p:fade/>
       </p:transition>
@@ -11294,7 +12046,7 @@
             </a:pPr>
             <a:r>
               <a:rPr lang="fr-FR" dirty="0" smtClean="0"/>
-              <a:t>Le projet</a:t>
+              <a:t>Les besoin initiaux</a:t>
             </a:r>
           </a:p>
           <a:p>
@@ -11422,13 +12174,13 @@
   <p:clrMapOvr>
     <a:masterClrMapping/>
   </p:clrMapOvr>
-  <mc:AlternateContent xmlns:mc="http://schemas.openxmlformats.org/markup-compatibility/2006">
-    <mc:Choice xmlns:p14="http://schemas.microsoft.com/office/powerpoint/2010/main" Requires="p14">
+  <mc:AlternateContent xmlns:mc="http://schemas.openxmlformats.org/markup-compatibility/2006" xmlns:p14="http://schemas.microsoft.com/office/powerpoint/2010/main">
+    <mc:Choice Requires="p14">
       <p:transition spd="med">
         <p14:gallery dir="l"/>
       </p:transition>
     </mc:Choice>
-    <mc:Fallback>
+    <mc:Fallback xmlns="">
       <p:transition spd="med">
         <p:fade/>
       </p:transition>
@@ -11642,13 +12394,13 @@
   <p:clrMapOvr>
     <a:masterClrMapping/>
   </p:clrMapOvr>
-  <mc:AlternateContent xmlns:mc="http://schemas.openxmlformats.org/markup-compatibility/2006">
-    <mc:Choice xmlns:p14="http://schemas.microsoft.com/office/powerpoint/2010/main" Requires="p14">
+  <mc:AlternateContent xmlns:mc="http://schemas.openxmlformats.org/markup-compatibility/2006" xmlns:p14="http://schemas.microsoft.com/office/powerpoint/2010/main">
+    <mc:Choice Requires="p14">
       <p:transition spd="med">
         <p14:gallery dir="l"/>
       </p:transition>
     </mc:Choice>
-    <mc:Fallback>
+    <mc:Fallback xmlns="">
       <p:transition spd="med">
         <p:fade/>
       </p:transition>
@@ -12063,31 +12815,52 @@
                 <a:spcPct val="170000"/>
               </a:lnSpc>
             </a:pPr>
+            <a:endParaRPr lang="fr-FR" dirty="0" smtClean="0"/>
+          </a:p>
+          <a:p>
+            <a:pPr>
+              <a:lnSpc>
+                <a:spcPct val="170000"/>
+              </a:lnSpc>
+            </a:pPr>
             <a:r>
               <a:rPr lang="fr-FR" dirty="0" smtClean="0"/>
-              <a:t>Anticiper la charge de travail</a:t>
-            </a:r>
-          </a:p>
-          <a:p>
-            <a:endParaRPr lang="fr-FR" dirty="0" smtClean="0"/>
-          </a:p>
-          <a:p>
-            <a:pPr lvl="1"/>
+              <a:t>3 acteurs : </a:t>
+            </a:r>
+          </a:p>
+          <a:p>
+            <a:pPr lvl="1">
+              <a:lnSpc>
+                <a:spcPct val="170000"/>
+              </a:lnSpc>
+            </a:pPr>
             <a:r>
               <a:rPr lang="fr-FR" dirty="0" smtClean="0"/>
-              <a:t>Création &amp; gestion des évènements en amont par les organisateurs</a:t>
-            </a:r>
-          </a:p>
-          <a:p>
-            <a:pPr lvl="1"/>
-            <a:endParaRPr lang="fr-FR" dirty="0" smtClean="0"/>
-          </a:p>
-          <a:p>
-            <a:pPr lvl="1"/>
+              <a:t>Organisateur</a:t>
+            </a:r>
+          </a:p>
+          <a:p>
+            <a:pPr lvl="1">
+              <a:lnSpc>
+                <a:spcPct val="170000"/>
+              </a:lnSpc>
+            </a:pPr>
             <a:r>
               <a:rPr lang="fr-FR" dirty="0" smtClean="0"/>
-              <a:t>Création d’un accès web pour une pré-inscription des visiteurs</a:t>
-            </a:r>
+              <a:t>Visiteur</a:t>
+            </a:r>
+          </a:p>
+          <a:p>
+            <a:pPr lvl="1">
+              <a:lnSpc>
+                <a:spcPct val="170000"/>
+              </a:lnSpc>
+            </a:pPr>
+            <a:r>
+              <a:rPr lang="fr-FR" dirty="0" smtClean="0"/>
+              <a:t>Accréditeur</a:t>
+            </a:r>
+            <a:endParaRPr lang="fr-FR" dirty="0"/>
           </a:p>
         </p:txBody>
       </p:sp>
@@ -12155,6 +12928,465 @@
     </p:spTree>
     <p:extLst>
       <p:ext uri="{BB962C8B-B14F-4D97-AF65-F5344CB8AC3E}">
+        <p14:creationId xmlns:p14="http://schemas.microsoft.com/office/powerpoint/2010/main" val="1957074766"/>
+      </p:ext>
+    </p:extLst>
+  </p:cSld>
+  <p:clrMapOvr>
+    <a:masterClrMapping/>
+  </p:clrMapOvr>
+  <mc:AlternateContent xmlns:mc="http://schemas.openxmlformats.org/markup-compatibility/2006" xmlns:p14="http://schemas.microsoft.com/office/powerpoint/2010/main">
+    <mc:Choice Requires="p14">
+      <p:transition spd="med">
+        <p14:gallery dir="l"/>
+      </p:transition>
+    </mc:Choice>
+    <mc:Fallback xmlns="">
+      <p:transition spd="med">
+        <p:fade/>
+      </p:transition>
+    </mc:Fallback>
+  </mc:AlternateContent>
+  <p:timing>
+    <p:tnLst>
+      <p:par>
+        <p:cTn id="1" dur="indefinite" restart="never" nodeType="tmRoot">
+          <p:childTnLst>
+            <p:seq concurrent="1" nextAc="seek">
+              <p:cTn id="2" dur="indefinite" nodeType="mainSeq">
+                <p:childTnLst>
+                  <p:par>
+                    <p:cTn id="3" fill="hold">
+                      <p:stCondLst>
+                        <p:cond delay="indefinite"/>
+                      </p:stCondLst>
+                      <p:childTnLst>
+                        <p:par>
+                          <p:cTn id="4" fill="hold">
+                            <p:stCondLst>
+                              <p:cond delay="0"/>
+                            </p:stCondLst>
+                            <p:childTnLst>
+                              <p:par>
+                                <p:cTn id="5" presetID="10" presetClass="entr" presetSubtype="0" fill="hold" nodeType="clickEffect">
+                                  <p:stCondLst>
+                                    <p:cond delay="0"/>
+                                  </p:stCondLst>
+                                  <p:childTnLst>
+                                    <p:set>
+                                      <p:cBhvr>
+                                        <p:cTn id="6" dur="1" fill="hold">
+                                          <p:stCondLst>
+                                            <p:cond delay="0"/>
+                                          </p:stCondLst>
+                                        </p:cTn>
+                                        <p:tgtEl>
+                                          <p:spTgt spid="3075">
+                                            <p:txEl>
+                                              <p:pRg st="2" end="2"/>
+                                            </p:txEl>
+                                          </p:spTgt>
+                                        </p:tgtEl>
+                                        <p:attrNameLst>
+                                          <p:attrName>style.visibility</p:attrName>
+                                        </p:attrNameLst>
+                                      </p:cBhvr>
+                                      <p:to>
+                                        <p:strVal val="visible"/>
+                                      </p:to>
+                                    </p:set>
+                                    <p:animEffect transition="in" filter="fade">
+                                      <p:cBhvr>
+                                        <p:cTn id="7" dur="500"/>
+                                        <p:tgtEl>
+                                          <p:spTgt spid="3075">
+                                            <p:txEl>
+                                              <p:pRg st="2" end="2"/>
+                                            </p:txEl>
+                                          </p:spTgt>
+                                        </p:tgtEl>
+                                      </p:cBhvr>
+                                    </p:animEffect>
+                                  </p:childTnLst>
+                                </p:cTn>
+                              </p:par>
+                            </p:childTnLst>
+                          </p:cTn>
+                        </p:par>
+                      </p:childTnLst>
+                    </p:cTn>
+                  </p:par>
+                  <p:par>
+                    <p:cTn id="8" fill="hold">
+                      <p:stCondLst>
+                        <p:cond delay="indefinite"/>
+                      </p:stCondLst>
+                      <p:childTnLst>
+                        <p:par>
+                          <p:cTn id="9" fill="hold">
+                            <p:stCondLst>
+                              <p:cond delay="0"/>
+                            </p:stCondLst>
+                            <p:childTnLst>
+                              <p:par>
+                                <p:cTn id="10" presetID="10" presetClass="entr" presetSubtype="0" fill="hold" nodeType="clickEffect">
+                                  <p:stCondLst>
+                                    <p:cond delay="0"/>
+                                  </p:stCondLst>
+                                  <p:childTnLst>
+                                    <p:set>
+                                      <p:cBhvr>
+                                        <p:cTn id="11" dur="1" fill="hold">
+                                          <p:stCondLst>
+                                            <p:cond delay="0"/>
+                                          </p:stCondLst>
+                                        </p:cTn>
+                                        <p:tgtEl>
+                                          <p:spTgt spid="3075">
+                                            <p:txEl>
+                                              <p:pRg st="1" end="1"/>
+                                            </p:txEl>
+                                          </p:spTgt>
+                                        </p:tgtEl>
+                                        <p:attrNameLst>
+                                          <p:attrName>style.visibility</p:attrName>
+                                        </p:attrNameLst>
+                                      </p:cBhvr>
+                                      <p:to>
+                                        <p:strVal val="visible"/>
+                                      </p:to>
+                                    </p:set>
+                                    <p:animEffect transition="in" filter="fade">
+                                      <p:cBhvr>
+                                        <p:cTn id="12" dur="500"/>
+                                        <p:tgtEl>
+                                          <p:spTgt spid="3075">
+                                            <p:txEl>
+                                              <p:pRg st="1" end="1"/>
+                                            </p:txEl>
+                                          </p:spTgt>
+                                        </p:tgtEl>
+                                      </p:cBhvr>
+                                    </p:animEffect>
+                                  </p:childTnLst>
+                                </p:cTn>
+                              </p:par>
+                            </p:childTnLst>
+                          </p:cTn>
+                        </p:par>
+                      </p:childTnLst>
+                    </p:cTn>
+                  </p:par>
+                  <p:par>
+                    <p:cTn id="13" fill="hold">
+                      <p:stCondLst>
+                        <p:cond delay="indefinite"/>
+                      </p:stCondLst>
+                      <p:childTnLst>
+                        <p:par>
+                          <p:cTn id="14" fill="hold">
+                            <p:stCondLst>
+                              <p:cond delay="0"/>
+                            </p:stCondLst>
+                            <p:childTnLst>
+                              <p:par>
+                                <p:cTn id="15" presetID="10" presetClass="entr" presetSubtype="0" fill="hold" nodeType="clickEffect">
+                                  <p:stCondLst>
+                                    <p:cond delay="0"/>
+                                  </p:stCondLst>
+                                  <p:childTnLst>
+                                    <p:set>
+                                      <p:cBhvr>
+                                        <p:cTn id="16" dur="1" fill="hold">
+                                          <p:stCondLst>
+                                            <p:cond delay="0"/>
+                                          </p:stCondLst>
+                                        </p:cTn>
+                                        <p:tgtEl>
+                                          <p:spTgt spid="3075">
+                                            <p:txEl>
+                                              <p:pRg st="3" end="3"/>
+                                            </p:txEl>
+                                          </p:spTgt>
+                                        </p:tgtEl>
+                                        <p:attrNameLst>
+                                          <p:attrName>style.visibility</p:attrName>
+                                        </p:attrNameLst>
+                                      </p:cBhvr>
+                                      <p:to>
+                                        <p:strVal val="visible"/>
+                                      </p:to>
+                                    </p:set>
+                                    <p:animEffect transition="in" filter="fade">
+                                      <p:cBhvr>
+                                        <p:cTn id="17" dur="500"/>
+                                        <p:tgtEl>
+                                          <p:spTgt spid="3075">
+                                            <p:txEl>
+                                              <p:pRg st="3" end="3"/>
+                                            </p:txEl>
+                                          </p:spTgt>
+                                        </p:tgtEl>
+                                      </p:cBhvr>
+                                    </p:animEffect>
+                                  </p:childTnLst>
+                                </p:cTn>
+                              </p:par>
+                            </p:childTnLst>
+                          </p:cTn>
+                        </p:par>
+                      </p:childTnLst>
+                    </p:cTn>
+                  </p:par>
+                  <p:par>
+                    <p:cTn id="18" fill="hold">
+                      <p:stCondLst>
+                        <p:cond delay="indefinite"/>
+                      </p:stCondLst>
+                      <p:childTnLst>
+                        <p:par>
+                          <p:cTn id="19" fill="hold">
+                            <p:stCondLst>
+                              <p:cond delay="0"/>
+                            </p:stCondLst>
+                            <p:childTnLst>
+                              <p:par>
+                                <p:cTn id="20" presetID="10" presetClass="entr" presetSubtype="0" fill="hold" nodeType="clickEffect">
+                                  <p:stCondLst>
+                                    <p:cond delay="0"/>
+                                  </p:stCondLst>
+                                  <p:childTnLst>
+                                    <p:set>
+                                      <p:cBhvr>
+                                        <p:cTn id="21" dur="1" fill="hold">
+                                          <p:stCondLst>
+                                            <p:cond delay="0"/>
+                                          </p:stCondLst>
+                                        </p:cTn>
+                                        <p:tgtEl>
+                                          <p:spTgt spid="3075">
+                                            <p:txEl>
+                                              <p:pRg st="4" end="4"/>
+                                            </p:txEl>
+                                          </p:spTgt>
+                                        </p:tgtEl>
+                                        <p:attrNameLst>
+                                          <p:attrName>style.visibility</p:attrName>
+                                        </p:attrNameLst>
+                                      </p:cBhvr>
+                                      <p:to>
+                                        <p:strVal val="visible"/>
+                                      </p:to>
+                                    </p:set>
+                                    <p:animEffect transition="in" filter="fade">
+                                      <p:cBhvr>
+                                        <p:cTn id="22" dur="500"/>
+                                        <p:tgtEl>
+                                          <p:spTgt spid="3075">
+                                            <p:txEl>
+                                              <p:pRg st="4" end="4"/>
+                                            </p:txEl>
+                                          </p:spTgt>
+                                        </p:tgtEl>
+                                      </p:cBhvr>
+                                    </p:animEffect>
+                                  </p:childTnLst>
+                                </p:cTn>
+                              </p:par>
+                            </p:childTnLst>
+                          </p:cTn>
+                        </p:par>
+                      </p:childTnLst>
+                    </p:cTn>
+                  </p:par>
+                </p:childTnLst>
+              </p:cTn>
+              <p:prevCondLst>
+                <p:cond evt="onPrev" delay="0">
+                  <p:tgtEl>
+                    <p:sldTgt/>
+                  </p:tgtEl>
+                </p:cond>
+              </p:prevCondLst>
+              <p:nextCondLst>
+                <p:cond evt="onNext" delay="0">
+                  <p:tgtEl>
+                    <p:sldTgt/>
+                  </p:tgtEl>
+                </p:cond>
+              </p:nextCondLst>
+            </p:seq>
+          </p:childTnLst>
+        </p:cTn>
+      </p:par>
+    </p:tnLst>
+  </p:timing>
+</p:sld>
+</file>
+
+<file path=ppt/slides/slide9.xml><?xml version="1.0" encoding="utf-8"?>
+<p:sld xmlns:a="http://schemas.openxmlformats.org/drawingml/2006/main" xmlns:r="http://schemas.openxmlformats.org/officeDocument/2006/relationships" xmlns:p="http://schemas.openxmlformats.org/presentationml/2006/main">
+  <p:cSld>
+    <p:spTree>
+      <p:nvGrpSpPr>
+        <p:cNvPr id="1" name=""/>
+        <p:cNvGrpSpPr/>
+        <p:nvPr/>
+      </p:nvGrpSpPr>
+      <p:grpSpPr>
+        <a:xfrm>
+          <a:off x="0" y="0"/>
+          <a:ext cx="0" cy="0"/>
+          <a:chOff x="0" y="0"/>
+          <a:chExt cx="0" cy="0"/>
+        </a:xfrm>
+      </p:grpSpPr>
+      <p:sp>
+        <p:nvSpPr>
+          <p:cNvPr id="3074" name="Titre 1"/>
+          <p:cNvSpPr>
+            <a:spLocks noGrp="1"/>
+          </p:cNvSpPr>
+          <p:nvPr>
+            <p:ph type="title"/>
+          </p:nvPr>
+        </p:nvSpPr>
+        <p:spPr>
+          <a:xfrm>
+            <a:off x="457200" y="773832"/>
+            <a:ext cx="8229600" cy="1143000"/>
+          </a:xfrm>
+        </p:spPr>
+        <p:txBody>
+          <a:bodyPr/>
+          <a:lstStyle/>
+          <a:p>
+            <a:r>
+              <a:rPr lang="fr-FR" dirty="0" smtClean="0"/>
+              <a:t>Besoins organisationnels</a:t>
+            </a:r>
+          </a:p>
+        </p:txBody>
+      </p:sp>
+      <p:sp>
+        <p:nvSpPr>
+          <p:cNvPr id="3075" name="Espace réservé du contenu 2"/>
+          <p:cNvSpPr>
+            <a:spLocks noGrp="1"/>
+          </p:cNvSpPr>
+          <p:nvPr>
+            <p:ph idx="1"/>
+          </p:nvPr>
+        </p:nvSpPr>
+        <p:spPr>
+          <a:xfrm>
+            <a:off x="457200" y="1600200"/>
+            <a:ext cx="8229600" cy="5141168"/>
+          </a:xfrm>
+        </p:spPr>
+        <p:txBody>
+          <a:bodyPr>
+            <a:normAutofit/>
+          </a:bodyPr>
+          <a:lstStyle/>
+          <a:p>
+            <a:pPr>
+              <a:lnSpc>
+                <a:spcPct val="170000"/>
+              </a:lnSpc>
+            </a:pPr>
+            <a:r>
+              <a:rPr lang="fr-FR" dirty="0" smtClean="0"/>
+              <a:t>Anticiper la charge de travail</a:t>
+            </a:r>
+          </a:p>
+          <a:p>
+            <a:endParaRPr lang="fr-FR" dirty="0" smtClean="0"/>
+          </a:p>
+          <a:p>
+            <a:pPr lvl="1"/>
+            <a:r>
+              <a:rPr lang="fr-FR" dirty="0" smtClean="0"/>
+              <a:t>Création &amp; gestion des évènements en amont par les organisateurs</a:t>
+            </a:r>
+          </a:p>
+          <a:p>
+            <a:pPr lvl="1"/>
+            <a:endParaRPr lang="fr-FR" dirty="0" smtClean="0"/>
+          </a:p>
+          <a:p>
+            <a:pPr lvl="1"/>
+            <a:r>
+              <a:rPr lang="fr-FR" dirty="0" smtClean="0"/>
+              <a:t>Création d’un accès web pour une pré-inscription des visiteurs</a:t>
+            </a:r>
+          </a:p>
+        </p:txBody>
+      </p:sp>
+      <p:pic>
+        <p:nvPicPr>
+          <p:cNvPr id="3076" name="Image 4"/>
+          <p:cNvPicPr>
+            <a:picLocks noChangeAspect="1"/>
+          </p:cNvPicPr>
+          <p:nvPr/>
+        </p:nvPicPr>
+        <p:blipFill>
+          <a:blip r:embed="rId3" cstate="print"/>
+          <a:srcRect/>
+          <a:stretch>
+            <a:fillRect/>
+          </a:stretch>
+        </p:blipFill>
+        <p:spPr bwMode="auto">
+          <a:xfrm>
+            <a:off x="0" y="0"/>
+            <a:ext cx="9144000" cy="646113"/>
+          </a:xfrm>
+          <a:prstGeom prst="rect">
+            <a:avLst/>
+          </a:prstGeom>
+          <a:noFill/>
+          <a:ln w="9525">
+            <a:noFill/>
+            <a:miter lim="800000"/>
+            <a:headEnd/>
+            <a:tailEnd/>
+          </a:ln>
+        </p:spPr>
+      </p:pic>
+      <p:sp>
+        <p:nvSpPr>
+          <p:cNvPr id="2" name="Espace réservé du numéro de diapositive 1"/>
+          <p:cNvSpPr>
+            <a:spLocks noGrp="1"/>
+          </p:cNvSpPr>
+          <p:nvPr>
+            <p:ph type="sldNum" sz="quarter" idx="12"/>
+          </p:nvPr>
+        </p:nvSpPr>
+        <p:spPr/>
+        <p:txBody>
+          <a:bodyPr/>
+          <a:lstStyle/>
+          <a:p>
+            <a:pPr>
+              <a:defRPr/>
+            </a:pPr>
+            <a:fld id="{CEE9F434-548C-4338-8DF1-58B3EAFD3701}" type="slidenum">
+              <a:rPr lang="fr-FR" smtClean="0"/>
+              <a:pPr>
+                <a:defRPr/>
+              </a:pPr>
+              <a:t>9</a:t>
+            </a:fld>
+            <a:endParaRPr lang="fr-FR"/>
+          </a:p>
+        </p:txBody>
+      </p:sp>
+    </p:spTree>
+    <p:extLst>
+      <p:ext uri="{BB962C8B-B14F-4D97-AF65-F5344CB8AC3E}">
         <p14:creationId xmlns:p14="http://schemas.microsoft.com/office/powerpoint/2010/main" val="203987911"/>
       </p:ext>
     </p:extLst>
@@ -12162,13 +13394,13 @@
   <p:clrMapOvr>
     <a:masterClrMapping/>
   </p:clrMapOvr>
-  <mc:AlternateContent xmlns:mc="http://schemas.openxmlformats.org/markup-compatibility/2006">
-    <mc:Choice xmlns:p14="http://schemas.microsoft.com/office/powerpoint/2010/main" Requires="p14">
+  <mc:AlternateContent xmlns:mc="http://schemas.openxmlformats.org/markup-compatibility/2006" xmlns:p14="http://schemas.microsoft.com/office/powerpoint/2010/main">
+    <mc:Choice Requires="p14">
       <p:transition spd="med">
         <p14:gallery dir="l"/>
       </p:transition>
     </mc:Choice>
-    <mc:Fallback>
+    <mc:Fallback xmlns="">
       <p:transition spd="med">
         <p:fade/>
       </p:transition>
@@ -12268,434 +13500,6 @@
                                     <p:animEffect transition="in" filter="fade">
                                       <p:cBhvr>
                                         <p:cTn id="10" dur="500"/>
-                                        <p:tgtEl>
-                                          <p:spTgt spid="3075">
-                                            <p:txEl>
-                                              <p:pRg st="4" end="4"/>
-                                            </p:txEl>
-                                          </p:spTgt>
-                                        </p:tgtEl>
-                                      </p:cBhvr>
-                                    </p:animEffect>
-                                  </p:childTnLst>
-                                </p:cTn>
-                              </p:par>
-                            </p:childTnLst>
-                          </p:cTn>
-                        </p:par>
-                      </p:childTnLst>
-                    </p:cTn>
-                  </p:par>
-                </p:childTnLst>
-              </p:cTn>
-              <p:prevCondLst>
-                <p:cond evt="onPrev" delay="0">
-                  <p:tgtEl>
-                    <p:sldTgt/>
-                  </p:tgtEl>
-                </p:cond>
-              </p:prevCondLst>
-              <p:nextCondLst>
-                <p:cond evt="onNext" delay="0">
-                  <p:tgtEl>
-                    <p:sldTgt/>
-                  </p:tgtEl>
-                </p:cond>
-              </p:nextCondLst>
-            </p:seq>
-          </p:childTnLst>
-        </p:cTn>
-      </p:par>
-    </p:tnLst>
-  </p:timing>
-</p:sld>
-</file>
-
-<file path=ppt/slides/slide9.xml><?xml version="1.0" encoding="utf-8"?>
-<p:sld xmlns:a="http://schemas.openxmlformats.org/drawingml/2006/main" xmlns:r="http://schemas.openxmlformats.org/officeDocument/2006/relationships" xmlns:p="http://schemas.openxmlformats.org/presentationml/2006/main">
-  <p:cSld>
-    <p:spTree>
-      <p:nvGrpSpPr>
-        <p:cNvPr id="1" name=""/>
-        <p:cNvGrpSpPr/>
-        <p:nvPr/>
-      </p:nvGrpSpPr>
-      <p:grpSpPr>
-        <a:xfrm>
-          <a:off x="0" y="0"/>
-          <a:ext cx="0" cy="0"/>
-          <a:chOff x="0" y="0"/>
-          <a:chExt cx="0" cy="0"/>
-        </a:xfrm>
-      </p:grpSpPr>
-      <p:sp>
-        <p:nvSpPr>
-          <p:cNvPr id="3074" name="Titre 1"/>
-          <p:cNvSpPr>
-            <a:spLocks noGrp="1"/>
-          </p:cNvSpPr>
-          <p:nvPr>
-            <p:ph type="title"/>
-          </p:nvPr>
-        </p:nvSpPr>
-        <p:spPr>
-          <a:xfrm>
-            <a:off x="457200" y="773832"/>
-            <a:ext cx="8229600" cy="1143000"/>
-          </a:xfrm>
-        </p:spPr>
-        <p:txBody>
-          <a:bodyPr/>
-          <a:lstStyle/>
-          <a:p>
-            <a:r>
-              <a:rPr lang="fr-FR" dirty="0" smtClean="0"/>
-              <a:t>Besoins organisationnels</a:t>
-            </a:r>
-          </a:p>
-        </p:txBody>
-      </p:sp>
-      <p:sp>
-        <p:nvSpPr>
-          <p:cNvPr id="3075" name="Espace réservé du contenu 2"/>
-          <p:cNvSpPr>
-            <a:spLocks noGrp="1"/>
-          </p:cNvSpPr>
-          <p:nvPr>
-            <p:ph idx="1"/>
-          </p:nvPr>
-        </p:nvSpPr>
-        <p:spPr>
-          <a:xfrm>
-            <a:off x="457200" y="1600200"/>
-            <a:ext cx="8229600" cy="5141168"/>
-          </a:xfrm>
-        </p:spPr>
-        <p:txBody>
-          <a:bodyPr>
-            <a:normAutofit fontScale="92500"/>
-          </a:bodyPr>
-          <a:lstStyle/>
-          <a:p>
-            <a:pPr>
-              <a:lnSpc>
-                <a:spcPct val="170000"/>
-              </a:lnSpc>
-            </a:pPr>
-            <a:r>
-              <a:rPr lang="fr-FR" dirty="0" smtClean="0"/>
-              <a:t>Simplifier le processus d’accréditation</a:t>
-            </a:r>
-          </a:p>
-          <a:p>
-            <a:pPr lvl="1">
-              <a:lnSpc>
-                <a:spcPct val="200000"/>
-              </a:lnSpc>
-            </a:pPr>
-            <a:r>
-              <a:rPr lang="fr-FR" dirty="0" smtClean="0"/>
-              <a:t>Inscription, validation &amp; impression simplifiés</a:t>
-            </a:r>
-          </a:p>
-          <a:p>
-            <a:pPr lvl="1">
-              <a:lnSpc>
-                <a:spcPct val="200000"/>
-              </a:lnSpc>
-            </a:pPr>
-            <a:r>
-              <a:rPr lang="fr-FR" dirty="0" smtClean="0"/>
-              <a:t>Accès rapide &amp; ergonomie soignée</a:t>
-            </a:r>
-          </a:p>
-          <a:p>
-            <a:pPr lvl="1">
-              <a:lnSpc>
-                <a:spcPct val="200000"/>
-              </a:lnSpc>
-            </a:pPr>
-            <a:r>
-              <a:rPr lang="fr-FR" dirty="0" smtClean="0"/>
-              <a:t>Outils génériques d’exportation sous divers formats</a:t>
-            </a:r>
-          </a:p>
-          <a:p>
-            <a:pPr lvl="1">
-              <a:lnSpc>
-                <a:spcPct val="200000"/>
-              </a:lnSpc>
-            </a:pPr>
-            <a:r>
-              <a:rPr lang="fr-FR" dirty="0" smtClean="0"/>
-              <a:t>Application non restreinte au seul cas de Courchevel</a:t>
-            </a:r>
-          </a:p>
-        </p:txBody>
-      </p:sp>
-      <p:pic>
-        <p:nvPicPr>
-          <p:cNvPr id="3076" name="Image 4"/>
-          <p:cNvPicPr>
-            <a:picLocks noChangeAspect="1"/>
-          </p:cNvPicPr>
-          <p:nvPr/>
-        </p:nvPicPr>
-        <p:blipFill>
-          <a:blip r:embed="rId3" cstate="print"/>
-          <a:srcRect/>
-          <a:stretch>
-            <a:fillRect/>
-          </a:stretch>
-        </p:blipFill>
-        <p:spPr bwMode="auto">
-          <a:xfrm>
-            <a:off x="0" y="0"/>
-            <a:ext cx="9144000" cy="646113"/>
-          </a:xfrm>
-          <a:prstGeom prst="rect">
-            <a:avLst/>
-          </a:prstGeom>
-          <a:noFill/>
-          <a:ln w="9525">
-            <a:noFill/>
-            <a:miter lim="800000"/>
-            <a:headEnd/>
-            <a:tailEnd/>
-          </a:ln>
-        </p:spPr>
-      </p:pic>
-      <p:sp>
-        <p:nvSpPr>
-          <p:cNvPr id="2" name="Espace réservé du numéro de diapositive 1"/>
-          <p:cNvSpPr>
-            <a:spLocks noGrp="1"/>
-          </p:cNvSpPr>
-          <p:nvPr>
-            <p:ph type="sldNum" sz="quarter" idx="12"/>
-          </p:nvPr>
-        </p:nvSpPr>
-        <p:spPr/>
-        <p:txBody>
-          <a:bodyPr/>
-          <a:lstStyle/>
-          <a:p>
-            <a:pPr>
-              <a:defRPr/>
-            </a:pPr>
-            <a:fld id="{CEE9F434-548C-4338-8DF1-58B3EAFD3701}" type="slidenum">
-              <a:rPr lang="fr-FR" smtClean="0"/>
-              <a:pPr>
-                <a:defRPr/>
-              </a:pPr>
-              <a:t>9</a:t>
-            </a:fld>
-            <a:endParaRPr lang="fr-FR"/>
-          </a:p>
-        </p:txBody>
-      </p:sp>
-    </p:spTree>
-    <p:extLst>
-      <p:ext uri="{BB962C8B-B14F-4D97-AF65-F5344CB8AC3E}">
-        <p14:creationId xmlns:p14="http://schemas.microsoft.com/office/powerpoint/2010/main" val="2426875742"/>
-      </p:ext>
-    </p:extLst>
-  </p:cSld>
-  <p:clrMapOvr>
-    <a:masterClrMapping/>
-  </p:clrMapOvr>
-  <mc:AlternateContent xmlns:mc="http://schemas.openxmlformats.org/markup-compatibility/2006">
-    <mc:Choice xmlns:p14="http://schemas.microsoft.com/office/powerpoint/2010/main" Requires="p14">
-      <p:transition spd="med">
-        <p14:gallery dir="l"/>
-      </p:transition>
-    </mc:Choice>
-    <mc:Fallback>
-      <p:transition spd="med">
-        <p:fade/>
-      </p:transition>
-    </mc:Fallback>
-  </mc:AlternateContent>
-  <p:timing>
-    <p:tnLst>
-      <p:par>
-        <p:cTn id="1" dur="indefinite" restart="never" nodeType="tmRoot">
-          <p:childTnLst>
-            <p:seq concurrent="1" nextAc="seek">
-              <p:cTn id="2" dur="indefinite" nodeType="mainSeq">
-                <p:childTnLst>
-                  <p:par>
-                    <p:cTn id="3" fill="hold">
-                      <p:stCondLst>
-                        <p:cond delay="indefinite"/>
-                      </p:stCondLst>
-                      <p:childTnLst>
-                        <p:par>
-                          <p:cTn id="4" fill="hold">
-                            <p:stCondLst>
-                              <p:cond delay="0"/>
-                            </p:stCondLst>
-                            <p:childTnLst>
-                              <p:par>
-                                <p:cTn id="5" presetID="10" presetClass="entr" presetSubtype="0" fill="hold" nodeType="clickEffect">
-                                  <p:stCondLst>
-                                    <p:cond delay="0"/>
-                                  </p:stCondLst>
-                                  <p:childTnLst>
-                                    <p:set>
-                                      <p:cBhvr>
-                                        <p:cTn id="6" dur="1" fill="hold">
-                                          <p:stCondLst>
-                                            <p:cond delay="0"/>
-                                          </p:stCondLst>
-                                        </p:cTn>
-                                        <p:tgtEl>
-                                          <p:spTgt spid="3075">
-                                            <p:txEl>
-                                              <p:pRg st="1" end="1"/>
-                                            </p:txEl>
-                                          </p:spTgt>
-                                        </p:tgtEl>
-                                        <p:attrNameLst>
-                                          <p:attrName>style.visibility</p:attrName>
-                                        </p:attrNameLst>
-                                      </p:cBhvr>
-                                      <p:to>
-                                        <p:strVal val="visible"/>
-                                      </p:to>
-                                    </p:set>
-                                    <p:animEffect transition="in" filter="fade">
-                                      <p:cBhvr>
-                                        <p:cTn id="7" dur="500"/>
-                                        <p:tgtEl>
-                                          <p:spTgt spid="3075">
-                                            <p:txEl>
-                                              <p:pRg st="1" end="1"/>
-                                            </p:txEl>
-                                          </p:spTgt>
-                                        </p:tgtEl>
-                                      </p:cBhvr>
-                                    </p:animEffect>
-                                  </p:childTnLst>
-                                </p:cTn>
-                              </p:par>
-                              <p:par>
-                                <p:cTn id="8" presetID="10" presetClass="entr" presetSubtype="0" fill="hold" nodeType="withEffect">
-                                  <p:stCondLst>
-                                    <p:cond delay="0"/>
-                                  </p:stCondLst>
-                                  <p:childTnLst>
-                                    <p:set>
-                                      <p:cBhvr>
-                                        <p:cTn id="9" dur="1" fill="hold">
-                                          <p:stCondLst>
-                                            <p:cond delay="0"/>
-                                          </p:stCondLst>
-                                        </p:cTn>
-                                        <p:tgtEl>
-                                          <p:spTgt spid="3075">
-                                            <p:txEl>
-                                              <p:pRg st="2" end="2"/>
-                                            </p:txEl>
-                                          </p:spTgt>
-                                        </p:tgtEl>
-                                        <p:attrNameLst>
-                                          <p:attrName>style.visibility</p:attrName>
-                                        </p:attrNameLst>
-                                      </p:cBhvr>
-                                      <p:to>
-                                        <p:strVal val="visible"/>
-                                      </p:to>
-                                    </p:set>
-                                    <p:animEffect transition="in" filter="fade">
-                                      <p:cBhvr>
-                                        <p:cTn id="10" dur="500"/>
-                                        <p:tgtEl>
-                                          <p:spTgt spid="3075">
-                                            <p:txEl>
-                                              <p:pRg st="2" end="2"/>
-                                            </p:txEl>
-                                          </p:spTgt>
-                                        </p:tgtEl>
-                                      </p:cBhvr>
-                                    </p:animEffect>
-                                  </p:childTnLst>
-                                </p:cTn>
-                              </p:par>
-                              <p:par>
-                                <p:cTn id="11" presetID="10" presetClass="entr" presetSubtype="0" fill="hold" nodeType="withEffect">
-                                  <p:stCondLst>
-                                    <p:cond delay="0"/>
-                                  </p:stCondLst>
-                                  <p:childTnLst>
-                                    <p:set>
-                                      <p:cBhvr>
-                                        <p:cTn id="12" dur="1" fill="hold">
-                                          <p:stCondLst>
-                                            <p:cond delay="0"/>
-                                          </p:stCondLst>
-                                        </p:cTn>
-                                        <p:tgtEl>
-                                          <p:spTgt spid="3075">
-                                            <p:txEl>
-                                              <p:pRg st="3" end="3"/>
-                                            </p:txEl>
-                                          </p:spTgt>
-                                        </p:tgtEl>
-                                        <p:attrNameLst>
-                                          <p:attrName>style.visibility</p:attrName>
-                                        </p:attrNameLst>
-                                      </p:cBhvr>
-                                      <p:to>
-                                        <p:strVal val="visible"/>
-                                      </p:to>
-                                    </p:set>
-                                    <p:animEffect transition="in" filter="fade">
-                                      <p:cBhvr>
-                                        <p:cTn id="13" dur="500"/>
-                                        <p:tgtEl>
-                                          <p:spTgt spid="3075">
-                                            <p:txEl>
-                                              <p:pRg st="3" end="3"/>
-                                            </p:txEl>
-                                          </p:spTgt>
-                                        </p:tgtEl>
-                                      </p:cBhvr>
-                                    </p:animEffect>
-                                  </p:childTnLst>
-                                </p:cTn>
-                              </p:par>
-                              <p:par>
-                                <p:cTn id="14" presetID="10" presetClass="entr" presetSubtype="0" fill="hold" nodeType="withEffect">
-                                  <p:stCondLst>
-                                    <p:cond delay="0"/>
-                                  </p:stCondLst>
-                                  <p:childTnLst>
-                                    <p:set>
-                                      <p:cBhvr>
-                                        <p:cTn id="15" dur="1" fill="hold">
-                                          <p:stCondLst>
-                                            <p:cond delay="0"/>
-                                          </p:stCondLst>
-                                        </p:cTn>
-                                        <p:tgtEl>
-                                          <p:spTgt spid="3075">
-                                            <p:txEl>
-                                              <p:pRg st="4" end="4"/>
-                                            </p:txEl>
-                                          </p:spTgt>
-                                        </p:tgtEl>
-                                        <p:attrNameLst>
-                                          <p:attrName>style.visibility</p:attrName>
-                                        </p:attrNameLst>
-                                      </p:cBhvr>
-                                      <p:to>
-                                        <p:strVal val="visible"/>
-                                      </p:to>
-                                    </p:set>
-                                    <p:animEffect transition="in" filter="fade">
-                                      <p:cBhvr>
-                                        <p:cTn id="16" dur="500"/>
                                         <p:tgtEl>
                                           <p:spTgt spid="3075">
                                             <p:txEl>
